--- a/CA Housing Prices Analysis.pptx
+++ b/CA Housing Prices Analysis.pptx
@@ -5,7 +5,7 @@
     <p:sldMasterId id="2147483712" r:id="rId4"/>
   </p:sldMasterIdLst>
   <p:notesMasterIdLst>
-    <p:notesMasterId r:id="rId14"/>
+    <p:notesMasterId r:id="rId15"/>
   </p:notesMasterIdLst>
   <p:sldIdLst>
     <p:sldId id="259" r:id="rId5"/>
@@ -13,10 +13,11 @@
     <p:sldId id="261" r:id="rId7"/>
     <p:sldId id="262" r:id="rId8"/>
     <p:sldId id="265" r:id="rId9"/>
-    <p:sldId id="266" r:id="rId10"/>
-    <p:sldId id="267" r:id="rId11"/>
-    <p:sldId id="263" r:id="rId12"/>
-    <p:sldId id="264" r:id="rId13"/>
+    <p:sldId id="268" r:id="rId10"/>
+    <p:sldId id="266" r:id="rId11"/>
+    <p:sldId id="267" r:id="rId12"/>
+    <p:sldId id="263" r:id="rId13"/>
+    <p:sldId id="264" r:id="rId14"/>
   </p:sldIdLst>
   <p:sldSz cx="12192000" cy="6858000"/>
   <p:notesSz cx="6858000" cy="9144000"/>
@@ -121,6 +122,362 @@
     </p:ext>
   </p:extLst>
 </p:presentation>
+</file>
+
+<file path=ppt/revisionInfo.xml><?xml version="1.0" encoding="utf-8"?>
+<p1510:revInfo xmlns:a="http://schemas.openxmlformats.org/drawingml/2006/main" xmlns:r="http://schemas.openxmlformats.org/officeDocument/2006/relationships" xmlns:p1510="http://schemas.microsoft.com/office/powerpoint/2015/10/main">
+  <p1510:revLst>
+    <p1510:client id="{FDA6E28C-406E-41EE-A1DD-C474C9987713}" v="11" dt="2021-08-07T13:40:09.751"/>
+  </p1510:revLst>
+</p1510:revInfo>
+</file>
+
+<file path=ppt/changesInfos/changesInfo1.xml><?xml version="1.0" encoding="utf-8"?>
+<pc:chgInfo xmlns:a="http://schemas.openxmlformats.org/drawingml/2006/main" xmlns:r="http://schemas.openxmlformats.org/officeDocument/2006/relationships" xmlns:ac="http://schemas.microsoft.com/office/drawing/2013/main/command" xmlns:pc="http://schemas.microsoft.com/office/powerpoint/2013/main/command">
+  <pc:docChgLst>
+    <pc:chgData name="mikez zaatri" userId="dc7c058cd1c617f1" providerId="LiveId" clId="{FDA6E28C-406E-41EE-A1DD-C474C9987713}"/>
+    <pc:docChg chg="undo custSel addSld modSld">
+      <pc:chgData name="mikez zaatri" userId="dc7c058cd1c617f1" providerId="LiveId" clId="{FDA6E28C-406E-41EE-A1DD-C474C9987713}" dt="2021-08-07T13:40:14.128" v="134" actId="14100"/>
+      <pc:docMkLst>
+        <pc:docMk/>
+      </pc:docMkLst>
+      <pc:sldChg chg="addSp delSp modSp mod">
+        <pc:chgData name="mikez zaatri" userId="dc7c058cd1c617f1" providerId="LiveId" clId="{FDA6E28C-406E-41EE-A1DD-C474C9987713}" dt="2021-08-07T13:35:28.994" v="81" actId="20577"/>
+        <pc:sldMkLst>
+          <pc:docMk/>
+          <pc:sldMk cId="922754118" sldId="265"/>
+        </pc:sldMkLst>
+        <pc:spChg chg="add del mod">
+          <ac:chgData name="mikez zaatri" userId="dc7c058cd1c617f1" providerId="LiveId" clId="{FDA6E28C-406E-41EE-A1DD-C474C9987713}" dt="2021-08-07T13:34:45.838" v="8" actId="478"/>
+          <ac:spMkLst>
+            <pc:docMk/>
+            <pc:sldMk cId="922754118" sldId="265"/>
+            <ac:spMk id="3" creationId="{9B9D776D-4660-4635-A72D-050A7A2907AB}"/>
+          </ac:spMkLst>
+        </pc:spChg>
+        <pc:spChg chg="mod">
+          <ac:chgData name="mikez zaatri" userId="dc7c058cd1c617f1" providerId="LiveId" clId="{FDA6E28C-406E-41EE-A1DD-C474C9987713}" dt="2021-08-07T13:35:28.994" v="81" actId="20577"/>
+          <ac:spMkLst>
+            <pc:docMk/>
+            <pc:sldMk cId="922754118" sldId="265"/>
+            <ac:spMk id="158" creationId="{00000000-0000-0000-0000-000000000000}"/>
+          </ac:spMkLst>
+        </pc:spChg>
+        <pc:spChg chg="del">
+          <ac:chgData name="mikez zaatri" userId="dc7c058cd1c617f1" providerId="LiveId" clId="{FDA6E28C-406E-41EE-A1DD-C474C9987713}" dt="2021-08-07T13:34:31.601" v="0" actId="478"/>
+          <ac:spMkLst>
+            <pc:docMk/>
+            <pc:sldMk cId="922754118" sldId="265"/>
+            <ac:spMk id="159" creationId="{00000000-0000-0000-0000-000000000000}"/>
+          </ac:spMkLst>
+        </pc:spChg>
+        <pc:picChg chg="add mod">
+          <ac:chgData name="mikez zaatri" userId="dc7c058cd1c617f1" providerId="LiveId" clId="{FDA6E28C-406E-41EE-A1DD-C474C9987713}" dt="2021-08-07T13:34:50.903" v="9" actId="1076"/>
+          <ac:picMkLst>
+            <pc:docMk/>
+            <pc:sldMk cId="922754118" sldId="265"/>
+            <ac:picMk id="5" creationId="{A927BE9B-8008-4904-97B8-4BEBB47CDA94}"/>
+          </ac:picMkLst>
+        </pc:picChg>
+      </pc:sldChg>
+      <pc:sldChg chg="addSp delSp modSp add mod setBg addAnim delAnim setClrOvrMap">
+        <pc:chgData name="mikez zaatri" userId="dc7c058cd1c617f1" providerId="LiveId" clId="{FDA6E28C-406E-41EE-A1DD-C474C9987713}" dt="2021-08-07T13:40:14.128" v="134" actId="14100"/>
+        <pc:sldMkLst>
+          <pc:docMk/>
+          <pc:sldMk cId="3828626221" sldId="268"/>
+        </pc:sldMkLst>
+        <pc:spChg chg="add del">
+          <ac:chgData name="mikez zaatri" userId="dc7c058cd1c617f1" providerId="LiveId" clId="{FDA6E28C-406E-41EE-A1DD-C474C9987713}" dt="2021-08-07T13:39:01.654" v="113" actId="26606"/>
+          <ac:spMkLst>
+            <pc:docMk/>
+            <pc:sldMk cId="3828626221" sldId="268"/>
+            <ac:spMk id="99" creationId="{DD651B61-325E-4E73-8445-38B0DE8AAAB6}"/>
+          </ac:spMkLst>
+        </pc:spChg>
+        <pc:spChg chg="add del">
+          <ac:chgData name="mikez zaatri" userId="dc7c058cd1c617f1" providerId="LiveId" clId="{FDA6E28C-406E-41EE-A1DD-C474C9987713}" dt="2021-08-07T13:39:01.654" v="113" actId="26606"/>
+          <ac:spMkLst>
+            <pc:docMk/>
+            <pc:sldMk cId="3828626221" sldId="268"/>
+            <ac:spMk id="101" creationId="{B42E5253-D3AC-4AC2-B766-8B34F13C2F5E}"/>
+          </ac:spMkLst>
+        </pc:spChg>
+        <pc:spChg chg="add del">
+          <ac:chgData name="mikez zaatri" userId="dc7c058cd1c617f1" providerId="LiveId" clId="{FDA6E28C-406E-41EE-A1DD-C474C9987713}" dt="2021-08-07T13:39:01.654" v="113" actId="26606"/>
+          <ac:spMkLst>
+            <pc:docMk/>
+            <pc:sldMk cId="3828626221" sldId="268"/>
+            <ac:spMk id="103" creationId="{10AE8D57-436A-4073-9A75-15BB5949F8B4}"/>
+          </ac:spMkLst>
+        </pc:spChg>
+        <pc:spChg chg="add del">
+          <ac:chgData name="mikez zaatri" userId="dc7c058cd1c617f1" providerId="LiveId" clId="{FDA6E28C-406E-41EE-A1DD-C474C9987713}" dt="2021-08-07T13:39:01.654" v="113" actId="26606"/>
+          <ac:spMkLst>
+            <pc:docMk/>
+            <pc:sldMk cId="3828626221" sldId="268"/>
+            <ac:spMk id="105" creationId="{E2852671-8EB6-4EAF-8AF8-65CF3FD66456}"/>
+          </ac:spMkLst>
+        </pc:spChg>
+        <pc:spChg chg="add del">
+          <ac:chgData name="mikez zaatri" userId="dc7c058cd1c617f1" providerId="LiveId" clId="{FDA6E28C-406E-41EE-A1DD-C474C9987713}" dt="2021-08-07T13:39:01.654" v="113" actId="26606"/>
+          <ac:spMkLst>
+            <pc:docMk/>
+            <pc:sldMk cId="3828626221" sldId="268"/>
+            <ac:spMk id="107" creationId="{26B4480E-B7FF-4481-890E-043A69AE6FE2}"/>
+          </ac:spMkLst>
+        </pc:spChg>
+        <pc:spChg chg="add del">
+          <ac:chgData name="mikez zaatri" userId="dc7c058cd1c617f1" providerId="LiveId" clId="{FDA6E28C-406E-41EE-A1DD-C474C9987713}" dt="2021-08-07T13:39:02.410" v="115" actId="26606"/>
+          <ac:spMkLst>
+            <pc:docMk/>
+            <pc:sldMk cId="3828626221" sldId="268"/>
+            <ac:spMk id="111" creationId="{8CF5084D-B617-4011-8406-A93B64723187}"/>
+          </ac:spMkLst>
+        </pc:spChg>
+        <pc:spChg chg="mod">
+          <ac:chgData name="mikez zaatri" userId="dc7c058cd1c617f1" providerId="LiveId" clId="{FDA6E28C-406E-41EE-A1DD-C474C9987713}" dt="2021-08-07T13:40:09.751" v="133"/>
+          <ac:spMkLst>
+            <pc:docMk/>
+            <pc:sldMk cId="3828626221" sldId="268"/>
+            <ac:spMk id="158" creationId="{00000000-0000-0000-0000-000000000000}"/>
+          </ac:spMkLst>
+        </pc:spChg>
+        <pc:spChg chg="add del">
+          <ac:chgData name="mikez zaatri" userId="dc7c058cd1c617f1" providerId="LiveId" clId="{FDA6E28C-406E-41EE-A1DD-C474C9987713}" dt="2021-08-07T13:39:02.410" v="115" actId="26606"/>
+          <ac:spMkLst>
+            <pc:docMk/>
+            <pc:sldMk cId="3828626221" sldId="268"/>
+            <ac:spMk id="160" creationId="{DD651B61-325E-4E73-8445-38B0DE8AAAB6}"/>
+          </ac:spMkLst>
+        </pc:spChg>
+        <pc:spChg chg="add del">
+          <ac:chgData name="mikez zaatri" userId="dc7c058cd1c617f1" providerId="LiveId" clId="{FDA6E28C-406E-41EE-A1DD-C474C9987713}" dt="2021-08-07T13:39:02.410" v="115" actId="26606"/>
+          <ac:spMkLst>
+            <pc:docMk/>
+            <pc:sldMk cId="3828626221" sldId="268"/>
+            <ac:spMk id="161" creationId="{B42E5253-D3AC-4AC2-B766-8B34F13C2F5E}"/>
+          </ac:spMkLst>
+        </pc:spChg>
+        <pc:spChg chg="add del">
+          <ac:chgData name="mikez zaatri" userId="dc7c058cd1c617f1" providerId="LiveId" clId="{FDA6E28C-406E-41EE-A1DD-C474C9987713}" dt="2021-08-07T13:39:02.410" v="115" actId="26606"/>
+          <ac:spMkLst>
+            <pc:docMk/>
+            <pc:sldMk cId="3828626221" sldId="268"/>
+            <ac:spMk id="162" creationId="{10AE8D57-436A-4073-9A75-15BB5949F8B4}"/>
+          </ac:spMkLst>
+        </pc:spChg>
+        <pc:spChg chg="add del">
+          <ac:chgData name="mikez zaatri" userId="dc7c058cd1c617f1" providerId="LiveId" clId="{FDA6E28C-406E-41EE-A1DD-C474C9987713}" dt="2021-08-07T13:39:02.410" v="115" actId="26606"/>
+          <ac:spMkLst>
+            <pc:docMk/>
+            <pc:sldMk cId="3828626221" sldId="268"/>
+            <ac:spMk id="163" creationId="{E2852671-8EB6-4EAF-8AF8-65CF3FD66456}"/>
+          </ac:spMkLst>
+        </pc:spChg>
+        <pc:spChg chg="add del">
+          <ac:chgData name="mikez zaatri" userId="dc7c058cd1c617f1" providerId="LiveId" clId="{FDA6E28C-406E-41EE-A1DD-C474C9987713}" dt="2021-08-07T13:39:02.410" v="115" actId="26606"/>
+          <ac:spMkLst>
+            <pc:docMk/>
+            <pc:sldMk cId="3828626221" sldId="268"/>
+            <ac:spMk id="164" creationId="{26B4480E-B7FF-4481-890E-043A69AE6FE2}"/>
+          </ac:spMkLst>
+        </pc:spChg>
+        <pc:spChg chg="add del">
+          <ac:chgData name="mikez zaatri" userId="dc7c058cd1c617f1" providerId="LiveId" clId="{FDA6E28C-406E-41EE-A1DD-C474C9987713}" dt="2021-08-07T13:39:02.410" v="115" actId="26606"/>
+          <ac:spMkLst>
+            <pc:docMk/>
+            <pc:sldMk cId="3828626221" sldId="268"/>
+            <ac:spMk id="165" creationId="{8C2840C6-6494-4E12-A428-2012DA7DDF8A}"/>
+          </ac:spMkLst>
+        </pc:spChg>
+        <pc:spChg chg="add del">
+          <ac:chgData name="mikez zaatri" userId="dc7c058cd1c617f1" providerId="LiveId" clId="{FDA6E28C-406E-41EE-A1DD-C474C9987713}" dt="2021-08-07T13:39:04.424" v="117" actId="26606"/>
+          <ac:spMkLst>
+            <pc:docMk/>
+            <pc:sldMk cId="3828626221" sldId="268"/>
+            <ac:spMk id="167" creationId="{DD651B61-325E-4E73-8445-38B0DE8AAAB6}"/>
+          </ac:spMkLst>
+        </pc:spChg>
+        <pc:spChg chg="add del">
+          <ac:chgData name="mikez zaatri" userId="dc7c058cd1c617f1" providerId="LiveId" clId="{FDA6E28C-406E-41EE-A1DD-C474C9987713}" dt="2021-08-07T13:39:04.424" v="117" actId="26606"/>
+          <ac:spMkLst>
+            <pc:docMk/>
+            <pc:sldMk cId="3828626221" sldId="268"/>
+            <ac:spMk id="168" creationId="{B42E5253-D3AC-4AC2-B766-8B34F13C2F5E}"/>
+          </ac:spMkLst>
+        </pc:spChg>
+        <pc:spChg chg="add del">
+          <ac:chgData name="mikez zaatri" userId="dc7c058cd1c617f1" providerId="LiveId" clId="{FDA6E28C-406E-41EE-A1DD-C474C9987713}" dt="2021-08-07T13:39:04.424" v="117" actId="26606"/>
+          <ac:spMkLst>
+            <pc:docMk/>
+            <pc:sldMk cId="3828626221" sldId="268"/>
+            <ac:spMk id="169" creationId="{10AE8D57-436A-4073-9A75-15BB5949F8B4}"/>
+          </ac:spMkLst>
+        </pc:spChg>
+        <pc:spChg chg="add del">
+          <ac:chgData name="mikez zaatri" userId="dc7c058cd1c617f1" providerId="LiveId" clId="{FDA6E28C-406E-41EE-A1DD-C474C9987713}" dt="2021-08-07T13:39:04.424" v="117" actId="26606"/>
+          <ac:spMkLst>
+            <pc:docMk/>
+            <pc:sldMk cId="3828626221" sldId="268"/>
+            <ac:spMk id="170" creationId="{E2852671-8EB6-4EAF-8AF8-65CF3FD66456}"/>
+          </ac:spMkLst>
+        </pc:spChg>
+        <pc:spChg chg="add del">
+          <ac:chgData name="mikez zaatri" userId="dc7c058cd1c617f1" providerId="LiveId" clId="{FDA6E28C-406E-41EE-A1DD-C474C9987713}" dt="2021-08-07T13:39:04.424" v="117" actId="26606"/>
+          <ac:spMkLst>
+            <pc:docMk/>
+            <pc:sldMk cId="3828626221" sldId="268"/>
+            <ac:spMk id="171" creationId="{F7207B7B-5C57-458C-BE38-95D2CD7655BB}"/>
+          </ac:spMkLst>
+        </pc:spChg>
+        <pc:spChg chg="add del">
+          <ac:chgData name="mikez zaatri" userId="dc7c058cd1c617f1" providerId="LiveId" clId="{FDA6E28C-406E-41EE-A1DD-C474C9987713}" dt="2021-08-07T13:39:04.424" v="117" actId="26606"/>
+          <ac:spMkLst>
+            <pc:docMk/>
+            <pc:sldMk cId="3828626221" sldId="268"/>
+            <ac:spMk id="172" creationId="{9822E561-F97C-4CBB-A9A6-A6BF6317BC84}"/>
+          </ac:spMkLst>
+        </pc:spChg>
+        <pc:spChg chg="add del">
+          <ac:chgData name="mikez zaatri" userId="dc7c058cd1c617f1" providerId="LiveId" clId="{FDA6E28C-406E-41EE-A1DD-C474C9987713}" dt="2021-08-07T13:39:04.424" v="117" actId="26606"/>
+          <ac:spMkLst>
+            <pc:docMk/>
+            <pc:sldMk cId="3828626221" sldId="268"/>
+            <ac:spMk id="173" creationId="{B01B0E58-A5C8-4CDA-A2E0-35DF94E59857}"/>
+          </ac:spMkLst>
+        </pc:spChg>
+        <pc:spChg chg="add del">
+          <ac:chgData name="mikez zaatri" userId="dc7c058cd1c617f1" providerId="LiveId" clId="{FDA6E28C-406E-41EE-A1DD-C474C9987713}" dt="2021-08-07T13:39:08.168" v="120" actId="26606"/>
+          <ac:spMkLst>
+            <pc:docMk/>
+            <pc:sldMk cId="3828626221" sldId="268"/>
+            <ac:spMk id="175" creationId="{E6C8E6EB-4C59-429B-97E4-72A058CFC4FB}"/>
+          </ac:spMkLst>
+        </pc:spChg>
+        <pc:spChg chg="add del">
+          <ac:chgData name="mikez zaatri" userId="dc7c058cd1c617f1" providerId="LiveId" clId="{FDA6E28C-406E-41EE-A1DD-C474C9987713}" dt="2021-08-07T13:39:08.168" v="120" actId="26606"/>
+          <ac:spMkLst>
+            <pc:docMk/>
+            <pc:sldMk cId="3828626221" sldId="268"/>
+            <ac:spMk id="176" creationId="{B5B90362-AFCC-46A9-B41C-A257A8C5B314}"/>
+          </ac:spMkLst>
+        </pc:spChg>
+        <pc:spChg chg="add del">
+          <ac:chgData name="mikez zaatri" userId="dc7c058cd1c617f1" providerId="LiveId" clId="{FDA6E28C-406E-41EE-A1DD-C474C9987713}" dt="2021-08-07T13:39:08.168" v="120" actId="26606"/>
+          <ac:spMkLst>
+            <pc:docMk/>
+            <pc:sldMk cId="3828626221" sldId="268"/>
+            <ac:spMk id="177" creationId="{F71EF7F1-38BA-471D-8CD4-2A9AE8E35527}"/>
+          </ac:spMkLst>
+        </pc:spChg>
+        <pc:spChg chg="add del">
+          <ac:chgData name="mikez zaatri" userId="dc7c058cd1c617f1" providerId="LiveId" clId="{FDA6E28C-406E-41EE-A1DD-C474C9987713}" dt="2021-08-07T13:39:08.168" v="120" actId="26606"/>
+          <ac:spMkLst>
+            <pc:docMk/>
+            <pc:sldMk cId="3828626221" sldId="268"/>
+            <ac:spMk id="178" creationId="{C0524398-BFB4-4C4A-8317-83B8729F9B26}"/>
+          </ac:spMkLst>
+        </pc:spChg>
+        <pc:spChg chg="add del">
+          <ac:chgData name="mikez zaatri" userId="dc7c058cd1c617f1" providerId="LiveId" clId="{FDA6E28C-406E-41EE-A1DD-C474C9987713}" dt="2021-08-07T13:39:08.168" v="120" actId="26606"/>
+          <ac:spMkLst>
+            <pc:docMk/>
+            <pc:sldMk cId="3828626221" sldId="268"/>
+            <ac:spMk id="179" creationId="{E08D4B6A-8113-4DFB-B82E-B60CAC8E0A50}"/>
+          </ac:spMkLst>
+        </pc:spChg>
+        <pc:spChg chg="add del">
+          <ac:chgData name="mikez zaatri" userId="dc7c058cd1c617f1" providerId="LiveId" clId="{FDA6E28C-406E-41EE-A1DD-C474C9987713}" dt="2021-08-07T13:39:08.168" v="120" actId="26606"/>
+          <ac:spMkLst>
+            <pc:docMk/>
+            <pc:sldMk cId="3828626221" sldId="268"/>
+            <ac:spMk id="180" creationId="{9822E561-F97C-4CBB-A9A6-A6BF6317BC84}"/>
+          </ac:spMkLst>
+        </pc:spChg>
+        <pc:spChg chg="add del">
+          <ac:chgData name="mikez zaatri" userId="dc7c058cd1c617f1" providerId="LiveId" clId="{FDA6E28C-406E-41EE-A1DD-C474C9987713}" dt="2021-08-07T13:39:08.168" v="120" actId="26606"/>
+          <ac:spMkLst>
+            <pc:docMk/>
+            <pc:sldMk cId="3828626221" sldId="268"/>
+            <ac:spMk id="181" creationId="{B01B0E58-A5C8-4CDA-A2E0-35DF94E59857}"/>
+          </ac:spMkLst>
+        </pc:spChg>
+        <pc:spChg chg="add">
+          <ac:chgData name="mikez zaatri" userId="dc7c058cd1c617f1" providerId="LiveId" clId="{FDA6E28C-406E-41EE-A1DD-C474C9987713}" dt="2021-08-07T13:39:08.180" v="121" actId="26606"/>
+          <ac:spMkLst>
+            <pc:docMk/>
+            <pc:sldMk cId="3828626221" sldId="268"/>
+            <ac:spMk id="183" creationId="{DD651B61-325E-4E73-8445-38B0DE8AAAB6}"/>
+          </ac:spMkLst>
+        </pc:spChg>
+        <pc:spChg chg="add">
+          <ac:chgData name="mikez zaatri" userId="dc7c058cd1c617f1" providerId="LiveId" clId="{FDA6E28C-406E-41EE-A1DD-C474C9987713}" dt="2021-08-07T13:39:08.180" v="121" actId="26606"/>
+          <ac:spMkLst>
+            <pc:docMk/>
+            <pc:sldMk cId="3828626221" sldId="268"/>
+            <ac:spMk id="184" creationId="{B42E5253-D3AC-4AC2-B766-8B34F13C2F5E}"/>
+          </ac:spMkLst>
+        </pc:spChg>
+        <pc:spChg chg="add">
+          <ac:chgData name="mikez zaatri" userId="dc7c058cd1c617f1" providerId="LiveId" clId="{FDA6E28C-406E-41EE-A1DD-C474C9987713}" dt="2021-08-07T13:39:08.180" v="121" actId="26606"/>
+          <ac:spMkLst>
+            <pc:docMk/>
+            <pc:sldMk cId="3828626221" sldId="268"/>
+            <ac:spMk id="185" creationId="{10AE8D57-436A-4073-9A75-15BB5949F8B4}"/>
+          </ac:spMkLst>
+        </pc:spChg>
+        <pc:spChg chg="add">
+          <ac:chgData name="mikez zaatri" userId="dc7c058cd1c617f1" providerId="LiveId" clId="{FDA6E28C-406E-41EE-A1DD-C474C9987713}" dt="2021-08-07T13:39:08.180" v="121" actId="26606"/>
+          <ac:spMkLst>
+            <pc:docMk/>
+            <pc:sldMk cId="3828626221" sldId="268"/>
+            <ac:spMk id="186" creationId="{E2852671-8EB6-4EAF-8AF8-65CF3FD66456}"/>
+          </ac:spMkLst>
+        </pc:spChg>
+        <pc:spChg chg="add">
+          <ac:chgData name="mikez zaatri" userId="dc7c058cd1c617f1" providerId="LiveId" clId="{FDA6E28C-406E-41EE-A1DD-C474C9987713}" dt="2021-08-07T13:39:08.180" v="121" actId="26606"/>
+          <ac:spMkLst>
+            <pc:docMk/>
+            <pc:sldMk cId="3828626221" sldId="268"/>
+            <ac:spMk id="187" creationId="{26B4480E-B7FF-4481-890E-043A69AE6FE2}"/>
+          </ac:spMkLst>
+        </pc:spChg>
+        <pc:grpChg chg="add del">
+          <ac:chgData name="mikez zaatri" userId="dc7c058cd1c617f1" providerId="LiveId" clId="{FDA6E28C-406E-41EE-A1DD-C474C9987713}" dt="2021-08-07T13:39:01.654" v="113" actId="26606"/>
+          <ac:grpSpMkLst>
+            <pc:docMk/>
+            <pc:sldMk cId="3828626221" sldId="268"/>
+            <ac:grpSpMk id="109" creationId="{79394E1F-0B5F-497D-B2A6-8383A2A54834}"/>
+          </ac:grpSpMkLst>
+        </pc:grpChg>
+        <pc:grpChg chg="add">
+          <ac:chgData name="mikez zaatri" userId="dc7c058cd1c617f1" providerId="LiveId" clId="{FDA6E28C-406E-41EE-A1DD-C474C9987713}" dt="2021-08-07T13:39:08.180" v="121" actId="26606"/>
+          <ac:grpSpMkLst>
+            <pc:docMk/>
+            <pc:sldMk cId="3828626221" sldId="268"/>
+            <ac:grpSpMk id="188" creationId="{79394E1F-0B5F-497D-B2A6-8383A2A54834}"/>
+          </ac:grpSpMkLst>
+        </pc:grpChg>
+        <pc:picChg chg="add mod">
+          <ac:chgData name="mikez zaatri" userId="dc7c058cd1c617f1" providerId="LiveId" clId="{FDA6E28C-406E-41EE-A1DD-C474C9987713}" dt="2021-08-07T13:40:14.128" v="134" actId="14100"/>
+          <ac:picMkLst>
+            <pc:docMk/>
+            <pc:sldMk cId="3828626221" sldId="268"/>
+            <ac:picMk id="3" creationId="{AD8AA16E-F466-497A-8EF3-A2A20A46F7E2}"/>
+          </ac:picMkLst>
+        </pc:picChg>
+        <pc:picChg chg="del">
+          <ac:chgData name="mikez zaatri" userId="dc7c058cd1c617f1" providerId="LiveId" clId="{FDA6E28C-406E-41EE-A1DD-C474C9987713}" dt="2021-08-07T13:35:54.705" v="107" actId="478"/>
+          <ac:picMkLst>
+            <pc:docMk/>
+            <pc:sldMk cId="3828626221" sldId="268"/>
+            <ac:picMk id="5" creationId="{A927BE9B-8008-4904-97B8-4BEBB47CDA94}"/>
+          </ac:picMkLst>
+        </pc:picChg>
+      </pc:sldChg>
+    </pc:docChg>
+  </pc:docChgLst>
+</pc:chgInfo>
 </file>
 
 <file path=ppt/notesMasters/notesMaster1.xml><?xml version="1.0" encoding="utf-8"?>
@@ -576,6 +933,110 @@
 </p:notes>
 </file>
 
+<file path=ppt/notesSlides/notesSlide10.xml><?xml version="1.0" encoding="utf-8"?>
+<p:notes xmlns:a="http://schemas.openxmlformats.org/drawingml/2006/main" xmlns:r="http://schemas.openxmlformats.org/officeDocument/2006/relationships" xmlns:p="http://schemas.openxmlformats.org/presentationml/2006/main" showMasterSp="0" showMasterPhAnim="0">
+  <p:cSld>
+    <p:spTree>
+      <p:nvGrpSpPr>
+        <p:cNvPr id="1" name="Shape 178"/>
+        <p:cNvGrpSpPr/>
+        <p:nvPr/>
+      </p:nvGrpSpPr>
+      <p:grpSpPr>
+        <a:xfrm>
+          <a:off x="0" y="0"/>
+          <a:ext cx="0" cy="0"/>
+          <a:chOff x="0" y="0"/>
+          <a:chExt cx="0" cy="0"/>
+        </a:xfrm>
+      </p:grpSpPr>
+      <p:sp>
+        <p:nvSpPr>
+          <p:cNvPr id="179" name="Google Shape;179;gb84fc85c23_0_1552:notes"/>
+          <p:cNvSpPr>
+            <a:spLocks noGrp="1" noRot="1" noChangeAspect="1"/>
+          </p:cNvSpPr>
+          <p:nvPr>
+            <p:ph type="sldImg" idx="2"/>
+          </p:nvPr>
+        </p:nvSpPr>
+        <p:spPr>
+          <a:xfrm>
+            <a:off x="381300" y="685800"/>
+            <a:ext cx="6096000" cy="3429000"/>
+          </a:xfrm>
+          <a:custGeom>
+            <a:avLst/>
+            <a:gdLst/>
+            <a:ahLst/>
+            <a:cxnLst/>
+            <a:rect l="l" t="t" r="r" b="b"/>
+            <a:pathLst>
+              <a:path w="120000" h="120000" extrusionOk="0">
+                <a:moveTo>
+                  <a:pt x="0" y="0"/>
+                </a:moveTo>
+                <a:lnTo>
+                  <a:pt x="120000" y="0"/>
+                </a:lnTo>
+                <a:lnTo>
+                  <a:pt x="120000" y="120000"/>
+                </a:lnTo>
+                <a:lnTo>
+                  <a:pt x="0" y="120000"/>
+                </a:lnTo>
+                <a:close/>
+              </a:path>
+            </a:pathLst>
+          </a:custGeom>
+        </p:spPr>
+      </p:sp>
+      <p:sp>
+        <p:nvSpPr>
+          <p:cNvPr id="180" name="Google Shape;180;gb84fc85c23_0_1552:notes"/>
+          <p:cNvSpPr txBox="1">
+            <a:spLocks noGrp="1"/>
+          </p:cNvSpPr>
+          <p:nvPr>
+            <p:ph type="body" idx="1"/>
+          </p:nvPr>
+        </p:nvSpPr>
+        <p:spPr>
+          <a:xfrm>
+            <a:off x="685800" y="4343400"/>
+            <a:ext cx="5486400" cy="4114800"/>
+          </a:xfrm>
+          <a:prstGeom prst="rect">
+            <a:avLst/>
+          </a:prstGeom>
+        </p:spPr>
+        <p:txBody>
+          <a:bodyPr spcFirstLastPara="1" wrap="square" lIns="91425" tIns="91425" rIns="91425" bIns="91425" anchor="t" anchorCtr="0">
+            <a:noAutofit/>
+          </a:bodyPr>
+          <a:lstStyle/>
+          <a:p>
+            <a:pPr marL="0" lvl="0" indent="0" algn="l" rtl="0">
+              <a:spcBef>
+                <a:spcPts val="0"/>
+              </a:spcBef>
+              <a:spcAft>
+                <a:spcPts val="0"/>
+              </a:spcAft>
+              <a:buNone/>
+            </a:pPr>
+            <a:endParaRPr/>
+          </a:p>
+        </p:txBody>
+      </p:sp>
+    </p:spTree>
+  </p:cSld>
+  <p:clrMapOvr>
+    <a:masterClrMapping/>
+  </p:clrMapOvr>
+</p:notes>
+</file>
+
 <file path=ppt/notesSlides/notesSlide2.xml><?xml version="1.0" encoding="utf-8"?>
 <p:notes xmlns:a="http://schemas.openxmlformats.org/drawingml/2006/main" xmlns:r="http://schemas.openxmlformats.org/officeDocument/2006/relationships" xmlns:p="http://schemas.openxmlformats.org/presentationml/2006/main" showMasterSp="0" showMasterPhAnim="0">
   <p:cSld>
@@ -1002,7 +1463,7 @@
   <p:cSld>
     <p:spTree>
       <p:nvGrpSpPr>
-        <p:cNvPr id="1" name="Shape 160"/>
+        <p:cNvPr id="1" name="Shape 154"/>
         <p:cNvGrpSpPr/>
         <p:nvPr/>
       </p:nvGrpSpPr>
@@ -1016,7 +1477,7 @@
       </p:grpSpPr>
       <p:sp>
         <p:nvSpPr>
-          <p:cNvPr id="161" name="Google Shape;161;gb84fc85c23_0_1537:notes"/>
+          <p:cNvPr id="155" name="Google Shape;155;gb84fc85c23_0_1532:notes"/>
           <p:cNvSpPr>
             <a:spLocks noGrp="1" noRot="1" noChangeAspect="1"/>
           </p:cNvSpPr>
@@ -1026,7 +1487,7 @@
         </p:nvSpPr>
         <p:spPr>
           <a:xfrm>
-            <a:off x="381300" y="685800"/>
+            <a:off x="381000" y="685800"/>
             <a:ext cx="6096000" cy="3429000"/>
           </a:xfrm>
           <a:custGeom>
@@ -1057,7 +1518,7 @@
       </p:sp>
       <p:sp>
         <p:nvSpPr>
-          <p:cNvPr id="162" name="Google Shape;162;gb84fc85c23_0_1537:notes"/>
+          <p:cNvPr id="156" name="Google Shape;156;gb84fc85c23_0_1532:notes"/>
           <p:cNvSpPr txBox="1">
             <a:spLocks noGrp="1"/>
           </p:cNvSpPr>
@@ -1094,6 +1555,11 @@
         </p:txBody>
       </p:sp>
     </p:spTree>
+    <p:extLst>
+      <p:ext uri="{BB962C8B-B14F-4D97-AF65-F5344CB8AC3E}">
+        <p14:creationId xmlns:p14="http://schemas.microsoft.com/office/powerpoint/2010/main" val="3169095312"/>
+      </p:ext>
+    </p:extLst>
   </p:cSld>
   <p:clrMapOvr>
     <a:masterClrMapping/>
@@ -1106,7 +1572,7 @@
   <p:cSld>
     <p:spTree>
       <p:nvGrpSpPr>
-        <p:cNvPr id="1" name="Shape 166"/>
+        <p:cNvPr id="1" name="Shape 160"/>
         <p:cNvGrpSpPr/>
         <p:nvPr/>
       </p:nvGrpSpPr>
@@ -1120,7 +1586,7 @@
       </p:grpSpPr>
       <p:sp>
         <p:nvSpPr>
-          <p:cNvPr id="167" name="Google Shape;167;gb84fc85c23_0_1542:notes"/>
+          <p:cNvPr id="161" name="Google Shape;161;gb84fc85c23_0_1537:notes"/>
           <p:cNvSpPr>
             <a:spLocks noGrp="1" noRot="1" noChangeAspect="1"/>
           </p:cNvSpPr>
@@ -1161,7 +1627,7 @@
       </p:sp>
       <p:sp>
         <p:nvSpPr>
-          <p:cNvPr id="168" name="Google Shape;168;gb84fc85c23_0_1542:notes"/>
+          <p:cNvPr id="162" name="Google Shape;162;gb84fc85c23_0_1537:notes"/>
           <p:cNvSpPr txBox="1">
             <a:spLocks noGrp="1"/>
           </p:cNvSpPr>
@@ -1210,7 +1676,7 @@
   <p:cSld>
     <p:spTree>
       <p:nvGrpSpPr>
-        <p:cNvPr id="1" name="Shape 172"/>
+        <p:cNvPr id="1" name="Shape 166"/>
         <p:cNvGrpSpPr/>
         <p:nvPr/>
       </p:nvGrpSpPr>
@@ -1224,7 +1690,7 @@
       </p:grpSpPr>
       <p:sp>
         <p:nvSpPr>
-          <p:cNvPr id="173" name="Google Shape;173;gb84fc85c23_0_1547:notes"/>
+          <p:cNvPr id="167" name="Google Shape;167;gb84fc85c23_0_1542:notes"/>
           <p:cNvSpPr>
             <a:spLocks noGrp="1" noRot="1" noChangeAspect="1"/>
           </p:cNvSpPr>
@@ -1265,7 +1731,7 @@
       </p:sp>
       <p:sp>
         <p:nvSpPr>
-          <p:cNvPr id="174" name="Google Shape;174;gb84fc85c23_0_1547:notes"/>
+          <p:cNvPr id="168" name="Google Shape;168;gb84fc85c23_0_1542:notes"/>
           <p:cNvSpPr txBox="1">
             <a:spLocks noGrp="1"/>
           </p:cNvSpPr>
@@ -1314,7 +1780,7 @@
   <p:cSld>
     <p:spTree>
       <p:nvGrpSpPr>
-        <p:cNvPr id="1" name="Shape 178"/>
+        <p:cNvPr id="1" name="Shape 172"/>
         <p:cNvGrpSpPr/>
         <p:nvPr/>
       </p:nvGrpSpPr>
@@ -1328,7 +1794,7 @@
       </p:grpSpPr>
       <p:sp>
         <p:nvSpPr>
-          <p:cNvPr id="179" name="Google Shape;179;gb84fc85c23_0_1552:notes"/>
+          <p:cNvPr id="173" name="Google Shape;173;gb84fc85c23_0_1547:notes"/>
           <p:cNvSpPr>
             <a:spLocks noGrp="1" noRot="1" noChangeAspect="1"/>
           </p:cNvSpPr>
@@ -1369,7 +1835,7 @@
       </p:sp>
       <p:sp>
         <p:nvSpPr>
-          <p:cNvPr id="180" name="Google Shape;180;gb84fc85c23_0_1552:notes"/>
+          <p:cNvPr id="174" name="Google Shape;174;gb84fc85c23_0_1547:notes"/>
           <p:cNvSpPr txBox="1">
             <a:spLocks noGrp="1"/>
           </p:cNvSpPr>
@@ -5770,6 +6236,113 @@
 </p:sld>
 </file>
 
+<file path=ppt/slides/slide10.xml><?xml version="1.0" encoding="utf-8"?>
+<p:sld xmlns:a="http://schemas.openxmlformats.org/drawingml/2006/main" xmlns:r="http://schemas.openxmlformats.org/officeDocument/2006/relationships" xmlns:p="http://schemas.openxmlformats.org/presentationml/2006/main">
+  <p:cSld>
+    <p:spTree>
+      <p:nvGrpSpPr>
+        <p:cNvPr id="1" name="Shape 181"/>
+        <p:cNvGrpSpPr/>
+        <p:nvPr/>
+      </p:nvGrpSpPr>
+      <p:grpSpPr>
+        <a:xfrm>
+          <a:off x="0" y="0"/>
+          <a:ext cx="0" cy="0"/>
+          <a:chOff x="0" y="0"/>
+          <a:chExt cx="0" cy="0"/>
+        </a:xfrm>
+      </p:grpSpPr>
+      <p:sp>
+        <p:nvSpPr>
+          <p:cNvPr id="182" name="Google Shape;182;p21"/>
+          <p:cNvSpPr txBox="1">
+            <a:spLocks noGrp="1"/>
+          </p:cNvSpPr>
+          <p:nvPr>
+            <p:ph type="title"/>
+          </p:nvPr>
+        </p:nvSpPr>
+        <p:spPr>
+          <a:xfrm>
+            <a:off x="1730000" y="525000"/>
+            <a:ext cx="9385200" cy="1218800"/>
+          </a:xfrm>
+          <a:prstGeom prst="rect">
+            <a:avLst/>
+          </a:prstGeom>
+        </p:spPr>
+        <p:txBody>
+          <a:bodyPr spcFirstLastPara="1" vert="horz" wrap="square" lIns="121900" tIns="121900" rIns="121900" bIns="121900" rtlCol="0" anchor="t" anchorCtr="0">
+            <a:normAutofit/>
+          </a:bodyPr>
+          <a:lstStyle/>
+          <a:p>
+            <a:r>
+              <a:rPr lang="en" sz="2800">
+                <a:latin typeface="Lato"/>
+                <a:ea typeface="Lato"/>
+                <a:cs typeface="Lato"/>
+                <a:sym typeface="Lato"/>
+              </a:rPr>
+              <a:t>Recommendation for future analysis</a:t>
+            </a:r>
+            <a:endParaRPr sz="2800">
+              <a:latin typeface="Lato"/>
+              <a:ea typeface="Lato"/>
+              <a:cs typeface="Lato"/>
+              <a:sym typeface="Lato"/>
+            </a:endParaRPr>
+          </a:p>
+        </p:txBody>
+      </p:sp>
+      <p:sp>
+        <p:nvSpPr>
+          <p:cNvPr id="183" name="Google Shape;183;p21"/>
+          <p:cNvSpPr txBox="1">
+            <a:spLocks noGrp="1"/>
+          </p:cNvSpPr>
+          <p:nvPr>
+            <p:ph type="body" idx="1"/>
+          </p:nvPr>
+        </p:nvSpPr>
+        <p:spPr>
+          <a:xfrm>
+            <a:off x="1730000" y="2090067"/>
+            <a:ext cx="9385200" cy="3881600"/>
+          </a:xfrm>
+          <a:prstGeom prst="rect">
+            <a:avLst/>
+          </a:prstGeom>
+        </p:spPr>
+        <p:txBody>
+          <a:bodyPr spcFirstLastPara="1" vert="horz" wrap="square" lIns="121900" tIns="121900" rIns="121900" bIns="121900" rtlCol="0" anchor="t" anchorCtr="0">
+            <a:normAutofit/>
+          </a:bodyPr>
+          <a:lstStyle/>
+          <a:p>
+            <a:pPr marL="0" indent="0">
+              <a:spcAft>
+                <a:spcPts val="1600"/>
+              </a:spcAft>
+              <a:buNone/>
+            </a:pPr>
+            <a:r>
+              <a:rPr lang="en"/>
+              <a:t>TBD </a:t>
+            </a:r>
+            <a:endParaRPr/>
+          </a:p>
+        </p:txBody>
+      </p:sp>
+    </p:spTree>
+  </p:cSld>
+  <p:clrMapOvr>
+    <a:masterClrMapping/>
+  </p:clrMapOvr>
+</p:sld>
+</file>
+
 <file path=ppt/slides/slide2.xml><?xml version="1.0" encoding="utf-8"?>
 <p:sld xmlns:a="http://schemas.openxmlformats.org/drawingml/2006/main" xmlns:r="http://schemas.openxmlformats.org/officeDocument/2006/relationships" xmlns:p="http://schemas.openxmlformats.org/presentationml/2006/main">
   <p:cSld>
@@ -6413,15 +6986,33 @@
           <a:lstStyle/>
           <a:p>
             <a:r>
-              <a:rPr lang="en" sz="2800">
+              <a:rPr lang="en" sz="2800" dirty="0">
                 <a:latin typeface="Lato"/>
                 <a:ea typeface="Lato"/>
                 <a:cs typeface="Lato"/>
                 <a:sym typeface="Lato"/>
               </a:rPr>
-              <a:t>Data exploration &amp; transformation </a:t>
-            </a:r>
-            <a:endParaRPr sz="2800">
+              <a:t>Initial E</a:t>
+            </a:r>
+            <a:r>
+              <a:rPr lang="en-US" sz="2800" dirty="0">
+                <a:latin typeface="Lato"/>
+                <a:ea typeface="Lato"/>
+                <a:cs typeface="Lato"/>
+                <a:sym typeface="Lato"/>
+              </a:rPr>
+              <a:t>t</a:t>
+            </a:r>
+            <a:r>
+              <a:rPr lang="en" sz="2800" dirty="0">
+                <a:latin typeface="Lato"/>
+                <a:ea typeface="Lato"/>
+                <a:cs typeface="Lato"/>
+                <a:sym typeface="Lato"/>
+              </a:rPr>
+              <a:t>l process</a:t>
+            </a:r>
+            <a:endParaRPr sz="2800" dirty="0">
               <a:latin typeface="Lato"/>
               <a:ea typeface="Lato"/>
               <a:cs typeface="Lato"/>
@@ -6430,165 +7021,36 @@
           </a:p>
         </p:txBody>
       </p:sp>
-      <p:sp>
-        <p:nvSpPr>
-          <p:cNvPr id="159" name="Google Shape;159;p17"/>
-          <p:cNvSpPr txBox="1">
-            <a:spLocks noGrp="1"/>
-          </p:cNvSpPr>
-          <p:nvPr>
-            <p:ph type="body" idx="1"/>
-          </p:nvPr>
-        </p:nvSpPr>
-        <p:spPr>
-          <a:xfrm>
-            <a:off x="1730000" y="2090067"/>
-            <a:ext cx="9385200" cy="3881600"/>
+      <p:pic>
+        <p:nvPicPr>
+          <p:cNvPr id="5" name="Picture 4" descr="Diagram&#10;&#10;Description automatically generated">
+            <a:extLst>
+              <a:ext uri="{FF2B5EF4-FFF2-40B4-BE49-F238E27FC236}">
+                <a16:creationId xmlns:a16="http://schemas.microsoft.com/office/drawing/2014/main" id="{A927BE9B-8008-4904-97B8-4BEBB47CDA94}"/>
+              </a:ext>
+            </a:extLst>
+          </p:cNvPr>
+          <p:cNvPicPr>
+            <a:picLocks noChangeAspect="1"/>
+          </p:cNvPicPr>
+          <p:nvPr/>
+        </p:nvPicPr>
+        <p:blipFill>
+          <a:blip r:embed="rId3"/>
+          <a:stretch>
+            <a:fillRect/>
+          </a:stretch>
+        </p:blipFill>
+        <p:spPr>
+          <a:xfrm>
+            <a:off x="1649896" y="1942128"/>
+            <a:ext cx="9721298" cy="4761608"/>
           </a:xfrm>
           <a:prstGeom prst="rect">
             <a:avLst/>
           </a:prstGeom>
         </p:spPr>
-        <p:txBody>
-          <a:bodyPr spcFirstLastPara="1" vert="horz" wrap="square" lIns="121900" tIns="121900" rIns="121900" bIns="121900" rtlCol="0" anchor="t" anchorCtr="0">
-            <a:normAutofit/>
-          </a:bodyPr>
-          <a:lstStyle/>
-          <a:p>
-            <a:pPr>
-              <a:lnSpc>
-                <a:spcPct val="133333"/>
-              </a:lnSpc>
-            </a:pPr>
-            <a:r>
-              <a:rPr lang="en" dirty="0">
-                <a:highlight>
-                  <a:srgbClr val="FF0000"/>
-                </a:highlight>
-              </a:rPr>
-              <a:t>For  Data exploration we had to perform the following steps:</a:t>
-            </a:r>
-            <a:endParaRPr dirty="0">
-              <a:highlight>
-                <a:srgbClr val="FF0000"/>
-              </a:highlight>
-            </a:endParaRPr>
-          </a:p>
-          <a:p>
-            <a:pPr lvl="1">
-              <a:lnSpc>
-                <a:spcPct val="133333"/>
-              </a:lnSpc>
-            </a:pPr>
-            <a:r>
-              <a:rPr lang="en" dirty="0">
-                <a:highlight>
-                  <a:srgbClr val="FF0000"/>
-                </a:highlight>
-              </a:rPr>
-              <a:t>Clean up the Null Cells. </a:t>
-            </a:r>
-            <a:endParaRPr dirty="0">
-              <a:highlight>
-                <a:srgbClr val="FF0000"/>
-              </a:highlight>
-            </a:endParaRPr>
-          </a:p>
-          <a:p>
-            <a:pPr lvl="1">
-              <a:lnSpc>
-                <a:spcPct val="133333"/>
-              </a:lnSpc>
-            </a:pPr>
-            <a:r>
-              <a:rPr lang="en" dirty="0">
-                <a:highlight>
-                  <a:srgbClr val="FF0000"/>
-                </a:highlight>
-              </a:rPr>
-              <a:t>Update “Age” Column accordingly</a:t>
-            </a:r>
-            <a:endParaRPr dirty="0">
-              <a:highlight>
-                <a:srgbClr val="FF0000"/>
-              </a:highlight>
-            </a:endParaRPr>
-          </a:p>
-          <a:p>
-            <a:pPr>
-              <a:lnSpc>
-                <a:spcPct val="133333"/>
-              </a:lnSpc>
-            </a:pPr>
-            <a:r>
-              <a:rPr lang="en" dirty="0">
-                <a:highlight>
-                  <a:srgbClr val="FF0000"/>
-                </a:highlight>
-              </a:rPr>
-              <a:t>We planned to build the ML per each Zip Code. but after short analysis of the Dataset , we found out that there is no enough records to Run ML Model at the Zip code level. The team decided to uplevel the analysis to the county level. </a:t>
-            </a:r>
-            <a:endParaRPr dirty="0">
-              <a:highlight>
-                <a:srgbClr val="FF0000"/>
-              </a:highlight>
-            </a:endParaRPr>
-          </a:p>
-          <a:p>
-            <a:pPr>
-              <a:lnSpc>
-                <a:spcPct val="133333"/>
-              </a:lnSpc>
-            </a:pPr>
-            <a:endParaRPr dirty="0">
-              <a:highlight>
-                <a:srgbClr val="FF0000"/>
-              </a:highlight>
-            </a:endParaRPr>
-          </a:p>
-          <a:p>
-            <a:pPr>
-              <a:lnSpc>
-                <a:spcPct val="133333"/>
-              </a:lnSpc>
-            </a:pPr>
-            <a:endParaRPr dirty="0">
-              <a:highlight>
-                <a:srgbClr val="FF0000"/>
-              </a:highlight>
-            </a:endParaRPr>
-          </a:p>
-          <a:p>
-            <a:pPr>
-              <a:lnSpc>
-                <a:spcPct val="133333"/>
-              </a:lnSpc>
-            </a:pPr>
-            <a:r>
-              <a:rPr lang="en" dirty="0">
-                <a:highlight>
-                  <a:srgbClr val="FF0000"/>
-                </a:highlight>
-              </a:rPr>
-              <a:t>Dawit and Troung to add the ETL flow that each one put together to transform the Data . </a:t>
-            </a:r>
-            <a:endParaRPr dirty="0">
-              <a:highlight>
-                <a:srgbClr val="FF0000"/>
-              </a:highlight>
-            </a:endParaRPr>
-          </a:p>
-          <a:p>
-            <a:pPr marL="0" indent="0">
-              <a:spcAft>
-                <a:spcPts val="1600"/>
-              </a:spcAft>
-              <a:buNone/>
-            </a:pPr>
-            <a:endParaRPr dirty="0"/>
-          </a:p>
-        </p:txBody>
-      </p:sp>
+      </p:pic>
     </p:spTree>
     <p:extLst>
       <p:ext uri="{BB962C8B-B14F-4D97-AF65-F5344CB8AC3E}">
@@ -6605,6 +7067,530 @@
 <file path=ppt/slides/slide6.xml><?xml version="1.0" encoding="utf-8"?>
 <p:sld xmlns:a="http://schemas.openxmlformats.org/drawingml/2006/main" xmlns:r="http://schemas.openxmlformats.org/officeDocument/2006/relationships" xmlns:p="http://schemas.openxmlformats.org/presentationml/2006/main">
   <p:cSld>
+    <p:bg>
+      <p:bgPr>
+        <a:solidFill>
+          <a:schemeClr val="bg1"/>
+        </a:solidFill>
+        <a:effectLst/>
+      </p:bgPr>
+    </p:bg>
+    <p:spTree>
+      <p:nvGrpSpPr>
+        <p:cNvPr id="1" name="Shape 157"/>
+        <p:cNvGrpSpPr/>
+        <p:nvPr/>
+      </p:nvGrpSpPr>
+      <p:grpSpPr>
+        <a:xfrm>
+          <a:off x="0" y="0"/>
+          <a:ext cx="0" cy="0"/>
+          <a:chOff x="0" y="0"/>
+          <a:chExt cx="0" cy="0"/>
+        </a:xfrm>
+      </p:grpSpPr>
+      <p:sp>
+        <p:nvSpPr>
+          <p:cNvPr id="183" name="Rectangle 98">
+            <a:extLst>
+              <a:ext uri="{FF2B5EF4-FFF2-40B4-BE49-F238E27FC236}">
+                <a16:creationId xmlns:a16="http://schemas.microsoft.com/office/drawing/2014/main" id="{DD651B61-325E-4E73-8445-38B0DE8AAAB6}"/>
+              </a:ext>
+              <a:ext uri="{C183D7F6-B498-43B3-948B-1728B52AA6E4}">
+                <adec:decorative xmlns:adec="http://schemas.microsoft.com/office/drawing/2017/decorative" val="1"/>
+              </a:ext>
+            </a:extLst>
+          </p:cNvPr>
+          <p:cNvSpPr>
+            <a:spLocks noGrp="1" noRot="1" noChangeAspect="1" noMove="1" noResize="1" noEditPoints="1" noAdjustHandles="1" noChangeArrowheads="1" noChangeShapeType="1" noTextEdit="1"/>
+          </p:cNvSpPr>
+          <p:nvPr>
+            <p:extLst>
+              <p:ext uri="{386F3935-93C4-4BCD-93E2-E3B085C9AB24}">
+                <p16:designElem xmlns:p16="http://schemas.microsoft.com/office/powerpoint/2015/main" val="1"/>
+              </p:ext>
+            </p:extLst>
+          </p:nvPr>
+        </p:nvSpPr>
+        <p:spPr>
+          <a:xfrm>
+            <a:off x="446534" y="457200"/>
+            <a:ext cx="3703320" cy="94997"/>
+          </a:xfrm>
+          <a:prstGeom prst="rect">
+            <a:avLst/>
+          </a:prstGeom>
+          <a:solidFill>
+            <a:srgbClr val="465359"/>
+          </a:solidFill>
+          <a:ln>
+            <a:noFill/>
+          </a:ln>
+          <a:effectLst/>
+        </p:spPr>
+        <p:style>
+          <a:lnRef idx="1">
+            <a:schemeClr val="accent1"/>
+          </a:lnRef>
+          <a:fillRef idx="3">
+            <a:schemeClr val="accent1"/>
+          </a:fillRef>
+          <a:effectRef idx="2">
+            <a:schemeClr val="accent1"/>
+          </a:effectRef>
+          <a:fontRef idx="minor">
+            <a:schemeClr val="lt1"/>
+          </a:fontRef>
+        </p:style>
+      </p:sp>
+      <p:sp>
+        <p:nvSpPr>
+          <p:cNvPr id="184" name="Rectangle 100">
+            <a:extLst>
+              <a:ext uri="{FF2B5EF4-FFF2-40B4-BE49-F238E27FC236}">
+                <a16:creationId xmlns:a16="http://schemas.microsoft.com/office/drawing/2014/main" id="{B42E5253-D3AC-4AC2-B766-8B34F13C2F5E}"/>
+              </a:ext>
+              <a:ext uri="{C183D7F6-B498-43B3-948B-1728B52AA6E4}">
+                <adec:decorative xmlns:adec="http://schemas.microsoft.com/office/drawing/2017/decorative" val="1"/>
+              </a:ext>
+            </a:extLst>
+          </p:cNvPr>
+          <p:cNvSpPr>
+            <a:spLocks noGrp="1" noRot="1" noChangeAspect="1" noMove="1" noResize="1" noEditPoints="1" noAdjustHandles="1" noChangeArrowheads="1" noChangeShapeType="1" noTextEdit="1"/>
+          </p:cNvSpPr>
+          <p:nvPr>
+            <p:extLst>
+              <p:ext uri="{386F3935-93C4-4BCD-93E2-E3B085C9AB24}">
+                <p16:designElem xmlns:p16="http://schemas.microsoft.com/office/powerpoint/2015/main" val="1"/>
+              </p:ext>
+            </p:extLst>
+          </p:nvPr>
+        </p:nvSpPr>
+        <p:spPr>
+          <a:xfrm>
+            <a:off x="8042147" y="453643"/>
+            <a:ext cx="3703320" cy="98554"/>
+          </a:xfrm>
+          <a:prstGeom prst="rect">
+            <a:avLst/>
+          </a:prstGeom>
+          <a:solidFill>
+            <a:srgbClr val="969FA7"/>
+          </a:solidFill>
+          <a:ln>
+            <a:noFill/>
+          </a:ln>
+          <a:effectLst/>
+        </p:spPr>
+        <p:style>
+          <a:lnRef idx="1">
+            <a:schemeClr val="accent1"/>
+          </a:lnRef>
+          <a:fillRef idx="3">
+            <a:schemeClr val="accent1"/>
+          </a:fillRef>
+          <a:effectRef idx="2">
+            <a:schemeClr val="accent1"/>
+          </a:effectRef>
+          <a:fontRef idx="minor">
+            <a:schemeClr val="lt1"/>
+          </a:fontRef>
+        </p:style>
+      </p:sp>
+      <p:sp>
+        <p:nvSpPr>
+          <p:cNvPr id="185" name="Rectangle 102">
+            <a:extLst>
+              <a:ext uri="{FF2B5EF4-FFF2-40B4-BE49-F238E27FC236}">
+                <a16:creationId xmlns:a16="http://schemas.microsoft.com/office/drawing/2014/main" id="{10AE8D57-436A-4073-9A75-15BB5949F8B4}"/>
+              </a:ext>
+              <a:ext uri="{C183D7F6-B498-43B3-948B-1728B52AA6E4}">
+                <adec:decorative xmlns:adec="http://schemas.microsoft.com/office/drawing/2017/decorative" val="1"/>
+              </a:ext>
+            </a:extLst>
+          </p:cNvPr>
+          <p:cNvSpPr>
+            <a:spLocks noGrp="1" noRot="1" noChangeAspect="1" noMove="1" noResize="1" noEditPoints="1" noAdjustHandles="1" noChangeArrowheads="1" noChangeShapeType="1" noTextEdit="1"/>
+          </p:cNvSpPr>
+          <p:nvPr>
+            <p:extLst>
+              <p:ext uri="{386F3935-93C4-4BCD-93E2-E3B085C9AB24}">
+                <p16:designElem xmlns:p16="http://schemas.microsoft.com/office/powerpoint/2015/main" val="1"/>
+              </p:ext>
+            </p:extLst>
+          </p:nvPr>
+        </p:nvSpPr>
+        <p:spPr>
+          <a:xfrm>
+            <a:off x="4241830" y="457200"/>
+            <a:ext cx="3703320" cy="91440"/>
+          </a:xfrm>
+          <a:prstGeom prst="rect">
+            <a:avLst/>
+          </a:prstGeom>
+          <a:solidFill>
+            <a:schemeClr val="accent1"/>
+          </a:solidFill>
+          <a:ln>
+            <a:noFill/>
+          </a:ln>
+          <a:effectLst/>
+        </p:spPr>
+        <p:style>
+          <a:lnRef idx="1">
+            <a:schemeClr val="accent1"/>
+          </a:lnRef>
+          <a:fillRef idx="3">
+            <a:schemeClr val="accent1"/>
+          </a:fillRef>
+          <a:effectRef idx="2">
+            <a:schemeClr val="accent1"/>
+          </a:effectRef>
+          <a:fontRef idx="minor">
+            <a:schemeClr val="lt1"/>
+          </a:fontRef>
+        </p:style>
+      </p:sp>
+      <p:sp>
+        <p:nvSpPr>
+          <p:cNvPr id="186" name="Rectangle 104">
+            <a:extLst>
+              <a:ext uri="{FF2B5EF4-FFF2-40B4-BE49-F238E27FC236}">
+                <a16:creationId xmlns:a16="http://schemas.microsoft.com/office/drawing/2014/main" id="{E2852671-8EB6-4EAF-8AF8-65CF3FD66456}"/>
+              </a:ext>
+              <a:ext uri="{C183D7F6-B498-43B3-948B-1728B52AA6E4}">
+                <adec:decorative xmlns:adec="http://schemas.microsoft.com/office/drawing/2017/decorative" val="1"/>
+              </a:ext>
+            </a:extLst>
+          </p:cNvPr>
+          <p:cNvSpPr>
+            <a:spLocks noGrp="1" noRot="1" noChangeAspect="1" noMove="1" noResize="1" noEditPoints="1" noAdjustHandles="1" noChangeArrowheads="1" noChangeShapeType="1" noTextEdit="1"/>
+          </p:cNvSpPr>
+          <p:nvPr>
+            <p:extLst>
+              <p:ext uri="{386F3935-93C4-4BCD-93E2-E3B085C9AB24}">
+                <p16:designElem xmlns:p16="http://schemas.microsoft.com/office/powerpoint/2015/main" val="1"/>
+              </p:ext>
+            </p:extLst>
+          </p:nvPr>
+        </p:nvSpPr>
+        <p:spPr>
+          <a:xfrm>
+            <a:off x="446534" y="3085764"/>
+            <a:ext cx="11298932" cy="3338149"/>
+          </a:xfrm>
+          <a:prstGeom prst="rect">
+            <a:avLst/>
+          </a:prstGeom>
+          <a:solidFill>
+            <a:srgbClr val="465359"/>
+          </a:solidFill>
+          <a:ln>
+            <a:noFill/>
+          </a:ln>
+          <a:effectLst/>
+        </p:spPr>
+        <p:style>
+          <a:lnRef idx="1">
+            <a:schemeClr val="accent1"/>
+          </a:lnRef>
+          <a:fillRef idx="3">
+            <a:schemeClr val="accent1"/>
+          </a:fillRef>
+          <a:effectRef idx="2">
+            <a:schemeClr val="accent1"/>
+          </a:effectRef>
+          <a:fontRef idx="minor">
+            <a:schemeClr val="lt1"/>
+          </a:fontRef>
+        </p:style>
+      </p:sp>
+      <p:sp useBgFill="1">
+        <p:nvSpPr>
+          <p:cNvPr id="187" name="Rectangle 106">
+            <a:extLst>
+              <a:ext uri="{FF2B5EF4-FFF2-40B4-BE49-F238E27FC236}">
+                <a16:creationId xmlns:a16="http://schemas.microsoft.com/office/drawing/2014/main" id="{26B4480E-B7FF-4481-890E-043A69AE6FE2}"/>
+              </a:ext>
+              <a:ext uri="{C183D7F6-B498-43B3-948B-1728B52AA6E4}">
+                <adec:decorative xmlns:adec="http://schemas.microsoft.com/office/drawing/2017/decorative" val="1"/>
+              </a:ext>
+            </a:extLst>
+          </p:cNvPr>
+          <p:cNvSpPr>
+            <a:spLocks noGrp="1" noRot="1" noChangeAspect="1" noMove="1" noResize="1" noEditPoints="1" noAdjustHandles="1" noChangeArrowheads="1" noChangeShapeType="1" noTextEdit="1"/>
+          </p:cNvSpPr>
+          <p:nvPr>
+            <p:extLst>
+              <p:ext uri="{386F3935-93C4-4BCD-93E2-E3B085C9AB24}">
+                <p16:designElem xmlns:p16="http://schemas.microsoft.com/office/powerpoint/2015/main" val="1"/>
+              </p:ext>
+            </p:extLst>
+          </p:nvPr>
+        </p:nvSpPr>
+        <p:spPr>
+          <a:xfrm>
+            <a:off x="0" y="0"/>
+            <a:ext cx="12192000" cy="6858000"/>
+          </a:xfrm>
+          <a:prstGeom prst="rect">
+            <a:avLst/>
+          </a:prstGeom>
+          <a:ln>
+            <a:noFill/>
+          </a:ln>
+        </p:spPr>
+        <p:style>
+          <a:lnRef idx="2">
+            <a:schemeClr val="accent1">
+              <a:shade val="50000"/>
+            </a:schemeClr>
+          </a:lnRef>
+          <a:fillRef idx="1">
+            <a:schemeClr val="accent1"/>
+          </a:fillRef>
+          <a:effectRef idx="0">
+            <a:schemeClr val="accent1"/>
+          </a:effectRef>
+          <a:fontRef idx="minor">
+            <a:schemeClr val="lt1"/>
+          </a:fontRef>
+        </p:style>
+        <p:txBody>
+          <a:bodyPr rtlCol="0" anchor="ctr"/>
+          <a:lstStyle/>
+          <a:p>
+            <a:pPr algn="ctr"/>
+            <a:endParaRPr lang="en-US"/>
+          </a:p>
+        </p:txBody>
+      </p:sp>
+      <p:grpSp>
+        <p:nvGrpSpPr>
+          <p:cNvPr id="188" name="Group 108">
+            <a:extLst>
+              <a:ext uri="{FF2B5EF4-FFF2-40B4-BE49-F238E27FC236}">
+                <a16:creationId xmlns:a16="http://schemas.microsoft.com/office/drawing/2014/main" id="{79394E1F-0B5F-497D-B2A6-8383A2A54834}"/>
+              </a:ext>
+              <a:ext uri="{C183D7F6-B498-43B3-948B-1728B52AA6E4}">
+                <adec:decorative xmlns:adec="http://schemas.microsoft.com/office/drawing/2017/decorative" val="1"/>
+              </a:ext>
+            </a:extLst>
+          </p:cNvPr>
+          <p:cNvGrpSpPr>
+            <a:grpSpLocks noGrp="1" noUngrp="1" noRot="1" noChangeAspect="1" noMove="1" noResize="1"/>
+          </p:cNvGrpSpPr>
+          <p:nvPr>
+            <p:extLst>
+              <p:ext uri="{386F3935-93C4-4BCD-93E2-E3B085C9AB24}">
+                <p16:designElem xmlns:p16="http://schemas.microsoft.com/office/powerpoint/2015/main" val="1"/>
+              </p:ext>
+            </p:extLst>
+          </p:nvPr>
+        </p:nvGrpSpPr>
+        <p:grpSpPr>
+          <a:xfrm>
+            <a:off x="438068" y="457200"/>
+            <a:ext cx="3703320" cy="5935133"/>
+            <a:chOff x="438068" y="457200"/>
+            <a:chExt cx="3703320" cy="5935133"/>
+          </a:xfrm>
+        </p:grpSpPr>
+        <p:sp>
+          <p:nvSpPr>
+            <p:cNvPr id="110" name="Rectangle 109">
+              <a:extLst>
+                <a:ext uri="{FF2B5EF4-FFF2-40B4-BE49-F238E27FC236}">
+                  <a16:creationId xmlns:a16="http://schemas.microsoft.com/office/drawing/2014/main" id="{1F1FF39A-AC3C-4066-9D4C-519AA22812EA}"/>
+                </a:ext>
+                <a:ext uri="{C183D7F6-B498-43B3-948B-1728B52AA6E4}">
+                  <adec:decorative xmlns:adec="http://schemas.microsoft.com/office/drawing/2017/decorative" val="1"/>
+                </a:ext>
+              </a:extLst>
+            </p:cNvPr>
+            <p:cNvSpPr/>
+            <p:nvPr>
+              <p:extLst>
+                <p:ext uri="{386F3935-93C4-4BCD-93E2-E3B085C9AB24}">
+                  <p16:designElem xmlns:p16="http://schemas.microsoft.com/office/powerpoint/2015/main" val="1"/>
+                </p:ext>
+              </p:extLst>
+            </p:nvPr>
+          </p:nvSpPr>
+          <p:spPr>
+            <a:xfrm>
+              <a:off x="438068" y="601201"/>
+              <a:ext cx="3702134" cy="5791132"/>
+            </a:xfrm>
+            <a:prstGeom prst="rect">
+              <a:avLst/>
+            </a:prstGeom>
+            <a:solidFill>
+              <a:srgbClr val="465359">
+                <a:alpha val="97000"/>
+              </a:srgbClr>
+            </a:solidFill>
+            <a:ln w="6350" cmpd="sng">
+              <a:noFill/>
+            </a:ln>
+            <a:effectLst/>
+          </p:spPr>
+          <p:style>
+            <a:lnRef idx="1">
+              <a:schemeClr val="accent1"/>
+            </a:lnRef>
+            <a:fillRef idx="3">
+              <a:schemeClr val="accent1"/>
+            </a:fillRef>
+            <a:effectRef idx="2">
+              <a:schemeClr val="accent1"/>
+            </a:effectRef>
+            <a:fontRef idx="minor">
+              <a:schemeClr val="lt1"/>
+            </a:fontRef>
+          </p:style>
+        </p:sp>
+        <p:sp>
+          <p:nvSpPr>
+            <p:cNvPr id="189" name="Rectangle 110">
+              <a:extLst>
+                <a:ext uri="{FF2B5EF4-FFF2-40B4-BE49-F238E27FC236}">
+                  <a16:creationId xmlns:a16="http://schemas.microsoft.com/office/drawing/2014/main" id="{64C13BAB-7C00-4D21-A857-E3D41C0A2A66}"/>
+                </a:ext>
+                <a:ext uri="{C183D7F6-B498-43B3-948B-1728B52AA6E4}">
+                  <adec:decorative xmlns:adec="http://schemas.microsoft.com/office/drawing/2017/decorative" val="1"/>
+                </a:ext>
+              </a:extLst>
+            </p:cNvPr>
+            <p:cNvSpPr/>
+            <p:nvPr>
+              <p:extLst>
+                <p:ext uri="{386F3935-93C4-4BCD-93E2-E3B085C9AB24}">
+                  <p16:designElem xmlns:p16="http://schemas.microsoft.com/office/powerpoint/2015/main" val="1"/>
+                </p:ext>
+              </p:extLst>
+            </p:nvPr>
+          </p:nvSpPr>
+          <p:spPr>
+            <a:xfrm>
+              <a:off x="438068" y="457200"/>
+              <a:ext cx="3703320" cy="94997"/>
+            </a:xfrm>
+            <a:prstGeom prst="rect">
+              <a:avLst/>
+            </a:prstGeom>
+            <a:solidFill>
+              <a:srgbClr val="465359"/>
+            </a:solidFill>
+            <a:ln>
+              <a:noFill/>
+            </a:ln>
+            <a:effectLst/>
+          </p:spPr>
+          <p:style>
+            <a:lnRef idx="1">
+              <a:schemeClr val="accent1"/>
+            </a:lnRef>
+            <a:fillRef idx="3">
+              <a:schemeClr val="accent1"/>
+            </a:fillRef>
+            <a:effectRef idx="2">
+              <a:schemeClr val="accent1"/>
+            </a:effectRef>
+            <a:fontRef idx="minor">
+              <a:schemeClr val="lt1"/>
+            </a:fontRef>
+          </p:style>
+        </p:sp>
+      </p:grpSp>
+      <p:sp>
+        <p:nvSpPr>
+          <p:cNvPr id="158" name="Google Shape;158;p17"/>
+          <p:cNvSpPr txBox="1">
+            <a:spLocks noGrp="1"/>
+          </p:cNvSpPr>
+          <p:nvPr>
+            <p:ph type="title"/>
+          </p:nvPr>
+        </p:nvSpPr>
+        <p:spPr>
+          <a:xfrm>
+            <a:off x="584200" y="1524001"/>
+            <a:ext cx="3412067" cy="3478384"/>
+          </a:xfrm>
+          <a:prstGeom prst="rect">
+            <a:avLst/>
+          </a:prstGeom>
+        </p:spPr>
+        <p:txBody>
+          <a:bodyPr spcFirstLastPara="1" vert="horz" lIns="91440" tIns="45720" rIns="91440" bIns="45720" rtlCol="0" anchor="ctr" anchorCtr="0">
+            <a:normAutofit/>
+          </a:bodyPr>
+          <a:lstStyle/>
+          <a:p>
+            <a:pPr algn="ctr">
+              <a:spcBef>
+                <a:spcPct val="0"/>
+              </a:spcBef>
+            </a:pPr>
+            <a:r>
+              <a:rPr lang="en-US" sz="3600" dirty="0">
+                <a:solidFill>
+                  <a:srgbClr val="FFFFFF"/>
+                </a:solidFill>
+                <a:sym typeface="Lato"/>
+              </a:rPr>
+              <a:t>Final ETL Process </a:t>
+            </a:r>
+          </a:p>
+        </p:txBody>
+      </p:sp>
+      <p:pic>
+        <p:nvPicPr>
+          <p:cNvPr id="3" name="Picture 2" descr="Diagram&#10;&#10;Description automatically generated">
+            <a:extLst>
+              <a:ext uri="{FF2B5EF4-FFF2-40B4-BE49-F238E27FC236}">
+                <a16:creationId xmlns:a16="http://schemas.microsoft.com/office/drawing/2014/main" id="{AD8AA16E-F466-497A-8EF3-A2A20A46F7E2}"/>
+              </a:ext>
+            </a:extLst>
+          </p:cNvPr>
+          <p:cNvPicPr>
+            <a:picLocks noChangeAspect="1"/>
+          </p:cNvPicPr>
+          <p:nvPr/>
+        </p:nvPicPr>
+        <p:blipFill>
+          <a:blip r:embed="rId3"/>
+          <a:stretch>
+            <a:fillRect/>
+          </a:stretch>
+        </p:blipFill>
+        <p:spPr>
+          <a:xfrm>
+            <a:off x="5175434" y="391947"/>
+            <a:ext cx="5747670" cy="6264492"/>
+          </a:xfrm>
+          <a:prstGeom prst="rect">
+            <a:avLst/>
+          </a:prstGeom>
+        </p:spPr>
+      </p:pic>
+    </p:spTree>
+    <p:extLst>
+      <p:ext uri="{BB962C8B-B14F-4D97-AF65-F5344CB8AC3E}">
+        <p14:creationId xmlns:p14="http://schemas.microsoft.com/office/powerpoint/2010/main" val="3828626221"/>
+      </p:ext>
+    </p:extLst>
+  </p:cSld>
+  <p:clrMapOvr>
+    <a:masterClrMapping/>
+  </p:clrMapOvr>
+</p:sld>
+</file>
+
+<file path=ppt/slides/slide7.xml><?xml version="1.0" encoding="utf-8"?>
+<p:sld xmlns:a="http://schemas.openxmlformats.org/drawingml/2006/main" xmlns:r="http://schemas.openxmlformats.org/officeDocument/2006/relationships" xmlns:p="http://schemas.openxmlformats.org/presentationml/2006/main">
+  <p:cSld>
     <p:spTree>
       <p:nvGrpSpPr>
         <p:cNvPr id="1" name="Shape 163"/>
@@ -6813,7 +7799,7 @@
 </p:sld>
 </file>
 
-<file path=ppt/slides/slide7.xml><?xml version="1.0" encoding="utf-8"?>
+<file path=ppt/slides/slide8.xml><?xml version="1.0" encoding="utf-8"?>
 <p:sld xmlns:a="http://schemas.openxmlformats.org/drawingml/2006/main" xmlns:r="http://schemas.openxmlformats.org/officeDocument/2006/relationships" xmlns:p="http://schemas.openxmlformats.org/presentationml/2006/main">
   <p:cSld>
     <p:spTree>
@@ -6941,7 +7927,7 @@
 </p:sld>
 </file>
 
-<file path=ppt/slides/slide8.xml><?xml version="1.0" encoding="utf-8"?>
+<file path=ppt/slides/slide9.xml><?xml version="1.0" encoding="utf-8"?>
 <p:sld xmlns:a="http://schemas.openxmlformats.org/drawingml/2006/main" xmlns:r="http://schemas.openxmlformats.org/officeDocument/2006/relationships" xmlns:p="http://schemas.openxmlformats.org/presentationml/2006/main">
   <p:cSld>
     <p:spTree>
@@ -7064,113 +8050,6 @@
             <a:r>
               <a:rPr lang="en"/>
               <a:t>Python ML Models: Linear regression , Keras for neural network ML Model. </a:t>
-            </a:r>
-            <a:endParaRPr/>
-          </a:p>
-        </p:txBody>
-      </p:sp>
-    </p:spTree>
-  </p:cSld>
-  <p:clrMapOvr>
-    <a:masterClrMapping/>
-  </p:clrMapOvr>
-</p:sld>
-</file>
-
-<file path=ppt/slides/slide9.xml><?xml version="1.0" encoding="utf-8"?>
-<p:sld xmlns:a="http://schemas.openxmlformats.org/drawingml/2006/main" xmlns:r="http://schemas.openxmlformats.org/officeDocument/2006/relationships" xmlns:p="http://schemas.openxmlformats.org/presentationml/2006/main">
-  <p:cSld>
-    <p:spTree>
-      <p:nvGrpSpPr>
-        <p:cNvPr id="1" name="Shape 181"/>
-        <p:cNvGrpSpPr/>
-        <p:nvPr/>
-      </p:nvGrpSpPr>
-      <p:grpSpPr>
-        <a:xfrm>
-          <a:off x="0" y="0"/>
-          <a:ext cx="0" cy="0"/>
-          <a:chOff x="0" y="0"/>
-          <a:chExt cx="0" cy="0"/>
-        </a:xfrm>
-      </p:grpSpPr>
-      <p:sp>
-        <p:nvSpPr>
-          <p:cNvPr id="182" name="Google Shape;182;p21"/>
-          <p:cNvSpPr txBox="1">
-            <a:spLocks noGrp="1"/>
-          </p:cNvSpPr>
-          <p:nvPr>
-            <p:ph type="title"/>
-          </p:nvPr>
-        </p:nvSpPr>
-        <p:spPr>
-          <a:xfrm>
-            <a:off x="1730000" y="525000"/>
-            <a:ext cx="9385200" cy="1218800"/>
-          </a:xfrm>
-          <a:prstGeom prst="rect">
-            <a:avLst/>
-          </a:prstGeom>
-        </p:spPr>
-        <p:txBody>
-          <a:bodyPr spcFirstLastPara="1" vert="horz" wrap="square" lIns="121900" tIns="121900" rIns="121900" bIns="121900" rtlCol="0" anchor="t" anchorCtr="0">
-            <a:normAutofit/>
-          </a:bodyPr>
-          <a:lstStyle/>
-          <a:p>
-            <a:r>
-              <a:rPr lang="en" sz="2800">
-                <a:latin typeface="Lato"/>
-                <a:ea typeface="Lato"/>
-                <a:cs typeface="Lato"/>
-                <a:sym typeface="Lato"/>
-              </a:rPr>
-              <a:t>Recommendation for future analysis</a:t>
-            </a:r>
-            <a:endParaRPr sz="2800">
-              <a:latin typeface="Lato"/>
-              <a:ea typeface="Lato"/>
-              <a:cs typeface="Lato"/>
-              <a:sym typeface="Lato"/>
-            </a:endParaRPr>
-          </a:p>
-        </p:txBody>
-      </p:sp>
-      <p:sp>
-        <p:nvSpPr>
-          <p:cNvPr id="183" name="Google Shape;183;p21"/>
-          <p:cNvSpPr txBox="1">
-            <a:spLocks noGrp="1"/>
-          </p:cNvSpPr>
-          <p:nvPr>
-            <p:ph type="body" idx="1"/>
-          </p:nvPr>
-        </p:nvSpPr>
-        <p:spPr>
-          <a:xfrm>
-            <a:off x="1730000" y="2090067"/>
-            <a:ext cx="9385200" cy="3881600"/>
-          </a:xfrm>
-          <a:prstGeom prst="rect">
-            <a:avLst/>
-          </a:prstGeom>
-        </p:spPr>
-        <p:txBody>
-          <a:bodyPr spcFirstLastPara="1" vert="horz" wrap="square" lIns="121900" tIns="121900" rIns="121900" bIns="121900" rtlCol="0" anchor="t" anchorCtr="0">
-            <a:normAutofit/>
-          </a:bodyPr>
-          <a:lstStyle/>
-          <a:p>
-            <a:pPr marL="0" indent="0">
-              <a:spcAft>
-                <a:spcPts val="1600"/>
-              </a:spcAft>
-              <a:buNone/>
-            </a:pPr>
-            <a:r>
-              <a:rPr lang="en"/>
-              <a:t>TBD </a:t>
             </a:r>
             <a:endParaRPr/>
           </a:p>
@@ -7749,24 +8628,6 @@
 </file>
 
 <file path=customXml/item1.xml><?xml version="1.0" encoding="utf-8"?>
-<p:properties xmlns:p="http://schemas.microsoft.com/office/2006/metadata/properties" xmlns:xsi="http://www.w3.org/2001/XMLSchema-instance" xmlns:pc="http://schemas.microsoft.com/office/infopath/2007/PartnerControls">
-  <documentManagement>
-    <Status xmlns="71af3243-3dd4-4a8d-8c0d-dd76da1f02a5">Not started</Status>
-    <MediaServiceKeyPoints xmlns="71af3243-3dd4-4a8d-8c0d-dd76da1f02a5" xsi:nil="true"/>
-  </documentManagement>
-</p:properties>
-</file>
-
-<file path=customXml/item2.xml><?xml version="1.0" encoding="utf-8"?>
-<?mso-contentType ?>
-<FormTemplates xmlns="http://schemas.microsoft.com/sharepoint/v3/contenttype/forms">
-  <Display>DocumentLibraryForm</Display>
-  <Edit>DocumentLibraryForm</Edit>
-  <New>DocumentLibraryForm</New>
-</FormTemplates>
-</file>
-
-<file path=customXml/item3.xml><?xml version="1.0" encoding="utf-8"?>
 <ct:contentTypeSchema xmlns:ct="http://schemas.microsoft.com/office/2006/metadata/contentType" xmlns:ma="http://schemas.microsoft.com/office/2006/metadata/properties/metaAttributes" ct:_="" ma:_="" ma:contentTypeName="Document" ma:contentTypeID="0x01010079F111ED35F8CC479449609E8A0923A6" ma:contentTypeVersion="12" ma:contentTypeDescription="Create a new document." ma:contentTypeScope="" ma:versionID="a410dd7f93c95333ffa1b60ed6adedd1">
   <xsd:schema xmlns:xsd="http://www.w3.org/2001/XMLSchema" xmlns:xs="http://www.w3.org/2001/XMLSchema" xmlns:p="http://schemas.microsoft.com/office/2006/metadata/properties" xmlns:ns2="71af3243-3dd4-4a8d-8c0d-dd76da1f02a5" xmlns:ns3="16c05727-aa75-4e4a-9b5f-8a80a1165891" targetNamespace="http://schemas.microsoft.com/office/2006/metadata/properties" ma:root="true" ma:fieldsID="a936d9baba76aa3866493feff160faab" ns2:_="" ns3:_="">
     <xsd:import namespace="71af3243-3dd4-4a8d-8c0d-dd76da1f02a5"/>
@@ -7987,25 +8848,25 @@
 </ct:contentTypeSchema>
 </file>
 
-<file path=customXml/itemProps1.xml><?xml version="1.0" encoding="utf-8"?>
-<ds:datastoreItem xmlns:ds="http://schemas.openxmlformats.org/officeDocument/2006/customXml" ds:itemID="{8D289AE2-D2AE-49D1-AFAC-3A79F6794255}">
-  <ds:schemaRefs>
-    <ds:schemaRef ds:uri="http://schemas.microsoft.com/office/2006/metadata/properties"/>
-    <ds:schemaRef ds:uri="http://schemas.microsoft.com/office/infopath/2007/PartnerControls"/>
-    <ds:schemaRef ds:uri="71af3243-3dd4-4a8d-8c0d-dd76da1f02a5"/>
-  </ds:schemaRefs>
-</ds:datastoreItem>
+<file path=customXml/item2.xml><?xml version="1.0" encoding="utf-8"?>
+<?mso-contentType ?>
+<FormTemplates xmlns="http://schemas.microsoft.com/sharepoint/v3/contenttype/forms">
+  <Display>DocumentLibraryForm</Display>
+  <Edit>DocumentLibraryForm</Edit>
+  <New>DocumentLibraryForm</New>
+</FormTemplates>
 </file>
 
-<file path=customXml/itemProps2.xml><?xml version="1.0" encoding="utf-8"?>
-<ds:datastoreItem xmlns:ds="http://schemas.openxmlformats.org/officeDocument/2006/customXml" ds:itemID="{927BD4C1-B6B1-4715-ABF9-E660A51A4EA0}">
-  <ds:schemaRefs>
-    <ds:schemaRef ds:uri="http://schemas.microsoft.com/sharepoint/v3/contenttype/forms"/>
-  </ds:schemaRefs>
-</ds:datastoreItem>
+<file path=customXml/item3.xml><?xml version="1.0" encoding="utf-8"?>
+<p:properties xmlns:p="http://schemas.microsoft.com/office/2006/metadata/properties" xmlns:xsi="http://www.w3.org/2001/XMLSchema-instance" xmlns:pc="http://schemas.microsoft.com/office/infopath/2007/PartnerControls">
+  <documentManagement>
+    <Status xmlns="71af3243-3dd4-4a8d-8c0d-dd76da1f02a5">Not started</Status>
+    <MediaServiceKeyPoints xmlns="71af3243-3dd4-4a8d-8c0d-dd76da1f02a5" xsi:nil="true"/>
+  </documentManagement>
+</p:properties>
 </file>
 
-<file path=customXml/itemProps3.xml><?xml version="1.0" encoding="utf-8"?>
+<file path=customXml/itemProps1.xml><?xml version="1.0" encoding="utf-8"?>
 <ds:datastoreItem xmlns:ds="http://schemas.openxmlformats.org/officeDocument/2006/customXml" ds:itemID="{41E7CA09-9778-4414-AE97-8064B12DA30E}">
   <ds:schemaRefs>
     <ds:schemaRef ds:uri="http://schemas.microsoft.com/office/2006/metadata/contentType"/>
@@ -8022,4 +8883,22 @@
     <ds:schemaRef ds:uri="http://schemas.microsoft.com/internal/obd"/>
   </ds:schemaRefs>
 </ds:datastoreItem>
+</file>
+
+<file path=customXml/itemProps2.xml><?xml version="1.0" encoding="utf-8"?>
+<ds:datastoreItem xmlns:ds="http://schemas.openxmlformats.org/officeDocument/2006/customXml" ds:itemID="{927BD4C1-B6B1-4715-ABF9-E660A51A4EA0}">
+  <ds:schemaRefs>
+    <ds:schemaRef ds:uri="http://schemas.microsoft.com/sharepoint/v3/contenttype/forms"/>
+  </ds:schemaRefs>
+</ds:datastoreItem>
+</file>
+
+<file path=customXml/itemProps3.xml><?xml version="1.0" encoding="utf-8"?>
+<ds:datastoreItem xmlns:ds="http://schemas.openxmlformats.org/officeDocument/2006/customXml" ds:itemID="{8D289AE2-D2AE-49D1-AFAC-3A79F6794255}">
+  <ds:schemaRefs>
+    <ds:schemaRef ds:uri="http://schemas.microsoft.com/office/2006/metadata/properties"/>
+    <ds:schemaRef ds:uri="http://schemas.microsoft.com/office/infopath/2007/PartnerControls"/>
+    <ds:schemaRef ds:uri="71af3243-3dd4-4a8d-8c0d-dd76da1f02a5"/>
+  </ds:schemaRefs>
+</ds:datastoreItem>
 </file>
--- a/CA Housing Prices Analysis.pptx
+++ b/CA Housing Prices Analysis.pptx
@@ -5,7 +5,7 @@
     <p:sldMasterId id="2147483712" r:id="rId4"/>
   </p:sldMasterIdLst>
   <p:notesMasterIdLst>
-    <p:notesMasterId r:id="rId15"/>
+    <p:notesMasterId r:id="rId22"/>
   </p:notesMasterIdLst>
   <p:sldIdLst>
     <p:sldId id="259" r:id="rId5"/>
@@ -14,10 +14,17 @@
     <p:sldId id="262" r:id="rId8"/>
     <p:sldId id="265" r:id="rId9"/>
     <p:sldId id="268" r:id="rId10"/>
-    <p:sldId id="266" r:id="rId11"/>
-    <p:sldId id="267" r:id="rId12"/>
-    <p:sldId id="263" r:id="rId13"/>
-    <p:sldId id="264" r:id="rId14"/>
+    <p:sldId id="270" r:id="rId11"/>
+    <p:sldId id="269" r:id="rId12"/>
+    <p:sldId id="272" r:id="rId13"/>
+    <p:sldId id="274" r:id="rId14"/>
+    <p:sldId id="275" r:id="rId15"/>
+    <p:sldId id="266" r:id="rId16"/>
+    <p:sldId id="267" r:id="rId17"/>
+    <p:sldId id="263" r:id="rId18"/>
+    <p:sldId id="264" r:id="rId19"/>
+    <p:sldId id="273" r:id="rId20"/>
+    <p:sldId id="271" r:id="rId21"/>
   </p:sldIdLst>
   <p:sldSz cx="12192000" cy="6858000"/>
   <p:notesSz cx="6858000" cy="9144000"/>
@@ -127,7 +134,7 @@
 <file path=ppt/revisionInfo.xml><?xml version="1.0" encoding="utf-8"?>
 <p1510:revInfo xmlns:a="http://schemas.openxmlformats.org/drawingml/2006/main" xmlns:r="http://schemas.openxmlformats.org/officeDocument/2006/relationships" xmlns:p1510="http://schemas.microsoft.com/office/powerpoint/2015/10/main">
   <p1510:revLst>
-    <p1510:client id="{FDA6E28C-406E-41EE-A1DD-C474C9987713}" v="11" dt="2021-08-07T13:40:09.751"/>
+    <p1510:client id="{3609CF1C-7F59-43CD-9E2F-3C5D15BF5220}" v="6" dt="2021-08-08T21:25:56.426"/>
   </p1510:revLst>
 </p1510:revInfo>
 </file>
@@ -472,6 +479,1478 @@
             <pc:docMk/>
             <pc:sldMk cId="3828626221" sldId="268"/>
             <ac:picMk id="5" creationId="{A927BE9B-8008-4904-97B8-4BEBB47CDA94}"/>
+          </ac:picMkLst>
+        </pc:picChg>
+      </pc:sldChg>
+    </pc:docChg>
+  </pc:docChgLst>
+  <pc:docChgLst>
+    <pc:chgData name="mikez zaatri" userId="dc7c058cd1c617f1" providerId="LiveId" clId="{3609CF1C-7F59-43CD-9E2F-3C5D15BF5220}"/>
+    <pc:docChg chg="undo custSel addSld modSld sldOrd">
+      <pc:chgData name="mikez zaatri" userId="dc7c058cd1c617f1" providerId="LiveId" clId="{3609CF1C-7F59-43CD-9E2F-3C5D15BF5220}" dt="2021-08-08T21:30:48.042" v="544" actId="14100"/>
+      <pc:docMkLst>
+        <pc:docMk/>
+      </pc:docMkLst>
+      <pc:sldChg chg="mod modShow">
+        <pc:chgData name="mikez zaatri" userId="dc7c058cd1c617f1" providerId="LiveId" clId="{3609CF1C-7F59-43CD-9E2F-3C5D15BF5220}" dt="2021-08-08T21:06:15.059" v="136" actId="729"/>
+        <pc:sldMkLst>
+          <pc:docMk/>
+          <pc:sldMk cId="0" sldId="262"/>
+        </pc:sldMkLst>
+      </pc:sldChg>
+      <pc:sldChg chg="ord">
+        <pc:chgData name="mikez zaatri" userId="dc7c058cd1c617f1" providerId="LiveId" clId="{3609CF1C-7F59-43CD-9E2F-3C5D15BF5220}" dt="2021-08-08T21:06:03.851" v="135"/>
+        <pc:sldMkLst>
+          <pc:docMk/>
+          <pc:sldMk cId="3828626221" sldId="268"/>
+        </pc:sldMkLst>
+      </pc:sldChg>
+      <pc:sldChg chg="addSp delSp modSp new mod setBg setClrOvrMap">
+        <pc:chgData name="mikez zaatri" userId="dc7c058cd1c617f1" providerId="LiveId" clId="{3609CF1C-7F59-43CD-9E2F-3C5D15BF5220}" dt="2021-08-08T21:05:59.792" v="133" actId="20577"/>
+        <pc:sldMkLst>
+          <pc:docMk/>
+          <pc:sldMk cId="3459769227" sldId="269"/>
+        </pc:sldMkLst>
+        <pc:spChg chg="mod">
+          <ac:chgData name="mikez zaatri" userId="dc7c058cd1c617f1" providerId="LiveId" clId="{3609CF1C-7F59-43CD-9E2F-3C5D15BF5220}" dt="2021-08-08T21:05:00.032" v="35" actId="20577"/>
+          <ac:spMkLst>
+            <pc:docMk/>
+            <pc:sldMk cId="3459769227" sldId="269"/>
+            <ac:spMk id="2" creationId="{B55F5714-2E8E-4ACD-A2CD-04641C08956A}"/>
+          </ac:spMkLst>
+        </pc:spChg>
+        <pc:spChg chg="add del mod ord">
+          <ac:chgData name="mikez zaatri" userId="dc7c058cd1c617f1" providerId="LiveId" clId="{3609CF1C-7F59-43CD-9E2F-3C5D15BF5220}" dt="2021-08-08T21:05:59.792" v="133" actId="20577"/>
+          <ac:spMkLst>
+            <pc:docMk/>
+            <pc:sldMk cId="3459769227" sldId="269"/>
+            <ac:spMk id="3" creationId="{69967516-9E99-4B4D-AD6B-5B2B788CBAC4}"/>
+          </ac:spMkLst>
+        </pc:spChg>
+        <pc:spChg chg="add del mod">
+          <ac:chgData name="mikez zaatri" userId="dc7c058cd1c617f1" providerId="LiveId" clId="{3609CF1C-7F59-43CD-9E2F-3C5D15BF5220}" dt="2021-08-08T21:05:56.578" v="132" actId="478"/>
+          <ac:spMkLst>
+            <pc:docMk/>
+            <pc:sldMk cId="3459769227" sldId="269"/>
+            <ac:spMk id="7" creationId="{7BA355D8-4171-4AFC-A8D9-0E2105A8A18A}"/>
+          </ac:spMkLst>
+        </pc:spChg>
+        <pc:spChg chg="add del">
+          <ac:chgData name="mikez zaatri" userId="dc7c058cd1c617f1" providerId="LiveId" clId="{3609CF1C-7F59-43CD-9E2F-3C5D15BF5220}" dt="2021-08-08T21:04:26.284" v="6" actId="26606"/>
+          <ac:spMkLst>
+            <pc:docMk/>
+            <pc:sldMk cId="3459769227" sldId="269"/>
+            <ac:spMk id="10" creationId="{DD651B61-325E-4E73-8445-38B0DE8AAAB6}"/>
+          </ac:spMkLst>
+        </pc:spChg>
+        <pc:spChg chg="add del">
+          <ac:chgData name="mikez zaatri" userId="dc7c058cd1c617f1" providerId="LiveId" clId="{3609CF1C-7F59-43CD-9E2F-3C5D15BF5220}" dt="2021-08-08T21:04:26.284" v="6" actId="26606"/>
+          <ac:spMkLst>
+            <pc:docMk/>
+            <pc:sldMk cId="3459769227" sldId="269"/>
+            <ac:spMk id="12" creationId="{B42E5253-D3AC-4AC2-B766-8B34F13C2F5E}"/>
+          </ac:spMkLst>
+        </pc:spChg>
+        <pc:spChg chg="add del">
+          <ac:chgData name="mikez zaatri" userId="dc7c058cd1c617f1" providerId="LiveId" clId="{3609CF1C-7F59-43CD-9E2F-3C5D15BF5220}" dt="2021-08-08T21:04:26.284" v="6" actId="26606"/>
+          <ac:spMkLst>
+            <pc:docMk/>
+            <pc:sldMk cId="3459769227" sldId="269"/>
+            <ac:spMk id="14" creationId="{10AE8D57-436A-4073-9A75-15BB5949F8B4}"/>
+          </ac:spMkLst>
+        </pc:spChg>
+        <pc:spChg chg="add del">
+          <ac:chgData name="mikez zaatri" userId="dc7c058cd1c617f1" providerId="LiveId" clId="{3609CF1C-7F59-43CD-9E2F-3C5D15BF5220}" dt="2021-08-08T21:04:26.284" v="6" actId="26606"/>
+          <ac:spMkLst>
+            <pc:docMk/>
+            <pc:sldMk cId="3459769227" sldId="269"/>
+            <ac:spMk id="16" creationId="{E9751CB9-7B25-4EB8-9A6F-82F822549F12}"/>
+          </ac:spMkLst>
+        </pc:spChg>
+        <pc:spChg chg="add del">
+          <ac:chgData name="mikez zaatri" userId="dc7c058cd1c617f1" providerId="LiveId" clId="{3609CF1C-7F59-43CD-9E2F-3C5D15BF5220}" dt="2021-08-08T21:04:26.284" v="6" actId="26606"/>
+          <ac:spMkLst>
+            <pc:docMk/>
+            <pc:sldMk cId="3459769227" sldId="269"/>
+            <ac:spMk id="18" creationId="{E1317383-CF3B-4B02-9512-BECBEF6362A4}"/>
+          </ac:spMkLst>
+        </pc:spChg>
+        <pc:spChg chg="add del">
+          <ac:chgData name="mikez zaatri" userId="dc7c058cd1c617f1" providerId="LiveId" clId="{3609CF1C-7F59-43CD-9E2F-3C5D15BF5220}" dt="2021-08-08T21:04:26.284" v="6" actId="26606"/>
+          <ac:spMkLst>
+            <pc:docMk/>
+            <pc:sldMk cId="3459769227" sldId="269"/>
+            <ac:spMk id="20" creationId="{B1D4C7A0-6DF2-4F2D-A45D-F111582974C7}"/>
+          </ac:spMkLst>
+        </pc:spChg>
+        <pc:spChg chg="add del">
+          <ac:chgData name="mikez zaatri" userId="dc7c058cd1c617f1" providerId="LiveId" clId="{3609CF1C-7F59-43CD-9E2F-3C5D15BF5220}" dt="2021-08-08T21:04:26.284" v="6" actId="26606"/>
+          <ac:spMkLst>
+            <pc:docMk/>
+            <pc:sldMk cId="3459769227" sldId="269"/>
+            <ac:spMk id="22" creationId="{DBF3943D-BCB6-4B31-809D-A005686483B4}"/>
+          </ac:spMkLst>
+        </pc:spChg>
+        <pc:spChg chg="add del">
+          <ac:chgData name="mikez zaatri" userId="dc7c058cd1c617f1" providerId="LiveId" clId="{3609CF1C-7F59-43CD-9E2F-3C5D15BF5220}" dt="2021-08-08T21:04:26.284" v="6" actId="26606"/>
+          <ac:spMkLst>
+            <pc:docMk/>
+            <pc:sldMk cId="3459769227" sldId="269"/>
+            <ac:spMk id="24" creationId="{39373A6F-2E1F-4613-8E1D-D68057D29F31}"/>
+          </ac:spMkLst>
+        </pc:spChg>
+        <pc:spChg chg="add del">
+          <ac:chgData name="mikez zaatri" userId="dc7c058cd1c617f1" providerId="LiveId" clId="{3609CF1C-7F59-43CD-9E2F-3C5D15BF5220}" dt="2021-08-08T21:04:31.751" v="8" actId="26606"/>
+          <ac:spMkLst>
+            <pc:docMk/>
+            <pc:sldMk cId="3459769227" sldId="269"/>
+            <ac:spMk id="26" creationId="{DD651B61-325E-4E73-8445-38B0DE8AAAB6}"/>
+          </ac:spMkLst>
+        </pc:spChg>
+        <pc:spChg chg="add del">
+          <ac:chgData name="mikez zaatri" userId="dc7c058cd1c617f1" providerId="LiveId" clId="{3609CF1C-7F59-43CD-9E2F-3C5D15BF5220}" dt="2021-08-08T21:04:31.751" v="8" actId="26606"/>
+          <ac:spMkLst>
+            <pc:docMk/>
+            <pc:sldMk cId="3459769227" sldId="269"/>
+            <ac:spMk id="27" creationId="{B42E5253-D3AC-4AC2-B766-8B34F13C2F5E}"/>
+          </ac:spMkLst>
+        </pc:spChg>
+        <pc:spChg chg="add del">
+          <ac:chgData name="mikez zaatri" userId="dc7c058cd1c617f1" providerId="LiveId" clId="{3609CF1C-7F59-43CD-9E2F-3C5D15BF5220}" dt="2021-08-08T21:04:31.751" v="8" actId="26606"/>
+          <ac:spMkLst>
+            <pc:docMk/>
+            <pc:sldMk cId="3459769227" sldId="269"/>
+            <ac:spMk id="28" creationId="{10AE8D57-436A-4073-9A75-15BB5949F8B4}"/>
+          </ac:spMkLst>
+        </pc:spChg>
+        <pc:spChg chg="add del">
+          <ac:chgData name="mikez zaatri" userId="dc7c058cd1c617f1" providerId="LiveId" clId="{3609CF1C-7F59-43CD-9E2F-3C5D15BF5220}" dt="2021-08-08T21:04:31.751" v="8" actId="26606"/>
+          <ac:spMkLst>
+            <pc:docMk/>
+            <pc:sldMk cId="3459769227" sldId="269"/>
+            <ac:spMk id="29" creationId="{E2852671-8EB6-4EAF-8AF8-65CF3FD66456}"/>
+          </ac:spMkLst>
+        </pc:spChg>
+        <pc:spChg chg="add del">
+          <ac:chgData name="mikez zaatri" userId="dc7c058cd1c617f1" providerId="LiveId" clId="{3609CF1C-7F59-43CD-9E2F-3C5D15BF5220}" dt="2021-08-08T21:04:31.751" v="8" actId="26606"/>
+          <ac:spMkLst>
+            <pc:docMk/>
+            <pc:sldMk cId="3459769227" sldId="269"/>
+            <ac:spMk id="30" creationId="{26B4480E-B7FF-4481-890E-043A69AE6FE2}"/>
+          </ac:spMkLst>
+        </pc:spChg>
+        <pc:spChg chg="add">
+          <ac:chgData name="mikez zaatri" userId="dc7c058cd1c617f1" providerId="LiveId" clId="{3609CF1C-7F59-43CD-9E2F-3C5D15BF5220}" dt="2021-08-08T21:04:31.772" v="9" actId="26606"/>
+          <ac:spMkLst>
+            <pc:docMk/>
+            <pc:sldMk cId="3459769227" sldId="269"/>
+            <ac:spMk id="34" creationId="{DD651B61-325E-4E73-8445-38B0DE8AAAB6}"/>
+          </ac:spMkLst>
+        </pc:spChg>
+        <pc:spChg chg="add">
+          <ac:chgData name="mikez zaatri" userId="dc7c058cd1c617f1" providerId="LiveId" clId="{3609CF1C-7F59-43CD-9E2F-3C5D15BF5220}" dt="2021-08-08T21:04:31.772" v="9" actId="26606"/>
+          <ac:spMkLst>
+            <pc:docMk/>
+            <pc:sldMk cId="3459769227" sldId="269"/>
+            <ac:spMk id="35" creationId="{B42E5253-D3AC-4AC2-B766-8B34F13C2F5E}"/>
+          </ac:spMkLst>
+        </pc:spChg>
+        <pc:spChg chg="add">
+          <ac:chgData name="mikez zaatri" userId="dc7c058cd1c617f1" providerId="LiveId" clId="{3609CF1C-7F59-43CD-9E2F-3C5D15BF5220}" dt="2021-08-08T21:04:31.772" v="9" actId="26606"/>
+          <ac:spMkLst>
+            <pc:docMk/>
+            <pc:sldMk cId="3459769227" sldId="269"/>
+            <ac:spMk id="36" creationId="{10AE8D57-436A-4073-9A75-15BB5949F8B4}"/>
+          </ac:spMkLst>
+        </pc:spChg>
+        <pc:spChg chg="add">
+          <ac:chgData name="mikez zaatri" userId="dc7c058cd1c617f1" providerId="LiveId" clId="{3609CF1C-7F59-43CD-9E2F-3C5D15BF5220}" dt="2021-08-08T21:04:31.772" v="9" actId="26606"/>
+          <ac:spMkLst>
+            <pc:docMk/>
+            <pc:sldMk cId="3459769227" sldId="269"/>
+            <ac:spMk id="37" creationId="{E9751CB9-7B25-4EB8-9A6F-82F822549F12}"/>
+          </ac:spMkLst>
+        </pc:spChg>
+        <pc:spChg chg="add">
+          <ac:chgData name="mikez zaatri" userId="dc7c058cd1c617f1" providerId="LiveId" clId="{3609CF1C-7F59-43CD-9E2F-3C5D15BF5220}" dt="2021-08-08T21:04:31.772" v="9" actId="26606"/>
+          <ac:spMkLst>
+            <pc:docMk/>
+            <pc:sldMk cId="3459769227" sldId="269"/>
+            <ac:spMk id="38" creationId="{E1317383-CF3B-4B02-9512-BECBEF6362A4}"/>
+          </ac:spMkLst>
+        </pc:spChg>
+        <pc:spChg chg="add">
+          <ac:chgData name="mikez zaatri" userId="dc7c058cd1c617f1" providerId="LiveId" clId="{3609CF1C-7F59-43CD-9E2F-3C5D15BF5220}" dt="2021-08-08T21:04:31.772" v="9" actId="26606"/>
+          <ac:spMkLst>
+            <pc:docMk/>
+            <pc:sldMk cId="3459769227" sldId="269"/>
+            <ac:spMk id="39" creationId="{B1D4C7A0-6DF2-4F2D-A45D-F111582974C7}"/>
+          </ac:spMkLst>
+        </pc:spChg>
+        <pc:spChg chg="add">
+          <ac:chgData name="mikez zaatri" userId="dc7c058cd1c617f1" providerId="LiveId" clId="{3609CF1C-7F59-43CD-9E2F-3C5D15BF5220}" dt="2021-08-08T21:04:31.772" v="9" actId="26606"/>
+          <ac:spMkLst>
+            <pc:docMk/>
+            <pc:sldMk cId="3459769227" sldId="269"/>
+            <ac:spMk id="40" creationId="{DBF3943D-BCB6-4B31-809D-A005686483B4}"/>
+          </ac:spMkLst>
+        </pc:spChg>
+        <pc:spChg chg="add">
+          <ac:chgData name="mikez zaatri" userId="dc7c058cd1c617f1" providerId="LiveId" clId="{3609CF1C-7F59-43CD-9E2F-3C5D15BF5220}" dt="2021-08-08T21:04:31.772" v="9" actId="26606"/>
+          <ac:spMkLst>
+            <pc:docMk/>
+            <pc:sldMk cId="3459769227" sldId="269"/>
+            <ac:spMk id="41" creationId="{39373A6F-2E1F-4613-8E1D-D68057D29F31}"/>
+          </ac:spMkLst>
+        </pc:spChg>
+        <pc:grpChg chg="add del">
+          <ac:chgData name="mikez zaatri" userId="dc7c058cd1c617f1" providerId="LiveId" clId="{3609CF1C-7F59-43CD-9E2F-3C5D15BF5220}" dt="2021-08-08T21:04:31.751" v="8" actId="26606"/>
+          <ac:grpSpMkLst>
+            <pc:docMk/>
+            <pc:sldMk cId="3459769227" sldId="269"/>
+            <ac:grpSpMk id="31" creationId="{79394E1F-0B5F-497D-B2A6-8383A2A54834}"/>
+          </ac:grpSpMkLst>
+        </pc:grpChg>
+        <pc:picChg chg="add mod">
+          <ac:chgData name="mikez zaatri" userId="dc7c058cd1c617f1" providerId="LiveId" clId="{3609CF1C-7F59-43CD-9E2F-3C5D15BF5220}" dt="2021-08-08T21:04:37.235" v="10" actId="14100"/>
+          <ac:picMkLst>
+            <pc:docMk/>
+            <pc:sldMk cId="3459769227" sldId="269"/>
+            <ac:picMk id="5" creationId="{8B5B965D-7B3D-4D15-A93E-78535B33A642}"/>
+          </ac:picMkLst>
+        </pc:picChg>
+      </pc:sldChg>
+      <pc:sldChg chg="addSp delSp modSp add mod ord setBg setClrOvrMap delDesignElem">
+        <pc:chgData name="mikez zaatri" userId="dc7c058cd1c617f1" providerId="LiveId" clId="{3609CF1C-7F59-43CD-9E2F-3C5D15BF5220}" dt="2021-08-08T21:08:41.233" v="191"/>
+        <pc:sldMkLst>
+          <pc:docMk/>
+          <pc:sldMk cId="169108408" sldId="270"/>
+        </pc:sldMkLst>
+        <pc:spChg chg="mod">
+          <ac:chgData name="mikez zaatri" userId="dc7c058cd1c617f1" providerId="LiveId" clId="{3609CF1C-7F59-43CD-9E2F-3C5D15BF5220}" dt="2021-08-08T21:08:01.129" v="160" actId="20577"/>
+          <ac:spMkLst>
+            <pc:docMk/>
+            <pc:sldMk cId="169108408" sldId="270"/>
+            <ac:spMk id="2" creationId="{B55F5714-2E8E-4ACD-A2CD-04641C08956A}"/>
+          </ac:spMkLst>
+        </pc:spChg>
+        <pc:spChg chg="mod">
+          <ac:chgData name="mikez zaatri" userId="dc7c058cd1c617f1" providerId="LiveId" clId="{3609CF1C-7F59-43CD-9E2F-3C5D15BF5220}" dt="2021-08-08T21:08:15.503" v="186" actId="20577"/>
+          <ac:spMkLst>
+            <pc:docMk/>
+            <pc:sldMk cId="169108408" sldId="270"/>
+            <ac:spMk id="3" creationId="{69967516-9E99-4B4D-AD6B-5B2B788CBAC4}"/>
+          </ac:spMkLst>
+        </pc:spChg>
+        <pc:spChg chg="add">
+          <ac:chgData name="mikez zaatri" userId="dc7c058cd1c617f1" providerId="LiveId" clId="{3609CF1C-7F59-43CD-9E2F-3C5D15BF5220}" dt="2021-08-08T21:07:53.077" v="144" actId="26606"/>
+          <ac:spMkLst>
+            <pc:docMk/>
+            <pc:sldMk cId="169108408" sldId="270"/>
+            <ac:spMk id="11" creationId="{DD651B61-325E-4E73-8445-38B0DE8AAAB6}"/>
+          </ac:spMkLst>
+        </pc:spChg>
+        <pc:spChg chg="add">
+          <ac:chgData name="mikez zaatri" userId="dc7c058cd1c617f1" providerId="LiveId" clId="{3609CF1C-7F59-43CD-9E2F-3C5D15BF5220}" dt="2021-08-08T21:07:53.077" v="144" actId="26606"/>
+          <ac:spMkLst>
+            <pc:docMk/>
+            <pc:sldMk cId="169108408" sldId="270"/>
+            <ac:spMk id="13" creationId="{B42E5253-D3AC-4AC2-B766-8B34F13C2F5E}"/>
+          </ac:spMkLst>
+        </pc:spChg>
+        <pc:spChg chg="add">
+          <ac:chgData name="mikez zaatri" userId="dc7c058cd1c617f1" providerId="LiveId" clId="{3609CF1C-7F59-43CD-9E2F-3C5D15BF5220}" dt="2021-08-08T21:07:53.077" v="144" actId="26606"/>
+          <ac:spMkLst>
+            <pc:docMk/>
+            <pc:sldMk cId="169108408" sldId="270"/>
+            <ac:spMk id="15" creationId="{10AE8D57-436A-4073-9A75-15BB5949F8B4}"/>
+          </ac:spMkLst>
+        </pc:spChg>
+        <pc:spChg chg="add">
+          <ac:chgData name="mikez zaatri" userId="dc7c058cd1c617f1" providerId="LiveId" clId="{3609CF1C-7F59-43CD-9E2F-3C5D15BF5220}" dt="2021-08-08T21:07:53.077" v="144" actId="26606"/>
+          <ac:spMkLst>
+            <pc:docMk/>
+            <pc:sldMk cId="169108408" sldId="270"/>
+            <ac:spMk id="17" creationId="{E9751CB9-7B25-4EB8-9A6F-82F822549F12}"/>
+          </ac:spMkLst>
+        </pc:spChg>
+        <pc:spChg chg="add">
+          <ac:chgData name="mikez zaatri" userId="dc7c058cd1c617f1" providerId="LiveId" clId="{3609CF1C-7F59-43CD-9E2F-3C5D15BF5220}" dt="2021-08-08T21:07:53.077" v="144" actId="26606"/>
+          <ac:spMkLst>
+            <pc:docMk/>
+            <pc:sldMk cId="169108408" sldId="270"/>
+            <ac:spMk id="19" creationId="{E1317383-CF3B-4B02-9512-BECBEF6362A4}"/>
+          </ac:spMkLst>
+        </pc:spChg>
+        <pc:spChg chg="add">
+          <ac:chgData name="mikez zaatri" userId="dc7c058cd1c617f1" providerId="LiveId" clId="{3609CF1C-7F59-43CD-9E2F-3C5D15BF5220}" dt="2021-08-08T21:07:53.077" v="144" actId="26606"/>
+          <ac:spMkLst>
+            <pc:docMk/>
+            <pc:sldMk cId="169108408" sldId="270"/>
+            <ac:spMk id="21" creationId="{B1D4C7A0-6DF2-4F2D-A45D-F111582974C7}"/>
+          </ac:spMkLst>
+        </pc:spChg>
+        <pc:spChg chg="add">
+          <ac:chgData name="mikez zaatri" userId="dc7c058cd1c617f1" providerId="LiveId" clId="{3609CF1C-7F59-43CD-9E2F-3C5D15BF5220}" dt="2021-08-08T21:07:53.077" v="144" actId="26606"/>
+          <ac:spMkLst>
+            <pc:docMk/>
+            <pc:sldMk cId="169108408" sldId="270"/>
+            <ac:spMk id="23" creationId="{DBF3943D-BCB6-4B31-809D-A005686483B4}"/>
+          </ac:spMkLst>
+        </pc:spChg>
+        <pc:spChg chg="add">
+          <ac:chgData name="mikez zaatri" userId="dc7c058cd1c617f1" providerId="LiveId" clId="{3609CF1C-7F59-43CD-9E2F-3C5D15BF5220}" dt="2021-08-08T21:07:53.077" v="144" actId="26606"/>
+          <ac:spMkLst>
+            <pc:docMk/>
+            <pc:sldMk cId="169108408" sldId="270"/>
+            <ac:spMk id="25" creationId="{39373A6F-2E1F-4613-8E1D-D68057D29F31}"/>
+          </ac:spMkLst>
+        </pc:spChg>
+        <pc:spChg chg="del">
+          <ac:chgData name="mikez zaatri" userId="dc7c058cd1c617f1" providerId="LiveId" clId="{3609CF1C-7F59-43CD-9E2F-3C5D15BF5220}" dt="2021-08-08T21:06:23.357" v="138"/>
+          <ac:spMkLst>
+            <pc:docMk/>
+            <pc:sldMk cId="169108408" sldId="270"/>
+            <ac:spMk id="34" creationId="{DD651B61-325E-4E73-8445-38B0DE8AAAB6}"/>
+          </ac:spMkLst>
+        </pc:spChg>
+        <pc:spChg chg="del">
+          <ac:chgData name="mikez zaatri" userId="dc7c058cd1c617f1" providerId="LiveId" clId="{3609CF1C-7F59-43CD-9E2F-3C5D15BF5220}" dt="2021-08-08T21:06:23.357" v="138"/>
+          <ac:spMkLst>
+            <pc:docMk/>
+            <pc:sldMk cId="169108408" sldId="270"/>
+            <ac:spMk id="35" creationId="{B42E5253-D3AC-4AC2-B766-8B34F13C2F5E}"/>
+          </ac:spMkLst>
+        </pc:spChg>
+        <pc:spChg chg="del">
+          <ac:chgData name="mikez zaatri" userId="dc7c058cd1c617f1" providerId="LiveId" clId="{3609CF1C-7F59-43CD-9E2F-3C5D15BF5220}" dt="2021-08-08T21:06:23.357" v="138"/>
+          <ac:spMkLst>
+            <pc:docMk/>
+            <pc:sldMk cId="169108408" sldId="270"/>
+            <ac:spMk id="36" creationId="{10AE8D57-436A-4073-9A75-15BB5949F8B4}"/>
+          </ac:spMkLst>
+        </pc:spChg>
+        <pc:spChg chg="del">
+          <ac:chgData name="mikez zaatri" userId="dc7c058cd1c617f1" providerId="LiveId" clId="{3609CF1C-7F59-43CD-9E2F-3C5D15BF5220}" dt="2021-08-08T21:06:23.357" v="138"/>
+          <ac:spMkLst>
+            <pc:docMk/>
+            <pc:sldMk cId="169108408" sldId="270"/>
+            <ac:spMk id="37" creationId="{E9751CB9-7B25-4EB8-9A6F-82F822549F12}"/>
+          </ac:spMkLst>
+        </pc:spChg>
+        <pc:spChg chg="del">
+          <ac:chgData name="mikez zaatri" userId="dc7c058cd1c617f1" providerId="LiveId" clId="{3609CF1C-7F59-43CD-9E2F-3C5D15BF5220}" dt="2021-08-08T21:06:23.357" v="138"/>
+          <ac:spMkLst>
+            <pc:docMk/>
+            <pc:sldMk cId="169108408" sldId="270"/>
+            <ac:spMk id="38" creationId="{E1317383-CF3B-4B02-9512-BECBEF6362A4}"/>
+          </ac:spMkLst>
+        </pc:spChg>
+        <pc:spChg chg="del">
+          <ac:chgData name="mikez zaatri" userId="dc7c058cd1c617f1" providerId="LiveId" clId="{3609CF1C-7F59-43CD-9E2F-3C5D15BF5220}" dt="2021-08-08T21:06:23.357" v="138"/>
+          <ac:spMkLst>
+            <pc:docMk/>
+            <pc:sldMk cId="169108408" sldId="270"/>
+            <ac:spMk id="39" creationId="{B1D4C7A0-6DF2-4F2D-A45D-F111582974C7}"/>
+          </ac:spMkLst>
+        </pc:spChg>
+        <pc:spChg chg="del">
+          <ac:chgData name="mikez zaatri" userId="dc7c058cd1c617f1" providerId="LiveId" clId="{3609CF1C-7F59-43CD-9E2F-3C5D15BF5220}" dt="2021-08-08T21:06:23.357" v="138"/>
+          <ac:spMkLst>
+            <pc:docMk/>
+            <pc:sldMk cId="169108408" sldId="270"/>
+            <ac:spMk id="40" creationId="{DBF3943D-BCB6-4B31-809D-A005686483B4}"/>
+          </ac:spMkLst>
+        </pc:spChg>
+        <pc:spChg chg="del">
+          <ac:chgData name="mikez zaatri" userId="dc7c058cd1c617f1" providerId="LiveId" clId="{3609CF1C-7F59-43CD-9E2F-3C5D15BF5220}" dt="2021-08-08T21:06:23.357" v="138"/>
+          <ac:spMkLst>
+            <pc:docMk/>
+            <pc:sldMk cId="169108408" sldId="270"/>
+            <ac:spMk id="41" creationId="{39373A6F-2E1F-4613-8E1D-D68057D29F31}"/>
+          </ac:spMkLst>
+        </pc:spChg>
+        <pc:picChg chg="del">
+          <ac:chgData name="mikez zaatri" userId="dc7c058cd1c617f1" providerId="LiveId" clId="{3609CF1C-7F59-43CD-9E2F-3C5D15BF5220}" dt="2021-08-08T21:07:22.240" v="139" actId="478"/>
+          <ac:picMkLst>
+            <pc:docMk/>
+            <pc:sldMk cId="169108408" sldId="270"/>
+            <ac:picMk id="5" creationId="{8B5B965D-7B3D-4D15-A93E-78535B33A642}"/>
+          </ac:picMkLst>
+        </pc:picChg>
+        <pc:picChg chg="add mod">
+          <ac:chgData name="mikez zaatri" userId="dc7c058cd1c617f1" providerId="LiveId" clId="{3609CF1C-7F59-43CD-9E2F-3C5D15BF5220}" dt="2021-08-08T21:07:53.077" v="144" actId="26606"/>
+          <ac:picMkLst>
+            <pc:docMk/>
+            <pc:sldMk cId="169108408" sldId="270"/>
+            <ac:picMk id="6" creationId="{A0F8300A-45BB-4226-BD1D-9F03FDB3A419}"/>
+          </ac:picMkLst>
+        </pc:picChg>
+      </pc:sldChg>
+      <pc:sldChg chg="addSp delSp modSp add mod ord setBg setClrOvrMap delDesignElem">
+        <pc:chgData name="mikez zaatri" userId="dc7c058cd1c617f1" providerId="LiveId" clId="{3609CF1C-7F59-43CD-9E2F-3C5D15BF5220}" dt="2021-08-08T21:20:18.727" v="336"/>
+        <pc:sldMkLst>
+          <pc:docMk/>
+          <pc:sldMk cId="4032735044" sldId="271"/>
+        </pc:sldMkLst>
+        <pc:spChg chg="mod">
+          <ac:chgData name="mikez zaatri" userId="dc7c058cd1c617f1" providerId="LiveId" clId="{3609CF1C-7F59-43CD-9E2F-3C5D15BF5220}" dt="2021-08-08T21:19:58.902" v="333" actId="313"/>
+          <ac:spMkLst>
+            <pc:docMk/>
+            <pc:sldMk cId="4032735044" sldId="271"/>
+            <ac:spMk id="2" creationId="{B55F5714-2E8E-4ACD-A2CD-04641C08956A}"/>
+          </ac:spMkLst>
+        </pc:spChg>
+        <pc:spChg chg="mod">
+          <ac:chgData name="mikez zaatri" userId="dc7c058cd1c617f1" providerId="LiveId" clId="{3609CF1C-7F59-43CD-9E2F-3C5D15BF5220}" dt="2021-08-08T21:11:23.903" v="314" actId="20577"/>
+          <ac:spMkLst>
+            <pc:docMk/>
+            <pc:sldMk cId="4032735044" sldId="271"/>
+            <ac:spMk id="3" creationId="{69967516-9E99-4B4D-AD6B-5B2B788CBAC4}"/>
+          </ac:spMkLst>
+        </pc:spChg>
+        <pc:spChg chg="add">
+          <ac:chgData name="mikez zaatri" userId="dc7c058cd1c617f1" providerId="LiveId" clId="{3609CF1C-7F59-43CD-9E2F-3C5D15BF5220}" dt="2021-08-08T21:09:09.669" v="195" actId="26606"/>
+          <ac:spMkLst>
+            <pc:docMk/>
+            <pc:sldMk cId="4032735044" sldId="271"/>
+            <ac:spMk id="10" creationId="{DD651B61-325E-4E73-8445-38B0DE8AAAB6}"/>
+          </ac:spMkLst>
+        </pc:spChg>
+        <pc:spChg chg="del">
+          <ac:chgData name="mikez zaatri" userId="dc7c058cd1c617f1" providerId="LiveId" clId="{3609CF1C-7F59-43CD-9E2F-3C5D15BF5220}" dt="2021-08-08T21:08:21.577" v="188"/>
+          <ac:spMkLst>
+            <pc:docMk/>
+            <pc:sldMk cId="4032735044" sldId="271"/>
+            <ac:spMk id="11" creationId="{DD651B61-325E-4E73-8445-38B0DE8AAAB6}"/>
+          </ac:spMkLst>
+        </pc:spChg>
+        <pc:spChg chg="add">
+          <ac:chgData name="mikez zaatri" userId="dc7c058cd1c617f1" providerId="LiveId" clId="{3609CF1C-7F59-43CD-9E2F-3C5D15BF5220}" dt="2021-08-08T21:09:09.669" v="195" actId="26606"/>
+          <ac:spMkLst>
+            <pc:docMk/>
+            <pc:sldMk cId="4032735044" sldId="271"/>
+            <ac:spMk id="12" creationId="{B42E5253-D3AC-4AC2-B766-8B34F13C2F5E}"/>
+          </ac:spMkLst>
+        </pc:spChg>
+        <pc:spChg chg="del">
+          <ac:chgData name="mikez zaatri" userId="dc7c058cd1c617f1" providerId="LiveId" clId="{3609CF1C-7F59-43CD-9E2F-3C5D15BF5220}" dt="2021-08-08T21:08:21.577" v="188"/>
+          <ac:spMkLst>
+            <pc:docMk/>
+            <pc:sldMk cId="4032735044" sldId="271"/>
+            <ac:spMk id="13" creationId="{B42E5253-D3AC-4AC2-B766-8B34F13C2F5E}"/>
+          </ac:spMkLst>
+        </pc:spChg>
+        <pc:spChg chg="add">
+          <ac:chgData name="mikez zaatri" userId="dc7c058cd1c617f1" providerId="LiveId" clId="{3609CF1C-7F59-43CD-9E2F-3C5D15BF5220}" dt="2021-08-08T21:09:09.669" v="195" actId="26606"/>
+          <ac:spMkLst>
+            <pc:docMk/>
+            <pc:sldMk cId="4032735044" sldId="271"/>
+            <ac:spMk id="14" creationId="{10AE8D57-436A-4073-9A75-15BB5949F8B4}"/>
+          </ac:spMkLst>
+        </pc:spChg>
+        <pc:spChg chg="del">
+          <ac:chgData name="mikez zaatri" userId="dc7c058cd1c617f1" providerId="LiveId" clId="{3609CF1C-7F59-43CD-9E2F-3C5D15BF5220}" dt="2021-08-08T21:08:21.577" v="188"/>
+          <ac:spMkLst>
+            <pc:docMk/>
+            <pc:sldMk cId="4032735044" sldId="271"/>
+            <ac:spMk id="15" creationId="{10AE8D57-436A-4073-9A75-15BB5949F8B4}"/>
+          </ac:spMkLst>
+        </pc:spChg>
+        <pc:spChg chg="add">
+          <ac:chgData name="mikez zaatri" userId="dc7c058cd1c617f1" providerId="LiveId" clId="{3609CF1C-7F59-43CD-9E2F-3C5D15BF5220}" dt="2021-08-08T21:09:09.669" v="195" actId="26606"/>
+          <ac:spMkLst>
+            <pc:docMk/>
+            <pc:sldMk cId="4032735044" sldId="271"/>
+            <ac:spMk id="16" creationId="{E9751CB9-7B25-4EB8-9A6F-82F822549F12}"/>
+          </ac:spMkLst>
+        </pc:spChg>
+        <pc:spChg chg="del">
+          <ac:chgData name="mikez zaatri" userId="dc7c058cd1c617f1" providerId="LiveId" clId="{3609CF1C-7F59-43CD-9E2F-3C5D15BF5220}" dt="2021-08-08T21:08:21.577" v="188"/>
+          <ac:spMkLst>
+            <pc:docMk/>
+            <pc:sldMk cId="4032735044" sldId="271"/>
+            <ac:spMk id="17" creationId="{E9751CB9-7B25-4EB8-9A6F-82F822549F12}"/>
+          </ac:spMkLst>
+        </pc:spChg>
+        <pc:spChg chg="add">
+          <ac:chgData name="mikez zaatri" userId="dc7c058cd1c617f1" providerId="LiveId" clId="{3609CF1C-7F59-43CD-9E2F-3C5D15BF5220}" dt="2021-08-08T21:09:09.669" v="195" actId="26606"/>
+          <ac:spMkLst>
+            <pc:docMk/>
+            <pc:sldMk cId="4032735044" sldId="271"/>
+            <ac:spMk id="18" creationId="{E1317383-CF3B-4B02-9512-BECBEF6362A4}"/>
+          </ac:spMkLst>
+        </pc:spChg>
+        <pc:spChg chg="del">
+          <ac:chgData name="mikez zaatri" userId="dc7c058cd1c617f1" providerId="LiveId" clId="{3609CF1C-7F59-43CD-9E2F-3C5D15BF5220}" dt="2021-08-08T21:08:21.577" v="188"/>
+          <ac:spMkLst>
+            <pc:docMk/>
+            <pc:sldMk cId="4032735044" sldId="271"/>
+            <ac:spMk id="19" creationId="{E1317383-CF3B-4B02-9512-BECBEF6362A4}"/>
+          </ac:spMkLst>
+        </pc:spChg>
+        <pc:spChg chg="add">
+          <ac:chgData name="mikez zaatri" userId="dc7c058cd1c617f1" providerId="LiveId" clId="{3609CF1C-7F59-43CD-9E2F-3C5D15BF5220}" dt="2021-08-08T21:09:09.669" v="195" actId="26606"/>
+          <ac:spMkLst>
+            <pc:docMk/>
+            <pc:sldMk cId="4032735044" sldId="271"/>
+            <ac:spMk id="20" creationId="{B1D4C7A0-6DF2-4F2D-A45D-F111582974C7}"/>
+          </ac:spMkLst>
+        </pc:spChg>
+        <pc:spChg chg="del">
+          <ac:chgData name="mikez zaatri" userId="dc7c058cd1c617f1" providerId="LiveId" clId="{3609CF1C-7F59-43CD-9E2F-3C5D15BF5220}" dt="2021-08-08T21:08:21.577" v="188"/>
+          <ac:spMkLst>
+            <pc:docMk/>
+            <pc:sldMk cId="4032735044" sldId="271"/>
+            <ac:spMk id="21" creationId="{B1D4C7A0-6DF2-4F2D-A45D-F111582974C7}"/>
+          </ac:spMkLst>
+        </pc:spChg>
+        <pc:spChg chg="add">
+          <ac:chgData name="mikez zaatri" userId="dc7c058cd1c617f1" providerId="LiveId" clId="{3609CF1C-7F59-43CD-9E2F-3C5D15BF5220}" dt="2021-08-08T21:09:09.669" v="195" actId="26606"/>
+          <ac:spMkLst>
+            <pc:docMk/>
+            <pc:sldMk cId="4032735044" sldId="271"/>
+            <ac:spMk id="22" creationId="{DBF3943D-BCB6-4B31-809D-A005686483B4}"/>
+          </ac:spMkLst>
+        </pc:spChg>
+        <pc:spChg chg="del">
+          <ac:chgData name="mikez zaatri" userId="dc7c058cd1c617f1" providerId="LiveId" clId="{3609CF1C-7F59-43CD-9E2F-3C5D15BF5220}" dt="2021-08-08T21:08:21.577" v="188"/>
+          <ac:spMkLst>
+            <pc:docMk/>
+            <pc:sldMk cId="4032735044" sldId="271"/>
+            <ac:spMk id="23" creationId="{DBF3943D-BCB6-4B31-809D-A005686483B4}"/>
+          </ac:spMkLst>
+        </pc:spChg>
+        <pc:spChg chg="add">
+          <ac:chgData name="mikez zaatri" userId="dc7c058cd1c617f1" providerId="LiveId" clId="{3609CF1C-7F59-43CD-9E2F-3C5D15BF5220}" dt="2021-08-08T21:09:09.669" v="195" actId="26606"/>
+          <ac:spMkLst>
+            <pc:docMk/>
+            <pc:sldMk cId="4032735044" sldId="271"/>
+            <ac:spMk id="24" creationId="{39373A6F-2E1F-4613-8E1D-D68057D29F31}"/>
+          </ac:spMkLst>
+        </pc:spChg>
+        <pc:spChg chg="del">
+          <ac:chgData name="mikez zaatri" userId="dc7c058cd1c617f1" providerId="LiveId" clId="{3609CF1C-7F59-43CD-9E2F-3C5D15BF5220}" dt="2021-08-08T21:08:21.577" v="188"/>
+          <ac:spMkLst>
+            <pc:docMk/>
+            <pc:sldMk cId="4032735044" sldId="271"/>
+            <ac:spMk id="25" creationId="{39373A6F-2E1F-4613-8E1D-D68057D29F31}"/>
+          </ac:spMkLst>
+        </pc:spChg>
+        <pc:picChg chg="add mod">
+          <ac:chgData name="mikez zaatri" userId="dc7c058cd1c617f1" providerId="LiveId" clId="{3609CF1C-7F59-43CD-9E2F-3C5D15BF5220}" dt="2021-08-08T21:09:30.292" v="200" actId="1076"/>
+          <ac:picMkLst>
+            <pc:docMk/>
+            <pc:sldMk cId="4032735044" sldId="271"/>
+            <ac:picMk id="5" creationId="{41973571-4714-4A37-9A12-B8EF6AD2B962}"/>
+          </ac:picMkLst>
+        </pc:picChg>
+        <pc:picChg chg="del">
+          <ac:chgData name="mikez zaatri" userId="dc7c058cd1c617f1" providerId="LiveId" clId="{3609CF1C-7F59-43CD-9E2F-3C5D15BF5220}" dt="2021-08-08T21:08:23.804" v="189" actId="478"/>
+          <ac:picMkLst>
+            <pc:docMk/>
+            <pc:sldMk cId="4032735044" sldId="271"/>
+            <ac:picMk id="6" creationId="{A0F8300A-45BB-4226-BD1D-9F03FDB3A419}"/>
+          </ac:picMkLst>
+        </pc:picChg>
+        <pc:picChg chg="add mod">
+          <ac:chgData name="mikez zaatri" userId="dc7c058cd1c617f1" providerId="LiveId" clId="{3609CF1C-7F59-43CD-9E2F-3C5D15BF5220}" dt="2021-08-08T21:09:40.809" v="204" actId="1076"/>
+          <ac:picMkLst>
+            <pc:docMk/>
+            <pc:sldMk cId="4032735044" sldId="271"/>
+            <ac:picMk id="8" creationId="{947C76F2-46F3-40B9-8D7A-B1625DFB2D13}"/>
+          </ac:picMkLst>
+        </pc:picChg>
+      </pc:sldChg>
+      <pc:sldChg chg="addSp delSp modSp add mod setBg setClrOvrMap delDesignElem">
+        <pc:chgData name="mikez zaatri" userId="dc7c058cd1c617f1" providerId="LiveId" clId="{3609CF1C-7F59-43CD-9E2F-3C5D15BF5220}" dt="2021-08-08T21:20:13.331" v="334"/>
+        <pc:sldMkLst>
+          <pc:docMk/>
+          <pc:sldMk cId="2079646977" sldId="272"/>
+        </pc:sldMkLst>
+        <pc:spChg chg="mod">
+          <ac:chgData name="mikez zaatri" userId="dc7c058cd1c617f1" providerId="LiveId" clId="{3609CF1C-7F59-43CD-9E2F-3C5D15BF5220}" dt="2021-08-08T21:14:38.495" v="322" actId="26606"/>
+          <ac:spMkLst>
+            <pc:docMk/>
+            <pc:sldMk cId="2079646977" sldId="272"/>
+            <ac:spMk id="2" creationId="{B55F5714-2E8E-4ACD-A2CD-04641C08956A}"/>
+          </ac:spMkLst>
+        </pc:spChg>
+        <pc:spChg chg="mod">
+          <ac:chgData name="mikez zaatri" userId="dc7c058cd1c617f1" providerId="LiveId" clId="{3609CF1C-7F59-43CD-9E2F-3C5D15BF5220}" dt="2021-08-08T21:20:13.331" v="334"/>
+          <ac:spMkLst>
+            <pc:docMk/>
+            <pc:sldMk cId="2079646977" sldId="272"/>
+            <ac:spMk id="3" creationId="{69967516-9E99-4B4D-AD6B-5B2B788CBAC4}"/>
+          </ac:spMkLst>
+        </pc:spChg>
+        <pc:spChg chg="del">
+          <ac:chgData name="mikez zaatri" userId="dc7c058cd1c617f1" providerId="LiveId" clId="{3609CF1C-7F59-43CD-9E2F-3C5D15BF5220}" dt="2021-08-08T21:14:00.454" v="316"/>
+          <ac:spMkLst>
+            <pc:docMk/>
+            <pc:sldMk cId="2079646977" sldId="272"/>
+            <ac:spMk id="10" creationId="{DD651B61-325E-4E73-8445-38B0DE8AAAB6}"/>
+          </ac:spMkLst>
+        </pc:spChg>
+        <pc:spChg chg="add">
+          <ac:chgData name="mikez zaatri" userId="dc7c058cd1c617f1" providerId="LiveId" clId="{3609CF1C-7F59-43CD-9E2F-3C5D15BF5220}" dt="2021-08-08T21:14:38.495" v="322" actId="26606"/>
+          <ac:spMkLst>
+            <pc:docMk/>
+            <pc:sldMk cId="2079646977" sldId="272"/>
+            <ac:spMk id="11" creationId="{DD651B61-325E-4E73-8445-38B0DE8AAAB6}"/>
+          </ac:spMkLst>
+        </pc:spChg>
+        <pc:spChg chg="del">
+          <ac:chgData name="mikez zaatri" userId="dc7c058cd1c617f1" providerId="LiveId" clId="{3609CF1C-7F59-43CD-9E2F-3C5D15BF5220}" dt="2021-08-08T21:14:00.454" v="316"/>
+          <ac:spMkLst>
+            <pc:docMk/>
+            <pc:sldMk cId="2079646977" sldId="272"/>
+            <ac:spMk id="12" creationId="{B42E5253-D3AC-4AC2-B766-8B34F13C2F5E}"/>
+          </ac:spMkLst>
+        </pc:spChg>
+        <pc:spChg chg="add">
+          <ac:chgData name="mikez zaatri" userId="dc7c058cd1c617f1" providerId="LiveId" clId="{3609CF1C-7F59-43CD-9E2F-3C5D15BF5220}" dt="2021-08-08T21:14:38.495" v="322" actId="26606"/>
+          <ac:spMkLst>
+            <pc:docMk/>
+            <pc:sldMk cId="2079646977" sldId="272"/>
+            <ac:spMk id="13" creationId="{B42E5253-D3AC-4AC2-B766-8B34F13C2F5E}"/>
+          </ac:spMkLst>
+        </pc:spChg>
+        <pc:spChg chg="del">
+          <ac:chgData name="mikez zaatri" userId="dc7c058cd1c617f1" providerId="LiveId" clId="{3609CF1C-7F59-43CD-9E2F-3C5D15BF5220}" dt="2021-08-08T21:14:00.454" v="316"/>
+          <ac:spMkLst>
+            <pc:docMk/>
+            <pc:sldMk cId="2079646977" sldId="272"/>
+            <ac:spMk id="14" creationId="{10AE8D57-436A-4073-9A75-15BB5949F8B4}"/>
+          </ac:spMkLst>
+        </pc:spChg>
+        <pc:spChg chg="add">
+          <ac:chgData name="mikez zaatri" userId="dc7c058cd1c617f1" providerId="LiveId" clId="{3609CF1C-7F59-43CD-9E2F-3C5D15BF5220}" dt="2021-08-08T21:14:38.495" v="322" actId="26606"/>
+          <ac:spMkLst>
+            <pc:docMk/>
+            <pc:sldMk cId="2079646977" sldId="272"/>
+            <ac:spMk id="15" creationId="{10AE8D57-436A-4073-9A75-15BB5949F8B4}"/>
+          </ac:spMkLst>
+        </pc:spChg>
+        <pc:spChg chg="del">
+          <ac:chgData name="mikez zaatri" userId="dc7c058cd1c617f1" providerId="LiveId" clId="{3609CF1C-7F59-43CD-9E2F-3C5D15BF5220}" dt="2021-08-08T21:14:00.454" v="316"/>
+          <ac:spMkLst>
+            <pc:docMk/>
+            <pc:sldMk cId="2079646977" sldId="272"/>
+            <ac:spMk id="16" creationId="{E9751CB9-7B25-4EB8-9A6F-82F822549F12}"/>
+          </ac:spMkLst>
+        </pc:spChg>
+        <pc:spChg chg="add">
+          <ac:chgData name="mikez zaatri" userId="dc7c058cd1c617f1" providerId="LiveId" clId="{3609CF1C-7F59-43CD-9E2F-3C5D15BF5220}" dt="2021-08-08T21:14:38.495" v="322" actId="26606"/>
+          <ac:spMkLst>
+            <pc:docMk/>
+            <pc:sldMk cId="2079646977" sldId="272"/>
+            <ac:spMk id="17" creationId="{E9751CB9-7B25-4EB8-9A6F-82F822549F12}"/>
+          </ac:spMkLst>
+        </pc:spChg>
+        <pc:spChg chg="del">
+          <ac:chgData name="mikez zaatri" userId="dc7c058cd1c617f1" providerId="LiveId" clId="{3609CF1C-7F59-43CD-9E2F-3C5D15BF5220}" dt="2021-08-08T21:14:00.454" v="316"/>
+          <ac:spMkLst>
+            <pc:docMk/>
+            <pc:sldMk cId="2079646977" sldId="272"/>
+            <ac:spMk id="18" creationId="{E1317383-CF3B-4B02-9512-BECBEF6362A4}"/>
+          </ac:spMkLst>
+        </pc:spChg>
+        <pc:spChg chg="add">
+          <ac:chgData name="mikez zaatri" userId="dc7c058cd1c617f1" providerId="LiveId" clId="{3609CF1C-7F59-43CD-9E2F-3C5D15BF5220}" dt="2021-08-08T21:14:38.495" v="322" actId="26606"/>
+          <ac:spMkLst>
+            <pc:docMk/>
+            <pc:sldMk cId="2079646977" sldId="272"/>
+            <ac:spMk id="19" creationId="{E1317383-CF3B-4B02-9512-BECBEF6362A4}"/>
+          </ac:spMkLst>
+        </pc:spChg>
+        <pc:spChg chg="del">
+          <ac:chgData name="mikez zaatri" userId="dc7c058cd1c617f1" providerId="LiveId" clId="{3609CF1C-7F59-43CD-9E2F-3C5D15BF5220}" dt="2021-08-08T21:14:00.454" v="316"/>
+          <ac:spMkLst>
+            <pc:docMk/>
+            <pc:sldMk cId="2079646977" sldId="272"/>
+            <ac:spMk id="20" creationId="{B1D4C7A0-6DF2-4F2D-A45D-F111582974C7}"/>
+          </ac:spMkLst>
+        </pc:spChg>
+        <pc:spChg chg="add">
+          <ac:chgData name="mikez zaatri" userId="dc7c058cd1c617f1" providerId="LiveId" clId="{3609CF1C-7F59-43CD-9E2F-3C5D15BF5220}" dt="2021-08-08T21:14:38.495" v="322" actId="26606"/>
+          <ac:spMkLst>
+            <pc:docMk/>
+            <pc:sldMk cId="2079646977" sldId="272"/>
+            <ac:spMk id="21" creationId="{B1D4C7A0-6DF2-4F2D-A45D-F111582974C7}"/>
+          </ac:spMkLst>
+        </pc:spChg>
+        <pc:spChg chg="del">
+          <ac:chgData name="mikez zaatri" userId="dc7c058cd1c617f1" providerId="LiveId" clId="{3609CF1C-7F59-43CD-9E2F-3C5D15BF5220}" dt="2021-08-08T21:14:00.454" v="316"/>
+          <ac:spMkLst>
+            <pc:docMk/>
+            <pc:sldMk cId="2079646977" sldId="272"/>
+            <ac:spMk id="22" creationId="{DBF3943D-BCB6-4B31-809D-A005686483B4}"/>
+          </ac:spMkLst>
+        </pc:spChg>
+        <pc:spChg chg="add">
+          <ac:chgData name="mikez zaatri" userId="dc7c058cd1c617f1" providerId="LiveId" clId="{3609CF1C-7F59-43CD-9E2F-3C5D15BF5220}" dt="2021-08-08T21:14:38.495" v="322" actId="26606"/>
+          <ac:spMkLst>
+            <pc:docMk/>
+            <pc:sldMk cId="2079646977" sldId="272"/>
+            <ac:spMk id="23" creationId="{DBF3943D-BCB6-4B31-809D-A005686483B4}"/>
+          </ac:spMkLst>
+        </pc:spChg>
+        <pc:spChg chg="del">
+          <ac:chgData name="mikez zaatri" userId="dc7c058cd1c617f1" providerId="LiveId" clId="{3609CF1C-7F59-43CD-9E2F-3C5D15BF5220}" dt="2021-08-08T21:14:00.454" v="316"/>
+          <ac:spMkLst>
+            <pc:docMk/>
+            <pc:sldMk cId="2079646977" sldId="272"/>
+            <ac:spMk id="24" creationId="{39373A6F-2E1F-4613-8E1D-D68057D29F31}"/>
+          </ac:spMkLst>
+        </pc:spChg>
+        <pc:spChg chg="add">
+          <ac:chgData name="mikez zaatri" userId="dc7c058cd1c617f1" providerId="LiveId" clId="{3609CF1C-7F59-43CD-9E2F-3C5D15BF5220}" dt="2021-08-08T21:14:38.495" v="322" actId="26606"/>
+          <ac:spMkLst>
+            <pc:docMk/>
+            <pc:sldMk cId="2079646977" sldId="272"/>
+            <ac:spMk id="25" creationId="{39373A6F-2E1F-4613-8E1D-D68057D29F31}"/>
+          </ac:spMkLst>
+        </pc:spChg>
+        <pc:picChg chg="del">
+          <ac:chgData name="mikez zaatri" userId="dc7c058cd1c617f1" providerId="LiveId" clId="{3609CF1C-7F59-43CD-9E2F-3C5D15BF5220}" dt="2021-08-08T21:14:03.801" v="317" actId="478"/>
+          <ac:picMkLst>
+            <pc:docMk/>
+            <pc:sldMk cId="2079646977" sldId="272"/>
+            <ac:picMk id="5" creationId="{41973571-4714-4A37-9A12-B8EF6AD2B962}"/>
+          </ac:picMkLst>
+        </pc:picChg>
+        <pc:picChg chg="add mod">
+          <ac:chgData name="mikez zaatri" userId="dc7c058cd1c617f1" providerId="LiveId" clId="{3609CF1C-7F59-43CD-9E2F-3C5D15BF5220}" dt="2021-08-08T21:14:41.897" v="323" actId="1076"/>
+          <ac:picMkLst>
+            <pc:docMk/>
+            <pc:sldMk cId="2079646977" sldId="272"/>
+            <ac:picMk id="6" creationId="{7DF77E5E-41BD-46EE-A3A3-AAFB002A5046}"/>
+          </ac:picMkLst>
+        </pc:picChg>
+        <pc:picChg chg="del">
+          <ac:chgData name="mikez zaatri" userId="dc7c058cd1c617f1" providerId="LiveId" clId="{3609CF1C-7F59-43CD-9E2F-3C5D15BF5220}" dt="2021-08-08T21:14:04.693" v="318" actId="478"/>
+          <ac:picMkLst>
+            <pc:docMk/>
+            <pc:sldMk cId="2079646977" sldId="272"/>
+            <ac:picMk id="8" creationId="{947C76F2-46F3-40B9-8D7A-B1625DFB2D13}"/>
+          </ac:picMkLst>
+        </pc:picChg>
+        <pc:picChg chg="add del mod">
+          <ac:chgData name="mikez zaatri" userId="dc7c058cd1c617f1" providerId="LiveId" clId="{3609CF1C-7F59-43CD-9E2F-3C5D15BF5220}" dt="2021-08-08T21:19:50.677" v="332" actId="478"/>
+          <ac:picMkLst>
+            <pc:docMk/>
+            <pc:sldMk cId="2079646977" sldId="272"/>
+            <ac:picMk id="9" creationId="{8E762E97-C788-474E-9807-95085FC407C2}"/>
+          </ac:picMkLst>
+        </pc:picChg>
+      </pc:sldChg>
+      <pc:sldChg chg="addSp delSp modSp add mod">
+        <pc:chgData name="mikez zaatri" userId="dc7c058cd1c617f1" providerId="LiveId" clId="{3609CF1C-7F59-43CD-9E2F-3C5D15BF5220}" dt="2021-08-08T21:20:37.747" v="346" actId="478"/>
+        <pc:sldMkLst>
+          <pc:docMk/>
+          <pc:sldMk cId="3099164048" sldId="273"/>
+        </pc:sldMkLst>
+        <pc:spChg chg="add del mod">
+          <ac:chgData name="mikez zaatri" userId="dc7c058cd1c617f1" providerId="LiveId" clId="{3609CF1C-7F59-43CD-9E2F-3C5D15BF5220}" dt="2021-08-08T21:20:37.747" v="346" actId="478"/>
+          <ac:spMkLst>
+            <pc:docMk/>
+            <pc:sldMk cId="3099164048" sldId="273"/>
+            <ac:spMk id="3" creationId="{BEF9E3AF-0B21-47A1-B45A-1139AF658498}"/>
+          </ac:spMkLst>
+        </pc:spChg>
+        <pc:spChg chg="mod">
+          <ac:chgData name="mikez zaatri" userId="dc7c058cd1c617f1" providerId="LiveId" clId="{3609CF1C-7F59-43CD-9E2F-3C5D15BF5220}" dt="2021-08-08T21:20:35.218" v="345" actId="1076"/>
+          <ac:spMkLst>
+            <pc:docMk/>
+            <pc:sldMk cId="3099164048" sldId="273"/>
+            <ac:spMk id="182" creationId="{00000000-0000-0000-0000-000000000000}"/>
+          </ac:spMkLst>
+        </pc:spChg>
+        <pc:spChg chg="del">
+          <ac:chgData name="mikez zaatri" userId="dc7c058cd1c617f1" providerId="LiveId" clId="{3609CF1C-7F59-43CD-9E2F-3C5D15BF5220}" dt="2021-08-08T21:20:31.561" v="344" actId="478"/>
+          <ac:spMkLst>
+            <pc:docMk/>
+            <pc:sldMk cId="3099164048" sldId="273"/>
+            <ac:spMk id="183" creationId="{00000000-0000-0000-0000-000000000000}"/>
+          </ac:spMkLst>
+        </pc:spChg>
+      </pc:sldChg>
+      <pc:sldChg chg="addSp delSp modSp add mod setBg setClrOvrMap delDesignElem">
+        <pc:chgData name="mikez zaatri" userId="dc7c058cd1c617f1" providerId="LiveId" clId="{3609CF1C-7F59-43CD-9E2F-3C5D15BF5220}" dt="2021-08-08T21:26:10.719" v="493" actId="1076"/>
+        <pc:sldMkLst>
+          <pc:docMk/>
+          <pc:sldMk cId="451091568" sldId="274"/>
+        </pc:sldMkLst>
+        <pc:spChg chg="mod">
+          <ac:chgData name="mikez zaatri" userId="dc7c058cd1c617f1" providerId="LiveId" clId="{3609CF1C-7F59-43CD-9E2F-3C5D15BF5220}" dt="2021-08-08T21:25:28.408" v="424" actId="313"/>
+          <ac:spMkLst>
+            <pc:docMk/>
+            <pc:sldMk cId="451091568" sldId="274"/>
+            <ac:spMk id="2" creationId="{B55F5714-2E8E-4ACD-A2CD-04641C08956A}"/>
+          </ac:spMkLst>
+        </pc:spChg>
+        <pc:spChg chg="mod">
+          <ac:chgData name="mikez zaatri" userId="dc7c058cd1c617f1" providerId="LiveId" clId="{3609CF1C-7F59-43CD-9E2F-3C5D15BF5220}" dt="2021-08-08T21:25:52.642" v="485" actId="6549"/>
+          <ac:spMkLst>
+            <pc:docMk/>
+            <pc:sldMk cId="451091568" sldId="274"/>
+            <ac:spMk id="3" creationId="{69967516-9E99-4B4D-AD6B-5B2B788CBAC4}"/>
+          </ac:spMkLst>
+        </pc:spChg>
+        <pc:spChg chg="add">
+          <ac:chgData name="mikez zaatri" userId="dc7c058cd1c617f1" providerId="LiveId" clId="{3609CF1C-7F59-43CD-9E2F-3C5D15BF5220}" dt="2021-08-08T21:21:28.799" v="354" actId="26606"/>
+          <ac:spMkLst>
+            <pc:docMk/>
+            <pc:sldMk cId="451091568" sldId="274"/>
+            <ac:spMk id="10" creationId="{DD651B61-325E-4E73-8445-38B0DE8AAAB6}"/>
+          </ac:spMkLst>
+        </pc:spChg>
+        <pc:spChg chg="del">
+          <ac:chgData name="mikez zaatri" userId="dc7c058cd1c617f1" providerId="LiveId" clId="{3609CF1C-7F59-43CD-9E2F-3C5D15BF5220}" dt="2021-08-08T21:20:45.187" v="348"/>
+          <ac:spMkLst>
+            <pc:docMk/>
+            <pc:sldMk cId="451091568" sldId="274"/>
+            <ac:spMk id="11" creationId="{DD651B61-325E-4E73-8445-38B0DE8AAAB6}"/>
+          </ac:spMkLst>
+        </pc:spChg>
+        <pc:spChg chg="add">
+          <ac:chgData name="mikez zaatri" userId="dc7c058cd1c617f1" providerId="LiveId" clId="{3609CF1C-7F59-43CD-9E2F-3C5D15BF5220}" dt="2021-08-08T21:21:28.799" v="354" actId="26606"/>
+          <ac:spMkLst>
+            <pc:docMk/>
+            <pc:sldMk cId="451091568" sldId="274"/>
+            <ac:spMk id="12" creationId="{B42E5253-D3AC-4AC2-B766-8B34F13C2F5E}"/>
+          </ac:spMkLst>
+        </pc:spChg>
+        <pc:spChg chg="del">
+          <ac:chgData name="mikez zaatri" userId="dc7c058cd1c617f1" providerId="LiveId" clId="{3609CF1C-7F59-43CD-9E2F-3C5D15BF5220}" dt="2021-08-08T21:20:45.187" v="348"/>
+          <ac:spMkLst>
+            <pc:docMk/>
+            <pc:sldMk cId="451091568" sldId="274"/>
+            <ac:spMk id="13" creationId="{B42E5253-D3AC-4AC2-B766-8B34F13C2F5E}"/>
+          </ac:spMkLst>
+        </pc:spChg>
+        <pc:spChg chg="add">
+          <ac:chgData name="mikez zaatri" userId="dc7c058cd1c617f1" providerId="LiveId" clId="{3609CF1C-7F59-43CD-9E2F-3C5D15BF5220}" dt="2021-08-08T21:21:28.799" v="354" actId="26606"/>
+          <ac:spMkLst>
+            <pc:docMk/>
+            <pc:sldMk cId="451091568" sldId="274"/>
+            <ac:spMk id="14" creationId="{10AE8D57-436A-4073-9A75-15BB5949F8B4}"/>
+          </ac:spMkLst>
+        </pc:spChg>
+        <pc:spChg chg="del">
+          <ac:chgData name="mikez zaatri" userId="dc7c058cd1c617f1" providerId="LiveId" clId="{3609CF1C-7F59-43CD-9E2F-3C5D15BF5220}" dt="2021-08-08T21:20:45.187" v="348"/>
+          <ac:spMkLst>
+            <pc:docMk/>
+            <pc:sldMk cId="451091568" sldId="274"/>
+            <ac:spMk id="15" creationId="{10AE8D57-436A-4073-9A75-15BB5949F8B4}"/>
+          </ac:spMkLst>
+        </pc:spChg>
+        <pc:spChg chg="add">
+          <ac:chgData name="mikez zaatri" userId="dc7c058cd1c617f1" providerId="LiveId" clId="{3609CF1C-7F59-43CD-9E2F-3C5D15BF5220}" dt="2021-08-08T21:21:28.799" v="354" actId="26606"/>
+          <ac:spMkLst>
+            <pc:docMk/>
+            <pc:sldMk cId="451091568" sldId="274"/>
+            <ac:spMk id="16" creationId="{E9751CB9-7B25-4EB8-9A6F-82F822549F12}"/>
+          </ac:spMkLst>
+        </pc:spChg>
+        <pc:spChg chg="del">
+          <ac:chgData name="mikez zaatri" userId="dc7c058cd1c617f1" providerId="LiveId" clId="{3609CF1C-7F59-43CD-9E2F-3C5D15BF5220}" dt="2021-08-08T21:20:45.187" v="348"/>
+          <ac:spMkLst>
+            <pc:docMk/>
+            <pc:sldMk cId="451091568" sldId="274"/>
+            <ac:spMk id="17" creationId="{E9751CB9-7B25-4EB8-9A6F-82F822549F12}"/>
+          </ac:spMkLst>
+        </pc:spChg>
+        <pc:spChg chg="add">
+          <ac:chgData name="mikez zaatri" userId="dc7c058cd1c617f1" providerId="LiveId" clId="{3609CF1C-7F59-43CD-9E2F-3C5D15BF5220}" dt="2021-08-08T21:21:28.799" v="354" actId="26606"/>
+          <ac:spMkLst>
+            <pc:docMk/>
+            <pc:sldMk cId="451091568" sldId="274"/>
+            <ac:spMk id="18" creationId="{E1317383-CF3B-4B02-9512-BECBEF6362A4}"/>
+          </ac:spMkLst>
+        </pc:spChg>
+        <pc:spChg chg="del">
+          <ac:chgData name="mikez zaatri" userId="dc7c058cd1c617f1" providerId="LiveId" clId="{3609CF1C-7F59-43CD-9E2F-3C5D15BF5220}" dt="2021-08-08T21:20:45.187" v="348"/>
+          <ac:spMkLst>
+            <pc:docMk/>
+            <pc:sldMk cId="451091568" sldId="274"/>
+            <ac:spMk id="19" creationId="{E1317383-CF3B-4B02-9512-BECBEF6362A4}"/>
+          </ac:spMkLst>
+        </pc:spChg>
+        <pc:spChg chg="add">
+          <ac:chgData name="mikez zaatri" userId="dc7c058cd1c617f1" providerId="LiveId" clId="{3609CF1C-7F59-43CD-9E2F-3C5D15BF5220}" dt="2021-08-08T21:21:28.799" v="354" actId="26606"/>
+          <ac:spMkLst>
+            <pc:docMk/>
+            <pc:sldMk cId="451091568" sldId="274"/>
+            <ac:spMk id="20" creationId="{B1D4C7A0-6DF2-4F2D-A45D-F111582974C7}"/>
+          </ac:spMkLst>
+        </pc:spChg>
+        <pc:spChg chg="del">
+          <ac:chgData name="mikez zaatri" userId="dc7c058cd1c617f1" providerId="LiveId" clId="{3609CF1C-7F59-43CD-9E2F-3C5D15BF5220}" dt="2021-08-08T21:20:45.187" v="348"/>
+          <ac:spMkLst>
+            <pc:docMk/>
+            <pc:sldMk cId="451091568" sldId="274"/>
+            <ac:spMk id="21" creationId="{B1D4C7A0-6DF2-4F2D-A45D-F111582974C7}"/>
+          </ac:spMkLst>
+        </pc:spChg>
+        <pc:spChg chg="add">
+          <ac:chgData name="mikez zaatri" userId="dc7c058cd1c617f1" providerId="LiveId" clId="{3609CF1C-7F59-43CD-9E2F-3C5D15BF5220}" dt="2021-08-08T21:21:28.799" v="354" actId="26606"/>
+          <ac:spMkLst>
+            <pc:docMk/>
+            <pc:sldMk cId="451091568" sldId="274"/>
+            <ac:spMk id="22" creationId="{DBF3943D-BCB6-4B31-809D-A005686483B4}"/>
+          </ac:spMkLst>
+        </pc:spChg>
+        <pc:spChg chg="del">
+          <ac:chgData name="mikez zaatri" userId="dc7c058cd1c617f1" providerId="LiveId" clId="{3609CF1C-7F59-43CD-9E2F-3C5D15BF5220}" dt="2021-08-08T21:20:45.187" v="348"/>
+          <ac:spMkLst>
+            <pc:docMk/>
+            <pc:sldMk cId="451091568" sldId="274"/>
+            <ac:spMk id="23" creationId="{DBF3943D-BCB6-4B31-809D-A005686483B4}"/>
+          </ac:spMkLst>
+        </pc:spChg>
+        <pc:spChg chg="add">
+          <ac:chgData name="mikez zaatri" userId="dc7c058cd1c617f1" providerId="LiveId" clId="{3609CF1C-7F59-43CD-9E2F-3C5D15BF5220}" dt="2021-08-08T21:21:28.799" v="354" actId="26606"/>
+          <ac:spMkLst>
+            <pc:docMk/>
+            <pc:sldMk cId="451091568" sldId="274"/>
+            <ac:spMk id="24" creationId="{39373A6F-2E1F-4613-8E1D-D68057D29F31}"/>
+          </ac:spMkLst>
+        </pc:spChg>
+        <pc:spChg chg="del">
+          <ac:chgData name="mikez zaatri" userId="dc7c058cd1c617f1" providerId="LiveId" clId="{3609CF1C-7F59-43CD-9E2F-3C5D15BF5220}" dt="2021-08-08T21:20:45.187" v="348"/>
+          <ac:spMkLst>
+            <pc:docMk/>
+            <pc:sldMk cId="451091568" sldId="274"/>
+            <ac:spMk id="25" creationId="{39373A6F-2E1F-4613-8E1D-D68057D29F31}"/>
+          </ac:spMkLst>
+        </pc:spChg>
+        <pc:picChg chg="add mod">
+          <ac:chgData name="mikez zaatri" userId="dc7c058cd1c617f1" providerId="LiveId" clId="{3609CF1C-7F59-43CD-9E2F-3C5D15BF5220}" dt="2021-08-08T21:26:10.719" v="493" actId="1076"/>
+          <ac:picMkLst>
+            <pc:docMk/>
+            <pc:sldMk cId="451091568" sldId="274"/>
+            <ac:picMk id="5" creationId="{5D8CD567-4A52-4166-8A27-0CD5C20D03BA}"/>
+          </ac:picMkLst>
+        </pc:picChg>
+        <pc:picChg chg="del">
+          <ac:chgData name="mikez zaatri" userId="dc7c058cd1c617f1" providerId="LiveId" clId="{3609CF1C-7F59-43CD-9E2F-3C5D15BF5220}" dt="2021-08-08T21:20:51.117" v="349" actId="478"/>
+          <ac:picMkLst>
+            <pc:docMk/>
+            <pc:sldMk cId="451091568" sldId="274"/>
+            <ac:picMk id="6" creationId="{7DF77E5E-41BD-46EE-A3A3-AAFB002A5046}"/>
+          </ac:picMkLst>
+        </pc:picChg>
+        <pc:picChg chg="add mod">
+          <ac:chgData name="mikez zaatri" userId="dc7c058cd1c617f1" providerId="LiveId" clId="{3609CF1C-7F59-43CD-9E2F-3C5D15BF5220}" dt="2021-08-08T21:26:06.016" v="491" actId="14100"/>
+          <ac:picMkLst>
+            <pc:docMk/>
+            <pc:sldMk cId="451091568" sldId="274"/>
+            <ac:picMk id="8" creationId="{DD4EC2D4-8A09-42FF-AF5F-35A756471C4B}"/>
+          </ac:picMkLst>
+        </pc:picChg>
+        <pc:picChg chg="del">
+          <ac:chgData name="mikez zaatri" userId="dc7c058cd1c617f1" providerId="LiveId" clId="{3609CF1C-7F59-43CD-9E2F-3C5D15BF5220}" dt="2021-08-08T21:20:52.745" v="350" actId="478"/>
+          <ac:picMkLst>
+            <pc:docMk/>
+            <pc:sldMk cId="451091568" sldId="274"/>
+            <ac:picMk id="9" creationId="{8E762E97-C788-474E-9807-95085FC407C2}"/>
+          </ac:picMkLst>
+        </pc:picChg>
+        <pc:picChg chg="add del mod">
+          <ac:chgData name="mikez zaatri" userId="dc7c058cd1c617f1" providerId="LiveId" clId="{3609CF1C-7F59-43CD-9E2F-3C5D15BF5220}" dt="2021-08-08T21:26:00.399" v="488" actId="478"/>
+          <ac:picMkLst>
+            <pc:docMk/>
+            <pc:sldMk cId="451091568" sldId="274"/>
+            <ac:picMk id="27" creationId="{3880D72E-CEFE-440C-BC73-45864A12D3CF}"/>
+          </ac:picMkLst>
+        </pc:picChg>
+        <pc:picChg chg="add del mod">
+          <ac:chgData name="mikez zaatri" userId="dc7c058cd1c617f1" providerId="LiveId" clId="{3609CF1C-7F59-43CD-9E2F-3C5D15BF5220}" dt="2021-08-08T21:26:01.206" v="489" actId="478"/>
+          <ac:picMkLst>
+            <pc:docMk/>
+            <pc:sldMk cId="451091568" sldId="274"/>
+            <ac:picMk id="29" creationId="{15F85C90-A1A2-4C76-BB0A-9470D9430338}"/>
+          </ac:picMkLst>
+        </pc:picChg>
+      </pc:sldChg>
+      <pc:sldChg chg="addSp delSp modSp add mod setBg setClrOvrMap delDesignElem chgLayout">
+        <pc:chgData name="mikez zaatri" userId="dc7c058cd1c617f1" providerId="LiveId" clId="{3609CF1C-7F59-43CD-9E2F-3C5D15BF5220}" dt="2021-08-08T21:30:48.042" v="544" actId="14100"/>
+        <pc:sldMkLst>
+          <pc:docMk/>
+          <pc:sldMk cId="480309411" sldId="275"/>
+        </pc:sldMkLst>
+        <pc:spChg chg="mod ord">
+          <ac:chgData name="mikez zaatri" userId="dc7c058cd1c617f1" providerId="LiveId" clId="{3609CF1C-7F59-43CD-9E2F-3C5D15BF5220}" dt="2021-08-08T21:30:40.310" v="543" actId="26606"/>
+          <ac:spMkLst>
+            <pc:docMk/>
+            <pc:sldMk cId="480309411" sldId="275"/>
+            <ac:spMk id="2" creationId="{B55F5714-2E8E-4ACD-A2CD-04641C08956A}"/>
+          </ac:spMkLst>
+        </pc:spChg>
+        <pc:spChg chg="mod ord">
+          <ac:chgData name="mikez zaatri" userId="dc7c058cd1c617f1" providerId="LiveId" clId="{3609CF1C-7F59-43CD-9E2F-3C5D15BF5220}" dt="2021-08-08T21:30:40.310" v="543" actId="26606"/>
+          <ac:spMkLst>
+            <pc:docMk/>
+            <pc:sldMk cId="480309411" sldId="275"/>
+            <ac:spMk id="3" creationId="{69967516-9E99-4B4D-AD6B-5B2B788CBAC4}"/>
+          </ac:spMkLst>
+        </pc:spChg>
+        <pc:spChg chg="del">
+          <ac:chgData name="mikez zaatri" userId="dc7c058cd1c617f1" providerId="LiveId" clId="{3609CF1C-7F59-43CD-9E2F-3C5D15BF5220}" dt="2021-08-08T21:25:56.426" v="487"/>
+          <ac:spMkLst>
+            <pc:docMk/>
+            <pc:sldMk cId="480309411" sldId="275"/>
+            <ac:spMk id="10" creationId="{DD651B61-325E-4E73-8445-38B0DE8AAAB6}"/>
+          </ac:spMkLst>
+        </pc:spChg>
+        <pc:spChg chg="add del mod ord">
+          <ac:chgData name="mikez zaatri" userId="dc7c058cd1c617f1" providerId="LiveId" clId="{3609CF1C-7F59-43CD-9E2F-3C5D15BF5220}" dt="2021-08-08T21:30:38.562" v="541" actId="700"/>
+          <ac:spMkLst>
+            <pc:docMk/>
+            <pc:sldMk cId="480309411" sldId="275"/>
+            <ac:spMk id="11" creationId="{B1BE384E-4785-4C54-920E-6C4BD7B316C1}"/>
+          </ac:spMkLst>
+        </pc:spChg>
+        <pc:spChg chg="del">
+          <ac:chgData name="mikez zaatri" userId="dc7c058cd1c617f1" providerId="LiveId" clId="{3609CF1C-7F59-43CD-9E2F-3C5D15BF5220}" dt="2021-08-08T21:25:56.426" v="487"/>
+          <ac:spMkLst>
+            <pc:docMk/>
+            <pc:sldMk cId="480309411" sldId="275"/>
+            <ac:spMk id="12" creationId="{B42E5253-D3AC-4AC2-B766-8B34F13C2F5E}"/>
+          </ac:spMkLst>
+        </pc:spChg>
+        <pc:spChg chg="del">
+          <ac:chgData name="mikez zaatri" userId="dc7c058cd1c617f1" providerId="LiveId" clId="{3609CF1C-7F59-43CD-9E2F-3C5D15BF5220}" dt="2021-08-08T21:25:56.426" v="487"/>
+          <ac:spMkLst>
+            <pc:docMk/>
+            <pc:sldMk cId="480309411" sldId="275"/>
+            <ac:spMk id="14" creationId="{10AE8D57-436A-4073-9A75-15BB5949F8B4}"/>
+          </ac:spMkLst>
+        </pc:spChg>
+        <pc:spChg chg="del">
+          <ac:chgData name="mikez zaatri" userId="dc7c058cd1c617f1" providerId="LiveId" clId="{3609CF1C-7F59-43CD-9E2F-3C5D15BF5220}" dt="2021-08-08T21:25:56.426" v="487"/>
+          <ac:spMkLst>
+            <pc:docMk/>
+            <pc:sldMk cId="480309411" sldId="275"/>
+            <ac:spMk id="16" creationId="{E9751CB9-7B25-4EB8-9A6F-82F822549F12}"/>
+          </ac:spMkLst>
+        </pc:spChg>
+        <pc:spChg chg="del">
+          <ac:chgData name="mikez zaatri" userId="dc7c058cd1c617f1" providerId="LiveId" clId="{3609CF1C-7F59-43CD-9E2F-3C5D15BF5220}" dt="2021-08-08T21:25:56.426" v="487"/>
+          <ac:spMkLst>
+            <pc:docMk/>
+            <pc:sldMk cId="480309411" sldId="275"/>
+            <ac:spMk id="18" creationId="{E1317383-CF3B-4B02-9512-BECBEF6362A4}"/>
+          </ac:spMkLst>
+        </pc:spChg>
+        <pc:spChg chg="del">
+          <ac:chgData name="mikez zaatri" userId="dc7c058cd1c617f1" providerId="LiveId" clId="{3609CF1C-7F59-43CD-9E2F-3C5D15BF5220}" dt="2021-08-08T21:25:56.426" v="487"/>
+          <ac:spMkLst>
+            <pc:docMk/>
+            <pc:sldMk cId="480309411" sldId="275"/>
+            <ac:spMk id="20" creationId="{B1D4C7A0-6DF2-4F2D-A45D-F111582974C7}"/>
+          </ac:spMkLst>
+        </pc:spChg>
+        <pc:spChg chg="del">
+          <ac:chgData name="mikez zaatri" userId="dc7c058cd1c617f1" providerId="LiveId" clId="{3609CF1C-7F59-43CD-9E2F-3C5D15BF5220}" dt="2021-08-08T21:25:56.426" v="487"/>
+          <ac:spMkLst>
+            <pc:docMk/>
+            <pc:sldMk cId="480309411" sldId="275"/>
+            <ac:spMk id="22" creationId="{DBF3943D-BCB6-4B31-809D-A005686483B4}"/>
+          </ac:spMkLst>
+        </pc:spChg>
+        <pc:spChg chg="del">
+          <ac:chgData name="mikez zaatri" userId="dc7c058cd1c617f1" providerId="LiveId" clId="{3609CF1C-7F59-43CD-9E2F-3C5D15BF5220}" dt="2021-08-08T21:25:56.426" v="487"/>
+          <ac:spMkLst>
+            <pc:docMk/>
+            <pc:sldMk cId="480309411" sldId="275"/>
+            <ac:spMk id="24" creationId="{39373A6F-2E1F-4613-8E1D-D68057D29F31}"/>
+          </ac:spMkLst>
+        </pc:spChg>
+        <pc:spChg chg="add del">
+          <ac:chgData name="mikez zaatri" userId="dc7c058cd1c617f1" providerId="LiveId" clId="{3609CF1C-7F59-43CD-9E2F-3C5D15BF5220}" dt="2021-08-08T21:26:23.861" v="497" actId="26606"/>
+          <ac:spMkLst>
+            <pc:docMk/>
+            <pc:sldMk cId="480309411" sldId="275"/>
+            <ac:spMk id="34" creationId="{910015B9-6046-41B8-83BD-71778D2F9798}"/>
+          </ac:spMkLst>
+        </pc:spChg>
+        <pc:spChg chg="add del">
+          <ac:chgData name="mikez zaatri" userId="dc7c058cd1c617f1" providerId="LiveId" clId="{3609CF1C-7F59-43CD-9E2F-3C5D15BF5220}" dt="2021-08-08T21:26:23.861" v="497" actId="26606"/>
+          <ac:spMkLst>
+            <pc:docMk/>
+            <pc:sldMk cId="480309411" sldId="275"/>
+            <ac:spMk id="36" creationId="{53908232-52E2-4794-A6C1-54300FB98919}"/>
+          </ac:spMkLst>
+        </pc:spChg>
+        <pc:spChg chg="add del">
+          <ac:chgData name="mikez zaatri" userId="dc7c058cd1c617f1" providerId="LiveId" clId="{3609CF1C-7F59-43CD-9E2F-3C5D15BF5220}" dt="2021-08-08T21:26:23.861" v="497" actId="26606"/>
+          <ac:spMkLst>
+            <pc:docMk/>
+            <pc:sldMk cId="480309411" sldId="275"/>
+            <ac:spMk id="38" creationId="{D2B9299F-BED7-44C5-9CC5-E542F9193C2F}"/>
+          </ac:spMkLst>
+        </pc:spChg>
+        <pc:spChg chg="add del">
+          <ac:chgData name="mikez zaatri" userId="dc7c058cd1c617f1" providerId="LiveId" clId="{3609CF1C-7F59-43CD-9E2F-3C5D15BF5220}" dt="2021-08-08T21:26:23.861" v="497" actId="26606"/>
+          <ac:spMkLst>
+            <pc:docMk/>
+            <pc:sldMk cId="480309411" sldId="275"/>
+            <ac:spMk id="40" creationId="{E9DDF273-E040-4765-AD05-872458E1370A}"/>
+          </ac:spMkLst>
+        </pc:spChg>
+        <pc:spChg chg="add del">
+          <ac:chgData name="mikez zaatri" userId="dc7c058cd1c617f1" providerId="LiveId" clId="{3609CF1C-7F59-43CD-9E2F-3C5D15BF5220}" dt="2021-08-08T21:26:23.861" v="497" actId="26606"/>
+          <ac:spMkLst>
+            <pc:docMk/>
+            <pc:sldMk cId="480309411" sldId="275"/>
+            <ac:spMk id="42" creationId="{EE997D3B-4ECD-4397-A989-D5882BB322B6}"/>
+          </ac:spMkLst>
+        </pc:spChg>
+        <pc:spChg chg="add del">
+          <ac:chgData name="mikez zaatri" userId="dc7c058cd1c617f1" providerId="LiveId" clId="{3609CF1C-7F59-43CD-9E2F-3C5D15BF5220}" dt="2021-08-08T21:26:32.677" v="499" actId="26606"/>
+          <ac:spMkLst>
+            <pc:docMk/>
+            <pc:sldMk cId="480309411" sldId="275"/>
+            <ac:spMk id="46" creationId="{88D2DFBB-460D-4ECB-BD76-509C99DAD65A}"/>
+          </ac:spMkLst>
+        </pc:spChg>
+        <pc:spChg chg="add del">
+          <ac:chgData name="mikez zaatri" userId="dc7c058cd1c617f1" providerId="LiveId" clId="{3609CF1C-7F59-43CD-9E2F-3C5D15BF5220}" dt="2021-08-08T21:26:32.677" v="499" actId="26606"/>
+          <ac:spMkLst>
+            <pc:docMk/>
+            <pc:sldMk cId="480309411" sldId="275"/>
+            <ac:spMk id="48" creationId="{910015B9-6046-41B8-83BD-71778D2F9798}"/>
+          </ac:spMkLst>
+        </pc:spChg>
+        <pc:spChg chg="add del">
+          <ac:chgData name="mikez zaatri" userId="dc7c058cd1c617f1" providerId="LiveId" clId="{3609CF1C-7F59-43CD-9E2F-3C5D15BF5220}" dt="2021-08-08T21:26:32.677" v="499" actId="26606"/>
+          <ac:spMkLst>
+            <pc:docMk/>
+            <pc:sldMk cId="480309411" sldId="275"/>
+            <ac:spMk id="49" creationId="{53908232-52E2-4794-A6C1-54300FB98919}"/>
+          </ac:spMkLst>
+        </pc:spChg>
+        <pc:spChg chg="add del">
+          <ac:chgData name="mikez zaatri" userId="dc7c058cd1c617f1" providerId="LiveId" clId="{3609CF1C-7F59-43CD-9E2F-3C5D15BF5220}" dt="2021-08-08T21:26:32.677" v="499" actId="26606"/>
+          <ac:spMkLst>
+            <pc:docMk/>
+            <pc:sldMk cId="480309411" sldId="275"/>
+            <ac:spMk id="50" creationId="{D2B9299F-BED7-44C5-9CC5-E542F9193C2F}"/>
+          </ac:spMkLst>
+        </pc:spChg>
+        <pc:spChg chg="add del">
+          <ac:chgData name="mikez zaatri" userId="dc7c058cd1c617f1" providerId="LiveId" clId="{3609CF1C-7F59-43CD-9E2F-3C5D15BF5220}" dt="2021-08-08T21:26:32.677" v="499" actId="26606"/>
+          <ac:spMkLst>
+            <pc:docMk/>
+            <pc:sldMk cId="480309411" sldId="275"/>
+            <ac:spMk id="51" creationId="{E9DDF273-E040-4765-AD05-872458E1370A}"/>
+          </ac:spMkLst>
+        </pc:spChg>
+        <pc:spChg chg="add del">
+          <ac:chgData name="mikez zaatri" userId="dc7c058cd1c617f1" providerId="LiveId" clId="{3609CF1C-7F59-43CD-9E2F-3C5D15BF5220}" dt="2021-08-08T21:26:32.677" v="499" actId="26606"/>
+          <ac:spMkLst>
+            <pc:docMk/>
+            <pc:sldMk cId="480309411" sldId="275"/>
+            <ac:spMk id="52" creationId="{875485B9-8EE1-447A-9C08-F7D6B532A8CF}"/>
+          </ac:spMkLst>
+        </pc:spChg>
+        <pc:spChg chg="add del">
+          <ac:chgData name="mikez zaatri" userId="dc7c058cd1c617f1" providerId="LiveId" clId="{3609CF1C-7F59-43CD-9E2F-3C5D15BF5220}" dt="2021-08-08T21:26:32.677" v="499" actId="26606"/>
+          <ac:spMkLst>
+            <pc:docMk/>
+            <pc:sldMk cId="480309411" sldId="275"/>
+            <ac:spMk id="53" creationId="{B963707F-B98C-4143-AFCF-D6B56C975C5A}"/>
+          </ac:spMkLst>
+        </pc:spChg>
+        <pc:spChg chg="add del">
+          <ac:chgData name="mikez zaatri" userId="dc7c058cd1c617f1" providerId="LiveId" clId="{3609CF1C-7F59-43CD-9E2F-3C5D15BF5220}" dt="2021-08-08T21:26:34.240" v="501" actId="26606"/>
+          <ac:spMkLst>
+            <pc:docMk/>
+            <pc:sldMk cId="480309411" sldId="275"/>
+            <ac:spMk id="55" creationId="{910015B9-6046-41B8-83BD-71778D2F9798}"/>
+          </ac:spMkLst>
+        </pc:spChg>
+        <pc:spChg chg="add del">
+          <ac:chgData name="mikez zaatri" userId="dc7c058cd1c617f1" providerId="LiveId" clId="{3609CF1C-7F59-43CD-9E2F-3C5D15BF5220}" dt="2021-08-08T21:26:34.240" v="501" actId="26606"/>
+          <ac:spMkLst>
+            <pc:docMk/>
+            <pc:sldMk cId="480309411" sldId="275"/>
+            <ac:spMk id="56" creationId="{53908232-52E2-4794-A6C1-54300FB98919}"/>
+          </ac:spMkLst>
+        </pc:spChg>
+        <pc:spChg chg="add del">
+          <ac:chgData name="mikez zaatri" userId="dc7c058cd1c617f1" providerId="LiveId" clId="{3609CF1C-7F59-43CD-9E2F-3C5D15BF5220}" dt="2021-08-08T21:26:34.240" v="501" actId="26606"/>
+          <ac:spMkLst>
+            <pc:docMk/>
+            <pc:sldMk cId="480309411" sldId="275"/>
+            <ac:spMk id="57" creationId="{D2B9299F-BED7-44C5-9CC5-E542F9193C2F}"/>
+          </ac:spMkLst>
+        </pc:spChg>
+        <pc:spChg chg="add del">
+          <ac:chgData name="mikez zaatri" userId="dc7c058cd1c617f1" providerId="LiveId" clId="{3609CF1C-7F59-43CD-9E2F-3C5D15BF5220}" dt="2021-08-08T21:26:34.240" v="501" actId="26606"/>
+          <ac:spMkLst>
+            <pc:docMk/>
+            <pc:sldMk cId="480309411" sldId="275"/>
+            <ac:spMk id="58" creationId="{E9DDF273-E040-4765-AD05-872458E1370A}"/>
+          </ac:spMkLst>
+        </pc:spChg>
+        <pc:spChg chg="add del">
+          <ac:chgData name="mikez zaatri" userId="dc7c058cd1c617f1" providerId="LiveId" clId="{3609CF1C-7F59-43CD-9E2F-3C5D15BF5220}" dt="2021-08-08T21:26:34.240" v="501" actId="26606"/>
+          <ac:spMkLst>
+            <pc:docMk/>
+            <pc:sldMk cId="480309411" sldId="275"/>
+            <ac:spMk id="59" creationId="{EE997D3B-4ECD-4397-A989-D5882BB322B6}"/>
+          </ac:spMkLst>
+        </pc:spChg>
+        <pc:spChg chg="add del">
+          <ac:chgData name="mikez zaatri" userId="dc7c058cd1c617f1" providerId="LiveId" clId="{3609CF1C-7F59-43CD-9E2F-3C5D15BF5220}" dt="2021-08-08T21:26:55.395" v="512" actId="26606"/>
+          <ac:spMkLst>
+            <pc:docMk/>
+            <pc:sldMk cId="480309411" sldId="275"/>
+            <ac:spMk id="63" creationId="{910015B9-6046-41B8-83BD-71778D2F9798}"/>
+          </ac:spMkLst>
+        </pc:spChg>
+        <pc:spChg chg="add del">
+          <ac:chgData name="mikez zaatri" userId="dc7c058cd1c617f1" providerId="LiveId" clId="{3609CF1C-7F59-43CD-9E2F-3C5D15BF5220}" dt="2021-08-08T21:26:55.395" v="512" actId="26606"/>
+          <ac:spMkLst>
+            <pc:docMk/>
+            <pc:sldMk cId="480309411" sldId="275"/>
+            <ac:spMk id="64" creationId="{53908232-52E2-4794-A6C1-54300FB98919}"/>
+          </ac:spMkLst>
+        </pc:spChg>
+        <pc:spChg chg="add del">
+          <ac:chgData name="mikez zaatri" userId="dc7c058cd1c617f1" providerId="LiveId" clId="{3609CF1C-7F59-43CD-9E2F-3C5D15BF5220}" dt="2021-08-08T21:26:55.395" v="512" actId="26606"/>
+          <ac:spMkLst>
+            <pc:docMk/>
+            <pc:sldMk cId="480309411" sldId="275"/>
+            <ac:spMk id="65" creationId="{D2B9299F-BED7-44C5-9CC5-E542F9193C2F}"/>
+          </ac:spMkLst>
+        </pc:spChg>
+        <pc:spChg chg="add del">
+          <ac:chgData name="mikez zaatri" userId="dc7c058cd1c617f1" providerId="LiveId" clId="{3609CF1C-7F59-43CD-9E2F-3C5D15BF5220}" dt="2021-08-08T21:26:55.395" v="512" actId="26606"/>
+          <ac:spMkLst>
+            <pc:docMk/>
+            <pc:sldMk cId="480309411" sldId="275"/>
+            <ac:spMk id="66" creationId="{E9DDF273-E040-4765-AD05-872458E1370A}"/>
+          </ac:spMkLst>
+        </pc:spChg>
+        <pc:spChg chg="add del">
+          <ac:chgData name="mikez zaatri" userId="dc7c058cd1c617f1" providerId="LiveId" clId="{3609CF1C-7F59-43CD-9E2F-3C5D15BF5220}" dt="2021-08-08T21:26:55.395" v="512" actId="26606"/>
+          <ac:spMkLst>
+            <pc:docMk/>
+            <pc:sldMk cId="480309411" sldId="275"/>
+            <ac:spMk id="67" creationId="{875485B9-8EE1-447A-9C08-F7D6B532A8CF}"/>
+          </ac:spMkLst>
+        </pc:spChg>
+        <pc:spChg chg="add del">
+          <ac:chgData name="mikez zaatri" userId="dc7c058cd1c617f1" providerId="LiveId" clId="{3609CF1C-7F59-43CD-9E2F-3C5D15BF5220}" dt="2021-08-08T21:26:55.395" v="512" actId="26606"/>
+          <ac:spMkLst>
+            <pc:docMk/>
+            <pc:sldMk cId="480309411" sldId="275"/>
+            <ac:spMk id="68" creationId="{B963707F-B98C-4143-AFCF-D6B56C975C5A}"/>
+          </ac:spMkLst>
+        </pc:spChg>
+        <pc:spChg chg="add del">
+          <ac:chgData name="mikez zaatri" userId="dc7c058cd1c617f1" providerId="LiveId" clId="{3609CF1C-7F59-43CD-9E2F-3C5D15BF5220}" dt="2021-08-08T21:26:55.395" v="512" actId="26606"/>
+          <ac:spMkLst>
+            <pc:docMk/>
+            <pc:sldMk cId="480309411" sldId="275"/>
+            <ac:spMk id="69" creationId="{88D2DFBB-460D-4ECB-BD76-509C99DAD65A}"/>
+          </ac:spMkLst>
+        </pc:spChg>
+        <pc:spChg chg="add del">
+          <ac:chgData name="mikez zaatri" userId="dc7c058cd1c617f1" providerId="LiveId" clId="{3609CF1C-7F59-43CD-9E2F-3C5D15BF5220}" dt="2021-08-08T21:30:40.310" v="543" actId="26606"/>
+          <ac:spMkLst>
+            <pc:docMk/>
+            <pc:sldMk cId="480309411" sldId="275"/>
+            <ac:spMk id="74" creationId="{910015B9-6046-41B8-83BD-71778D2F9798}"/>
+          </ac:spMkLst>
+        </pc:spChg>
+        <pc:spChg chg="add del">
+          <ac:chgData name="mikez zaatri" userId="dc7c058cd1c617f1" providerId="LiveId" clId="{3609CF1C-7F59-43CD-9E2F-3C5D15BF5220}" dt="2021-08-08T21:30:40.310" v="543" actId="26606"/>
+          <ac:spMkLst>
+            <pc:docMk/>
+            <pc:sldMk cId="480309411" sldId="275"/>
+            <ac:spMk id="76" creationId="{53908232-52E2-4794-A6C1-54300FB98919}"/>
+          </ac:spMkLst>
+        </pc:spChg>
+        <pc:spChg chg="add del">
+          <ac:chgData name="mikez zaatri" userId="dc7c058cd1c617f1" providerId="LiveId" clId="{3609CF1C-7F59-43CD-9E2F-3C5D15BF5220}" dt="2021-08-08T21:30:40.310" v="543" actId="26606"/>
+          <ac:spMkLst>
+            <pc:docMk/>
+            <pc:sldMk cId="480309411" sldId="275"/>
+            <ac:spMk id="78" creationId="{D2B9299F-BED7-44C5-9CC5-E542F9193C2F}"/>
+          </ac:spMkLst>
+        </pc:spChg>
+        <pc:spChg chg="add del">
+          <ac:chgData name="mikez zaatri" userId="dc7c058cd1c617f1" providerId="LiveId" clId="{3609CF1C-7F59-43CD-9E2F-3C5D15BF5220}" dt="2021-08-08T21:30:40.310" v="543" actId="26606"/>
+          <ac:spMkLst>
+            <pc:docMk/>
+            <pc:sldMk cId="480309411" sldId="275"/>
+            <ac:spMk id="80" creationId="{E9DDF273-E040-4765-AD05-872458E1370A}"/>
+          </ac:spMkLst>
+        </pc:spChg>
+        <pc:spChg chg="add del">
+          <ac:chgData name="mikez zaatri" userId="dc7c058cd1c617f1" providerId="LiveId" clId="{3609CF1C-7F59-43CD-9E2F-3C5D15BF5220}" dt="2021-08-08T21:30:40.310" v="543" actId="26606"/>
+          <ac:spMkLst>
+            <pc:docMk/>
+            <pc:sldMk cId="480309411" sldId="275"/>
+            <ac:spMk id="82" creationId="{C592B42C-58FA-4A86-86F9-BA64DFB52839}"/>
+          </ac:spMkLst>
+        </pc:spChg>
+        <pc:spChg chg="add del">
+          <ac:chgData name="mikez zaatri" userId="dc7c058cd1c617f1" providerId="LiveId" clId="{3609CF1C-7F59-43CD-9E2F-3C5D15BF5220}" dt="2021-08-08T21:30:40.310" v="543" actId="26606"/>
+          <ac:spMkLst>
+            <pc:docMk/>
+            <pc:sldMk cId="480309411" sldId="275"/>
+            <ac:spMk id="84" creationId="{49AE81AC-D16D-497C-95C0-16E491F119CE}"/>
+          </ac:spMkLst>
+        </pc:spChg>
+        <pc:spChg chg="add del">
+          <ac:chgData name="mikez zaatri" userId="dc7c058cd1c617f1" providerId="LiveId" clId="{3609CF1C-7F59-43CD-9E2F-3C5D15BF5220}" dt="2021-08-08T21:30:40.310" v="543" actId="26606"/>
+          <ac:spMkLst>
+            <pc:docMk/>
+            <pc:sldMk cId="480309411" sldId="275"/>
+            <ac:spMk id="86" creationId="{2465720C-012A-4C28-8AA5-75E0C7CC2AE8}"/>
+          </ac:spMkLst>
+        </pc:spChg>
+        <pc:spChg chg="add del">
+          <ac:chgData name="mikez zaatri" userId="dc7c058cd1c617f1" providerId="LiveId" clId="{3609CF1C-7F59-43CD-9E2F-3C5D15BF5220}" dt="2021-08-08T21:30:40.310" v="543" actId="26606"/>
+          <ac:spMkLst>
+            <pc:docMk/>
+            <pc:sldMk cId="480309411" sldId="275"/>
+            <ac:spMk id="88" creationId="{F2137993-2819-4F0D-9767-4F7C41F33D97}"/>
+          </ac:spMkLst>
+        </pc:spChg>
+        <pc:spChg chg="add del">
+          <ac:chgData name="mikez zaatri" userId="dc7c058cd1c617f1" providerId="LiveId" clId="{3609CF1C-7F59-43CD-9E2F-3C5D15BF5220}" dt="2021-08-08T21:30:40.310" v="543" actId="26606"/>
+          <ac:spMkLst>
+            <pc:docMk/>
+            <pc:sldMk cId="480309411" sldId="275"/>
+            <ac:spMk id="90" creationId="{FC9E8B1E-9FF3-4471-BF13-F774FD86EABB}"/>
+          </ac:spMkLst>
+        </pc:spChg>
+        <pc:spChg chg="add del">
+          <ac:chgData name="mikez zaatri" userId="dc7c058cd1c617f1" providerId="LiveId" clId="{3609CF1C-7F59-43CD-9E2F-3C5D15BF5220}" dt="2021-08-08T21:30:40.310" v="543" actId="26606"/>
+          <ac:spMkLst>
+            <pc:docMk/>
+            <pc:sldMk cId="480309411" sldId="275"/>
+            <ac:spMk id="95" creationId="{910015B9-6046-41B8-83BD-71778D2F9798}"/>
+          </ac:spMkLst>
+        </pc:spChg>
+        <pc:spChg chg="add del">
+          <ac:chgData name="mikez zaatri" userId="dc7c058cd1c617f1" providerId="LiveId" clId="{3609CF1C-7F59-43CD-9E2F-3C5D15BF5220}" dt="2021-08-08T21:30:40.310" v="543" actId="26606"/>
+          <ac:spMkLst>
+            <pc:docMk/>
+            <pc:sldMk cId="480309411" sldId="275"/>
+            <ac:spMk id="97" creationId="{53908232-52E2-4794-A6C1-54300FB98919}"/>
+          </ac:spMkLst>
+        </pc:spChg>
+        <pc:spChg chg="add del">
+          <ac:chgData name="mikez zaatri" userId="dc7c058cd1c617f1" providerId="LiveId" clId="{3609CF1C-7F59-43CD-9E2F-3C5D15BF5220}" dt="2021-08-08T21:30:40.310" v="543" actId="26606"/>
+          <ac:spMkLst>
+            <pc:docMk/>
+            <pc:sldMk cId="480309411" sldId="275"/>
+            <ac:spMk id="99" creationId="{D2B9299F-BED7-44C5-9CC5-E542F9193C2F}"/>
+          </ac:spMkLst>
+        </pc:spChg>
+        <pc:spChg chg="add del">
+          <ac:chgData name="mikez zaatri" userId="dc7c058cd1c617f1" providerId="LiveId" clId="{3609CF1C-7F59-43CD-9E2F-3C5D15BF5220}" dt="2021-08-08T21:30:40.310" v="543" actId="26606"/>
+          <ac:spMkLst>
+            <pc:docMk/>
+            <pc:sldMk cId="480309411" sldId="275"/>
+            <ac:spMk id="101" creationId="{E9DDF273-E040-4765-AD05-872458E1370A}"/>
+          </ac:spMkLst>
+        </pc:spChg>
+        <pc:spChg chg="add del">
+          <ac:chgData name="mikez zaatri" userId="dc7c058cd1c617f1" providerId="LiveId" clId="{3609CF1C-7F59-43CD-9E2F-3C5D15BF5220}" dt="2021-08-08T21:30:40.310" v="543" actId="26606"/>
+          <ac:spMkLst>
+            <pc:docMk/>
+            <pc:sldMk cId="480309411" sldId="275"/>
+            <ac:spMk id="103" creationId="{875485B9-8EE1-447A-9C08-F7D6B532A8CF}"/>
+          </ac:spMkLst>
+        </pc:spChg>
+        <pc:spChg chg="add del">
+          <ac:chgData name="mikez zaatri" userId="dc7c058cd1c617f1" providerId="LiveId" clId="{3609CF1C-7F59-43CD-9E2F-3C5D15BF5220}" dt="2021-08-08T21:30:40.310" v="543" actId="26606"/>
+          <ac:spMkLst>
+            <pc:docMk/>
+            <pc:sldMk cId="480309411" sldId="275"/>
+            <ac:spMk id="105" creationId="{B963707F-B98C-4143-AFCF-D6B56C975C5A}"/>
+          </ac:spMkLst>
+        </pc:spChg>
+        <pc:spChg chg="add del">
+          <ac:chgData name="mikez zaatri" userId="dc7c058cd1c617f1" providerId="LiveId" clId="{3609CF1C-7F59-43CD-9E2F-3C5D15BF5220}" dt="2021-08-08T21:30:40.310" v="543" actId="26606"/>
+          <ac:spMkLst>
+            <pc:docMk/>
+            <pc:sldMk cId="480309411" sldId="275"/>
+            <ac:spMk id="107" creationId="{88D2DFBB-460D-4ECB-BD76-509C99DAD65A}"/>
+          </ac:spMkLst>
+        </pc:spChg>
+        <pc:grpChg chg="add del">
+          <ac:chgData name="mikez zaatri" userId="dc7c058cd1c617f1" providerId="LiveId" clId="{3609CF1C-7F59-43CD-9E2F-3C5D15BF5220}" dt="2021-08-08T21:26:23.861" v="497" actId="26606"/>
+          <ac:grpSpMkLst>
+            <pc:docMk/>
+            <pc:sldMk cId="480309411" sldId="275"/>
+            <ac:grpSpMk id="44" creationId="{3A852E5D-96B2-47B5-AB0F-426F231FBD41}"/>
+          </ac:grpSpMkLst>
+        </pc:grpChg>
+        <pc:grpChg chg="add del">
+          <ac:chgData name="mikez zaatri" userId="dc7c058cd1c617f1" providerId="LiveId" clId="{3609CF1C-7F59-43CD-9E2F-3C5D15BF5220}" dt="2021-08-08T21:26:34.240" v="501" actId="26606"/>
+          <ac:grpSpMkLst>
+            <pc:docMk/>
+            <pc:sldMk cId="480309411" sldId="275"/>
+            <ac:grpSpMk id="60" creationId="{3A852E5D-96B2-47B5-AB0F-426F231FBD41}"/>
+          </ac:grpSpMkLst>
+        </pc:grpChg>
+        <pc:picChg chg="del">
+          <ac:chgData name="mikez zaatri" userId="dc7c058cd1c617f1" providerId="LiveId" clId="{3609CF1C-7F59-43CD-9E2F-3C5D15BF5220}" dt="2021-08-08T21:26:15.718" v="495" actId="478"/>
+          <ac:picMkLst>
+            <pc:docMk/>
+            <pc:sldMk cId="480309411" sldId="275"/>
+            <ac:picMk id="5" creationId="{5D8CD567-4A52-4166-8A27-0CD5C20D03BA}"/>
+          </ac:picMkLst>
+        </pc:picChg>
+        <pc:picChg chg="add mod ord">
+          <ac:chgData name="mikez zaatri" userId="dc7c058cd1c617f1" providerId="LiveId" clId="{3609CF1C-7F59-43CD-9E2F-3C5D15BF5220}" dt="2021-08-08T21:30:40.310" v="543" actId="26606"/>
+          <ac:picMkLst>
+            <pc:docMk/>
+            <pc:sldMk cId="480309411" sldId="275"/>
+            <ac:picMk id="6" creationId="{3F470C4A-4AD1-47A3-A5CA-847F89F3DAB1}"/>
+          </ac:picMkLst>
+        </pc:picChg>
+        <pc:picChg chg="del">
+          <ac:chgData name="mikez zaatri" userId="dc7c058cd1c617f1" providerId="LiveId" clId="{3609CF1C-7F59-43CD-9E2F-3C5D15BF5220}" dt="2021-08-08T21:26:14.540" v="494" actId="478"/>
+          <ac:picMkLst>
+            <pc:docMk/>
+            <pc:sldMk cId="480309411" sldId="275"/>
+            <ac:picMk id="8" creationId="{DD4EC2D4-8A09-42FF-AF5F-35A756471C4B}"/>
+          </ac:picMkLst>
+        </pc:picChg>
+        <pc:picChg chg="add mod">
+          <ac:chgData name="mikez zaatri" userId="dc7c058cd1c617f1" providerId="LiveId" clId="{3609CF1C-7F59-43CD-9E2F-3C5D15BF5220}" dt="2021-08-08T21:30:48.042" v="544" actId="14100"/>
+          <ac:picMkLst>
+            <pc:docMk/>
+            <pc:sldMk cId="480309411" sldId="275"/>
+            <ac:picMk id="9" creationId="{15A818AF-D1C2-4E14-8314-97A84FE0621D}"/>
+          </ac:picMkLst>
+        </pc:picChg>
+        <pc:picChg chg="del mod ord">
+          <ac:chgData name="mikez zaatri" userId="dc7c058cd1c617f1" providerId="LiveId" clId="{3609CF1C-7F59-43CD-9E2F-3C5D15BF5220}" dt="2021-08-08T21:27:22.165" v="517" actId="478"/>
+          <ac:picMkLst>
+            <pc:docMk/>
+            <pc:sldMk cId="480309411" sldId="275"/>
+            <ac:picMk id="27" creationId="{3880D72E-CEFE-440C-BC73-45864A12D3CF}"/>
+          </ac:picMkLst>
+        </pc:picChg>
+        <pc:picChg chg="del mod">
+          <ac:chgData name="mikez zaatri" userId="dc7c058cd1c617f1" providerId="LiveId" clId="{3609CF1C-7F59-43CD-9E2F-3C5D15BF5220}" dt="2021-08-08T21:28:13.138" v="526" actId="478"/>
+          <ac:picMkLst>
+            <pc:docMk/>
+            <pc:sldMk cId="480309411" sldId="275"/>
+            <ac:picMk id="29" creationId="{15F85C90-A1A2-4C76-BB0A-9470D9430338}"/>
           </ac:picMkLst>
         </pc:picChg>
       </pc:sldChg>
@@ -562,7 +2041,7 @@
           <a:p>
             <a:fld id="{C53F64A6-729C-462D-B75E-C4CFD7D8CEA1}" type="datetimeFigureOut">
               <a:rPr lang="en-US" smtClean="0"/>
-              <a:t>8/7/2021</a:t>
+              <a:t>8/8/2021</a:t>
             </a:fld>
             <a:endParaRPr lang="en-US"/>
           </a:p>
@@ -1037,6 +2516,115 @@
 </p:notes>
 </file>
 
+<file path=ppt/notesSlides/notesSlide11.xml><?xml version="1.0" encoding="utf-8"?>
+<p:notes xmlns:a="http://schemas.openxmlformats.org/drawingml/2006/main" xmlns:r="http://schemas.openxmlformats.org/officeDocument/2006/relationships" xmlns:p="http://schemas.openxmlformats.org/presentationml/2006/main" showMasterSp="0" showMasterPhAnim="0">
+  <p:cSld>
+    <p:spTree>
+      <p:nvGrpSpPr>
+        <p:cNvPr id="1" name="Shape 178"/>
+        <p:cNvGrpSpPr/>
+        <p:nvPr/>
+      </p:nvGrpSpPr>
+      <p:grpSpPr>
+        <a:xfrm>
+          <a:off x="0" y="0"/>
+          <a:ext cx="0" cy="0"/>
+          <a:chOff x="0" y="0"/>
+          <a:chExt cx="0" cy="0"/>
+        </a:xfrm>
+      </p:grpSpPr>
+      <p:sp>
+        <p:nvSpPr>
+          <p:cNvPr id="179" name="Google Shape;179;gb84fc85c23_0_1552:notes"/>
+          <p:cNvSpPr>
+            <a:spLocks noGrp="1" noRot="1" noChangeAspect="1"/>
+          </p:cNvSpPr>
+          <p:nvPr>
+            <p:ph type="sldImg" idx="2"/>
+          </p:nvPr>
+        </p:nvSpPr>
+        <p:spPr>
+          <a:xfrm>
+            <a:off x="381000" y="685800"/>
+            <a:ext cx="6096000" cy="3429000"/>
+          </a:xfrm>
+          <a:custGeom>
+            <a:avLst/>
+            <a:gdLst/>
+            <a:ahLst/>
+            <a:cxnLst/>
+            <a:rect l="l" t="t" r="r" b="b"/>
+            <a:pathLst>
+              <a:path w="120000" h="120000" extrusionOk="0">
+                <a:moveTo>
+                  <a:pt x="0" y="0"/>
+                </a:moveTo>
+                <a:lnTo>
+                  <a:pt x="120000" y="0"/>
+                </a:lnTo>
+                <a:lnTo>
+                  <a:pt x="120000" y="120000"/>
+                </a:lnTo>
+                <a:lnTo>
+                  <a:pt x="0" y="120000"/>
+                </a:lnTo>
+                <a:close/>
+              </a:path>
+            </a:pathLst>
+          </a:custGeom>
+        </p:spPr>
+      </p:sp>
+      <p:sp>
+        <p:nvSpPr>
+          <p:cNvPr id="180" name="Google Shape;180;gb84fc85c23_0_1552:notes"/>
+          <p:cNvSpPr txBox="1">
+            <a:spLocks noGrp="1"/>
+          </p:cNvSpPr>
+          <p:nvPr>
+            <p:ph type="body" idx="1"/>
+          </p:nvPr>
+        </p:nvSpPr>
+        <p:spPr>
+          <a:xfrm>
+            <a:off x="685800" y="4343400"/>
+            <a:ext cx="5486400" cy="4114800"/>
+          </a:xfrm>
+          <a:prstGeom prst="rect">
+            <a:avLst/>
+          </a:prstGeom>
+        </p:spPr>
+        <p:txBody>
+          <a:bodyPr spcFirstLastPara="1" wrap="square" lIns="91425" tIns="91425" rIns="91425" bIns="91425" anchor="t" anchorCtr="0">
+            <a:noAutofit/>
+          </a:bodyPr>
+          <a:lstStyle/>
+          <a:p>
+            <a:pPr marL="0" lvl="0" indent="0" algn="l" rtl="0">
+              <a:spcBef>
+                <a:spcPts val="0"/>
+              </a:spcBef>
+              <a:spcAft>
+                <a:spcPts val="0"/>
+              </a:spcAft>
+              <a:buNone/>
+            </a:pPr>
+            <a:endParaRPr/>
+          </a:p>
+        </p:txBody>
+      </p:sp>
+    </p:spTree>
+    <p:extLst>
+      <p:ext uri="{BB962C8B-B14F-4D97-AF65-F5344CB8AC3E}">
+        <p14:creationId xmlns:p14="http://schemas.microsoft.com/office/powerpoint/2010/main" val="3707278395"/>
+      </p:ext>
+    </p:extLst>
+  </p:cSld>
+  <p:clrMapOvr>
+    <a:masterClrMapping/>
+  </p:clrMapOvr>
+</p:notes>
+</file>
+
 <file path=ppt/notesSlides/notesSlide2.xml><?xml version="1.0" encoding="utf-8"?>
 <p:notes xmlns:a="http://schemas.openxmlformats.org/drawingml/2006/main" xmlns:r="http://schemas.openxmlformats.org/officeDocument/2006/relationships" xmlns:p="http://schemas.openxmlformats.org/presentationml/2006/main" showMasterSp="0" showMasterPhAnim="0">
   <p:cSld>
@@ -1274,7 +2862,7 @@
         </p:nvSpPr>
         <p:spPr>
           <a:xfrm>
-            <a:off x="381300" y="685800"/>
+            <a:off x="381000" y="685800"/>
             <a:ext cx="6096000" cy="3429000"/>
           </a:xfrm>
           <a:custGeom>
@@ -2117,7 +3705,7 @@
           <a:p>
             <a:fld id="{ED291B17-9318-49DB-B28B-6E5994AE9581}" type="datetime1">
               <a:rPr lang="en-US" smtClean="0"/>
-              <a:t>8/7/2021</a:t>
+              <a:t>8/8/2021</a:t>
             </a:fld>
             <a:endParaRPr lang="en-US" dirty="0"/>
           </a:p>
@@ -2320,7 +3908,7 @@
           <a:p>
             <a:fld id="{2CED4963-E985-44C4-B8C4-FDD613B7C2F8}" type="datetime1">
               <a:rPr lang="en-US" smtClean="0"/>
-              <a:t>8/7/2021</a:t>
+              <a:t>8/8/2021</a:t>
             </a:fld>
             <a:endParaRPr lang="en-US" dirty="0"/>
           </a:p>
@@ -2682,7 +4270,7 @@
           <a:p>
             <a:fld id="{ED291B17-9318-49DB-B28B-6E5994AE9581}" type="datetime1">
               <a:rPr lang="en-US" smtClean="0"/>
-              <a:t>8/7/2021</a:t>
+              <a:t>8/8/2021</a:t>
             </a:fld>
             <a:endParaRPr lang="en-US" dirty="0"/>
           </a:p>
@@ -3338,7 +4926,7 @@
           <a:p>
             <a:fld id="{78DD82B9-B8EE-4375-B6FF-88FA6ABB15D9}" type="datetime1">
               <a:rPr lang="en-US" smtClean="0"/>
-              <a:t>8/7/2021</a:t>
+              <a:t>8/8/2021</a:t>
             </a:fld>
             <a:endParaRPr lang="en-US" dirty="0"/>
           </a:p>
@@ -3650,7 +5238,7 @@
           <a:p>
             <a:fld id="{B2497495-0637-405E-AE64-5CC7506D51F5}" type="datetime1">
               <a:rPr lang="en-US" smtClean="0"/>
-              <a:t>8/7/2021</a:t>
+              <a:t>8/8/2021</a:t>
             </a:fld>
             <a:endParaRPr lang="en-US" dirty="0"/>
           </a:p>
@@ -3903,7 +5491,7 @@
           <a:p>
             <a:fld id="{7BFFD690-9426-415D-8B65-26881E07B2D4}" type="datetime1">
               <a:rPr lang="en-US" smtClean="0"/>
-              <a:t>8/7/2021</a:t>
+              <a:t>8/8/2021</a:t>
             </a:fld>
             <a:endParaRPr lang="en-US" dirty="0"/>
           </a:p>
@@ -4325,7 +5913,7 @@
           <a:p>
             <a:fld id="{04C4989A-474C-40DE-95B9-011C28B71673}" type="datetime1">
               <a:rPr lang="en-US" smtClean="0"/>
-              <a:t>8/7/2021</a:t>
+              <a:t>8/8/2021</a:t>
             </a:fld>
             <a:endParaRPr lang="en-US" dirty="0"/>
           </a:p>
@@ -4448,7 +6036,7 @@
           <a:p>
             <a:fld id="{5DB4ED54-5B5E-4A04-93D3-5772E3CE3818}" type="datetime1">
               <a:rPr lang="en-US" smtClean="0"/>
-              <a:t>8/7/2021</a:t>
+              <a:t>8/8/2021</a:t>
             </a:fld>
             <a:endParaRPr lang="en-US" dirty="0"/>
           </a:p>
@@ -4543,7 +6131,7 @@
           <a:p>
             <a:fld id="{4EDE50D6-574B-40AF-946F-D52A04ADE379}" type="datetime1">
               <a:rPr lang="en-US" smtClean="0"/>
-              <a:t>8/7/2021</a:t>
+              <a:t>8/8/2021</a:t>
             </a:fld>
             <a:endParaRPr lang="en-US" dirty="0"/>
           </a:p>
@@ -4920,7 +6508,7 @@
           <a:p>
             <a:fld id="{D82884F1-FFEA-405F-9602-3DCA865EDA4E}" type="datetime1">
               <a:rPr lang="en-US" smtClean="0"/>
-              <a:t>8/7/2021</a:t>
+              <a:t>8/8/2021</a:t>
             </a:fld>
             <a:endParaRPr lang="en-US" dirty="0"/>
           </a:p>
@@ -5213,7 +6801,7 @@
           <a:p>
             <a:fld id="{7E18DB4A-8810-4A10-AD5C-D5E2C667F5B3}" type="datetime1">
               <a:rPr lang="en-US" smtClean="0"/>
-              <a:t>8/7/2021</a:t>
+              <a:t>8/8/2021</a:t>
             </a:fld>
             <a:endParaRPr lang="en-US" dirty="0"/>
           </a:p>
@@ -5428,7 +7016,7 @@
           <a:p>
             <a:fld id="{ED291B17-9318-49DB-B28B-6E5994AE9581}" type="datetime1">
               <a:rPr lang="en-US" smtClean="0"/>
-              <a:t>8/7/2021</a:t>
+              <a:t>8/8/2021</a:t>
             </a:fld>
             <a:endParaRPr lang="en-US" dirty="0"/>
           </a:p>
@@ -6239,6 +7827,1799 @@
 <file path=ppt/slides/slide10.xml><?xml version="1.0" encoding="utf-8"?>
 <p:sld xmlns:a="http://schemas.openxmlformats.org/drawingml/2006/main" xmlns:r="http://schemas.openxmlformats.org/officeDocument/2006/relationships" xmlns:p="http://schemas.openxmlformats.org/presentationml/2006/main">
   <p:cSld>
+    <p:bg>
+      <p:bgPr>
+        <a:solidFill>
+          <a:schemeClr val="bg1"/>
+        </a:solidFill>
+        <a:effectLst/>
+      </p:bgPr>
+    </p:bg>
+    <p:spTree>
+      <p:nvGrpSpPr>
+        <p:cNvPr id="1" name=""/>
+        <p:cNvGrpSpPr/>
+        <p:nvPr/>
+      </p:nvGrpSpPr>
+      <p:grpSpPr>
+        <a:xfrm>
+          <a:off x="0" y="0"/>
+          <a:ext cx="0" cy="0"/>
+          <a:chOff x="0" y="0"/>
+          <a:chExt cx="0" cy="0"/>
+        </a:xfrm>
+      </p:grpSpPr>
+      <p:sp>
+        <p:nvSpPr>
+          <p:cNvPr id="10" name="Rectangle 9">
+            <a:extLst>
+              <a:ext uri="{FF2B5EF4-FFF2-40B4-BE49-F238E27FC236}">
+                <a16:creationId xmlns:a16="http://schemas.microsoft.com/office/drawing/2014/main" id="{DD651B61-325E-4E73-8445-38B0DE8AAAB6}"/>
+              </a:ext>
+              <a:ext uri="{C183D7F6-B498-43B3-948B-1728B52AA6E4}">
+                <adec:decorative xmlns:adec="http://schemas.microsoft.com/office/drawing/2017/decorative" val="1"/>
+              </a:ext>
+            </a:extLst>
+          </p:cNvPr>
+          <p:cNvSpPr>
+            <a:spLocks noGrp="1" noRot="1" noChangeAspect="1" noMove="1" noResize="1" noEditPoints="1" noAdjustHandles="1" noChangeArrowheads="1" noChangeShapeType="1" noTextEdit="1"/>
+          </p:cNvSpPr>
+          <p:nvPr>
+            <p:extLst>
+              <p:ext uri="{386F3935-93C4-4BCD-93E2-E3B085C9AB24}">
+                <p16:designElem xmlns:p16="http://schemas.microsoft.com/office/powerpoint/2015/main" val="1"/>
+              </p:ext>
+            </p:extLst>
+          </p:nvPr>
+        </p:nvSpPr>
+        <p:spPr>
+          <a:xfrm>
+            <a:off x="446534" y="457200"/>
+            <a:ext cx="3703320" cy="94997"/>
+          </a:xfrm>
+          <a:prstGeom prst="rect">
+            <a:avLst/>
+          </a:prstGeom>
+          <a:solidFill>
+            <a:srgbClr val="465359"/>
+          </a:solidFill>
+          <a:ln>
+            <a:noFill/>
+          </a:ln>
+          <a:effectLst/>
+        </p:spPr>
+        <p:style>
+          <a:lnRef idx="1">
+            <a:schemeClr val="accent1"/>
+          </a:lnRef>
+          <a:fillRef idx="3">
+            <a:schemeClr val="accent1"/>
+          </a:fillRef>
+          <a:effectRef idx="2">
+            <a:schemeClr val="accent1"/>
+          </a:effectRef>
+          <a:fontRef idx="minor">
+            <a:schemeClr val="lt1"/>
+          </a:fontRef>
+        </p:style>
+      </p:sp>
+      <p:sp>
+        <p:nvSpPr>
+          <p:cNvPr id="12" name="Rectangle 11">
+            <a:extLst>
+              <a:ext uri="{FF2B5EF4-FFF2-40B4-BE49-F238E27FC236}">
+                <a16:creationId xmlns:a16="http://schemas.microsoft.com/office/drawing/2014/main" id="{B42E5253-D3AC-4AC2-B766-8B34F13C2F5E}"/>
+              </a:ext>
+              <a:ext uri="{C183D7F6-B498-43B3-948B-1728B52AA6E4}">
+                <adec:decorative xmlns:adec="http://schemas.microsoft.com/office/drawing/2017/decorative" val="1"/>
+              </a:ext>
+            </a:extLst>
+          </p:cNvPr>
+          <p:cNvSpPr>
+            <a:spLocks noGrp="1" noRot="1" noChangeAspect="1" noMove="1" noResize="1" noEditPoints="1" noAdjustHandles="1" noChangeArrowheads="1" noChangeShapeType="1" noTextEdit="1"/>
+          </p:cNvSpPr>
+          <p:nvPr>
+            <p:extLst>
+              <p:ext uri="{386F3935-93C4-4BCD-93E2-E3B085C9AB24}">
+                <p16:designElem xmlns:p16="http://schemas.microsoft.com/office/powerpoint/2015/main" val="1"/>
+              </p:ext>
+            </p:extLst>
+          </p:nvPr>
+        </p:nvSpPr>
+        <p:spPr>
+          <a:xfrm>
+            <a:off x="8042147" y="453643"/>
+            <a:ext cx="3703320" cy="98554"/>
+          </a:xfrm>
+          <a:prstGeom prst="rect">
+            <a:avLst/>
+          </a:prstGeom>
+          <a:solidFill>
+            <a:srgbClr val="969FA7"/>
+          </a:solidFill>
+          <a:ln>
+            <a:noFill/>
+          </a:ln>
+          <a:effectLst/>
+        </p:spPr>
+        <p:style>
+          <a:lnRef idx="1">
+            <a:schemeClr val="accent1"/>
+          </a:lnRef>
+          <a:fillRef idx="3">
+            <a:schemeClr val="accent1"/>
+          </a:fillRef>
+          <a:effectRef idx="2">
+            <a:schemeClr val="accent1"/>
+          </a:effectRef>
+          <a:fontRef idx="minor">
+            <a:schemeClr val="lt1"/>
+          </a:fontRef>
+        </p:style>
+      </p:sp>
+      <p:sp>
+        <p:nvSpPr>
+          <p:cNvPr id="14" name="Rectangle 13">
+            <a:extLst>
+              <a:ext uri="{FF2B5EF4-FFF2-40B4-BE49-F238E27FC236}">
+                <a16:creationId xmlns:a16="http://schemas.microsoft.com/office/drawing/2014/main" id="{10AE8D57-436A-4073-9A75-15BB5949F8B4}"/>
+              </a:ext>
+              <a:ext uri="{C183D7F6-B498-43B3-948B-1728B52AA6E4}">
+                <adec:decorative xmlns:adec="http://schemas.microsoft.com/office/drawing/2017/decorative" val="1"/>
+              </a:ext>
+            </a:extLst>
+          </p:cNvPr>
+          <p:cNvSpPr>
+            <a:spLocks noGrp="1" noRot="1" noChangeAspect="1" noMove="1" noResize="1" noEditPoints="1" noAdjustHandles="1" noChangeArrowheads="1" noChangeShapeType="1" noTextEdit="1"/>
+          </p:cNvSpPr>
+          <p:nvPr>
+            <p:extLst>
+              <p:ext uri="{386F3935-93C4-4BCD-93E2-E3B085C9AB24}">
+                <p16:designElem xmlns:p16="http://schemas.microsoft.com/office/powerpoint/2015/main" val="1"/>
+              </p:ext>
+            </p:extLst>
+          </p:nvPr>
+        </p:nvSpPr>
+        <p:spPr>
+          <a:xfrm>
+            <a:off x="4241830" y="457200"/>
+            <a:ext cx="3703320" cy="91440"/>
+          </a:xfrm>
+          <a:prstGeom prst="rect">
+            <a:avLst/>
+          </a:prstGeom>
+          <a:solidFill>
+            <a:schemeClr val="accent1"/>
+          </a:solidFill>
+          <a:ln>
+            <a:noFill/>
+          </a:ln>
+          <a:effectLst/>
+        </p:spPr>
+        <p:style>
+          <a:lnRef idx="1">
+            <a:schemeClr val="accent1"/>
+          </a:lnRef>
+          <a:fillRef idx="3">
+            <a:schemeClr val="accent1"/>
+          </a:fillRef>
+          <a:effectRef idx="2">
+            <a:schemeClr val="accent1"/>
+          </a:effectRef>
+          <a:fontRef idx="minor">
+            <a:schemeClr val="lt1"/>
+          </a:fontRef>
+        </p:style>
+      </p:sp>
+      <p:sp>
+        <p:nvSpPr>
+          <p:cNvPr id="16" name="Rectangle 15">
+            <a:extLst>
+              <a:ext uri="{FF2B5EF4-FFF2-40B4-BE49-F238E27FC236}">
+                <a16:creationId xmlns:a16="http://schemas.microsoft.com/office/drawing/2014/main" id="{E9751CB9-7B25-4EB8-9A6F-82F822549F12}"/>
+              </a:ext>
+              <a:ext uri="{C183D7F6-B498-43B3-948B-1728B52AA6E4}">
+                <adec:decorative xmlns:adec="http://schemas.microsoft.com/office/drawing/2017/decorative" val="1"/>
+              </a:ext>
+            </a:extLst>
+          </p:cNvPr>
+          <p:cNvSpPr>
+            <a:spLocks noGrp="1" noRot="1" noChangeAspect="1" noMove="1" noResize="1" noEditPoints="1" noAdjustHandles="1" noChangeArrowheads="1" noChangeShapeType="1" noTextEdit="1"/>
+          </p:cNvSpPr>
+          <p:nvPr>
+            <p:extLst>
+              <p:ext uri="{386F3935-93C4-4BCD-93E2-E3B085C9AB24}">
+                <p16:designElem xmlns:p16="http://schemas.microsoft.com/office/powerpoint/2015/main" val="1"/>
+              </p:ext>
+            </p:extLst>
+          </p:nvPr>
+        </p:nvSpPr>
+        <p:spPr>
+          <a:xfrm>
+            <a:off x="0" y="0"/>
+            <a:ext cx="12192000" cy="6858000"/>
+          </a:xfrm>
+          <a:prstGeom prst="rect">
+            <a:avLst/>
+          </a:prstGeom>
+          <a:solidFill>
+            <a:srgbClr val="FFFFFF"/>
+          </a:solidFill>
+          <a:ln>
+            <a:noFill/>
+          </a:ln>
+        </p:spPr>
+        <p:style>
+          <a:lnRef idx="2">
+            <a:schemeClr val="accent1">
+              <a:shade val="50000"/>
+            </a:schemeClr>
+          </a:lnRef>
+          <a:fillRef idx="1">
+            <a:schemeClr val="accent1"/>
+          </a:fillRef>
+          <a:effectRef idx="0">
+            <a:schemeClr val="accent1"/>
+          </a:effectRef>
+          <a:fontRef idx="minor">
+            <a:schemeClr val="lt1"/>
+          </a:fontRef>
+        </p:style>
+        <p:txBody>
+          <a:bodyPr rtlCol="0" anchor="ctr"/>
+          <a:lstStyle/>
+          <a:p>
+            <a:pPr algn="ctr"/>
+            <a:endParaRPr lang="en-US"/>
+          </a:p>
+        </p:txBody>
+      </p:sp>
+      <p:sp>
+        <p:nvSpPr>
+          <p:cNvPr id="18" name="Rectangle 17">
+            <a:extLst>
+              <a:ext uri="{FF2B5EF4-FFF2-40B4-BE49-F238E27FC236}">
+                <a16:creationId xmlns:a16="http://schemas.microsoft.com/office/drawing/2014/main" id="{E1317383-CF3B-4B02-9512-BECBEF6362A4}"/>
+              </a:ext>
+              <a:ext uri="{C183D7F6-B498-43B3-948B-1728B52AA6E4}">
+                <adec:decorative xmlns:adec="http://schemas.microsoft.com/office/drawing/2017/decorative" val="1"/>
+              </a:ext>
+            </a:extLst>
+          </p:cNvPr>
+          <p:cNvSpPr>
+            <a:spLocks noGrp="1" noRot="1" noChangeAspect="1" noMove="1" noResize="1" noEditPoints="1" noAdjustHandles="1" noChangeArrowheads="1" noChangeShapeType="1" noTextEdit="1"/>
+          </p:cNvSpPr>
+          <p:nvPr>
+            <p:extLst>
+              <p:ext uri="{386F3935-93C4-4BCD-93E2-E3B085C9AB24}">
+                <p16:designElem xmlns:p16="http://schemas.microsoft.com/office/powerpoint/2015/main" val="1"/>
+              </p:ext>
+            </p:extLst>
+          </p:nvPr>
+        </p:nvSpPr>
+        <p:spPr>
+          <a:xfrm>
+            <a:off x="446534" y="457200"/>
+            <a:ext cx="3703320" cy="94997"/>
+          </a:xfrm>
+          <a:prstGeom prst="rect">
+            <a:avLst/>
+          </a:prstGeom>
+          <a:solidFill>
+            <a:srgbClr val="465359"/>
+          </a:solidFill>
+          <a:ln>
+            <a:noFill/>
+          </a:ln>
+          <a:effectLst/>
+        </p:spPr>
+        <p:style>
+          <a:lnRef idx="1">
+            <a:schemeClr val="accent1"/>
+          </a:lnRef>
+          <a:fillRef idx="3">
+            <a:schemeClr val="accent1"/>
+          </a:fillRef>
+          <a:effectRef idx="2">
+            <a:schemeClr val="accent1"/>
+          </a:effectRef>
+          <a:fontRef idx="minor">
+            <a:schemeClr val="lt1"/>
+          </a:fontRef>
+        </p:style>
+      </p:sp>
+      <p:sp>
+        <p:nvSpPr>
+          <p:cNvPr id="20" name="Rectangle 19">
+            <a:extLst>
+              <a:ext uri="{FF2B5EF4-FFF2-40B4-BE49-F238E27FC236}">
+                <a16:creationId xmlns:a16="http://schemas.microsoft.com/office/drawing/2014/main" id="{B1D4C7A0-6DF2-4F2D-A45D-F111582974C7}"/>
+              </a:ext>
+              <a:ext uri="{C183D7F6-B498-43B3-948B-1728B52AA6E4}">
+                <adec:decorative xmlns:adec="http://schemas.microsoft.com/office/drawing/2017/decorative" val="1"/>
+              </a:ext>
+            </a:extLst>
+          </p:cNvPr>
+          <p:cNvSpPr>
+            <a:spLocks noGrp="1" noRot="1" noChangeAspect="1" noMove="1" noResize="1" noEditPoints="1" noAdjustHandles="1" noChangeArrowheads="1" noChangeShapeType="1" noTextEdit="1"/>
+          </p:cNvSpPr>
+          <p:nvPr>
+            <p:extLst>
+              <p:ext uri="{386F3935-93C4-4BCD-93E2-E3B085C9AB24}">
+                <p16:designElem xmlns:p16="http://schemas.microsoft.com/office/powerpoint/2015/main" val="1"/>
+              </p:ext>
+            </p:extLst>
+          </p:nvPr>
+        </p:nvSpPr>
+        <p:spPr>
+          <a:xfrm>
+            <a:off x="4241830" y="457200"/>
+            <a:ext cx="3703320" cy="91440"/>
+          </a:xfrm>
+          <a:prstGeom prst="rect">
+            <a:avLst/>
+          </a:prstGeom>
+          <a:solidFill>
+            <a:schemeClr val="accent1"/>
+          </a:solidFill>
+          <a:ln>
+            <a:noFill/>
+          </a:ln>
+          <a:effectLst/>
+        </p:spPr>
+        <p:style>
+          <a:lnRef idx="1">
+            <a:schemeClr val="accent1"/>
+          </a:lnRef>
+          <a:fillRef idx="3">
+            <a:schemeClr val="accent1"/>
+          </a:fillRef>
+          <a:effectRef idx="2">
+            <a:schemeClr val="accent1"/>
+          </a:effectRef>
+          <a:fontRef idx="minor">
+            <a:schemeClr val="lt1"/>
+          </a:fontRef>
+        </p:style>
+      </p:sp>
+      <p:sp>
+        <p:nvSpPr>
+          <p:cNvPr id="22" name="Rectangle 21">
+            <a:extLst>
+              <a:ext uri="{FF2B5EF4-FFF2-40B4-BE49-F238E27FC236}">
+                <a16:creationId xmlns:a16="http://schemas.microsoft.com/office/drawing/2014/main" id="{DBF3943D-BCB6-4B31-809D-A005686483B4}"/>
+              </a:ext>
+              <a:ext uri="{C183D7F6-B498-43B3-948B-1728B52AA6E4}">
+                <adec:decorative xmlns:adec="http://schemas.microsoft.com/office/drawing/2017/decorative" val="1"/>
+              </a:ext>
+            </a:extLst>
+          </p:cNvPr>
+          <p:cNvSpPr>
+            <a:spLocks noGrp="1" noRot="1" noChangeAspect="1" noMove="1" noResize="1" noEditPoints="1" noAdjustHandles="1" noChangeArrowheads="1" noChangeShapeType="1" noTextEdit="1"/>
+          </p:cNvSpPr>
+          <p:nvPr>
+            <p:extLst>
+              <p:ext uri="{386F3935-93C4-4BCD-93E2-E3B085C9AB24}">
+                <p16:designElem xmlns:p16="http://schemas.microsoft.com/office/powerpoint/2015/main" val="1"/>
+              </p:ext>
+            </p:extLst>
+          </p:nvPr>
+        </p:nvSpPr>
+        <p:spPr>
+          <a:xfrm>
+            <a:off x="8042147" y="453643"/>
+            <a:ext cx="3703320" cy="98554"/>
+          </a:xfrm>
+          <a:prstGeom prst="rect">
+            <a:avLst/>
+          </a:prstGeom>
+          <a:solidFill>
+            <a:srgbClr val="969FA7"/>
+          </a:solidFill>
+          <a:ln>
+            <a:noFill/>
+          </a:ln>
+          <a:effectLst/>
+        </p:spPr>
+        <p:style>
+          <a:lnRef idx="1">
+            <a:schemeClr val="accent1"/>
+          </a:lnRef>
+          <a:fillRef idx="3">
+            <a:schemeClr val="accent1"/>
+          </a:fillRef>
+          <a:effectRef idx="2">
+            <a:schemeClr val="accent1"/>
+          </a:effectRef>
+          <a:fontRef idx="minor">
+            <a:schemeClr val="lt1"/>
+          </a:fontRef>
+        </p:style>
+      </p:sp>
+      <p:sp>
+        <p:nvSpPr>
+          <p:cNvPr id="24" name="Rectangle 23">
+            <a:extLst>
+              <a:ext uri="{FF2B5EF4-FFF2-40B4-BE49-F238E27FC236}">
+                <a16:creationId xmlns:a16="http://schemas.microsoft.com/office/drawing/2014/main" id="{39373A6F-2E1F-4613-8E1D-D68057D29F31}"/>
+              </a:ext>
+              <a:ext uri="{C183D7F6-B498-43B3-948B-1728B52AA6E4}">
+                <adec:decorative xmlns:adec="http://schemas.microsoft.com/office/drawing/2017/decorative" val="1"/>
+              </a:ext>
+            </a:extLst>
+          </p:cNvPr>
+          <p:cNvSpPr>
+            <a:spLocks noGrp="1" noRot="1" noChangeAspect="1" noMove="1" noResize="1" noEditPoints="1" noAdjustHandles="1" noChangeArrowheads="1" noChangeShapeType="1" noTextEdit="1"/>
+          </p:cNvSpPr>
+          <p:nvPr>
+            <p:extLst>
+              <p:ext uri="{386F3935-93C4-4BCD-93E2-E3B085C9AB24}">
+                <p16:designElem xmlns:p16="http://schemas.microsoft.com/office/powerpoint/2015/main" val="1"/>
+              </p:ext>
+            </p:extLst>
+          </p:nvPr>
+        </p:nvSpPr>
+        <p:spPr>
+          <a:xfrm>
+            <a:off x="442377" y="601200"/>
+            <a:ext cx="3707477" cy="5624979"/>
+          </a:xfrm>
+          <a:prstGeom prst="rect">
+            <a:avLst/>
+          </a:prstGeom>
+          <a:solidFill>
+            <a:srgbClr val="465359"/>
+          </a:solidFill>
+          <a:ln>
+            <a:noFill/>
+          </a:ln>
+          <a:effectLst/>
+        </p:spPr>
+        <p:style>
+          <a:lnRef idx="1">
+            <a:schemeClr val="accent1"/>
+          </a:lnRef>
+          <a:fillRef idx="3">
+            <a:schemeClr val="accent1"/>
+          </a:fillRef>
+          <a:effectRef idx="2">
+            <a:schemeClr val="accent1"/>
+          </a:effectRef>
+          <a:fontRef idx="minor">
+            <a:schemeClr val="lt1"/>
+          </a:fontRef>
+        </p:style>
+      </p:sp>
+      <p:sp>
+        <p:nvSpPr>
+          <p:cNvPr id="2" name="Title 1">
+            <a:extLst>
+              <a:ext uri="{FF2B5EF4-FFF2-40B4-BE49-F238E27FC236}">
+                <a16:creationId xmlns:a16="http://schemas.microsoft.com/office/drawing/2014/main" id="{B55F5714-2E8E-4ACD-A2CD-04641C08956A}"/>
+              </a:ext>
+            </a:extLst>
+          </p:cNvPr>
+          <p:cNvSpPr>
+            <a:spLocks noGrp="1"/>
+          </p:cNvSpPr>
+          <p:nvPr>
+            <p:ph type="title"/>
+          </p:nvPr>
+        </p:nvSpPr>
+        <p:spPr>
+          <a:xfrm>
+            <a:off x="601255" y="702155"/>
+            <a:ext cx="3409783" cy="1300365"/>
+          </a:xfrm>
+        </p:spPr>
+        <p:txBody>
+          <a:bodyPr vert="horz" lIns="91440" tIns="45720" rIns="91440" bIns="45720" rtlCol="0" anchor="b">
+            <a:normAutofit/>
+          </a:bodyPr>
+          <a:lstStyle/>
+          <a:p>
+            <a:pPr>
+              <a:spcBef>
+                <a:spcPct val="0"/>
+              </a:spcBef>
+            </a:pPr>
+            <a:r>
+              <a:rPr lang="en-US" sz="2800" dirty="0">
+                <a:solidFill>
+                  <a:srgbClr val="FFFFFF"/>
+                </a:solidFill>
+              </a:rPr>
+              <a:t>Deep Learning  model</a:t>
+            </a:r>
+          </a:p>
+        </p:txBody>
+      </p:sp>
+      <p:sp>
+        <p:nvSpPr>
+          <p:cNvPr id="3" name="Text Placeholder 2">
+            <a:extLst>
+              <a:ext uri="{FF2B5EF4-FFF2-40B4-BE49-F238E27FC236}">
+                <a16:creationId xmlns:a16="http://schemas.microsoft.com/office/drawing/2014/main" id="{69967516-9E99-4B4D-AD6B-5B2B788CBAC4}"/>
+              </a:ext>
+            </a:extLst>
+          </p:cNvPr>
+          <p:cNvSpPr>
+            <a:spLocks noGrp="1"/>
+          </p:cNvSpPr>
+          <p:nvPr>
+            <p:ph type="body" idx="1"/>
+          </p:nvPr>
+        </p:nvSpPr>
+        <p:spPr>
+          <a:xfrm>
+            <a:off x="601255" y="2177142"/>
+            <a:ext cx="3409782" cy="3823607"/>
+          </a:xfrm>
+        </p:spPr>
+        <p:txBody>
+          <a:bodyPr vert="horz" lIns="91440" tIns="45720" rIns="91440" bIns="45720" rtlCol="0" anchor="ctr">
+            <a:normAutofit/>
+          </a:bodyPr>
+          <a:lstStyle/>
+          <a:p>
+            <a:pPr>
+              <a:spcBef>
+                <a:spcPct val="20000"/>
+              </a:spcBef>
+              <a:spcAft>
+                <a:spcPts val="600"/>
+              </a:spcAft>
+              <a:buSzPct val="92000"/>
+              <a:buFont typeface="Wingdings 2" panose="05020102010507070707" pitchFamily="18" charset="2"/>
+              <a:buChar char=""/>
+            </a:pPr>
+            <a:r>
+              <a:rPr lang="en-US" dirty="0">
+                <a:solidFill>
+                  <a:srgbClr val="FFFFFF"/>
+                </a:solidFill>
+              </a:rPr>
+              <a:t>Run ML Neural Network DL ML Model </a:t>
+            </a:r>
+          </a:p>
+        </p:txBody>
+      </p:sp>
+      <p:pic>
+        <p:nvPicPr>
+          <p:cNvPr id="5" name="Picture 4" descr="Text&#10;&#10;Description automatically generated">
+            <a:extLst>
+              <a:ext uri="{FF2B5EF4-FFF2-40B4-BE49-F238E27FC236}">
+                <a16:creationId xmlns:a16="http://schemas.microsoft.com/office/drawing/2014/main" id="{5D8CD567-4A52-4166-8A27-0CD5C20D03BA}"/>
+              </a:ext>
+            </a:extLst>
+          </p:cNvPr>
+          <p:cNvPicPr>
+            <a:picLocks noChangeAspect="1"/>
+          </p:cNvPicPr>
+          <p:nvPr/>
+        </p:nvPicPr>
+        <p:blipFill>
+          <a:blip r:embed="rId2"/>
+          <a:stretch>
+            <a:fillRect/>
+          </a:stretch>
+        </p:blipFill>
+        <p:spPr>
+          <a:xfrm>
+            <a:off x="4592230" y="841237"/>
+            <a:ext cx="7337529" cy="1467504"/>
+          </a:xfrm>
+          <a:prstGeom prst="rect">
+            <a:avLst/>
+          </a:prstGeom>
+        </p:spPr>
+      </p:pic>
+      <p:pic>
+        <p:nvPicPr>
+          <p:cNvPr id="8" name="Picture 7" descr="Text&#10;&#10;Description automatically generated">
+            <a:extLst>
+              <a:ext uri="{FF2B5EF4-FFF2-40B4-BE49-F238E27FC236}">
+                <a16:creationId xmlns:a16="http://schemas.microsoft.com/office/drawing/2014/main" id="{DD4EC2D4-8A09-42FF-AF5F-35A756471C4B}"/>
+              </a:ext>
+            </a:extLst>
+          </p:cNvPr>
+          <p:cNvPicPr>
+            <a:picLocks noChangeAspect="1"/>
+          </p:cNvPicPr>
+          <p:nvPr/>
+        </p:nvPicPr>
+        <p:blipFill>
+          <a:blip r:embed="rId3"/>
+          <a:stretch>
+            <a:fillRect/>
+          </a:stretch>
+        </p:blipFill>
+        <p:spPr>
+          <a:xfrm>
+            <a:off x="4592230" y="2601339"/>
+            <a:ext cx="7335903" cy="3399410"/>
+          </a:xfrm>
+          <a:prstGeom prst="rect">
+            <a:avLst/>
+          </a:prstGeom>
+        </p:spPr>
+      </p:pic>
+    </p:spTree>
+    <p:extLst>
+      <p:ext uri="{BB962C8B-B14F-4D97-AF65-F5344CB8AC3E}">
+        <p14:creationId xmlns:p14="http://schemas.microsoft.com/office/powerpoint/2010/main" val="451091568"/>
+      </p:ext>
+    </p:extLst>
+  </p:cSld>
+  <p:clrMapOvr>
+    <a:overrideClrMapping bg1="dk1" tx1="lt1" bg2="dk2" tx2="lt2" accent1="accent1" accent2="accent2" accent3="accent3" accent4="accent4" accent5="accent5" accent6="accent6" hlink="hlink" folHlink="folHlink"/>
+  </p:clrMapOvr>
+</p:sld>
+</file>
+
+<file path=ppt/slides/slide11.xml><?xml version="1.0" encoding="utf-8"?>
+<p:sld xmlns:a="http://schemas.openxmlformats.org/drawingml/2006/main" xmlns:r="http://schemas.openxmlformats.org/officeDocument/2006/relationships" xmlns:p="http://schemas.openxmlformats.org/presentationml/2006/main">
+  <p:cSld>
+    <p:bg>
+      <p:bgPr>
+        <a:solidFill>
+          <a:schemeClr val="bg1"/>
+        </a:solidFill>
+        <a:effectLst/>
+      </p:bgPr>
+    </p:bg>
+    <p:spTree>
+      <p:nvGrpSpPr>
+        <p:cNvPr id="1" name=""/>
+        <p:cNvGrpSpPr/>
+        <p:nvPr/>
+      </p:nvGrpSpPr>
+      <p:grpSpPr>
+        <a:xfrm>
+          <a:off x="0" y="0"/>
+          <a:ext cx="0" cy="0"/>
+          <a:chOff x="0" y="0"/>
+          <a:chExt cx="0" cy="0"/>
+        </a:xfrm>
+      </p:grpSpPr>
+      <p:sp>
+        <p:nvSpPr>
+          <p:cNvPr id="74" name="Rectangle 73">
+            <a:extLst>
+              <a:ext uri="{FF2B5EF4-FFF2-40B4-BE49-F238E27FC236}">
+                <a16:creationId xmlns:a16="http://schemas.microsoft.com/office/drawing/2014/main" id="{910015B9-6046-41B8-83BD-71778D2F9798}"/>
+              </a:ext>
+              <a:ext uri="{C183D7F6-B498-43B3-948B-1728B52AA6E4}">
+                <adec:decorative xmlns:adec="http://schemas.microsoft.com/office/drawing/2017/decorative" val="1"/>
+              </a:ext>
+            </a:extLst>
+          </p:cNvPr>
+          <p:cNvSpPr>
+            <a:spLocks noGrp="1" noRot="1" noChangeAspect="1" noMove="1" noResize="1" noEditPoints="1" noAdjustHandles="1" noChangeArrowheads="1" noChangeShapeType="1" noTextEdit="1"/>
+          </p:cNvSpPr>
+          <p:nvPr>
+            <p:extLst>
+              <p:ext uri="{386F3935-93C4-4BCD-93E2-E3B085C9AB24}">
+                <p16:designElem xmlns:p16="http://schemas.microsoft.com/office/powerpoint/2015/main" val="1"/>
+              </p:ext>
+            </p:extLst>
+          </p:nvPr>
+        </p:nvSpPr>
+        <p:spPr>
+          <a:xfrm>
+            <a:off x="446534" y="457200"/>
+            <a:ext cx="3703320" cy="94997"/>
+          </a:xfrm>
+          <a:prstGeom prst="rect">
+            <a:avLst/>
+          </a:prstGeom>
+          <a:solidFill>
+            <a:srgbClr val="465359"/>
+          </a:solidFill>
+          <a:ln>
+            <a:noFill/>
+          </a:ln>
+          <a:effectLst/>
+        </p:spPr>
+        <p:style>
+          <a:lnRef idx="1">
+            <a:schemeClr val="accent1"/>
+          </a:lnRef>
+          <a:fillRef idx="3">
+            <a:schemeClr val="accent1"/>
+          </a:fillRef>
+          <a:effectRef idx="2">
+            <a:schemeClr val="accent1"/>
+          </a:effectRef>
+          <a:fontRef idx="minor">
+            <a:schemeClr val="lt1"/>
+          </a:fontRef>
+        </p:style>
+      </p:sp>
+      <p:sp>
+        <p:nvSpPr>
+          <p:cNvPr id="76" name="Rectangle 75">
+            <a:extLst>
+              <a:ext uri="{FF2B5EF4-FFF2-40B4-BE49-F238E27FC236}">
+                <a16:creationId xmlns:a16="http://schemas.microsoft.com/office/drawing/2014/main" id="{53908232-52E2-4794-A6C1-54300FB98919}"/>
+              </a:ext>
+              <a:ext uri="{C183D7F6-B498-43B3-948B-1728B52AA6E4}">
+                <adec:decorative xmlns:adec="http://schemas.microsoft.com/office/drawing/2017/decorative" val="1"/>
+              </a:ext>
+            </a:extLst>
+          </p:cNvPr>
+          <p:cNvSpPr>
+            <a:spLocks noGrp="1" noRot="1" noChangeAspect="1" noMove="1" noResize="1" noEditPoints="1" noAdjustHandles="1" noChangeArrowheads="1" noChangeShapeType="1" noTextEdit="1"/>
+          </p:cNvSpPr>
+          <p:nvPr>
+            <p:extLst>
+              <p:ext uri="{386F3935-93C4-4BCD-93E2-E3B085C9AB24}">
+                <p16:designElem xmlns:p16="http://schemas.microsoft.com/office/powerpoint/2015/main" val="1"/>
+              </p:ext>
+            </p:extLst>
+          </p:nvPr>
+        </p:nvSpPr>
+        <p:spPr>
+          <a:xfrm>
+            <a:off x="8042147" y="453643"/>
+            <a:ext cx="3703320" cy="98554"/>
+          </a:xfrm>
+          <a:prstGeom prst="rect">
+            <a:avLst/>
+          </a:prstGeom>
+          <a:solidFill>
+            <a:srgbClr val="969FA7"/>
+          </a:solidFill>
+          <a:ln>
+            <a:noFill/>
+          </a:ln>
+          <a:effectLst/>
+        </p:spPr>
+        <p:style>
+          <a:lnRef idx="1">
+            <a:schemeClr val="accent1"/>
+          </a:lnRef>
+          <a:fillRef idx="3">
+            <a:schemeClr val="accent1"/>
+          </a:fillRef>
+          <a:effectRef idx="2">
+            <a:schemeClr val="accent1"/>
+          </a:effectRef>
+          <a:fontRef idx="minor">
+            <a:schemeClr val="lt1"/>
+          </a:fontRef>
+        </p:style>
+      </p:sp>
+      <p:sp>
+        <p:nvSpPr>
+          <p:cNvPr id="78" name="Rectangle 77">
+            <a:extLst>
+              <a:ext uri="{FF2B5EF4-FFF2-40B4-BE49-F238E27FC236}">
+                <a16:creationId xmlns:a16="http://schemas.microsoft.com/office/drawing/2014/main" id="{D2B9299F-BED7-44C5-9CC5-E542F9193C2F}"/>
+              </a:ext>
+              <a:ext uri="{C183D7F6-B498-43B3-948B-1728B52AA6E4}">
+                <adec:decorative xmlns:adec="http://schemas.microsoft.com/office/drawing/2017/decorative" val="1"/>
+              </a:ext>
+            </a:extLst>
+          </p:cNvPr>
+          <p:cNvSpPr>
+            <a:spLocks noGrp="1" noRot="1" noChangeAspect="1" noMove="1" noResize="1" noEditPoints="1" noAdjustHandles="1" noChangeArrowheads="1" noChangeShapeType="1" noTextEdit="1"/>
+          </p:cNvSpPr>
+          <p:nvPr>
+            <p:extLst>
+              <p:ext uri="{386F3935-93C4-4BCD-93E2-E3B085C9AB24}">
+                <p16:designElem xmlns:p16="http://schemas.microsoft.com/office/powerpoint/2015/main" val="1"/>
+              </p:ext>
+            </p:extLst>
+          </p:nvPr>
+        </p:nvSpPr>
+        <p:spPr>
+          <a:xfrm>
+            <a:off x="4241830" y="457200"/>
+            <a:ext cx="3703320" cy="91440"/>
+          </a:xfrm>
+          <a:prstGeom prst="rect">
+            <a:avLst/>
+          </a:prstGeom>
+          <a:solidFill>
+            <a:schemeClr val="accent1"/>
+          </a:solidFill>
+          <a:ln>
+            <a:noFill/>
+          </a:ln>
+          <a:effectLst/>
+        </p:spPr>
+        <p:style>
+          <a:lnRef idx="1">
+            <a:schemeClr val="accent1"/>
+          </a:lnRef>
+          <a:fillRef idx="3">
+            <a:schemeClr val="accent1"/>
+          </a:fillRef>
+          <a:effectRef idx="2">
+            <a:schemeClr val="accent1"/>
+          </a:effectRef>
+          <a:fontRef idx="minor">
+            <a:schemeClr val="lt1"/>
+          </a:fontRef>
+        </p:style>
+      </p:sp>
+      <p:sp>
+        <p:nvSpPr>
+          <p:cNvPr id="80" name="Rectangle 79">
+            <a:extLst>
+              <a:ext uri="{FF2B5EF4-FFF2-40B4-BE49-F238E27FC236}">
+                <a16:creationId xmlns:a16="http://schemas.microsoft.com/office/drawing/2014/main" id="{E9DDF273-E040-4765-AD05-872458E1370A}"/>
+              </a:ext>
+              <a:ext uri="{C183D7F6-B498-43B3-948B-1728B52AA6E4}">
+                <adec:decorative xmlns:adec="http://schemas.microsoft.com/office/drawing/2017/decorative" val="1"/>
+              </a:ext>
+            </a:extLst>
+          </p:cNvPr>
+          <p:cNvSpPr>
+            <a:spLocks noGrp="1" noRot="1" noChangeAspect="1" noMove="1" noResize="1" noEditPoints="1" noAdjustHandles="1" noChangeArrowheads="1" noChangeShapeType="1" noTextEdit="1"/>
+          </p:cNvSpPr>
+          <p:nvPr>
+            <p:extLst>
+              <p:ext uri="{386F3935-93C4-4BCD-93E2-E3B085C9AB24}">
+                <p16:designElem xmlns:p16="http://schemas.microsoft.com/office/powerpoint/2015/main" val="1"/>
+              </p:ext>
+            </p:extLst>
+          </p:nvPr>
+        </p:nvSpPr>
+        <p:spPr>
+          <a:xfrm>
+            <a:off x="446534" y="3085764"/>
+            <a:ext cx="11298932" cy="3338149"/>
+          </a:xfrm>
+          <a:prstGeom prst="rect">
+            <a:avLst/>
+          </a:prstGeom>
+          <a:solidFill>
+            <a:srgbClr val="465359"/>
+          </a:solidFill>
+          <a:ln>
+            <a:noFill/>
+          </a:ln>
+          <a:effectLst/>
+        </p:spPr>
+        <p:style>
+          <a:lnRef idx="1">
+            <a:schemeClr val="accent1"/>
+          </a:lnRef>
+          <a:fillRef idx="3">
+            <a:schemeClr val="accent1"/>
+          </a:fillRef>
+          <a:effectRef idx="2">
+            <a:schemeClr val="accent1"/>
+          </a:effectRef>
+          <a:fontRef idx="minor">
+            <a:schemeClr val="lt1"/>
+          </a:fontRef>
+        </p:style>
+      </p:sp>
+      <p:sp useBgFill="1">
+        <p:nvSpPr>
+          <p:cNvPr id="82" name="Rectangle 81">
+            <a:extLst>
+              <a:ext uri="{FF2B5EF4-FFF2-40B4-BE49-F238E27FC236}">
+                <a16:creationId xmlns:a16="http://schemas.microsoft.com/office/drawing/2014/main" id="{C592B42C-58FA-4A86-86F9-BA64DFB52839}"/>
+              </a:ext>
+              <a:ext uri="{C183D7F6-B498-43B3-948B-1728B52AA6E4}">
+                <adec:decorative xmlns:adec="http://schemas.microsoft.com/office/drawing/2017/decorative" val="1"/>
+              </a:ext>
+            </a:extLst>
+          </p:cNvPr>
+          <p:cNvSpPr>
+            <a:spLocks noGrp="1" noRot="1" noChangeAspect="1" noMove="1" noResize="1" noEditPoints="1" noAdjustHandles="1" noChangeArrowheads="1" noChangeShapeType="1" noTextEdit="1"/>
+          </p:cNvSpPr>
+          <p:nvPr>
+            <p:extLst>
+              <p:ext uri="{386F3935-93C4-4BCD-93E2-E3B085C9AB24}">
+                <p16:designElem xmlns:p16="http://schemas.microsoft.com/office/powerpoint/2015/main" val="1"/>
+              </p:ext>
+            </p:extLst>
+          </p:nvPr>
+        </p:nvSpPr>
+        <p:spPr>
+          <a:xfrm>
+            <a:off x="0" y="1"/>
+            <a:ext cx="12191999" cy="6858000"/>
+          </a:xfrm>
+          <a:prstGeom prst="rect">
+            <a:avLst/>
+          </a:prstGeom>
+          <a:ln>
+            <a:noFill/>
+          </a:ln>
+        </p:spPr>
+        <p:style>
+          <a:lnRef idx="2">
+            <a:schemeClr val="accent1">
+              <a:shade val="50000"/>
+            </a:schemeClr>
+          </a:lnRef>
+          <a:fillRef idx="1">
+            <a:schemeClr val="accent1"/>
+          </a:fillRef>
+          <a:effectRef idx="0">
+            <a:schemeClr val="accent1"/>
+          </a:effectRef>
+          <a:fontRef idx="minor">
+            <a:schemeClr val="lt1"/>
+          </a:fontRef>
+        </p:style>
+        <p:txBody>
+          <a:bodyPr rtlCol="0" anchor="ctr"/>
+          <a:lstStyle/>
+          <a:p>
+            <a:pPr algn="ctr"/>
+            <a:endParaRPr lang="en-US"/>
+          </a:p>
+        </p:txBody>
+      </p:sp>
+      <p:sp>
+        <p:nvSpPr>
+          <p:cNvPr id="84" name="Rectangle 83">
+            <a:extLst>
+              <a:ext uri="{FF2B5EF4-FFF2-40B4-BE49-F238E27FC236}">
+                <a16:creationId xmlns:a16="http://schemas.microsoft.com/office/drawing/2014/main" id="{49AE81AC-D16D-497C-95C0-16E491F119CE}"/>
+              </a:ext>
+              <a:ext uri="{C183D7F6-B498-43B3-948B-1728B52AA6E4}">
+                <adec:decorative xmlns:adec="http://schemas.microsoft.com/office/drawing/2017/decorative" val="1"/>
+              </a:ext>
+            </a:extLst>
+          </p:cNvPr>
+          <p:cNvSpPr>
+            <a:spLocks noGrp="1" noRot="1" noChangeAspect="1" noMove="1" noResize="1" noEditPoints="1" noAdjustHandles="1" noChangeArrowheads="1" noChangeShapeType="1" noTextEdit="1"/>
+          </p:cNvSpPr>
+          <p:nvPr>
+            <p:extLst>
+              <p:ext uri="{386F3935-93C4-4BCD-93E2-E3B085C9AB24}">
+                <p16:designElem xmlns:p16="http://schemas.microsoft.com/office/powerpoint/2015/main" val="1"/>
+              </p:ext>
+            </p:extLst>
+          </p:nvPr>
+        </p:nvSpPr>
+        <p:spPr>
+          <a:xfrm>
+            <a:off x="446534" y="457200"/>
+            <a:ext cx="3703320" cy="94997"/>
+          </a:xfrm>
+          <a:prstGeom prst="rect">
+            <a:avLst/>
+          </a:prstGeom>
+          <a:solidFill>
+            <a:srgbClr val="465359"/>
+          </a:solidFill>
+          <a:ln>
+            <a:noFill/>
+          </a:ln>
+          <a:effectLst/>
+        </p:spPr>
+        <p:style>
+          <a:lnRef idx="1">
+            <a:schemeClr val="accent1"/>
+          </a:lnRef>
+          <a:fillRef idx="3">
+            <a:schemeClr val="accent1"/>
+          </a:fillRef>
+          <a:effectRef idx="2">
+            <a:schemeClr val="accent1"/>
+          </a:effectRef>
+          <a:fontRef idx="minor">
+            <a:schemeClr val="lt1"/>
+          </a:fontRef>
+        </p:style>
+      </p:sp>
+      <p:sp>
+        <p:nvSpPr>
+          <p:cNvPr id="86" name="Rectangle 85">
+            <a:extLst>
+              <a:ext uri="{FF2B5EF4-FFF2-40B4-BE49-F238E27FC236}">
+                <a16:creationId xmlns:a16="http://schemas.microsoft.com/office/drawing/2014/main" id="{2465720C-012A-4C28-8AA5-75E0C7CC2AE8}"/>
+              </a:ext>
+              <a:ext uri="{C183D7F6-B498-43B3-948B-1728B52AA6E4}">
+                <adec:decorative xmlns:adec="http://schemas.microsoft.com/office/drawing/2017/decorative" val="1"/>
+              </a:ext>
+            </a:extLst>
+          </p:cNvPr>
+          <p:cNvSpPr>
+            <a:spLocks noGrp="1" noRot="1" noChangeAspect="1" noMove="1" noResize="1" noEditPoints="1" noAdjustHandles="1" noChangeArrowheads="1" noChangeShapeType="1" noTextEdit="1"/>
+          </p:cNvSpPr>
+          <p:nvPr>
+            <p:extLst>
+              <p:ext uri="{386F3935-93C4-4BCD-93E2-E3B085C9AB24}">
+                <p16:designElem xmlns:p16="http://schemas.microsoft.com/office/powerpoint/2015/main" val="1"/>
+              </p:ext>
+            </p:extLst>
+          </p:nvPr>
+        </p:nvSpPr>
+        <p:spPr>
+          <a:xfrm>
+            <a:off x="4244340" y="453643"/>
+            <a:ext cx="3703320" cy="91440"/>
+          </a:xfrm>
+          <a:prstGeom prst="rect">
+            <a:avLst/>
+          </a:prstGeom>
+          <a:solidFill>
+            <a:schemeClr val="accent1"/>
+          </a:solidFill>
+          <a:ln>
+            <a:noFill/>
+          </a:ln>
+          <a:effectLst/>
+        </p:spPr>
+        <p:style>
+          <a:lnRef idx="1">
+            <a:schemeClr val="accent1"/>
+          </a:lnRef>
+          <a:fillRef idx="3">
+            <a:schemeClr val="accent1"/>
+          </a:fillRef>
+          <a:effectRef idx="2">
+            <a:schemeClr val="accent1"/>
+          </a:effectRef>
+          <a:fontRef idx="minor">
+            <a:schemeClr val="lt1"/>
+          </a:fontRef>
+        </p:style>
+      </p:sp>
+      <p:sp>
+        <p:nvSpPr>
+          <p:cNvPr id="88" name="Rectangle 87">
+            <a:extLst>
+              <a:ext uri="{FF2B5EF4-FFF2-40B4-BE49-F238E27FC236}">
+                <a16:creationId xmlns:a16="http://schemas.microsoft.com/office/drawing/2014/main" id="{F2137993-2819-4F0D-9767-4F7C41F33D97}"/>
+              </a:ext>
+              <a:ext uri="{C183D7F6-B498-43B3-948B-1728B52AA6E4}">
+                <adec:decorative xmlns:adec="http://schemas.microsoft.com/office/drawing/2017/decorative" val="1"/>
+              </a:ext>
+            </a:extLst>
+          </p:cNvPr>
+          <p:cNvSpPr>
+            <a:spLocks noGrp="1" noRot="1" noChangeAspect="1" noMove="1" noResize="1" noEditPoints="1" noAdjustHandles="1" noChangeArrowheads="1" noChangeShapeType="1" noTextEdit="1"/>
+          </p:cNvSpPr>
+          <p:nvPr>
+            <p:extLst>
+              <p:ext uri="{386F3935-93C4-4BCD-93E2-E3B085C9AB24}">
+                <p16:designElem xmlns:p16="http://schemas.microsoft.com/office/powerpoint/2015/main" val="1"/>
+              </p:ext>
+            </p:extLst>
+          </p:nvPr>
+        </p:nvSpPr>
+        <p:spPr>
+          <a:xfrm>
+            <a:off x="8042147" y="453643"/>
+            <a:ext cx="3703320" cy="98554"/>
+          </a:xfrm>
+          <a:prstGeom prst="rect">
+            <a:avLst/>
+          </a:prstGeom>
+          <a:solidFill>
+            <a:srgbClr val="969FA7"/>
+          </a:solidFill>
+          <a:ln>
+            <a:noFill/>
+          </a:ln>
+          <a:effectLst/>
+        </p:spPr>
+        <p:style>
+          <a:lnRef idx="1">
+            <a:schemeClr val="accent1"/>
+          </a:lnRef>
+          <a:fillRef idx="3">
+            <a:schemeClr val="accent1"/>
+          </a:fillRef>
+          <a:effectRef idx="2">
+            <a:schemeClr val="accent1"/>
+          </a:effectRef>
+          <a:fontRef idx="minor">
+            <a:schemeClr val="lt1"/>
+          </a:fontRef>
+        </p:style>
+      </p:sp>
+      <p:sp>
+        <p:nvSpPr>
+          <p:cNvPr id="90" name="Rectangle 89">
+            <a:extLst>
+              <a:ext uri="{FF2B5EF4-FFF2-40B4-BE49-F238E27FC236}">
+                <a16:creationId xmlns:a16="http://schemas.microsoft.com/office/drawing/2014/main" id="{FC9E8B1E-9FF3-4471-BF13-F774FD86EABB}"/>
+              </a:ext>
+              <a:ext uri="{C183D7F6-B498-43B3-948B-1728B52AA6E4}">
+                <adec:decorative xmlns:adec="http://schemas.microsoft.com/office/drawing/2017/decorative" val="1"/>
+              </a:ext>
+            </a:extLst>
+          </p:cNvPr>
+          <p:cNvSpPr>
+            <a:spLocks noGrp="1" noRot="1" noChangeAspect="1" noMove="1" noResize="1" noEditPoints="1" noAdjustHandles="1" noChangeArrowheads="1" noChangeShapeType="1" noTextEdit="1"/>
+          </p:cNvSpPr>
+          <p:nvPr>
+            <p:extLst>
+              <p:ext uri="{386F3935-93C4-4BCD-93E2-E3B085C9AB24}">
+                <p16:designElem xmlns:p16="http://schemas.microsoft.com/office/powerpoint/2015/main" val="1"/>
+              </p:ext>
+            </p:extLst>
+          </p:nvPr>
+        </p:nvSpPr>
+        <p:spPr>
+          <a:xfrm>
+            <a:off x="448652" y="638175"/>
+            <a:ext cx="3700760" cy="5752390"/>
+          </a:xfrm>
+          <a:prstGeom prst="rect">
+            <a:avLst/>
+          </a:prstGeom>
+          <a:solidFill>
+            <a:srgbClr val="465359"/>
+          </a:solidFill>
+          <a:ln>
+            <a:noFill/>
+          </a:ln>
+          <a:effectLst/>
+        </p:spPr>
+        <p:style>
+          <a:lnRef idx="1">
+            <a:schemeClr val="accent1"/>
+          </a:lnRef>
+          <a:fillRef idx="3">
+            <a:schemeClr val="accent1"/>
+          </a:fillRef>
+          <a:effectRef idx="2">
+            <a:schemeClr val="accent1"/>
+          </a:effectRef>
+          <a:fontRef idx="minor">
+            <a:schemeClr val="lt1"/>
+          </a:fontRef>
+        </p:style>
+      </p:sp>
+      <p:sp>
+        <p:nvSpPr>
+          <p:cNvPr id="2" name="Title 1">
+            <a:extLst>
+              <a:ext uri="{FF2B5EF4-FFF2-40B4-BE49-F238E27FC236}">
+                <a16:creationId xmlns:a16="http://schemas.microsoft.com/office/drawing/2014/main" id="{B55F5714-2E8E-4ACD-A2CD-04641C08956A}"/>
+              </a:ext>
+            </a:extLst>
+          </p:cNvPr>
+          <p:cNvSpPr>
+            <a:spLocks noGrp="1"/>
+          </p:cNvSpPr>
+          <p:nvPr>
+            <p:ph type="title"/>
+          </p:nvPr>
+        </p:nvSpPr>
+        <p:spPr>
+          <a:xfrm>
+            <a:off x="700218" y="1656292"/>
+            <a:ext cx="3150659" cy="2085869"/>
+          </a:xfrm>
+        </p:spPr>
+        <p:txBody>
+          <a:bodyPr vert="horz" lIns="91440" tIns="45720" rIns="91440" bIns="45720" rtlCol="0" anchor="b">
+            <a:normAutofit/>
+          </a:bodyPr>
+          <a:lstStyle/>
+          <a:p>
+            <a:pPr>
+              <a:spcBef>
+                <a:spcPct val="0"/>
+              </a:spcBef>
+            </a:pPr>
+            <a:r>
+              <a:rPr lang="en-US" sz="3600">
+                <a:solidFill>
+                  <a:srgbClr val="FFFFFF"/>
+                </a:solidFill>
+              </a:rPr>
+              <a:t>Deep Learning  model</a:t>
+            </a:r>
+          </a:p>
+        </p:txBody>
+      </p:sp>
+      <p:sp>
+        <p:nvSpPr>
+          <p:cNvPr id="3" name="Text Placeholder 2">
+            <a:extLst>
+              <a:ext uri="{FF2B5EF4-FFF2-40B4-BE49-F238E27FC236}">
+                <a16:creationId xmlns:a16="http://schemas.microsoft.com/office/drawing/2014/main" id="{69967516-9E99-4B4D-AD6B-5B2B788CBAC4}"/>
+              </a:ext>
+            </a:extLst>
+          </p:cNvPr>
+          <p:cNvSpPr>
+            <a:spLocks noGrp="1"/>
+          </p:cNvSpPr>
+          <p:nvPr>
+            <p:ph type="body" idx="1"/>
+          </p:nvPr>
+        </p:nvSpPr>
+        <p:spPr>
+          <a:xfrm>
+            <a:off x="700218" y="3742162"/>
+            <a:ext cx="3150659" cy="1733655"/>
+          </a:xfrm>
+        </p:spPr>
+        <p:txBody>
+          <a:bodyPr vert="horz" lIns="91440" tIns="45720" rIns="91440" bIns="45720" rtlCol="0" anchor="t">
+            <a:normAutofit/>
+          </a:bodyPr>
+          <a:lstStyle/>
+          <a:p>
+            <a:pPr marL="0" indent="0">
+              <a:spcBef>
+                <a:spcPct val="20000"/>
+              </a:spcBef>
+              <a:spcAft>
+                <a:spcPts val="600"/>
+              </a:spcAft>
+              <a:buSzPct val="92000"/>
+              <a:buNone/>
+            </a:pPr>
+            <a:r>
+              <a:rPr lang="en-US" sz="1600" cap="all">
+                <a:solidFill>
+                  <a:srgbClr val="FFFFFF">
+                    <a:alpha val="75000"/>
+                  </a:srgbClr>
+                </a:solidFill>
+              </a:rPr>
+              <a:t>Run ML Neural Network DL ML Model - Cont </a:t>
+            </a:r>
+          </a:p>
+        </p:txBody>
+      </p:sp>
+      <p:pic>
+        <p:nvPicPr>
+          <p:cNvPr id="6" name="Picture 5" descr="Text&#10;&#10;Description automatically generated with medium confidence">
+            <a:extLst>
+              <a:ext uri="{FF2B5EF4-FFF2-40B4-BE49-F238E27FC236}">
+                <a16:creationId xmlns:a16="http://schemas.microsoft.com/office/drawing/2014/main" id="{3F470C4A-4AD1-47A3-A5CA-847F89F3DAB1}"/>
+              </a:ext>
+            </a:extLst>
+          </p:cNvPr>
+          <p:cNvPicPr>
+            <a:picLocks noChangeAspect="1"/>
+          </p:cNvPicPr>
+          <p:nvPr/>
+        </p:nvPicPr>
+        <p:blipFill>
+          <a:blip r:embed="rId2"/>
+          <a:stretch>
+            <a:fillRect/>
+          </a:stretch>
+        </p:blipFill>
+        <p:spPr>
+          <a:xfrm>
+            <a:off x="4625432" y="1633813"/>
+            <a:ext cx="7117916" cy="1997033"/>
+          </a:xfrm>
+          <a:prstGeom prst="rect">
+            <a:avLst/>
+          </a:prstGeom>
+        </p:spPr>
+      </p:pic>
+      <p:pic>
+        <p:nvPicPr>
+          <p:cNvPr id="9" name="Picture 8" descr="Text&#10;&#10;Description automatically generated">
+            <a:extLst>
+              <a:ext uri="{FF2B5EF4-FFF2-40B4-BE49-F238E27FC236}">
+                <a16:creationId xmlns:a16="http://schemas.microsoft.com/office/drawing/2014/main" id="{15A818AF-D1C2-4E14-8314-97A84FE0621D}"/>
+              </a:ext>
+            </a:extLst>
+          </p:cNvPr>
+          <p:cNvPicPr>
+            <a:picLocks noChangeAspect="1"/>
+          </p:cNvPicPr>
+          <p:nvPr/>
+        </p:nvPicPr>
+        <p:blipFill>
+          <a:blip r:embed="rId3"/>
+          <a:stretch>
+            <a:fillRect/>
+          </a:stretch>
+        </p:blipFill>
+        <p:spPr>
+          <a:xfrm>
+            <a:off x="4595946" y="3937465"/>
+            <a:ext cx="7185188" cy="1619955"/>
+          </a:xfrm>
+          <a:prstGeom prst="rect">
+            <a:avLst/>
+          </a:prstGeom>
+        </p:spPr>
+      </p:pic>
+    </p:spTree>
+    <p:extLst>
+      <p:ext uri="{BB962C8B-B14F-4D97-AF65-F5344CB8AC3E}">
+        <p14:creationId xmlns:p14="http://schemas.microsoft.com/office/powerpoint/2010/main" val="480309411"/>
+      </p:ext>
+    </p:extLst>
+  </p:cSld>
+  <p:clrMapOvr>
+    <a:masterClrMapping/>
+  </p:clrMapOvr>
+</p:sld>
+</file>
+
+<file path=ppt/slides/slide12.xml><?xml version="1.0" encoding="utf-8"?>
+<p:sld xmlns:a="http://schemas.openxmlformats.org/drawingml/2006/main" xmlns:r="http://schemas.openxmlformats.org/officeDocument/2006/relationships" xmlns:p="http://schemas.openxmlformats.org/presentationml/2006/main">
+  <p:cSld>
+    <p:spTree>
+      <p:nvGrpSpPr>
+        <p:cNvPr id="1" name="Shape 163"/>
+        <p:cNvGrpSpPr/>
+        <p:nvPr/>
+      </p:nvGrpSpPr>
+      <p:grpSpPr>
+        <a:xfrm>
+          <a:off x="0" y="0"/>
+          <a:ext cx="0" cy="0"/>
+          <a:chOff x="0" y="0"/>
+          <a:chExt cx="0" cy="0"/>
+        </a:xfrm>
+      </p:grpSpPr>
+      <p:sp>
+        <p:nvSpPr>
+          <p:cNvPr id="164" name="Google Shape;164;p18"/>
+          <p:cNvSpPr txBox="1">
+            <a:spLocks noGrp="1"/>
+          </p:cNvSpPr>
+          <p:nvPr>
+            <p:ph type="title"/>
+          </p:nvPr>
+        </p:nvSpPr>
+        <p:spPr>
+          <a:xfrm>
+            <a:off x="1730000" y="525000"/>
+            <a:ext cx="9385200" cy="1218800"/>
+          </a:xfrm>
+          <a:prstGeom prst="rect">
+            <a:avLst/>
+          </a:prstGeom>
+        </p:spPr>
+        <p:txBody>
+          <a:bodyPr spcFirstLastPara="1" vert="horz" wrap="square" lIns="121900" tIns="121900" rIns="121900" bIns="121900" rtlCol="0" anchor="t" anchorCtr="0">
+            <a:normAutofit/>
+          </a:bodyPr>
+          <a:lstStyle/>
+          <a:p>
+            <a:r>
+              <a:rPr lang="en" sz="2800">
+                <a:latin typeface="Lato"/>
+                <a:ea typeface="Lato"/>
+                <a:cs typeface="Lato"/>
+                <a:sym typeface="Lato"/>
+              </a:rPr>
+              <a:t>Project Analysis Machine Learning Model</a:t>
+            </a:r>
+            <a:endParaRPr sz="2800">
+              <a:latin typeface="Lato"/>
+              <a:ea typeface="Lato"/>
+              <a:cs typeface="Lato"/>
+              <a:sym typeface="Lato"/>
+            </a:endParaRPr>
+          </a:p>
+        </p:txBody>
+      </p:sp>
+      <p:sp>
+        <p:nvSpPr>
+          <p:cNvPr id="165" name="Google Shape;165;p18"/>
+          <p:cNvSpPr txBox="1">
+            <a:spLocks noGrp="1"/>
+          </p:cNvSpPr>
+          <p:nvPr>
+            <p:ph type="body" idx="1"/>
+          </p:nvPr>
+        </p:nvSpPr>
+        <p:spPr>
+          <a:xfrm>
+            <a:off x="1730000" y="2090067"/>
+            <a:ext cx="9385200" cy="3881600"/>
+          </a:xfrm>
+          <a:prstGeom prst="rect">
+            <a:avLst/>
+          </a:prstGeom>
+        </p:spPr>
+        <p:txBody>
+          <a:bodyPr spcFirstLastPara="1" vert="horz" wrap="square" lIns="121900" tIns="121900" rIns="121900" bIns="121900" rtlCol="0" anchor="t" anchorCtr="0">
+            <a:normAutofit/>
+          </a:bodyPr>
+          <a:lstStyle/>
+          <a:p>
+            <a:r>
+              <a:rPr lang="en"/>
+              <a:t>Once ETL process is completed, we will use the Data Frame to run two Machine Learning models:</a:t>
+            </a:r>
+            <a:endParaRPr/>
+          </a:p>
+          <a:p>
+            <a:pPr lvl="1"/>
+            <a:r>
+              <a:rPr lang="en" b="1">
+                <a:solidFill>
+                  <a:srgbClr val="008000"/>
+                </a:solidFill>
+                <a:highlight>
+                  <a:srgbClr val="F7F7F7"/>
+                </a:highlight>
+                <a:latin typeface="Arial"/>
+                <a:ea typeface="Arial"/>
+                <a:cs typeface="Arial"/>
+                <a:sym typeface="Arial"/>
+              </a:rPr>
+              <a:t>Linear Regression </a:t>
+            </a:r>
+            <a:endParaRPr b="1">
+              <a:solidFill>
+                <a:srgbClr val="008000"/>
+              </a:solidFill>
+              <a:highlight>
+                <a:srgbClr val="F7F7F7"/>
+              </a:highlight>
+              <a:latin typeface="Arial"/>
+              <a:ea typeface="Arial"/>
+              <a:cs typeface="Arial"/>
+              <a:sym typeface="Arial"/>
+            </a:endParaRPr>
+          </a:p>
+          <a:p>
+            <a:pPr marL="0" indent="0">
+              <a:spcBef>
+                <a:spcPts val="1600"/>
+              </a:spcBef>
+              <a:buNone/>
+            </a:pPr>
+            <a:endParaRPr sz="1400" b="1">
+              <a:solidFill>
+                <a:srgbClr val="008000"/>
+              </a:solidFill>
+              <a:highlight>
+                <a:srgbClr val="F7F7F7"/>
+              </a:highlight>
+              <a:latin typeface="Arial"/>
+              <a:ea typeface="Arial"/>
+              <a:cs typeface="Arial"/>
+              <a:sym typeface="Arial"/>
+            </a:endParaRPr>
+          </a:p>
+          <a:p>
+            <a:pPr marL="0" indent="0">
+              <a:spcBef>
+                <a:spcPts val="1600"/>
+              </a:spcBef>
+              <a:buNone/>
+            </a:pPr>
+            <a:endParaRPr sz="1400" b="1">
+              <a:solidFill>
+                <a:srgbClr val="008000"/>
+              </a:solidFill>
+              <a:highlight>
+                <a:srgbClr val="F7F7F7"/>
+              </a:highlight>
+              <a:latin typeface="Arial"/>
+              <a:ea typeface="Arial"/>
+              <a:cs typeface="Arial"/>
+              <a:sym typeface="Arial"/>
+            </a:endParaRPr>
+          </a:p>
+          <a:p>
+            <a:pPr indent="-393690">
+              <a:spcBef>
+                <a:spcPts val="1600"/>
+              </a:spcBef>
+              <a:buClr>
+                <a:srgbClr val="008000"/>
+              </a:buClr>
+              <a:buSzPts val="1050"/>
+              <a:buFont typeface="Arial"/>
+              <a:buChar char="●"/>
+            </a:pPr>
+            <a:r>
+              <a:rPr lang="en" sz="1400" b="1">
+                <a:solidFill>
+                  <a:srgbClr val="008000"/>
+                </a:solidFill>
+                <a:highlight>
+                  <a:srgbClr val="F7F7F7"/>
+                </a:highlight>
+                <a:latin typeface="Arial"/>
+                <a:ea typeface="Arial"/>
+                <a:cs typeface="Arial"/>
+                <a:sym typeface="Arial"/>
+              </a:rPr>
+              <a:t>Neural Network ML Model</a:t>
+            </a:r>
+            <a:endParaRPr sz="1400" b="1">
+              <a:solidFill>
+                <a:srgbClr val="008000"/>
+              </a:solidFill>
+              <a:highlight>
+                <a:srgbClr val="F7F7F7"/>
+              </a:highlight>
+              <a:latin typeface="Arial"/>
+              <a:ea typeface="Arial"/>
+              <a:cs typeface="Arial"/>
+              <a:sym typeface="Arial"/>
+            </a:endParaRPr>
+          </a:p>
+        </p:txBody>
+      </p:sp>
+    </p:spTree>
+  </p:cSld>
+  <p:clrMapOvr>
+    <a:masterClrMapping/>
+  </p:clrMapOvr>
+</p:sld>
+</file>
+
+<file path=ppt/slides/slide13.xml><?xml version="1.0" encoding="utf-8"?>
+<p:sld xmlns:a="http://schemas.openxmlformats.org/drawingml/2006/main" xmlns:r="http://schemas.openxmlformats.org/officeDocument/2006/relationships" xmlns:p="http://schemas.openxmlformats.org/presentationml/2006/main">
+  <p:cSld>
+    <p:spTree>
+      <p:nvGrpSpPr>
+        <p:cNvPr id="1" name="Shape 169"/>
+        <p:cNvGrpSpPr/>
+        <p:nvPr/>
+      </p:nvGrpSpPr>
+      <p:grpSpPr>
+        <a:xfrm>
+          <a:off x="0" y="0"/>
+          <a:ext cx="0" cy="0"/>
+          <a:chOff x="0" y="0"/>
+          <a:chExt cx="0" cy="0"/>
+        </a:xfrm>
+      </p:grpSpPr>
+      <p:sp>
+        <p:nvSpPr>
+          <p:cNvPr id="170" name="Google Shape;170;p19"/>
+          <p:cNvSpPr txBox="1">
+            <a:spLocks noGrp="1"/>
+          </p:cNvSpPr>
+          <p:nvPr>
+            <p:ph type="title"/>
+          </p:nvPr>
+        </p:nvSpPr>
+        <p:spPr>
+          <a:xfrm>
+            <a:off x="1730000" y="525000"/>
+            <a:ext cx="9385200" cy="1218800"/>
+          </a:xfrm>
+          <a:prstGeom prst="rect">
+            <a:avLst/>
+          </a:prstGeom>
+        </p:spPr>
+        <p:txBody>
+          <a:bodyPr spcFirstLastPara="1" vert="horz" wrap="square" lIns="121900" tIns="121900" rIns="121900" bIns="121900" rtlCol="0" anchor="t" anchorCtr="0">
+            <a:normAutofit/>
+          </a:bodyPr>
+          <a:lstStyle/>
+          <a:p>
+            <a:pPr>
+              <a:buSzPts val="990"/>
+            </a:pPr>
+            <a:r>
+              <a:rPr lang="en" sz="2800">
+                <a:latin typeface="Lato"/>
+                <a:ea typeface="Lato"/>
+                <a:cs typeface="Lato"/>
+                <a:sym typeface="Lato"/>
+              </a:rPr>
+              <a:t>Final Project outcome , Dashboard and visualization</a:t>
+            </a:r>
+            <a:endParaRPr sz="2800">
+              <a:latin typeface="Lato"/>
+              <a:ea typeface="Lato"/>
+              <a:cs typeface="Lato"/>
+              <a:sym typeface="Lato"/>
+            </a:endParaRPr>
+          </a:p>
+        </p:txBody>
+      </p:sp>
+      <p:sp>
+        <p:nvSpPr>
+          <p:cNvPr id="171" name="Google Shape;171;p19"/>
+          <p:cNvSpPr txBox="1">
+            <a:spLocks noGrp="1"/>
+          </p:cNvSpPr>
+          <p:nvPr>
+            <p:ph type="body" idx="1"/>
+          </p:nvPr>
+        </p:nvSpPr>
+        <p:spPr>
+          <a:xfrm>
+            <a:off x="1730000" y="2090067"/>
+            <a:ext cx="9385200" cy="3881600"/>
+          </a:xfrm>
+          <a:prstGeom prst="rect">
+            <a:avLst/>
+          </a:prstGeom>
+        </p:spPr>
+        <p:txBody>
+          <a:bodyPr spcFirstLastPara="1" vert="horz" wrap="square" lIns="121900" tIns="121900" rIns="121900" bIns="121900" rtlCol="0" anchor="t" anchorCtr="0">
+            <a:normAutofit/>
+          </a:bodyPr>
+          <a:lstStyle/>
+          <a:p>
+            <a:r>
+              <a:rPr lang="en"/>
+              <a:t>Using  Tableau to visualize the following analysis outcome:</a:t>
+            </a:r>
+            <a:endParaRPr/>
+          </a:p>
+          <a:p>
+            <a:pPr lvl="1"/>
+            <a:r>
+              <a:rPr lang="en"/>
+              <a:t>Present at the county level in Ca  the  Avg. Sale Price vs. Predicted Ang. Price, Min Max Price Per SQF </a:t>
+            </a:r>
+            <a:endParaRPr/>
+          </a:p>
+          <a:p>
+            <a:pPr lvl="1"/>
+            <a:r>
+              <a:rPr lang="en"/>
+              <a:t>Top 5 Areas with the Highest prices. </a:t>
+            </a:r>
+            <a:endParaRPr/>
+          </a:p>
+          <a:p>
+            <a:pPr lvl="1"/>
+            <a:r>
+              <a:rPr lang="en"/>
+              <a:t>Bottom 5 areas with the lowest prices. l </a:t>
+            </a:r>
+            <a:endParaRPr/>
+          </a:p>
+        </p:txBody>
+      </p:sp>
+    </p:spTree>
+  </p:cSld>
+  <p:clrMapOvr>
+    <a:masterClrMapping/>
+  </p:clrMapOvr>
+</p:sld>
+</file>
+
+<file path=ppt/slides/slide14.xml><?xml version="1.0" encoding="utf-8"?>
+<p:sld xmlns:a="http://schemas.openxmlformats.org/drawingml/2006/main" xmlns:r="http://schemas.openxmlformats.org/officeDocument/2006/relationships" xmlns:p="http://schemas.openxmlformats.org/presentationml/2006/main">
+  <p:cSld>
+    <p:spTree>
+      <p:nvGrpSpPr>
+        <p:cNvPr id="1" name="Shape 175"/>
+        <p:cNvGrpSpPr/>
+        <p:nvPr/>
+      </p:nvGrpSpPr>
+      <p:grpSpPr>
+        <a:xfrm>
+          <a:off x="0" y="0"/>
+          <a:ext cx="0" cy="0"/>
+          <a:chOff x="0" y="0"/>
+          <a:chExt cx="0" cy="0"/>
+        </a:xfrm>
+      </p:grpSpPr>
+      <p:sp>
+        <p:nvSpPr>
+          <p:cNvPr id="176" name="Google Shape;176;p20"/>
+          <p:cNvSpPr txBox="1">
+            <a:spLocks noGrp="1"/>
+          </p:cNvSpPr>
+          <p:nvPr>
+            <p:ph type="title"/>
+          </p:nvPr>
+        </p:nvSpPr>
+        <p:spPr>
+          <a:xfrm>
+            <a:off x="1730000" y="525000"/>
+            <a:ext cx="9385200" cy="1218800"/>
+          </a:xfrm>
+          <a:prstGeom prst="rect">
+            <a:avLst/>
+          </a:prstGeom>
+        </p:spPr>
+        <p:txBody>
+          <a:bodyPr spcFirstLastPara="1" vert="horz" wrap="square" lIns="121900" tIns="121900" rIns="121900" bIns="121900" rtlCol="0" anchor="t" anchorCtr="0">
+            <a:normAutofit/>
+          </a:bodyPr>
+          <a:lstStyle/>
+          <a:p>
+            <a:r>
+              <a:rPr lang="en" sz="2800">
+                <a:latin typeface="Lato"/>
+                <a:ea typeface="Lato"/>
+                <a:cs typeface="Lato"/>
+                <a:sym typeface="Lato"/>
+              </a:rPr>
+              <a:t>Technologies, languages, tools, and algorithms used throughout the project</a:t>
+            </a:r>
+            <a:endParaRPr sz="2800">
+              <a:latin typeface="Lato"/>
+              <a:ea typeface="Lato"/>
+              <a:cs typeface="Lato"/>
+              <a:sym typeface="Lato"/>
+            </a:endParaRPr>
+          </a:p>
+        </p:txBody>
+      </p:sp>
+      <p:sp>
+        <p:nvSpPr>
+          <p:cNvPr id="177" name="Google Shape;177;p20"/>
+          <p:cNvSpPr txBox="1">
+            <a:spLocks noGrp="1"/>
+          </p:cNvSpPr>
+          <p:nvPr>
+            <p:ph type="body" idx="1"/>
+          </p:nvPr>
+        </p:nvSpPr>
+        <p:spPr>
+          <a:xfrm>
+            <a:off x="1730000" y="2090067"/>
+            <a:ext cx="9385200" cy="3881600"/>
+          </a:xfrm>
+          <a:prstGeom prst="rect">
+            <a:avLst/>
+          </a:prstGeom>
+        </p:spPr>
+        <p:txBody>
+          <a:bodyPr spcFirstLastPara="1" vert="horz" wrap="square" lIns="121900" tIns="121900" rIns="121900" bIns="121900" rtlCol="0" anchor="t" anchorCtr="0">
+            <a:normAutofit/>
+          </a:bodyPr>
+          <a:lstStyle/>
+          <a:p>
+            <a:r>
+              <a:rPr lang="en"/>
+              <a:t>Python :  Pandas, PySpark </a:t>
+            </a:r>
+            <a:endParaRPr/>
+          </a:p>
+          <a:p>
+            <a:r>
+              <a:rPr lang="en"/>
+              <a:t>SQLAlchemy </a:t>
+            </a:r>
+            <a:endParaRPr/>
+          </a:p>
+          <a:p>
+            <a:r>
+              <a:rPr lang="en"/>
+              <a:t>Postgres </a:t>
+            </a:r>
+            <a:endParaRPr/>
+          </a:p>
+          <a:p>
+            <a:r>
+              <a:rPr lang="en"/>
+              <a:t>Google CoLab </a:t>
+            </a:r>
+            <a:endParaRPr/>
+          </a:p>
+          <a:p>
+            <a:r>
+              <a:rPr lang="en"/>
+              <a:t>Google Docs. </a:t>
+            </a:r>
+            <a:endParaRPr/>
+          </a:p>
+          <a:p>
+            <a:r>
+              <a:rPr lang="en"/>
+              <a:t>Python ML Models: Linear regression , Keras for neural network ML Model. </a:t>
+            </a:r>
+            <a:endParaRPr/>
+          </a:p>
+        </p:txBody>
+      </p:sp>
+    </p:spTree>
+  </p:cSld>
+  <p:clrMapOvr>
+    <a:masterClrMapping/>
+  </p:clrMapOvr>
+</p:sld>
+</file>
+
+<file path=ppt/slides/slide15.xml><?xml version="1.0" encoding="utf-8"?>
+<p:sld xmlns:a="http://schemas.openxmlformats.org/drawingml/2006/main" xmlns:r="http://schemas.openxmlformats.org/officeDocument/2006/relationships" xmlns:p="http://schemas.openxmlformats.org/presentationml/2006/main">
+  <p:cSld>
     <p:spTree>
       <p:nvGrpSpPr>
         <p:cNvPr id="1" name="Shape 181"/>
@@ -6339,6 +9720,728 @@
   </p:cSld>
   <p:clrMapOvr>
     <a:masterClrMapping/>
+  </p:clrMapOvr>
+</p:sld>
+</file>
+
+<file path=ppt/slides/slide16.xml><?xml version="1.0" encoding="utf-8"?>
+<p:sld xmlns:a="http://schemas.openxmlformats.org/drawingml/2006/main" xmlns:r="http://schemas.openxmlformats.org/officeDocument/2006/relationships" xmlns:p="http://schemas.openxmlformats.org/presentationml/2006/main">
+  <p:cSld>
+    <p:spTree>
+      <p:nvGrpSpPr>
+        <p:cNvPr id="1" name="Shape 181"/>
+        <p:cNvGrpSpPr/>
+        <p:nvPr/>
+      </p:nvGrpSpPr>
+      <p:grpSpPr>
+        <a:xfrm>
+          <a:off x="0" y="0"/>
+          <a:ext cx="0" cy="0"/>
+          <a:chOff x="0" y="0"/>
+          <a:chExt cx="0" cy="0"/>
+        </a:xfrm>
+      </p:grpSpPr>
+      <p:sp>
+        <p:nvSpPr>
+          <p:cNvPr id="182" name="Google Shape;182;p21"/>
+          <p:cNvSpPr txBox="1">
+            <a:spLocks noGrp="1"/>
+          </p:cNvSpPr>
+          <p:nvPr>
+            <p:ph type="title"/>
+          </p:nvPr>
+        </p:nvSpPr>
+        <p:spPr>
+          <a:xfrm>
+            <a:off x="1525814" y="3126157"/>
+            <a:ext cx="9385200" cy="1218800"/>
+          </a:xfrm>
+          <a:prstGeom prst="rect">
+            <a:avLst/>
+          </a:prstGeom>
+        </p:spPr>
+        <p:txBody>
+          <a:bodyPr spcFirstLastPara="1" vert="horz" wrap="square" lIns="121900" tIns="121900" rIns="121900" bIns="121900" rtlCol="0" anchor="t" anchorCtr="0">
+            <a:normAutofit/>
+          </a:bodyPr>
+          <a:lstStyle/>
+          <a:p>
+            <a:r>
+              <a:rPr lang="en" sz="2800" dirty="0">
+                <a:latin typeface="Lato"/>
+                <a:ea typeface="Lato"/>
+                <a:cs typeface="Lato"/>
+                <a:sym typeface="Lato"/>
+              </a:rPr>
+              <a:t>Backup</a:t>
+            </a:r>
+            <a:endParaRPr sz="2800" dirty="0">
+              <a:latin typeface="Lato"/>
+              <a:ea typeface="Lato"/>
+              <a:cs typeface="Lato"/>
+              <a:sym typeface="Lato"/>
+            </a:endParaRPr>
+          </a:p>
+        </p:txBody>
+      </p:sp>
+    </p:spTree>
+    <p:extLst>
+      <p:ext uri="{BB962C8B-B14F-4D97-AF65-F5344CB8AC3E}">
+        <p14:creationId xmlns:p14="http://schemas.microsoft.com/office/powerpoint/2010/main" val="3099164048"/>
+      </p:ext>
+    </p:extLst>
+  </p:cSld>
+  <p:clrMapOvr>
+    <a:masterClrMapping/>
+  </p:clrMapOvr>
+</p:sld>
+</file>
+
+<file path=ppt/slides/slide17.xml><?xml version="1.0" encoding="utf-8"?>
+<p:sld xmlns:a="http://schemas.openxmlformats.org/drawingml/2006/main" xmlns:r="http://schemas.openxmlformats.org/officeDocument/2006/relationships" xmlns:p="http://schemas.openxmlformats.org/presentationml/2006/main">
+  <p:cSld>
+    <p:bg>
+      <p:bgPr>
+        <a:solidFill>
+          <a:schemeClr val="bg1"/>
+        </a:solidFill>
+        <a:effectLst/>
+      </p:bgPr>
+    </p:bg>
+    <p:spTree>
+      <p:nvGrpSpPr>
+        <p:cNvPr id="1" name=""/>
+        <p:cNvGrpSpPr/>
+        <p:nvPr/>
+      </p:nvGrpSpPr>
+      <p:grpSpPr>
+        <a:xfrm>
+          <a:off x="0" y="0"/>
+          <a:ext cx="0" cy="0"/>
+          <a:chOff x="0" y="0"/>
+          <a:chExt cx="0" cy="0"/>
+        </a:xfrm>
+      </p:grpSpPr>
+      <p:sp>
+        <p:nvSpPr>
+          <p:cNvPr id="10" name="Rectangle 9">
+            <a:extLst>
+              <a:ext uri="{FF2B5EF4-FFF2-40B4-BE49-F238E27FC236}">
+                <a16:creationId xmlns:a16="http://schemas.microsoft.com/office/drawing/2014/main" id="{DD651B61-325E-4E73-8445-38B0DE8AAAB6}"/>
+              </a:ext>
+              <a:ext uri="{C183D7F6-B498-43B3-948B-1728B52AA6E4}">
+                <adec:decorative xmlns:adec="http://schemas.microsoft.com/office/drawing/2017/decorative" val="1"/>
+              </a:ext>
+            </a:extLst>
+          </p:cNvPr>
+          <p:cNvSpPr>
+            <a:spLocks noGrp="1" noRot="1" noChangeAspect="1" noMove="1" noResize="1" noEditPoints="1" noAdjustHandles="1" noChangeArrowheads="1" noChangeShapeType="1" noTextEdit="1"/>
+          </p:cNvSpPr>
+          <p:nvPr>
+            <p:extLst>
+              <p:ext uri="{386F3935-93C4-4BCD-93E2-E3B085C9AB24}">
+                <p16:designElem xmlns:p16="http://schemas.microsoft.com/office/powerpoint/2015/main" val="1"/>
+              </p:ext>
+            </p:extLst>
+          </p:nvPr>
+        </p:nvSpPr>
+        <p:spPr>
+          <a:xfrm>
+            <a:off x="446534" y="457200"/>
+            <a:ext cx="3703320" cy="94997"/>
+          </a:xfrm>
+          <a:prstGeom prst="rect">
+            <a:avLst/>
+          </a:prstGeom>
+          <a:solidFill>
+            <a:srgbClr val="465359"/>
+          </a:solidFill>
+          <a:ln>
+            <a:noFill/>
+          </a:ln>
+          <a:effectLst/>
+        </p:spPr>
+        <p:style>
+          <a:lnRef idx="1">
+            <a:schemeClr val="accent1"/>
+          </a:lnRef>
+          <a:fillRef idx="3">
+            <a:schemeClr val="accent1"/>
+          </a:fillRef>
+          <a:effectRef idx="2">
+            <a:schemeClr val="accent1"/>
+          </a:effectRef>
+          <a:fontRef idx="minor">
+            <a:schemeClr val="lt1"/>
+          </a:fontRef>
+        </p:style>
+      </p:sp>
+      <p:sp>
+        <p:nvSpPr>
+          <p:cNvPr id="12" name="Rectangle 11">
+            <a:extLst>
+              <a:ext uri="{FF2B5EF4-FFF2-40B4-BE49-F238E27FC236}">
+                <a16:creationId xmlns:a16="http://schemas.microsoft.com/office/drawing/2014/main" id="{B42E5253-D3AC-4AC2-B766-8B34F13C2F5E}"/>
+              </a:ext>
+              <a:ext uri="{C183D7F6-B498-43B3-948B-1728B52AA6E4}">
+                <adec:decorative xmlns:adec="http://schemas.microsoft.com/office/drawing/2017/decorative" val="1"/>
+              </a:ext>
+            </a:extLst>
+          </p:cNvPr>
+          <p:cNvSpPr>
+            <a:spLocks noGrp="1" noRot="1" noChangeAspect="1" noMove="1" noResize="1" noEditPoints="1" noAdjustHandles="1" noChangeArrowheads="1" noChangeShapeType="1" noTextEdit="1"/>
+          </p:cNvSpPr>
+          <p:nvPr>
+            <p:extLst>
+              <p:ext uri="{386F3935-93C4-4BCD-93E2-E3B085C9AB24}">
+                <p16:designElem xmlns:p16="http://schemas.microsoft.com/office/powerpoint/2015/main" val="1"/>
+              </p:ext>
+            </p:extLst>
+          </p:nvPr>
+        </p:nvSpPr>
+        <p:spPr>
+          <a:xfrm>
+            <a:off x="8042147" y="453643"/>
+            <a:ext cx="3703320" cy="98554"/>
+          </a:xfrm>
+          <a:prstGeom prst="rect">
+            <a:avLst/>
+          </a:prstGeom>
+          <a:solidFill>
+            <a:srgbClr val="969FA7"/>
+          </a:solidFill>
+          <a:ln>
+            <a:noFill/>
+          </a:ln>
+          <a:effectLst/>
+        </p:spPr>
+        <p:style>
+          <a:lnRef idx="1">
+            <a:schemeClr val="accent1"/>
+          </a:lnRef>
+          <a:fillRef idx="3">
+            <a:schemeClr val="accent1"/>
+          </a:fillRef>
+          <a:effectRef idx="2">
+            <a:schemeClr val="accent1"/>
+          </a:effectRef>
+          <a:fontRef idx="minor">
+            <a:schemeClr val="lt1"/>
+          </a:fontRef>
+        </p:style>
+      </p:sp>
+      <p:sp>
+        <p:nvSpPr>
+          <p:cNvPr id="14" name="Rectangle 13">
+            <a:extLst>
+              <a:ext uri="{FF2B5EF4-FFF2-40B4-BE49-F238E27FC236}">
+                <a16:creationId xmlns:a16="http://schemas.microsoft.com/office/drawing/2014/main" id="{10AE8D57-436A-4073-9A75-15BB5949F8B4}"/>
+              </a:ext>
+              <a:ext uri="{C183D7F6-B498-43B3-948B-1728B52AA6E4}">
+                <adec:decorative xmlns:adec="http://schemas.microsoft.com/office/drawing/2017/decorative" val="1"/>
+              </a:ext>
+            </a:extLst>
+          </p:cNvPr>
+          <p:cNvSpPr>
+            <a:spLocks noGrp="1" noRot="1" noChangeAspect="1" noMove="1" noResize="1" noEditPoints="1" noAdjustHandles="1" noChangeArrowheads="1" noChangeShapeType="1" noTextEdit="1"/>
+          </p:cNvSpPr>
+          <p:nvPr>
+            <p:extLst>
+              <p:ext uri="{386F3935-93C4-4BCD-93E2-E3B085C9AB24}">
+                <p16:designElem xmlns:p16="http://schemas.microsoft.com/office/powerpoint/2015/main" val="1"/>
+              </p:ext>
+            </p:extLst>
+          </p:nvPr>
+        </p:nvSpPr>
+        <p:spPr>
+          <a:xfrm>
+            <a:off x="4241830" y="457200"/>
+            <a:ext cx="3703320" cy="91440"/>
+          </a:xfrm>
+          <a:prstGeom prst="rect">
+            <a:avLst/>
+          </a:prstGeom>
+          <a:solidFill>
+            <a:schemeClr val="accent1"/>
+          </a:solidFill>
+          <a:ln>
+            <a:noFill/>
+          </a:ln>
+          <a:effectLst/>
+        </p:spPr>
+        <p:style>
+          <a:lnRef idx="1">
+            <a:schemeClr val="accent1"/>
+          </a:lnRef>
+          <a:fillRef idx="3">
+            <a:schemeClr val="accent1"/>
+          </a:fillRef>
+          <a:effectRef idx="2">
+            <a:schemeClr val="accent1"/>
+          </a:effectRef>
+          <a:fontRef idx="minor">
+            <a:schemeClr val="lt1"/>
+          </a:fontRef>
+        </p:style>
+      </p:sp>
+      <p:sp>
+        <p:nvSpPr>
+          <p:cNvPr id="16" name="Rectangle 15">
+            <a:extLst>
+              <a:ext uri="{FF2B5EF4-FFF2-40B4-BE49-F238E27FC236}">
+                <a16:creationId xmlns:a16="http://schemas.microsoft.com/office/drawing/2014/main" id="{E9751CB9-7B25-4EB8-9A6F-82F822549F12}"/>
+              </a:ext>
+              <a:ext uri="{C183D7F6-B498-43B3-948B-1728B52AA6E4}">
+                <adec:decorative xmlns:adec="http://schemas.microsoft.com/office/drawing/2017/decorative" val="1"/>
+              </a:ext>
+            </a:extLst>
+          </p:cNvPr>
+          <p:cNvSpPr>
+            <a:spLocks noGrp="1" noRot="1" noChangeAspect="1" noMove="1" noResize="1" noEditPoints="1" noAdjustHandles="1" noChangeArrowheads="1" noChangeShapeType="1" noTextEdit="1"/>
+          </p:cNvSpPr>
+          <p:nvPr>
+            <p:extLst>
+              <p:ext uri="{386F3935-93C4-4BCD-93E2-E3B085C9AB24}">
+                <p16:designElem xmlns:p16="http://schemas.microsoft.com/office/powerpoint/2015/main" val="1"/>
+              </p:ext>
+            </p:extLst>
+          </p:nvPr>
+        </p:nvSpPr>
+        <p:spPr>
+          <a:xfrm>
+            <a:off x="0" y="0"/>
+            <a:ext cx="12192000" cy="6858000"/>
+          </a:xfrm>
+          <a:prstGeom prst="rect">
+            <a:avLst/>
+          </a:prstGeom>
+          <a:solidFill>
+            <a:srgbClr val="FFFFFF"/>
+          </a:solidFill>
+          <a:ln>
+            <a:noFill/>
+          </a:ln>
+        </p:spPr>
+        <p:style>
+          <a:lnRef idx="2">
+            <a:schemeClr val="accent1">
+              <a:shade val="50000"/>
+            </a:schemeClr>
+          </a:lnRef>
+          <a:fillRef idx="1">
+            <a:schemeClr val="accent1"/>
+          </a:fillRef>
+          <a:effectRef idx="0">
+            <a:schemeClr val="accent1"/>
+          </a:effectRef>
+          <a:fontRef idx="minor">
+            <a:schemeClr val="lt1"/>
+          </a:fontRef>
+        </p:style>
+        <p:txBody>
+          <a:bodyPr rtlCol="0" anchor="ctr"/>
+          <a:lstStyle/>
+          <a:p>
+            <a:pPr algn="ctr"/>
+            <a:endParaRPr lang="en-US"/>
+          </a:p>
+        </p:txBody>
+      </p:sp>
+      <p:sp>
+        <p:nvSpPr>
+          <p:cNvPr id="18" name="Rectangle 17">
+            <a:extLst>
+              <a:ext uri="{FF2B5EF4-FFF2-40B4-BE49-F238E27FC236}">
+                <a16:creationId xmlns:a16="http://schemas.microsoft.com/office/drawing/2014/main" id="{E1317383-CF3B-4B02-9512-BECBEF6362A4}"/>
+              </a:ext>
+              <a:ext uri="{C183D7F6-B498-43B3-948B-1728B52AA6E4}">
+                <adec:decorative xmlns:adec="http://schemas.microsoft.com/office/drawing/2017/decorative" val="1"/>
+              </a:ext>
+            </a:extLst>
+          </p:cNvPr>
+          <p:cNvSpPr>
+            <a:spLocks noGrp="1" noRot="1" noChangeAspect="1" noMove="1" noResize="1" noEditPoints="1" noAdjustHandles="1" noChangeArrowheads="1" noChangeShapeType="1" noTextEdit="1"/>
+          </p:cNvSpPr>
+          <p:nvPr>
+            <p:extLst>
+              <p:ext uri="{386F3935-93C4-4BCD-93E2-E3B085C9AB24}">
+                <p16:designElem xmlns:p16="http://schemas.microsoft.com/office/powerpoint/2015/main" val="1"/>
+              </p:ext>
+            </p:extLst>
+          </p:nvPr>
+        </p:nvSpPr>
+        <p:spPr>
+          <a:xfrm>
+            <a:off x="446534" y="457200"/>
+            <a:ext cx="3703320" cy="94997"/>
+          </a:xfrm>
+          <a:prstGeom prst="rect">
+            <a:avLst/>
+          </a:prstGeom>
+          <a:solidFill>
+            <a:srgbClr val="465359"/>
+          </a:solidFill>
+          <a:ln>
+            <a:noFill/>
+          </a:ln>
+          <a:effectLst/>
+        </p:spPr>
+        <p:style>
+          <a:lnRef idx="1">
+            <a:schemeClr val="accent1"/>
+          </a:lnRef>
+          <a:fillRef idx="3">
+            <a:schemeClr val="accent1"/>
+          </a:fillRef>
+          <a:effectRef idx="2">
+            <a:schemeClr val="accent1"/>
+          </a:effectRef>
+          <a:fontRef idx="minor">
+            <a:schemeClr val="lt1"/>
+          </a:fontRef>
+        </p:style>
+      </p:sp>
+      <p:sp>
+        <p:nvSpPr>
+          <p:cNvPr id="20" name="Rectangle 19">
+            <a:extLst>
+              <a:ext uri="{FF2B5EF4-FFF2-40B4-BE49-F238E27FC236}">
+                <a16:creationId xmlns:a16="http://schemas.microsoft.com/office/drawing/2014/main" id="{B1D4C7A0-6DF2-4F2D-A45D-F111582974C7}"/>
+              </a:ext>
+              <a:ext uri="{C183D7F6-B498-43B3-948B-1728B52AA6E4}">
+                <adec:decorative xmlns:adec="http://schemas.microsoft.com/office/drawing/2017/decorative" val="1"/>
+              </a:ext>
+            </a:extLst>
+          </p:cNvPr>
+          <p:cNvSpPr>
+            <a:spLocks noGrp="1" noRot="1" noChangeAspect="1" noMove="1" noResize="1" noEditPoints="1" noAdjustHandles="1" noChangeArrowheads="1" noChangeShapeType="1" noTextEdit="1"/>
+          </p:cNvSpPr>
+          <p:nvPr>
+            <p:extLst>
+              <p:ext uri="{386F3935-93C4-4BCD-93E2-E3B085C9AB24}">
+                <p16:designElem xmlns:p16="http://schemas.microsoft.com/office/powerpoint/2015/main" val="1"/>
+              </p:ext>
+            </p:extLst>
+          </p:nvPr>
+        </p:nvSpPr>
+        <p:spPr>
+          <a:xfrm>
+            <a:off x="4241830" y="457200"/>
+            <a:ext cx="3703320" cy="91440"/>
+          </a:xfrm>
+          <a:prstGeom prst="rect">
+            <a:avLst/>
+          </a:prstGeom>
+          <a:solidFill>
+            <a:schemeClr val="accent1"/>
+          </a:solidFill>
+          <a:ln>
+            <a:noFill/>
+          </a:ln>
+          <a:effectLst/>
+        </p:spPr>
+        <p:style>
+          <a:lnRef idx="1">
+            <a:schemeClr val="accent1"/>
+          </a:lnRef>
+          <a:fillRef idx="3">
+            <a:schemeClr val="accent1"/>
+          </a:fillRef>
+          <a:effectRef idx="2">
+            <a:schemeClr val="accent1"/>
+          </a:effectRef>
+          <a:fontRef idx="minor">
+            <a:schemeClr val="lt1"/>
+          </a:fontRef>
+        </p:style>
+      </p:sp>
+      <p:sp>
+        <p:nvSpPr>
+          <p:cNvPr id="22" name="Rectangle 21">
+            <a:extLst>
+              <a:ext uri="{FF2B5EF4-FFF2-40B4-BE49-F238E27FC236}">
+                <a16:creationId xmlns:a16="http://schemas.microsoft.com/office/drawing/2014/main" id="{DBF3943D-BCB6-4B31-809D-A005686483B4}"/>
+              </a:ext>
+              <a:ext uri="{C183D7F6-B498-43B3-948B-1728B52AA6E4}">
+                <adec:decorative xmlns:adec="http://schemas.microsoft.com/office/drawing/2017/decorative" val="1"/>
+              </a:ext>
+            </a:extLst>
+          </p:cNvPr>
+          <p:cNvSpPr>
+            <a:spLocks noGrp="1" noRot="1" noChangeAspect="1" noMove="1" noResize="1" noEditPoints="1" noAdjustHandles="1" noChangeArrowheads="1" noChangeShapeType="1" noTextEdit="1"/>
+          </p:cNvSpPr>
+          <p:nvPr>
+            <p:extLst>
+              <p:ext uri="{386F3935-93C4-4BCD-93E2-E3B085C9AB24}">
+                <p16:designElem xmlns:p16="http://schemas.microsoft.com/office/powerpoint/2015/main" val="1"/>
+              </p:ext>
+            </p:extLst>
+          </p:nvPr>
+        </p:nvSpPr>
+        <p:spPr>
+          <a:xfrm>
+            <a:off x="8042147" y="453643"/>
+            <a:ext cx="3703320" cy="98554"/>
+          </a:xfrm>
+          <a:prstGeom prst="rect">
+            <a:avLst/>
+          </a:prstGeom>
+          <a:solidFill>
+            <a:srgbClr val="969FA7"/>
+          </a:solidFill>
+          <a:ln>
+            <a:noFill/>
+          </a:ln>
+          <a:effectLst/>
+        </p:spPr>
+        <p:style>
+          <a:lnRef idx="1">
+            <a:schemeClr val="accent1"/>
+          </a:lnRef>
+          <a:fillRef idx="3">
+            <a:schemeClr val="accent1"/>
+          </a:fillRef>
+          <a:effectRef idx="2">
+            <a:schemeClr val="accent1"/>
+          </a:effectRef>
+          <a:fontRef idx="minor">
+            <a:schemeClr val="lt1"/>
+          </a:fontRef>
+        </p:style>
+      </p:sp>
+      <p:sp>
+        <p:nvSpPr>
+          <p:cNvPr id="24" name="Rectangle 23">
+            <a:extLst>
+              <a:ext uri="{FF2B5EF4-FFF2-40B4-BE49-F238E27FC236}">
+                <a16:creationId xmlns:a16="http://schemas.microsoft.com/office/drawing/2014/main" id="{39373A6F-2E1F-4613-8E1D-D68057D29F31}"/>
+              </a:ext>
+              <a:ext uri="{C183D7F6-B498-43B3-948B-1728B52AA6E4}">
+                <adec:decorative xmlns:adec="http://schemas.microsoft.com/office/drawing/2017/decorative" val="1"/>
+              </a:ext>
+            </a:extLst>
+          </p:cNvPr>
+          <p:cNvSpPr>
+            <a:spLocks noGrp="1" noRot="1" noChangeAspect="1" noMove="1" noResize="1" noEditPoints="1" noAdjustHandles="1" noChangeArrowheads="1" noChangeShapeType="1" noTextEdit="1"/>
+          </p:cNvSpPr>
+          <p:nvPr>
+            <p:extLst>
+              <p:ext uri="{386F3935-93C4-4BCD-93E2-E3B085C9AB24}">
+                <p16:designElem xmlns:p16="http://schemas.microsoft.com/office/powerpoint/2015/main" val="1"/>
+              </p:ext>
+            </p:extLst>
+          </p:nvPr>
+        </p:nvSpPr>
+        <p:spPr>
+          <a:xfrm>
+            <a:off x="442377" y="601200"/>
+            <a:ext cx="3707477" cy="5624979"/>
+          </a:xfrm>
+          <a:prstGeom prst="rect">
+            <a:avLst/>
+          </a:prstGeom>
+          <a:solidFill>
+            <a:srgbClr val="465359"/>
+          </a:solidFill>
+          <a:ln>
+            <a:noFill/>
+          </a:ln>
+          <a:effectLst/>
+        </p:spPr>
+        <p:style>
+          <a:lnRef idx="1">
+            <a:schemeClr val="accent1"/>
+          </a:lnRef>
+          <a:fillRef idx="3">
+            <a:schemeClr val="accent1"/>
+          </a:fillRef>
+          <a:effectRef idx="2">
+            <a:schemeClr val="accent1"/>
+          </a:effectRef>
+          <a:fontRef idx="minor">
+            <a:schemeClr val="lt1"/>
+          </a:fontRef>
+        </p:style>
+      </p:sp>
+      <p:sp>
+        <p:nvSpPr>
+          <p:cNvPr id="2" name="Title 1">
+            <a:extLst>
+              <a:ext uri="{FF2B5EF4-FFF2-40B4-BE49-F238E27FC236}">
+                <a16:creationId xmlns:a16="http://schemas.microsoft.com/office/drawing/2014/main" id="{B55F5714-2E8E-4ACD-A2CD-04641C08956A}"/>
+              </a:ext>
+            </a:extLst>
+          </p:cNvPr>
+          <p:cNvSpPr>
+            <a:spLocks noGrp="1"/>
+          </p:cNvSpPr>
+          <p:nvPr>
+            <p:ph type="title"/>
+          </p:nvPr>
+        </p:nvSpPr>
+        <p:spPr>
+          <a:xfrm>
+            <a:off x="601255" y="702155"/>
+            <a:ext cx="3409783" cy="1300365"/>
+          </a:xfrm>
+        </p:spPr>
+        <p:txBody>
+          <a:bodyPr vert="horz" lIns="91440" tIns="45720" rIns="91440" bIns="45720" rtlCol="0" anchor="b">
+            <a:normAutofit/>
+          </a:bodyPr>
+          <a:lstStyle/>
+          <a:p>
+            <a:pPr>
+              <a:spcBef>
+                <a:spcPct val="0"/>
+              </a:spcBef>
+            </a:pPr>
+            <a:r>
+              <a:rPr lang="en-US" sz="2800" dirty="0">
+                <a:solidFill>
+                  <a:srgbClr val="FFFFFF"/>
+                </a:solidFill>
+              </a:rPr>
+              <a:t>REGRESSION model</a:t>
+            </a:r>
+          </a:p>
+        </p:txBody>
+      </p:sp>
+      <p:sp>
+        <p:nvSpPr>
+          <p:cNvPr id="3" name="Text Placeholder 2">
+            <a:extLst>
+              <a:ext uri="{FF2B5EF4-FFF2-40B4-BE49-F238E27FC236}">
+                <a16:creationId xmlns:a16="http://schemas.microsoft.com/office/drawing/2014/main" id="{69967516-9E99-4B4D-AD6B-5B2B788CBAC4}"/>
+              </a:ext>
+            </a:extLst>
+          </p:cNvPr>
+          <p:cNvSpPr>
+            <a:spLocks noGrp="1"/>
+          </p:cNvSpPr>
+          <p:nvPr>
+            <p:ph type="body" idx="1"/>
+          </p:nvPr>
+        </p:nvSpPr>
+        <p:spPr>
+          <a:xfrm>
+            <a:off x="601255" y="2177142"/>
+            <a:ext cx="3409782" cy="3823607"/>
+          </a:xfrm>
+        </p:spPr>
+        <p:txBody>
+          <a:bodyPr vert="horz" lIns="91440" tIns="45720" rIns="91440" bIns="45720" rtlCol="0" anchor="ctr">
+            <a:normAutofit/>
+          </a:bodyPr>
+          <a:lstStyle/>
+          <a:p>
+            <a:pPr>
+              <a:spcBef>
+                <a:spcPct val="20000"/>
+              </a:spcBef>
+              <a:spcAft>
+                <a:spcPts val="600"/>
+              </a:spcAft>
+              <a:buSzPct val="92000"/>
+              <a:buFont typeface="Wingdings 2" panose="05020102010507070707" pitchFamily="18" charset="2"/>
+              <a:buChar char=""/>
+            </a:pPr>
+            <a:r>
+              <a:rPr lang="en-US" dirty="0">
+                <a:solidFill>
+                  <a:srgbClr val="FFFFFF"/>
+                </a:solidFill>
+              </a:rPr>
+              <a:t>Run ML Linear regression using </a:t>
+            </a:r>
+            <a:r>
+              <a:rPr lang="en-US" dirty="0" err="1">
+                <a:solidFill>
+                  <a:srgbClr val="FFFFFF"/>
+                </a:solidFill>
+              </a:rPr>
+              <a:t>sklearn</a:t>
+            </a:r>
+            <a:r>
+              <a:rPr lang="en-US" dirty="0">
+                <a:solidFill>
+                  <a:srgbClr val="FFFFFF"/>
+                </a:solidFill>
+              </a:rPr>
+              <a:t>  model</a:t>
+            </a:r>
+          </a:p>
+        </p:txBody>
+      </p:sp>
+      <p:pic>
+        <p:nvPicPr>
+          <p:cNvPr id="5" name="Picture 4" descr="Graphical user interface, text&#10;&#10;Description automatically generated">
+            <a:extLst>
+              <a:ext uri="{FF2B5EF4-FFF2-40B4-BE49-F238E27FC236}">
+                <a16:creationId xmlns:a16="http://schemas.microsoft.com/office/drawing/2014/main" id="{41973571-4714-4A37-9A12-B8EF6AD2B962}"/>
+              </a:ext>
+            </a:extLst>
+          </p:cNvPr>
+          <p:cNvPicPr>
+            <a:picLocks noChangeAspect="1"/>
+          </p:cNvPicPr>
+          <p:nvPr/>
+        </p:nvPicPr>
+        <p:blipFill>
+          <a:blip r:embed="rId2"/>
+          <a:stretch>
+            <a:fillRect/>
+          </a:stretch>
+        </p:blipFill>
+        <p:spPr>
+          <a:xfrm>
+            <a:off x="4529398" y="788989"/>
+            <a:ext cx="6831503" cy="1998215"/>
+          </a:xfrm>
+          <a:prstGeom prst="rect">
+            <a:avLst/>
+          </a:prstGeom>
+        </p:spPr>
+      </p:pic>
+      <p:pic>
+        <p:nvPicPr>
+          <p:cNvPr id="8" name="Picture 7" descr="Graphical user interface, text, application&#10;&#10;Description automatically generated">
+            <a:extLst>
+              <a:ext uri="{FF2B5EF4-FFF2-40B4-BE49-F238E27FC236}">
+                <a16:creationId xmlns:a16="http://schemas.microsoft.com/office/drawing/2014/main" id="{947C76F2-46F3-40B9-8D7A-B1625DFB2D13}"/>
+              </a:ext>
+            </a:extLst>
+          </p:cNvPr>
+          <p:cNvPicPr>
+            <a:picLocks noChangeAspect="1"/>
+          </p:cNvPicPr>
+          <p:nvPr/>
+        </p:nvPicPr>
+        <p:blipFill>
+          <a:blip r:embed="rId3"/>
+          <a:stretch>
+            <a:fillRect/>
+          </a:stretch>
+        </p:blipFill>
+        <p:spPr>
+          <a:xfrm>
+            <a:off x="4733218" y="3576193"/>
+            <a:ext cx="6627683" cy="1413256"/>
+          </a:xfrm>
+          <a:prstGeom prst="rect">
+            <a:avLst/>
+          </a:prstGeom>
+        </p:spPr>
+      </p:pic>
+    </p:spTree>
+    <p:extLst>
+      <p:ext uri="{BB962C8B-B14F-4D97-AF65-F5344CB8AC3E}">
+        <p14:creationId xmlns:p14="http://schemas.microsoft.com/office/powerpoint/2010/main" val="4032735044"/>
+      </p:ext>
+    </p:extLst>
+  </p:cSld>
+  <p:clrMapOvr>
+    <a:overrideClrMapping bg1="dk1" tx1="lt1" bg2="dk2" tx2="lt2" accent1="accent1" accent2="accent2" accent3="accent3" accent4="accent4" accent5="accent5" accent6="accent6" hlink="hlink" folHlink="folHlink"/>
   </p:clrMapOvr>
 </p:sld>
 </file>
@@ -6717,7 +10820,7 @@
 </file>
 
 <file path=ppt/slides/slide4.xml><?xml version="1.0" encoding="utf-8"?>
-<p:sld xmlns:a="http://schemas.openxmlformats.org/drawingml/2006/main" xmlns:r="http://schemas.openxmlformats.org/officeDocument/2006/relationships" xmlns:p="http://schemas.openxmlformats.org/presentationml/2006/main">
+<p:sld xmlns:a="http://schemas.openxmlformats.org/drawingml/2006/main" xmlns:r="http://schemas.openxmlformats.org/officeDocument/2006/relationships" xmlns:p="http://schemas.openxmlformats.org/presentationml/2006/main" show="0">
   <p:cSld>
     <p:spTree>
       <p:nvGrpSpPr>
@@ -7591,9 +11694,17 @@
 <file path=ppt/slides/slide7.xml><?xml version="1.0" encoding="utf-8"?>
 <p:sld xmlns:a="http://schemas.openxmlformats.org/drawingml/2006/main" xmlns:r="http://schemas.openxmlformats.org/officeDocument/2006/relationships" xmlns:p="http://schemas.openxmlformats.org/presentationml/2006/main">
   <p:cSld>
+    <p:bg>
+      <p:bgPr>
+        <a:solidFill>
+          <a:schemeClr val="bg1"/>
+        </a:solidFill>
+        <a:effectLst/>
+      </p:bgPr>
+    </p:bg>
     <p:spTree>
       <p:nvGrpSpPr>
-        <p:cNvPr id="1" name="Shape 163"/>
+        <p:cNvPr id="1" name=""/>
         <p:cNvGrpSpPr/>
         <p:nvPr/>
       </p:nvGrpSpPr>
@@ -7607,51 +11718,499 @@
       </p:grpSpPr>
       <p:sp>
         <p:nvSpPr>
-          <p:cNvPr id="164" name="Google Shape;164;p18"/>
-          <p:cNvSpPr txBox="1">
-            <a:spLocks noGrp="1"/>
-          </p:cNvSpPr>
-          <p:nvPr>
-            <p:ph type="title"/>
-          </p:nvPr>
-        </p:nvSpPr>
-        <p:spPr>
-          <a:xfrm>
-            <a:off x="1730000" y="525000"/>
-            <a:ext cx="9385200" cy="1218800"/>
+          <p:cNvPr id="11" name="Rectangle 10">
+            <a:extLst>
+              <a:ext uri="{FF2B5EF4-FFF2-40B4-BE49-F238E27FC236}">
+                <a16:creationId xmlns:a16="http://schemas.microsoft.com/office/drawing/2014/main" id="{DD651B61-325E-4E73-8445-38B0DE8AAAB6}"/>
+              </a:ext>
+              <a:ext uri="{C183D7F6-B498-43B3-948B-1728B52AA6E4}">
+                <adec:decorative xmlns:adec="http://schemas.microsoft.com/office/drawing/2017/decorative" val="1"/>
+              </a:ext>
+            </a:extLst>
+          </p:cNvPr>
+          <p:cNvSpPr>
+            <a:spLocks noGrp="1" noRot="1" noChangeAspect="1" noMove="1" noResize="1" noEditPoints="1" noAdjustHandles="1" noChangeArrowheads="1" noChangeShapeType="1" noTextEdit="1"/>
+          </p:cNvSpPr>
+          <p:nvPr>
+            <p:extLst>
+              <p:ext uri="{386F3935-93C4-4BCD-93E2-E3B085C9AB24}">
+                <p16:designElem xmlns:p16="http://schemas.microsoft.com/office/powerpoint/2015/main" val="1"/>
+              </p:ext>
+            </p:extLst>
+          </p:nvPr>
+        </p:nvSpPr>
+        <p:spPr>
+          <a:xfrm>
+            <a:off x="446534" y="457200"/>
+            <a:ext cx="3703320" cy="94997"/>
           </a:xfrm>
           <a:prstGeom prst="rect">
             <a:avLst/>
           </a:prstGeom>
-        </p:spPr>
+          <a:solidFill>
+            <a:srgbClr val="465359"/>
+          </a:solidFill>
+          <a:ln>
+            <a:noFill/>
+          </a:ln>
+          <a:effectLst/>
+        </p:spPr>
+        <p:style>
+          <a:lnRef idx="1">
+            <a:schemeClr val="accent1"/>
+          </a:lnRef>
+          <a:fillRef idx="3">
+            <a:schemeClr val="accent1"/>
+          </a:fillRef>
+          <a:effectRef idx="2">
+            <a:schemeClr val="accent1"/>
+          </a:effectRef>
+          <a:fontRef idx="minor">
+            <a:schemeClr val="lt1"/>
+          </a:fontRef>
+        </p:style>
+      </p:sp>
+      <p:sp>
+        <p:nvSpPr>
+          <p:cNvPr id="13" name="Rectangle 12">
+            <a:extLst>
+              <a:ext uri="{FF2B5EF4-FFF2-40B4-BE49-F238E27FC236}">
+                <a16:creationId xmlns:a16="http://schemas.microsoft.com/office/drawing/2014/main" id="{B42E5253-D3AC-4AC2-B766-8B34F13C2F5E}"/>
+              </a:ext>
+              <a:ext uri="{C183D7F6-B498-43B3-948B-1728B52AA6E4}">
+                <adec:decorative xmlns:adec="http://schemas.microsoft.com/office/drawing/2017/decorative" val="1"/>
+              </a:ext>
+            </a:extLst>
+          </p:cNvPr>
+          <p:cNvSpPr>
+            <a:spLocks noGrp="1" noRot="1" noChangeAspect="1" noMove="1" noResize="1" noEditPoints="1" noAdjustHandles="1" noChangeArrowheads="1" noChangeShapeType="1" noTextEdit="1"/>
+          </p:cNvSpPr>
+          <p:nvPr>
+            <p:extLst>
+              <p:ext uri="{386F3935-93C4-4BCD-93E2-E3B085C9AB24}">
+                <p16:designElem xmlns:p16="http://schemas.microsoft.com/office/powerpoint/2015/main" val="1"/>
+              </p:ext>
+            </p:extLst>
+          </p:nvPr>
+        </p:nvSpPr>
+        <p:spPr>
+          <a:xfrm>
+            <a:off x="8042147" y="453643"/>
+            <a:ext cx="3703320" cy="98554"/>
+          </a:xfrm>
+          <a:prstGeom prst="rect">
+            <a:avLst/>
+          </a:prstGeom>
+          <a:solidFill>
+            <a:srgbClr val="969FA7"/>
+          </a:solidFill>
+          <a:ln>
+            <a:noFill/>
+          </a:ln>
+          <a:effectLst/>
+        </p:spPr>
+        <p:style>
+          <a:lnRef idx="1">
+            <a:schemeClr val="accent1"/>
+          </a:lnRef>
+          <a:fillRef idx="3">
+            <a:schemeClr val="accent1"/>
+          </a:fillRef>
+          <a:effectRef idx="2">
+            <a:schemeClr val="accent1"/>
+          </a:effectRef>
+          <a:fontRef idx="minor">
+            <a:schemeClr val="lt1"/>
+          </a:fontRef>
+        </p:style>
+      </p:sp>
+      <p:sp>
+        <p:nvSpPr>
+          <p:cNvPr id="15" name="Rectangle 14">
+            <a:extLst>
+              <a:ext uri="{FF2B5EF4-FFF2-40B4-BE49-F238E27FC236}">
+                <a16:creationId xmlns:a16="http://schemas.microsoft.com/office/drawing/2014/main" id="{10AE8D57-436A-4073-9A75-15BB5949F8B4}"/>
+              </a:ext>
+              <a:ext uri="{C183D7F6-B498-43B3-948B-1728B52AA6E4}">
+                <adec:decorative xmlns:adec="http://schemas.microsoft.com/office/drawing/2017/decorative" val="1"/>
+              </a:ext>
+            </a:extLst>
+          </p:cNvPr>
+          <p:cNvSpPr>
+            <a:spLocks noGrp="1" noRot="1" noChangeAspect="1" noMove="1" noResize="1" noEditPoints="1" noAdjustHandles="1" noChangeArrowheads="1" noChangeShapeType="1" noTextEdit="1"/>
+          </p:cNvSpPr>
+          <p:nvPr>
+            <p:extLst>
+              <p:ext uri="{386F3935-93C4-4BCD-93E2-E3B085C9AB24}">
+                <p16:designElem xmlns:p16="http://schemas.microsoft.com/office/powerpoint/2015/main" val="1"/>
+              </p:ext>
+            </p:extLst>
+          </p:nvPr>
+        </p:nvSpPr>
+        <p:spPr>
+          <a:xfrm>
+            <a:off x="4241830" y="457200"/>
+            <a:ext cx="3703320" cy="91440"/>
+          </a:xfrm>
+          <a:prstGeom prst="rect">
+            <a:avLst/>
+          </a:prstGeom>
+          <a:solidFill>
+            <a:schemeClr val="accent1"/>
+          </a:solidFill>
+          <a:ln>
+            <a:noFill/>
+          </a:ln>
+          <a:effectLst/>
+        </p:spPr>
+        <p:style>
+          <a:lnRef idx="1">
+            <a:schemeClr val="accent1"/>
+          </a:lnRef>
+          <a:fillRef idx="3">
+            <a:schemeClr val="accent1"/>
+          </a:fillRef>
+          <a:effectRef idx="2">
+            <a:schemeClr val="accent1"/>
+          </a:effectRef>
+          <a:fontRef idx="minor">
+            <a:schemeClr val="lt1"/>
+          </a:fontRef>
+        </p:style>
+      </p:sp>
+      <p:sp>
+        <p:nvSpPr>
+          <p:cNvPr id="17" name="Rectangle 16">
+            <a:extLst>
+              <a:ext uri="{FF2B5EF4-FFF2-40B4-BE49-F238E27FC236}">
+                <a16:creationId xmlns:a16="http://schemas.microsoft.com/office/drawing/2014/main" id="{E9751CB9-7B25-4EB8-9A6F-82F822549F12}"/>
+              </a:ext>
+              <a:ext uri="{C183D7F6-B498-43B3-948B-1728B52AA6E4}">
+                <adec:decorative xmlns:adec="http://schemas.microsoft.com/office/drawing/2017/decorative" val="1"/>
+              </a:ext>
+            </a:extLst>
+          </p:cNvPr>
+          <p:cNvSpPr>
+            <a:spLocks noGrp="1" noRot="1" noChangeAspect="1" noMove="1" noResize="1" noEditPoints="1" noAdjustHandles="1" noChangeArrowheads="1" noChangeShapeType="1" noTextEdit="1"/>
+          </p:cNvSpPr>
+          <p:nvPr>
+            <p:extLst>
+              <p:ext uri="{386F3935-93C4-4BCD-93E2-E3B085C9AB24}">
+                <p16:designElem xmlns:p16="http://schemas.microsoft.com/office/powerpoint/2015/main" val="1"/>
+              </p:ext>
+            </p:extLst>
+          </p:nvPr>
+        </p:nvSpPr>
+        <p:spPr>
+          <a:xfrm>
+            <a:off x="0" y="0"/>
+            <a:ext cx="12192000" cy="6858000"/>
+          </a:xfrm>
+          <a:prstGeom prst="rect">
+            <a:avLst/>
+          </a:prstGeom>
+          <a:solidFill>
+            <a:srgbClr val="FFFFFF"/>
+          </a:solidFill>
+          <a:ln>
+            <a:noFill/>
+          </a:ln>
+        </p:spPr>
+        <p:style>
+          <a:lnRef idx="2">
+            <a:schemeClr val="accent1">
+              <a:shade val="50000"/>
+            </a:schemeClr>
+          </a:lnRef>
+          <a:fillRef idx="1">
+            <a:schemeClr val="accent1"/>
+          </a:fillRef>
+          <a:effectRef idx="0">
+            <a:schemeClr val="accent1"/>
+          </a:effectRef>
+          <a:fontRef idx="minor">
+            <a:schemeClr val="lt1"/>
+          </a:fontRef>
+        </p:style>
         <p:txBody>
-          <a:bodyPr spcFirstLastPara="1" vert="horz" wrap="square" lIns="121900" tIns="121900" rIns="121900" bIns="121900" rtlCol="0" anchor="t" anchorCtr="0">
+          <a:bodyPr rtlCol="0" anchor="ctr"/>
+          <a:lstStyle/>
+          <a:p>
+            <a:pPr algn="ctr"/>
+            <a:endParaRPr lang="en-US"/>
+          </a:p>
+        </p:txBody>
+      </p:sp>
+      <p:sp>
+        <p:nvSpPr>
+          <p:cNvPr id="19" name="Rectangle 18">
+            <a:extLst>
+              <a:ext uri="{FF2B5EF4-FFF2-40B4-BE49-F238E27FC236}">
+                <a16:creationId xmlns:a16="http://schemas.microsoft.com/office/drawing/2014/main" id="{E1317383-CF3B-4B02-9512-BECBEF6362A4}"/>
+              </a:ext>
+              <a:ext uri="{C183D7F6-B498-43B3-948B-1728B52AA6E4}">
+                <adec:decorative xmlns:adec="http://schemas.microsoft.com/office/drawing/2017/decorative" val="1"/>
+              </a:ext>
+            </a:extLst>
+          </p:cNvPr>
+          <p:cNvSpPr>
+            <a:spLocks noGrp="1" noRot="1" noChangeAspect="1" noMove="1" noResize="1" noEditPoints="1" noAdjustHandles="1" noChangeArrowheads="1" noChangeShapeType="1" noTextEdit="1"/>
+          </p:cNvSpPr>
+          <p:nvPr>
+            <p:extLst>
+              <p:ext uri="{386F3935-93C4-4BCD-93E2-E3B085C9AB24}">
+                <p16:designElem xmlns:p16="http://schemas.microsoft.com/office/powerpoint/2015/main" val="1"/>
+              </p:ext>
+            </p:extLst>
+          </p:nvPr>
+        </p:nvSpPr>
+        <p:spPr>
+          <a:xfrm>
+            <a:off x="446534" y="457200"/>
+            <a:ext cx="3703320" cy="94997"/>
+          </a:xfrm>
+          <a:prstGeom prst="rect">
+            <a:avLst/>
+          </a:prstGeom>
+          <a:solidFill>
+            <a:srgbClr val="465359"/>
+          </a:solidFill>
+          <a:ln>
+            <a:noFill/>
+          </a:ln>
+          <a:effectLst/>
+        </p:spPr>
+        <p:style>
+          <a:lnRef idx="1">
+            <a:schemeClr val="accent1"/>
+          </a:lnRef>
+          <a:fillRef idx="3">
+            <a:schemeClr val="accent1"/>
+          </a:fillRef>
+          <a:effectRef idx="2">
+            <a:schemeClr val="accent1"/>
+          </a:effectRef>
+          <a:fontRef idx="minor">
+            <a:schemeClr val="lt1"/>
+          </a:fontRef>
+        </p:style>
+      </p:sp>
+      <p:sp>
+        <p:nvSpPr>
+          <p:cNvPr id="21" name="Rectangle 20">
+            <a:extLst>
+              <a:ext uri="{FF2B5EF4-FFF2-40B4-BE49-F238E27FC236}">
+                <a16:creationId xmlns:a16="http://schemas.microsoft.com/office/drawing/2014/main" id="{B1D4C7A0-6DF2-4F2D-A45D-F111582974C7}"/>
+              </a:ext>
+              <a:ext uri="{C183D7F6-B498-43B3-948B-1728B52AA6E4}">
+                <adec:decorative xmlns:adec="http://schemas.microsoft.com/office/drawing/2017/decorative" val="1"/>
+              </a:ext>
+            </a:extLst>
+          </p:cNvPr>
+          <p:cNvSpPr>
+            <a:spLocks noGrp="1" noRot="1" noChangeAspect="1" noMove="1" noResize="1" noEditPoints="1" noAdjustHandles="1" noChangeArrowheads="1" noChangeShapeType="1" noTextEdit="1"/>
+          </p:cNvSpPr>
+          <p:nvPr>
+            <p:extLst>
+              <p:ext uri="{386F3935-93C4-4BCD-93E2-E3B085C9AB24}">
+                <p16:designElem xmlns:p16="http://schemas.microsoft.com/office/powerpoint/2015/main" val="1"/>
+              </p:ext>
+            </p:extLst>
+          </p:nvPr>
+        </p:nvSpPr>
+        <p:spPr>
+          <a:xfrm>
+            <a:off x="4241830" y="457200"/>
+            <a:ext cx="3703320" cy="91440"/>
+          </a:xfrm>
+          <a:prstGeom prst="rect">
+            <a:avLst/>
+          </a:prstGeom>
+          <a:solidFill>
+            <a:schemeClr val="accent1"/>
+          </a:solidFill>
+          <a:ln>
+            <a:noFill/>
+          </a:ln>
+          <a:effectLst/>
+        </p:spPr>
+        <p:style>
+          <a:lnRef idx="1">
+            <a:schemeClr val="accent1"/>
+          </a:lnRef>
+          <a:fillRef idx="3">
+            <a:schemeClr val="accent1"/>
+          </a:fillRef>
+          <a:effectRef idx="2">
+            <a:schemeClr val="accent1"/>
+          </a:effectRef>
+          <a:fontRef idx="minor">
+            <a:schemeClr val="lt1"/>
+          </a:fontRef>
+        </p:style>
+      </p:sp>
+      <p:sp>
+        <p:nvSpPr>
+          <p:cNvPr id="23" name="Rectangle 22">
+            <a:extLst>
+              <a:ext uri="{FF2B5EF4-FFF2-40B4-BE49-F238E27FC236}">
+                <a16:creationId xmlns:a16="http://schemas.microsoft.com/office/drawing/2014/main" id="{DBF3943D-BCB6-4B31-809D-A005686483B4}"/>
+              </a:ext>
+              <a:ext uri="{C183D7F6-B498-43B3-948B-1728B52AA6E4}">
+                <adec:decorative xmlns:adec="http://schemas.microsoft.com/office/drawing/2017/decorative" val="1"/>
+              </a:ext>
+            </a:extLst>
+          </p:cNvPr>
+          <p:cNvSpPr>
+            <a:spLocks noGrp="1" noRot="1" noChangeAspect="1" noMove="1" noResize="1" noEditPoints="1" noAdjustHandles="1" noChangeArrowheads="1" noChangeShapeType="1" noTextEdit="1"/>
+          </p:cNvSpPr>
+          <p:nvPr>
+            <p:extLst>
+              <p:ext uri="{386F3935-93C4-4BCD-93E2-E3B085C9AB24}">
+                <p16:designElem xmlns:p16="http://schemas.microsoft.com/office/powerpoint/2015/main" val="1"/>
+              </p:ext>
+            </p:extLst>
+          </p:nvPr>
+        </p:nvSpPr>
+        <p:spPr>
+          <a:xfrm>
+            <a:off x="8042147" y="453643"/>
+            <a:ext cx="3703320" cy="98554"/>
+          </a:xfrm>
+          <a:prstGeom prst="rect">
+            <a:avLst/>
+          </a:prstGeom>
+          <a:solidFill>
+            <a:srgbClr val="969FA7"/>
+          </a:solidFill>
+          <a:ln>
+            <a:noFill/>
+          </a:ln>
+          <a:effectLst/>
+        </p:spPr>
+        <p:style>
+          <a:lnRef idx="1">
+            <a:schemeClr val="accent1"/>
+          </a:lnRef>
+          <a:fillRef idx="3">
+            <a:schemeClr val="accent1"/>
+          </a:fillRef>
+          <a:effectRef idx="2">
+            <a:schemeClr val="accent1"/>
+          </a:effectRef>
+          <a:fontRef idx="minor">
+            <a:schemeClr val="lt1"/>
+          </a:fontRef>
+        </p:style>
+      </p:sp>
+      <p:sp>
+        <p:nvSpPr>
+          <p:cNvPr id="25" name="Rectangle 24">
+            <a:extLst>
+              <a:ext uri="{FF2B5EF4-FFF2-40B4-BE49-F238E27FC236}">
+                <a16:creationId xmlns:a16="http://schemas.microsoft.com/office/drawing/2014/main" id="{39373A6F-2E1F-4613-8E1D-D68057D29F31}"/>
+              </a:ext>
+              <a:ext uri="{C183D7F6-B498-43B3-948B-1728B52AA6E4}">
+                <adec:decorative xmlns:adec="http://schemas.microsoft.com/office/drawing/2017/decorative" val="1"/>
+              </a:ext>
+            </a:extLst>
+          </p:cNvPr>
+          <p:cNvSpPr>
+            <a:spLocks noGrp="1" noRot="1" noChangeAspect="1" noMove="1" noResize="1" noEditPoints="1" noAdjustHandles="1" noChangeArrowheads="1" noChangeShapeType="1" noTextEdit="1"/>
+          </p:cNvSpPr>
+          <p:nvPr>
+            <p:extLst>
+              <p:ext uri="{386F3935-93C4-4BCD-93E2-E3B085C9AB24}">
+                <p16:designElem xmlns:p16="http://schemas.microsoft.com/office/powerpoint/2015/main" val="1"/>
+              </p:ext>
+            </p:extLst>
+          </p:nvPr>
+        </p:nvSpPr>
+        <p:spPr>
+          <a:xfrm>
+            <a:off x="442377" y="601200"/>
+            <a:ext cx="3707477" cy="5624979"/>
+          </a:xfrm>
+          <a:prstGeom prst="rect">
+            <a:avLst/>
+          </a:prstGeom>
+          <a:solidFill>
+            <a:srgbClr val="465359"/>
+          </a:solidFill>
+          <a:ln>
+            <a:noFill/>
+          </a:ln>
+          <a:effectLst/>
+        </p:spPr>
+        <p:style>
+          <a:lnRef idx="1">
+            <a:schemeClr val="accent1"/>
+          </a:lnRef>
+          <a:fillRef idx="3">
+            <a:schemeClr val="accent1"/>
+          </a:fillRef>
+          <a:effectRef idx="2">
+            <a:schemeClr val="accent1"/>
+          </a:effectRef>
+          <a:fontRef idx="minor">
+            <a:schemeClr val="lt1"/>
+          </a:fontRef>
+        </p:style>
+      </p:sp>
+      <p:sp>
+        <p:nvSpPr>
+          <p:cNvPr id="2" name="Title 1">
+            <a:extLst>
+              <a:ext uri="{FF2B5EF4-FFF2-40B4-BE49-F238E27FC236}">
+                <a16:creationId xmlns:a16="http://schemas.microsoft.com/office/drawing/2014/main" id="{B55F5714-2E8E-4ACD-A2CD-04641C08956A}"/>
+              </a:ext>
+            </a:extLst>
+          </p:cNvPr>
+          <p:cNvSpPr>
+            <a:spLocks noGrp="1"/>
+          </p:cNvSpPr>
+          <p:nvPr>
+            <p:ph type="title"/>
+          </p:nvPr>
+        </p:nvSpPr>
+        <p:spPr>
+          <a:xfrm>
+            <a:off x="601255" y="702155"/>
+            <a:ext cx="3409783" cy="1300365"/>
+          </a:xfrm>
+        </p:spPr>
+        <p:txBody>
+          <a:bodyPr vert="horz" lIns="91440" tIns="45720" rIns="91440" bIns="45720" rtlCol="0" anchor="b">
             <a:normAutofit/>
           </a:bodyPr>
           <a:lstStyle/>
           <a:p>
+            <a:pPr>
+              <a:spcBef>
+                <a:spcPct val="0"/>
+              </a:spcBef>
+            </a:pPr>
             <a:r>
-              <a:rPr lang="en" sz="2800">
-                <a:latin typeface="Lato"/>
-                <a:ea typeface="Lato"/>
-                <a:cs typeface="Lato"/>
-                <a:sym typeface="Lato"/>
+              <a:rPr lang="en-US" sz="2800" dirty="0">
+                <a:solidFill>
+                  <a:srgbClr val="FFFFFF"/>
+                </a:solidFill>
               </a:rPr>
-              <a:t>Project Analysis Machine Learning Model</a:t>
+              <a:t>Data Processing </a:t>
             </a:r>
-            <a:endParaRPr sz="2800">
-              <a:latin typeface="Lato"/>
-              <a:ea typeface="Lato"/>
-              <a:cs typeface="Lato"/>
-              <a:sym typeface="Lato"/>
-            </a:endParaRPr>
           </a:p>
         </p:txBody>
       </p:sp>
       <p:sp>
         <p:nvSpPr>
-          <p:cNvPr id="165" name="Google Shape;165;p18"/>
-          <p:cNvSpPr txBox="1">
+          <p:cNvPr id="3" name="Text Placeholder 2">
+            <a:extLst>
+              <a:ext uri="{FF2B5EF4-FFF2-40B4-BE49-F238E27FC236}">
+                <a16:creationId xmlns:a16="http://schemas.microsoft.com/office/drawing/2014/main" id="{69967516-9E99-4B4D-AD6B-5B2B788CBAC4}"/>
+              </a:ext>
+            </a:extLst>
+          </p:cNvPr>
+          <p:cNvSpPr>
             <a:spLocks noGrp="1"/>
           </p:cNvSpPr>
           <p:nvPr>
@@ -7660,141 +12219,77 @@
         </p:nvSpPr>
         <p:spPr>
           <a:xfrm>
-            <a:off x="1730000" y="2090067"/>
-            <a:ext cx="9385200" cy="3881600"/>
+            <a:off x="601255" y="2177142"/>
+            <a:ext cx="3409782" cy="3823607"/>
+          </a:xfrm>
+        </p:spPr>
+        <p:txBody>
+          <a:bodyPr vert="horz" lIns="91440" tIns="45720" rIns="91440" bIns="45720" rtlCol="0" anchor="ctr">
+            <a:normAutofit/>
+          </a:bodyPr>
+          <a:lstStyle/>
+          <a:p>
+            <a:pPr>
+              <a:spcBef>
+                <a:spcPct val="20000"/>
+              </a:spcBef>
+              <a:spcAft>
+                <a:spcPts val="600"/>
+              </a:spcAft>
+              <a:buSzPct val="92000"/>
+              <a:buFont typeface="Wingdings 2" panose="05020102010507070707" pitchFamily="18" charset="2"/>
+              <a:buChar char=""/>
+            </a:pPr>
+            <a:r>
+              <a:rPr lang="en-US" dirty="0">
+                <a:solidFill>
+                  <a:srgbClr val="FFFFFF"/>
+                </a:solidFill>
+              </a:rPr>
+              <a:t>Data Cleanup –Phase1 </a:t>
+            </a:r>
+          </a:p>
+        </p:txBody>
+      </p:sp>
+      <p:pic>
+        <p:nvPicPr>
+          <p:cNvPr id="6" name="Picture 5" descr="Graphical user interface, text, application&#10;&#10;Description automatically generated">
+            <a:extLst>
+              <a:ext uri="{FF2B5EF4-FFF2-40B4-BE49-F238E27FC236}">
+                <a16:creationId xmlns:a16="http://schemas.microsoft.com/office/drawing/2014/main" id="{A0F8300A-45BB-4226-BD1D-9F03FDB3A419}"/>
+              </a:ext>
+            </a:extLst>
+          </p:cNvPr>
+          <p:cNvPicPr>
+            <a:picLocks noChangeAspect="1"/>
+          </p:cNvPicPr>
+          <p:nvPr/>
+        </p:nvPicPr>
+        <p:blipFill>
+          <a:blip r:embed="rId2"/>
+          <a:stretch>
+            <a:fillRect/>
+          </a:stretch>
+        </p:blipFill>
+        <p:spPr>
+          <a:xfrm>
+            <a:off x="5672879" y="936141"/>
+            <a:ext cx="4670206" cy="4968305"/>
           </a:xfrm>
           <a:prstGeom prst="rect">
             <a:avLst/>
           </a:prstGeom>
         </p:spPr>
-        <p:txBody>
-          <a:bodyPr spcFirstLastPara="1" vert="horz" wrap="square" lIns="121900" tIns="121900" rIns="121900" bIns="121900" rtlCol="0" anchor="t" anchorCtr="0">
-            <a:normAutofit/>
-          </a:bodyPr>
-          <a:lstStyle/>
-          <a:p>
-            <a:r>
-              <a:rPr lang="en"/>
-              <a:t>Once ETL process is completed, we will use the Data Frame to run two Machine Learning models:</a:t>
-            </a:r>
-            <a:endParaRPr/>
-          </a:p>
-          <a:p>
-            <a:pPr lvl="1"/>
-            <a:r>
-              <a:rPr lang="en" b="1">
-                <a:solidFill>
-                  <a:srgbClr val="008000"/>
-                </a:solidFill>
-                <a:highlight>
-                  <a:srgbClr val="F7F7F7"/>
-                </a:highlight>
-                <a:latin typeface="Arial"/>
-                <a:ea typeface="Arial"/>
-                <a:cs typeface="Arial"/>
-                <a:sym typeface="Arial"/>
-              </a:rPr>
-              <a:t>Linear Regression </a:t>
-            </a:r>
-            <a:endParaRPr b="1">
-              <a:solidFill>
-                <a:srgbClr val="008000"/>
-              </a:solidFill>
-              <a:highlight>
-                <a:srgbClr val="F7F7F7"/>
-              </a:highlight>
-              <a:latin typeface="Arial"/>
-              <a:ea typeface="Arial"/>
-              <a:cs typeface="Arial"/>
-              <a:sym typeface="Arial"/>
-            </a:endParaRPr>
-          </a:p>
-          <a:p>
-            <a:pPr marL="0" indent="0">
-              <a:spcBef>
-                <a:spcPts val="1600"/>
-              </a:spcBef>
-              <a:buNone/>
-            </a:pPr>
-            <a:endParaRPr sz="1400" b="1">
-              <a:solidFill>
-                <a:srgbClr val="008000"/>
-              </a:solidFill>
-              <a:highlight>
-                <a:srgbClr val="F7F7F7"/>
-              </a:highlight>
-              <a:latin typeface="Arial"/>
-              <a:ea typeface="Arial"/>
-              <a:cs typeface="Arial"/>
-              <a:sym typeface="Arial"/>
-            </a:endParaRPr>
-          </a:p>
-          <a:p>
-            <a:pPr marL="0" indent="0">
-              <a:spcBef>
-                <a:spcPts val="1600"/>
-              </a:spcBef>
-              <a:buNone/>
-            </a:pPr>
-            <a:endParaRPr sz="1400" b="1">
-              <a:solidFill>
-                <a:srgbClr val="008000"/>
-              </a:solidFill>
-              <a:highlight>
-                <a:srgbClr val="F7F7F7"/>
-              </a:highlight>
-              <a:latin typeface="Arial"/>
-              <a:ea typeface="Arial"/>
-              <a:cs typeface="Arial"/>
-              <a:sym typeface="Arial"/>
-            </a:endParaRPr>
-          </a:p>
-          <a:p>
-            <a:pPr indent="-393690">
-              <a:spcBef>
-                <a:spcPts val="1600"/>
-              </a:spcBef>
-              <a:buClr>
-                <a:srgbClr val="008000"/>
-              </a:buClr>
-              <a:buSzPts val="1050"/>
-              <a:buFont typeface="Arial"/>
-              <a:buChar char="●"/>
-            </a:pPr>
-            <a:r>
-              <a:rPr lang="en" sz="1400" b="1">
-                <a:solidFill>
-                  <a:srgbClr val="008000"/>
-                </a:solidFill>
-                <a:highlight>
-                  <a:srgbClr val="F7F7F7"/>
-                </a:highlight>
-                <a:latin typeface="Arial"/>
-                <a:ea typeface="Arial"/>
-                <a:cs typeface="Arial"/>
-                <a:sym typeface="Arial"/>
-              </a:rPr>
-              <a:t>Neural Network ML Model</a:t>
-            </a:r>
-            <a:endParaRPr sz="1400" b="1">
-              <a:solidFill>
-                <a:srgbClr val="008000"/>
-              </a:solidFill>
-              <a:highlight>
-                <a:srgbClr val="F7F7F7"/>
-              </a:highlight>
-              <a:latin typeface="Arial"/>
-              <a:ea typeface="Arial"/>
-              <a:cs typeface="Arial"/>
-              <a:sym typeface="Arial"/>
-            </a:endParaRPr>
-          </a:p>
-        </p:txBody>
-      </p:sp>
+      </p:pic>
     </p:spTree>
+    <p:extLst>
+      <p:ext uri="{BB962C8B-B14F-4D97-AF65-F5344CB8AC3E}">
+        <p14:creationId xmlns:p14="http://schemas.microsoft.com/office/powerpoint/2010/main" val="169108408"/>
+      </p:ext>
+    </p:extLst>
   </p:cSld>
   <p:clrMapOvr>
-    <a:masterClrMapping/>
+    <a:overrideClrMapping bg1="dk1" tx1="lt1" bg2="dk2" tx2="lt2" accent1="accent1" accent2="accent2" accent3="accent3" accent4="accent4" accent5="accent5" accent6="accent6" hlink="hlink" folHlink="folHlink"/>
   </p:clrMapOvr>
 </p:sld>
 </file>
@@ -7802,9 +12297,17 @@
 <file path=ppt/slides/slide8.xml><?xml version="1.0" encoding="utf-8"?>
 <p:sld xmlns:a="http://schemas.openxmlformats.org/drawingml/2006/main" xmlns:r="http://schemas.openxmlformats.org/officeDocument/2006/relationships" xmlns:p="http://schemas.openxmlformats.org/presentationml/2006/main">
   <p:cSld>
+    <p:bg>
+      <p:bgPr>
+        <a:solidFill>
+          <a:schemeClr val="bg1"/>
+        </a:solidFill>
+        <a:effectLst/>
+      </p:bgPr>
+    </p:bg>
     <p:spTree>
       <p:nvGrpSpPr>
-        <p:cNvPr id="1" name="Shape 169"/>
+        <p:cNvPr id="1" name=""/>
         <p:cNvGrpSpPr/>
         <p:nvPr/>
       </p:nvGrpSpPr>
@@ -7818,111 +12321,575 @@
       </p:grpSpPr>
       <p:sp>
         <p:nvSpPr>
-          <p:cNvPr id="170" name="Google Shape;170;p19"/>
-          <p:cNvSpPr txBox="1">
-            <a:spLocks noGrp="1"/>
-          </p:cNvSpPr>
-          <p:nvPr>
-            <p:ph type="title"/>
-          </p:nvPr>
-        </p:nvSpPr>
-        <p:spPr>
-          <a:xfrm>
-            <a:off x="1730000" y="525000"/>
-            <a:ext cx="9385200" cy="1218800"/>
+          <p:cNvPr id="34" name="Rectangle 9">
+            <a:extLst>
+              <a:ext uri="{FF2B5EF4-FFF2-40B4-BE49-F238E27FC236}">
+                <a16:creationId xmlns:a16="http://schemas.microsoft.com/office/drawing/2014/main" id="{DD651B61-325E-4E73-8445-38B0DE8AAAB6}"/>
+              </a:ext>
+              <a:ext uri="{C183D7F6-B498-43B3-948B-1728B52AA6E4}">
+                <adec:decorative xmlns:adec="http://schemas.microsoft.com/office/drawing/2017/decorative" val="1"/>
+              </a:ext>
+            </a:extLst>
+          </p:cNvPr>
+          <p:cNvSpPr>
+            <a:spLocks noGrp="1" noRot="1" noChangeAspect="1" noMove="1" noResize="1" noEditPoints="1" noAdjustHandles="1" noChangeArrowheads="1" noChangeShapeType="1" noTextEdit="1"/>
+          </p:cNvSpPr>
+          <p:nvPr>
+            <p:extLst>
+              <p:ext uri="{386F3935-93C4-4BCD-93E2-E3B085C9AB24}">
+                <p16:designElem xmlns:p16="http://schemas.microsoft.com/office/powerpoint/2015/main" val="1"/>
+              </p:ext>
+            </p:extLst>
+          </p:nvPr>
+        </p:nvSpPr>
+        <p:spPr>
+          <a:xfrm>
+            <a:off x="446534" y="457200"/>
+            <a:ext cx="3703320" cy="94997"/>
           </a:xfrm>
           <a:prstGeom prst="rect">
             <a:avLst/>
           </a:prstGeom>
-        </p:spPr>
+          <a:solidFill>
+            <a:srgbClr val="465359"/>
+          </a:solidFill>
+          <a:ln>
+            <a:noFill/>
+          </a:ln>
+          <a:effectLst/>
+        </p:spPr>
+        <p:style>
+          <a:lnRef idx="1">
+            <a:schemeClr val="accent1"/>
+          </a:lnRef>
+          <a:fillRef idx="3">
+            <a:schemeClr val="accent1"/>
+          </a:fillRef>
+          <a:effectRef idx="2">
+            <a:schemeClr val="accent1"/>
+          </a:effectRef>
+          <a:fontRef idx="minor">
+            <a:schemeClr val="lt1"/>
+          </a:fontRef>
+        </p:style>
+      </p:sp>
+      <p:sp>
+        <p:nvSpPr>
+          <p:cNvPr id="35" name="Rectangle 11">
+            <a:extLst>
+              <a:ext uri="{FF2B5EF4-FFF2-40B4-BE49-F238E27FC236}">
+                <a16:creationId xmlns:a16="http://schemas.microsoft.com/office/drawing/2014/main" id="{B42E5253-D3AC-4AC2-B766-8B34F13C2F5E}"/>
+              </a:ext>
+              <a:ext uri="{C183D7F6-B498-43B3-948B-1728B52AA6E4}">
+                <adec:decorative xmlns:adec="http://schemas.microsoft.com/office/drawing/2017/decorative" val="1"/>
+              </a:ext>
+            </a:extLst>
+          </p:cNvPr>
+          <p:cNvSpPr>
+            <a:spLocks noGrp="1" noRot="1" noChangeAspect="1" noMove="1" noResize="1" noEditPoints="1" noAdjustHandles="1" noChangeArrowheads="1" noChangeShapeType="1" noTextEdit="1"/>
+          </p:cNvSpPr>
+          <p:nvPr>
+            <p:extLst>
+              <p:ext uri="{386F3935-93C4-4BCD-93E2-E3B085C9AB24}">
+                <p16:designElem xmlns:p16="http://schemas.microsoft.com/office/powerpoint/2015/main" val="1"/>
+              </p:ext>
+            </p:extLst>
+          </p:nvPr>
+        </p:nvSpPr>
+        <p:spPr>
+          <a:xfrm>
+            <a:off x="8042147" y="453643"/>
+            <a:ext cx="3703320" cy="98554"/>
+          </a:xfrm>
+          <a:prstGeom prst="rect">
+            <a:avLst/>
+          </a:prstGeom>
+          <a:solidFill>
+            <a:srgbClr val="969FA7"/>
+          </a:solidFill>
+          <a:ln>
+            <a:noFill/>
+          </a:ln>
+          <a:effectLst/>
+        </p:spPr>
+        <p:style>
+          <a:lnRef idx="1">
+            <a:schemeClr val="accent1"/>
+          </a:lnRef>
+          <a:fillRef idx="3">
+            <a:schemeClr val="accent1"/>
+          </a:fillRef>
+          <a:effectRef idx="2">
+            <a:schemeClr val="accent1"/>
+          </a:effectRef>
+          <a:fontRef idx="minor">
+            <a:schemeClr val="lt1"/>
+          </a:fontRef>
+        </p:style>
+      </p:sp>
+      <p:sp>
+        <p:nvSpPr>
+          <p:cNvPr id="36" name="Rectangle 13">
+            <a:extLst>
+              <a:ext uri="{FF2B5EF4-FFF2-40B4-BE49-F238E27FC236}">
+                <a16:creationId xmlns:a16="http://schemas.microsoft.com/office/drawing/2014/main" id="{10AE8D57-436A-4073-9A75-15BB5949F8B4}"/>
+              </a:ext>
+              <a:ext uri="{C183D7F6-B498-43B3-948B-1728B52AA6E4}">
+                <adec:decorative xmlns:adec="http://schemas.microsoft.com/office/drawing/2017/decorative" val="1"/>
+              </a:ext>
+            </a:extLst>
+          </p:cNvPr>
+          <p:cNvSpPr>
+            <a:spLocks noGrp="1" noRot="1" noChangeAspect="1" noMove="1" noResize="1" noEditPoints="1" noAdjustHandles="1" noChangeArrowheads="1" noChangeShapeType="1" noTextEdit="1"/>
+          </p:cNvSpPr>
+          <p:nvPr>
+            <p:extLst>
+              <p:ext uri="{386F3935-93C4-4BCD-93E2-E3B085C9AB24}">
+                <p16:designElem xmlns:p16="http://schemas.microsoft.com/office/powerpoint/2015/main" val="1"/>
+              </p:ext>
+            </p:extLst>
+          </p:nvPr>
+        </p:nvSpPr>
+        <p:spPr>
+          <a:xfrm>
+            <a:off x="4241830" y="457200"/>
+            <a:ext cx="3703320" cy="91440"/>
+          </a:xfrm>
+          <a:prstGeom prst="rect">
+            <a:avLst/>
+          </a:prstGeom>
+          <a:solidFill>
+            <a:schemeClr val="accent1"/>
+          </a:solidFill>
+          <a:ln>
+            <a:noFill/>
+          </a:ln>
+          <a:effectLst/>
+        </p:spPr>
+        <p:style>
+          <a:lnRef idx="1">
+            <a:schemeClr val="accent1"/>
+          </a:lnRef>
+          <a:fillRef idx="3">
+            <a:schemeClr val="accent1"/>
+          </a:fillRef>
+          <a:effectRef idx="2">
+            <a:schemeClr val="accent1"/>
+          </a:effectRef>
+          <a:fontRef idx="minor">
+            <a:schemeClr val="lt1"/>
+          </a:fontRef>
+        </p:style>
+      </p:sp>
+      <p:sp>
+        <p:nvSpPr>
+          <p:cNvPr id="37" name="Rectangle 15">
+            <a:extLst>
+              <a:ext uri="{FF2B5EF4-FFF2-40B4-BE49-F238E27FC236}">
+                <a16:creationId xmlns:a16="http://schemas.microsoft.com/office/drawing/2014/main" id="{E9751CB9-7B25-4EB8-9A6F-82F822549F12}"/>
+              </a:ext>
+              <a:ext uri="{C183D7F6-B498-43B3-948B-1728B52AA6E4}">
+                <adec:decorative xmlns:adec="http://schemas.microsoft.com/office/drawing/2017/decorative" val="1"/>
+              </a:ext>
+            </a:extLst>
+          </p:cNvPr>
+          <p:cNvSpPr>
+            <a:spLocks noGrp="1" noRot="1" noChangeAspect="1" noMove="1" noResize="1" noEditPoints="1" noAdjustHandles="1" noChangeArrowheads="1" noChangeShapeType="1" noTextEdit="1"/>
+          </p:cNvSpPr>
+          <p:nvPr>
+            <p:extLst>
+              <p:ext uri="{386F3935-93C4-4BCD-93E2-E3B085C9AB24}">
+                <p16:designElem xmlns:p16="http://schemas.microsoft.com/office/powerpoint/2015/main" val="1"/>
+              </p:ext>
+            </p:extLst>
+          </p:nvPr>
+        </p:nvSpPr>
+        <p:spPr>
+          <a:xfrm>
+            <a:off x="0" y="0"/>
+            <a:ext cx="12192000" cy="6858000"/>
+          </a:xfrm>
+          <a:prstGeom prst="rect">
+            <a:avLst/>
+          </a:prstGeom>
+          <a:solidFill>
+            <a:srgbClr val="FFFFFF"/>
+          </a:solidFill>
+          <a:ln>
+            <a:noFill/>
+          </a:ln>
+        </p:spPr>
+        <p:style>
+          <a:lnRef idx="2">
+            <a:schemeClr val="accent1">
+              <a:shade val="50000"/>
+            </a:schemeClr>
+          </a:lnRef>
+          <a:fillRef idx="1">
+            <a:schemeClr val="accent1"/>
+          </a:fillRef>
+          <a:effectRef idx="0">
+            <a:schemeClr val="accent1"/>
+          </a:effectRef>
+          <a:fontRef idx="minor">
+            <a:schemeClr val="lt1"/>
+          </a:fontRef>
+        </p:style>
         <p:txBody>
-          <a:bodyPr spcFirstLastPara="1" vert="horz" wrap="square" lIns="121900" tIns="121900" rIns="121900" bIns="121900" rtlCol="0" anchor="t" anchorCtr="0">
+          <a:bodyPr rtlCol="0" anchor="ctr"/>
+          <a:lstStyle/>
+          <a:p>
+            <a:pPr algn="ctr"/>
+            <a:endParaRPr lang="en-US"/>
+          </a:p>
+        </p:txBody>
+      </p:sp>
+      <p:sp>
+        <p:nvSpPr>
+          <p:cNvPr id="38" name="Rectangle 17">
+            <a:extLst>
+              <a:ext uri="{FF2B5EF4-FFF2-40B4-BE49-F238E27FC236}">
+                <a16:creationId xmlns:a16="http://schemas.microsoft.com/office/drawing/2014/main" id="{E1317383-CF3B-4B02-9512-BECBEF6362A4}"/>
+              </a:ext>
+              <a:ext uri="{C183D7F6-B498-43B3-948B-1728B52AA6E4}">
+                <adec:decorative xmlns:adec="http://schemas.microsoft.com/office/drawing/2017/decorative" val="1"/>
+              </a:ext>
+            </a:extLst>
+          </p:cNvPr>
+          <p:cNvSpPr>
+            <a:spLocks noGrp="1" noRot="1" noChangeAspect="1" noMove="1" noResize="1" noEditPoints="1" noAdjustHandles="1" noChangeArrowheads="1" noChangeShapeType="1" noTextEdit="1"/>
+          </p:cNvSpPr>
+          <p:nvPr>
+            <p:extLst>
+              <p:ext uri="{386F3935-93C4-4BCD-93E2-E3B085C9AB24}">
+                <p16:designElem xmlns:p16="http://schemas.microsoft.com/office/powerpoint/2015/main" val="1"/>
+              </p:ext>
+            </p:extLst>
+          </p:nvPr>
+        </p:nvSpPr>
+        <p:spPr>
+          <a:xfrm>
+            <a:off x="446534" y="457200"/>
+            <a:ext cx="3703320" cy="94997"/>
+          </a:xfrm>
+          <a:prstGeom prst="rect">
+            <a:avLst/>
+          </a:prstGeom>
+          <a:solidFill>
+            <a:srgbClr val="465359"/>
+          </a:solidFill>
+          <a:ln>
+            <a:noFill/>
+          </a:ln>
+          <a:effectLst/>
+        </p:spPr>
+        <p:style>
+          <a:lnRef idx="1">
+            <a:schemeClr val="accent1"/>
+          </a:lnRef>
+          <a:fillRef idx="3">
+            <a:schemeClr val="accent1"/>
+          </a:fillRef>
+          <a:effectRef idx="2">
+            <a:schemeClr val="accent1"/>
+          </a:effectRef>
+          <a:fontRef idx="minor">
+            <a:schemeClr val="lt1"/>
+          </a:fontRef>
+        </p:style>
+      </p:sp>
+      <p:sp>
+        <p:nvSpPr>
+          <p:cNvPr id="39" name="Rectangle 19">
+            <a:extLst>
+              <a:ext uri="{FF2B5EF4-FFF2-40B4-BE49-F238E27FC236}">
+                <a16:creationId xmlns:a16="http://schemas.microsoft.com/office/drawing/2014/main" id="{B1D4C7A0-6DF2-4F2D-A45D-F111582974C7}"/>
+              </a:ext>
+              <a:ext uri="{C183D7F6-B498-43B3-948B-1728B52AA6E4}">
+                <adec:decorative xmlns:adec="http://schemas.microsoft.com/office/drawing/2017/decorative" val="1"/>
+              </a:ext>
+            </a:extLst>
+          </p:cNvPr>
+          <p:cNvSpPr>
+            <a:spLocks noGrp="1" noRot="1" noChangeAspect="1" noMove="1" noResize="1" noEditPoints="1" noAdjustHandles="1" noChangeArrowheads="1" noChangeShapeType="1" noTextEdit="1"/>
+          </p:cNvSpPr>
+          <p:nvPr>
+            <p:extLst>
+              <p:ext uri="{386F3935-93C4-4BCD-93E2-E3B085C9AB24}">
+                <p16:designElem xmlns:p16="http://schemas.microsoft.com/office/powerpoint/2015/main" val="1"/>
+              </p:ext>
+            </p:extLst>
+          </p:nvPr>
+        </p:nvSpPr>
+        <p:spPr>
+          <a:xfrm>
+            <a:off x="4241830" y="457200"/>
+            <a:ext cx="3703320" cy="91440"/>
+          </a:xfrm>
+          <a:prstGeom prst="rect">
+            <a:avLst/>
+          </a:prstGeom>
+          <a:solidFill>
+            <a:schemeClr val="accent1"/>
+          </a:solidFill>
+          <a:ln>
+            <a:noFill/>
+          </a:ln>
+          <a:effectLst/>
+        </p:spPr>
+        <p:style>
+          <a:lnRef idx="1">
+            <a:schemeClr val="accent1"/>
+          </a:lnRef>
+          <a:fillRef idx="3">
+            <a:schemeClr val="accent1"/>
+          </a:fillRef>
+          <a:effectRef idx="2">
+            <a:schemeClr val="accent1"/>
+          </a:effectRef>
+          <a:fontRef idx="minor">
+            <a:schemeClr val="lt1"/>
+          </a:fontRef>
+        </p:style>
+      </p:sp>
+      <p:sp>
+        <p:nvSpPr>
+          <p:cNvPr id="40" name="Rectangle 21">
+            <a:extLst>
+              <a:ext uri="{FF2B5EF4-FFF2-40B4-BE49-F238E27FC236}">
+                <a16:creationId xmlns:a16="http://schemas.microsoft.com/office/drawing/2014/main" id="{DBF3943D-BCB6-4B31-809D-A005686483B4}"/>
+              </a:ext>
+              <a:ext uri="{C183D7F6-B498-43B3-948B-1728B52AA6E4}">
+                <adec:decorative xmlns:adec="http://schemas.microsoft.com/office/drawing/2017/decorative" val="1"/>
+              </a:ext>
+            </a:extLst>
+          </p:cNvPr>
+          <p:cNvSpPr>
+            <a:spLocks noGrp="1" noRot="1" noChangeAspect="1" noMove="1" noResize="1" noEditPoints="1" noAdjustHandles="1" noChangeArrowheads="1" noChangeShapeType="1" noTextEdit="1"/>
+          </p:cNvSpPr>
+          <p:nvPr>
+            <p:extLst>
+              <p:ext uri="{386F3935-93C4-4BCD-93E2-E3B085C9AB24}">
+                <p16:designElem xmlns:p16="http://schemas.microsoft.com/office/powerpoint/2015/main" val="1"/>
+              </p:ext>
+            </p:extLst>
+          </p:nvPr>
+        </p:nvSpPr>
+        <p:spPr>
+          <a:xfrm>
+            <a:off x="8042147" y="453643"/>
+            <a:ext cx="3703320" cy="98554"/>
+          </a:xfrm>
+          <a:prstGeom prst="rect">
+            <a:avLst/>
+          </a:prstGeom>
+          <a:solidFill>
+            <a:srgbClr val="969FA7"/>
+          </a:solidFill>
+          <a:ln>
+            <a:noFill/>
+          </a:ln>
+          <a:effectLst/>
+        </p:spPr>
+        <p:style>
+          <a:lnRef idx="1">
+            <a:schemeClr val="accent1"/>
+          </a:lnRef>
+          <a:fillRef idx="3">
+            <a:schemeClr val="accent1"/>
+          </a:fillRef>
+          <a:effectRef idx="2">
+            <a:schemeClr val="accent1"/>
+          </a:effectRef>
+          <a:fontRef idx="minor">
+            <a:schemeClr val="lt1"/>
+          </a:fontRef>
+        </p:style>
+      </p:sp>
+      <p:sp>
+        <p:nvSpPr>
+          <p:cNvPr id="41" name="Rectangle 23">
+            <a:extLst>
+              <a:ext uri="{FF2B5EF4-FFF2-40B4-BE49-F238E27FC236}">
+                <a16:creationId xmlns:a16="http://schemas.microsoft.com/office/drawing/2014/main" id="{39373A6F-2E1F-4613-8E1D-D68057D29F31}"/>
+              </a:ext>
+              <a:ext uri="{C183D7F6-B498-43B3-948B-1728B52AA6E4}">
+                <adec:decorative xmlns:adec="http://schemas.microsoft.com/office/drawing/2017/decorative" val="1"/>
+              </a:ext>
+            </a:extLst>
+          </p:cNvPr>
+          <p:cNvSpPr>
+            <a:spLocks noGrp="1" noRot="1" noChangeAspect="1" noMove="1" noResize="1" noEditPoints="1" noAdjustHandles="1" noChangeArrowheads="1" noChangeShapeType="1" noTextEdit="1"/>
+          </p:cNvSpPr>
+          <p:nvPr>
+            <p:extLst>
+              <p:ext uri="{386F3935-93C4-4BCD-93E2-E3B085C9AB24}">
+                <p16:designElem xmlns:p16="http://schemas.microsoft.com/office/powerpoint/2015/main" val="1"/>
+              </p:ext>
+            </p:extLst>
+          </p:nvPr>
+        </p:nvSpPr>
+        <p:spPr>
+          <a:xfrm>
+            <a:off x="442377" y="601200"/>
+            <a:ext cx="3707477" cy="5624979"/>
+          </a:xfrm>
+          <a:prstGeom prst="rect">
+            <a:avLst/>
+          </a:prstGeom>
+          <a:solidFill>
+            <a:srgbClr val="465359"/>
+          </a:solidFill>
+          <a:ln>
+            <a:noFill/>
+          </a:ln>
+          <a:effectLst/>
+        </p:spPr>
+        <p:style>
+          <a:lnRef idx="1">
+            <a:schemeClr val="accent1"/>
+          </a:lnRef>
+          <a:fillRef idx="3">
+            <a:schemeClr val="accent1"/>
+          </a:fillRef>
+          <a:effectRef idx="2">
+            <a:schemeClr val="accent1"/>
+          </a:effectRef>
+          <a:fontRef idx="minor">
+            <a:schemeClr val="lt1"/>
+          </a:fontRef>
+        </p:style>
+      </p:sp>
+      <p:sp>
+        <p:nvSpPr>
+          <p:cNvPr id="2" name="Title 1">
+            <a:extLst>
+              <a:ext uri="{FF2B5EF4-FFF2-40B4-BE49-F238E27FC236}">
+                <a16:creationId xmlns:a16="http://schemas.microsoft.com/office/drawing/2014/main" id="{B55F5714-2E8E-4ACD-A2CD-04641C08956A}"/>
+              </a:ext>
+            </a:extLst>
+          </p:cNvPr>
+          <p:cNvSpPr>
+            <a:spLocks noGrp="1"/>
+          </p:cNvSpPr>
+          <p:nvPr>
+            <p:ph type="title"/>
+          </p:nvPr>
+        </p:nvSpPr>
+        <p:spPr>
+          <a:xfrm>
+            <a:off x="601255" y="702155"/>
+            <a:ext cx="3409783" cy="1300365"/>
+          </a:xfrm>
+        </p:spPr>
+        <p:txBody>
+          <a:bodyPr vert="horz" lIns="91440" tIns="45720" rIns="91440" bIns="45720" rtlCol="0" anchor="b">
             <a:normAutofit/>
           </a:bodyPr>
           <a:lstStyle/>
           <a:p>
             <a:pPr>
-              <a:buSzPts val="990"/>
+              <a:spcBef>
+                <a:spcPct val="0"/>
+              </a:spcBef>
             </a:pPr>
             <a:r>
-              <a:rPr lang="en" sz="2800">
-                <a:latin typeface="Lato"/>
-                <a:ea typeface="Lato"/>
-                <a:cs typeface="Lato"/>
-                <a:sym typeface="Lato"/>
+              <a:rPr lang="en-US" sz="2800" dirty="0">
+                <a:solidFill>
+                  <a:srgbClr val="FFFFFF"/>
+                </a:solidFill>
               </a:rPr>
-              <a:t>Final Project outcome , Dashboard and visualization</a:t>
+              <a:t>Connecting the Data to DB</a:t>
             </a:r>
-            <a:endParaRPr sz="2800">
-              <a:latin typeface="Lato"/>
-              <a:ea typeface="Lato"/>
-              <a:cs typeface="Lato"/>
-              <a:sym typeface="Lato"/>
+          </a:p>
+        </p:txBody>
+      </p:sp>
+      <p:sp>
+        <p:nvSpPr>
+          <p:cNvPr id="3" name="Text Placeholder 2">
+            <a:extLst>
+              <a:ext uri="{FF2B5EF4-FFF2-40B4-BE49-F238E27FC236}">
+                <a16:creationId xmlns:a16="http://schemas.microsoft.com/office/drawing/2014/main" id="{69967516-9E99-4B4D-AD6B-5B2B788CBAC4}"/>
+              </a:ext>
+            </a:extLst>
+          </p:cNvPr>
+          <p:cNvSpPr>
+            <a:spLocks noGrp="1"/>
+          </p:cNvSpPr>
+          <p:nvPr>
+            <p:ph type="body" idx="1"/>
+          </p:nvPr>
+        </p:nvSpPr>
+        <p:spPr>
+          <a:xfrm>
+            <a:off x="601255" y="2177142"/>
+            <a:ext cx="3409782" cy="3823607"/>
+          </a:xfrm>
+        </p:spPr>
+        <p:txBody>
+          <a:bodyPr vert="horz" lIns="91440" tIns="45720" rIns="91440" bIns="45720" rtlCol="0" anchor="ctr">
+            <a:normAutofit/>
+          </a:bodyPr>
+          <a:lstStyle/>
+          <a:p>
+            <a:pPr>
+              <a:spcBef>
+                <a:spcPct val="20000"/>
+              </a:spcBef>
+              <a:spcAft>
+                <a:spcPts val="600"/>
+              </a:spcAft>
+              <a:buSzPct val="92000"/>
+              <a:buFont typeface="Wingdings 2" panose="05020102010507070707" pitchFamily="18" charset="2"/>
+              <a:buChar char=""/>
+            </a:pPr>
+            <a:endParaRPr lang="en-US" dirty="0">
+              <a:solidFill>
+                <a:srgbClr val="FFFFFF"/>
+              </a:solidFill>
             </a:endParaRPr>
           </a:p>
         </p:txBody>
       </p:sp>
-      <p:sp>
-        <p:nvSpPr>
-          <p:cNvPr id="171" name="Google Shape;171;p19"/>
-          <p:cNvSpPr txBox="1">
-            <a:spLocks noGrp="1"/>
-          </p:cNvSpPr>
-          <p:nvPr>
-            <p:ph type="body" idx="1"/>
-          </p:nvPr>
-        </p:nvSpPr>
-        <p:spPr>
-          <a:xfrm>
-            <a:off x="1730000" y="2090067"/>
-            <a:ext cx="9385200" cy="3881600"/>
+      <p:pic>
+        <p:nvPicPr>
+          <p:cNvPr id="5" name="Picture 4" descr="Text&#10;&#10;Description automatically generated">
+            <a:extLst>
+              <a:ext uri="{FF2B5EF4-FFF2-40B4-BE49-F238E27FC236}">
+                <a16:creationId xmlns:a16="http://schemas.microsoft.com/office/drawing/2014/main" id="{8B5B965D-7B3D-4D15-A93E-78535B33A642}"/>
+              </a:ext>
+            </a:extLst>
+          </p:cNvPr>
+          <p:cNvPicPr>
+            <a:picLocks noChangeAspect="1"/>
+          </p:cNvPicPr>
+          <p:nvPr/>
+        </p:nvPicPr>
+        <p:blipFill>
+          <a:blip r:embed="rId2"/>
+          <a:stretch>
+            <a:fillRect/>
+          </a:stretch>
+        </p:blipFill>
+        <p:spPr>
+          <a:xfrm>
+            <a:off x="5585934" y="936141"/>
+            <a:ext cx="5635344" cy="5779842"/>
           </a:xfrm>
           <a:prstGeom prst="rect">
             <a:avLst/>
           </a:prstGeom>
         </p:spPr>
-        <p:txBody>
-          <a:bodyPr spcFirstLastPara="1" vert="horz" wrap="square" lIns="121900" tIns="121900" rIns="121900" bIns="121900" rtlCol="0" anchor="t" anchorCtr="0">
-            <a:normAutofit/>
-          </a:bodyPr>
-          <a:lstStyle/>
-          <a:p>
-            <a:r>
-              <a:rPr lang="en"/>
-              <a:t>Using  Tableau to visualize the following analysis outcome:</a:t>
-            </a:r>
-            <a:endParaRPr/>
-          </a:p>
-          <a:p>
-            <a:pPr lvl="1"/>
-            <a:r>
-              <a:rPr lang="en"/>
-              <a:t>Present at the county level in Ca  the  Avg. Sale Price vs. Predicted Ang. Price, Min Max Price Per SQF </a:t>
-            </a:r>
-            <a:endParaRPr/>
-          </a:p>
-          <a:p>
-            <a:pPr lvl="1"/>
-            <a:r>
-              <a:rPr lang="en"/>
-              <a:t>Top 5 Areas with the Highest prices. </a:t>
-            </a:r>
-            <a:endParaRPr/>
-          </a:p>
-          <a:p>
-            <a:pPr lvl="1"/>
-            <a:r>
-              <a:rPr lang="en"/>
-              <a:t>Bottom 5 areas with the lowest prices. l </a:t>
-            </a:r>
-            <a:endParaRPr/>
-          </a:p>
-        </p:txBody>
-      </p:sp>
+      </p:pic>
     </p:spTree>
+    <p:extLst>
+      <p:ext uri="{BB962C8B-B14F-4D97-AF65-F5344CB8AC3E}">
+        <p14:creationId xmlns:p14="http://schemas.microsoft.com/office/powerpoint/2010/main" val="3459769227"/>
+      </p:ext>
+    </p:extLst>
   </p:cSld>
   <p:clrMapOvr>
-    <a:masterClrMapping/>
+    <a:overrideClrMapping bg1="dk1" tx1="lt1" bg2="dk2" tx2="lt2" accent1="accent1" accent2="accent2" accent3="accent3" accent4="accent4" accent5="accent5" accent6="accent6" hlink="hlink" folHlink="folHlink"/>
   </p:clrMapOvr>
 </p:sld>
 </file>
@@ -7930,9 +12897,17 @@
 <file path=ppt/slides/slide9.xml><?xml version="1.0" encoding="utf-8"?>
 <p:sld xmlns:a="http://schemas.openxmlformats.org/drawingml/2006/main" xmlns:r="http://schemas.openxmlformats.org/officeDocument/2006/relationships" xmlns:p="http://schemas.openxmlformats.org/presentationml/2006/main">
   <p:cSld>
+    <p:bg>
+      <p:bgPr>
+        <a:solidFill>
+          <a:schemeClr val="bg1"/>
+        </a:solidFill>
+        <a:effectLst/>
+      </p:bgPr>
+    </p:bg>
     <p:spTree>
       <p:nvGrpSpPr>
-        <p:cNvPr id="1" name="Shape 175"/>
+        <p:cNvPr id="1" name=""/>
         <p:cNvGrpSpPr/>
         <p:nvPr/>
       </p:nvGrpSpPr>
@@ -7946,51 +12921,512 @@
       </p:grpSpPr>
       <p:sp>
         <p:nvSpPr>
-          <p:cNvPr id="176" name="Google Shape;176;p20"/>
-          <p:cNvSpPr txBox="1">
-            <a:spLocks noGrp="1"/>
-          </p:cNvSpPr>
-          <p:nvPr>
-            <p:ph type="title"/>
-          </p:nvPr>
-        </p:nvSpPr>
-        <p:spPr>
-          <a:xfrm>
-            <a:off x="1730000" y="525000"/>
-            <a:ext cx="9385200" cy="1218800"/>
+          <p:cNvPr id="11" name="Rectangle 10">
+            <a:extLst>
+              <a:ext uri="{FF2B5EF4-FFF2-40B4-BE49-F238E27FC236}">
+                <a16:creationId xmlns:a16="http://schemas.microsoft.com/office/drawing/2014/main" id="{DD651B61-325E-4E73-8445-38B0DE8AAAB6}"/>
+              </a:ext>
+              <a:ext uri="{C183D7F6-B498-43B3-948B-1728B52AA6E4}">
+                <adec:decorative xmlns:adec="http://schemas.microsoft.com/office/drawing/2017/decorative" val="1"/>
+              </a:ext>
+            </a:extLst>
+          </p:cNvPr>
+          <p:cNvSpPr>
+            <a:spLocks noGrp="1" noRot="1" noChangeAspect="1" noMove="1" noResize="1" noEditPoints="1" noAdjustHandles="1" noChangeArrowheads="1" noChangeShapeType="1" noTextEdit="1"/>
+          </p:cNvSpPr>
+          <p:nvPr>
+            <p:extLst>
+              <p:ext uri="{386F3935-93C4-4BCD-93E2-E3B085C9AB24}">
+                <p16:designElem xmlns:p16="http://schemas.microsoft.com/office/powerpoint/2015/main" val="1"/>
+              </p:ext>
+            </p:extLst>
+          </p:nvPr>
+        </p:nvSpPr>
+        <p:spPr>
+          <a:xfrm>
+            <a:off x="446534" y="457200"/>
+            <a:ext cx="3703320" cy="94997"/>
           </a:xfrm>
           <a:prstGeom prst="rect">
             <a:avLst/>
           </a:prstGeom>
-        </p:spPr>
+          <a:solidFill>
+            <a:srgbClr val="465359"/>
+          </a:solidFill>
+          <a:ln>
+            <a:noFill/>
+          </a:ln>
+          <a:effectLst/>
+        </p:spPr>
+        <p:style>
+          <a:lnRef idx="1">
+            <a:schemeClr val="accent1"/>
+          </a:lnRef>
+          <a:fillRef idx="3">
+            <a:schemeClr val="accent1"/>
+          </a:fillRef>
+          <a:effectRef idx="2">
+            <a:schemeClr val="accent1"/>
+          </a:effectRef>
+          <a:fontRef idx="minor">
+            <a:schemeClr val="lt1"/>
+          </a:fontRef>
+        </p:style>
+      </p:sp>
+      <p:sp>
+        <p:nvSpPr>
+          <p:cNvPr id="13" name="Rectangle 12">
+            <a:extLst>
+              <a:ext uri="{FF2B5EF4-FFF2-40B4-BE49-F238E27FC236}">
+                <a16:creationId xmlns:a16="http://schemas.microsoft.com/office/drawing/2014/main" id="{B42E5253-D3AC-4AC2-B766-8B34F13C2F5E}"/>
+              </a:ext>
+              <a:ext uri="{C183D7F6-B498-43B3-948B-1728B52AA6E4}">
+                <adec:decorative xmlns:adec="http://schemas.microsoft.com/office/drawing/2017/decorative" val="1"/>
+              </a:ext>
+            </a:extLst>
+          </p:cNvPr>
+          <p:cNvSpPr>
+            <a:spLocks noGrp="1" noRot="1" noChangeAspect="1" noMove="1" noResize="1" noEditPoints="1" noAdjustHandles="1" noChangeArrowheads="1" noChangeShapeType="1" noTextEdit="1"/>
+          </p:cNvSpPr>
+          <p:nvPr>
+            <p:extLst>
+              <p:ext uri="{386F3935-93C4-4BCD-93E2-E3B085C9AB24}">
+                <p16:designElem xmlns:p16="http://schemas.microsoft.com/office/powerpoint/2015/main" val="1"/>
+              </p:ext>
+            </p:extLst>
+          </p:nvPr>
+        </p:nvSpPr>
+        <p:spPr>
+          <a:xfrm>
+            <a:off x="8042147" y="453643"/>
+            <a:ext cx="3703320" cy="98554"/>
+          </a:xfrm>
+          <a:prstGeom prst="rect">
+            <a:avLst/>
+          </a:prstGeom>
+          <a:solidFill>
+            <a:srgbClr val="969FA7"/>
+          </a:solidFill>
+          <a:ln>
+            <a:noFill/>
+          </a:ln>
+          <a:effectLst/>
+        </p:spPr>
+        <p:style>
+          <a:lnRef idx="1">
+            <a:schemeClr val="accent1"/>
+          </a:lnRef>
+          <a:fillRef idx="3">
+            <a:schemeClr val="accent1"/>
+          </a:fillRef>
+          <a:effectRef idx="2">
+            <a:schemeClr val="accent1"/>
+          </a:effectRef>
+          <a:fontRef idx="minor">
+            <a:schemeClr val="lt1"/>
+          </a:fontRef>
+        </p:style>
+      </p:sp>
+      <p:sp>
+        <p:nvSpPr>
+          <p:cNvPr id="15" name="Rectangle 14">
+            <a:extLst>
+              <a:ext uri="{FF2B5EF4-FFF2-40B4-BE49-F238E27FC236}">
+                <a16:creationId xmlns:a16="http://schemas.microsoft.com/office/drawing/2014/main" id="{10AE8D57-436A-4073-9A75-15BB5949F8B4}"/>
+              </a:ext>
+              <a:ext uri="{C183D7F6-B498-43B3-948B-1728B52AA6E4}">
+                <adec:decorative xmlns:adec="http://schemas.microsoft.com/office/drawing/2017/decorative" val="1"/>
+              </a:ext>
+            </a:extLst>
+          </p:cNvPr>
+          <p:cNvSpPr>
+            <a:spLocks noGrp="1" noRot="1" noChangeAspect="1" noMove="1" noResize="1" noEditPoints="1" noAdjustHandles="1" noChangeArrowheads="1" noChangeShapeType="1" noTextEdit="1"/>
+          </p:cNvSpPr>
+          <p:nvPr>
+            <p:extLst>
+              <p:ext uri="{386F3935-93C4-4BCD-93E2-E3B085C9AB24}">
+                <p16:designElem xmlns:p16="http://schemas.microsoft.com/office/powerpoint/2015/main" val="1"/>
+              </p:ext>
+            </p:extLst>
+          </p:nvPr>
+        </p:nvSpPr>
+        <p:spPr>
+          <a:xfrm>
+            <a:off x="4241830" y="457200"/>
+            <a:ext cx="3703320" cy="91440"/>
+          </a:xfrm>
+          <a:prstGeom prst="rect">
+            <a:avLst/>
+          </a:prstGeom>
+          <a:solidFill>
+            <a:schemeClr val="accent1"/>
+          </a:solidFill>
+          <a:ln>
+            <a:noFill/>
+          </a:ln>
+          <a:effectLst/>
+        </p:spPr>
+        <p:style>
+          <a:lnRef idx="1">
+            <a:schemeClr val="accent1"/>
+          </a:lnRef>
+          <a:fillRef idx="3">
+            <a:schemeClr val="accent1"/>
+          </a:fillRef>
+          <a:effectRef idx="2">
+            <a:schemeClr val="accent1"/>
+          </a:effectRef>
+          <a:fontRef idx="minor">
+            <a:schemeClr val="lt1"/>
+          </a:fontRef>
+        </p:style>
+      </p:sp>
+      <p:sp>
+        <p:nvSpPr>
+          <p:cNvPr id="17" name="Rectangle 16">
+            <a:extLst>
+              <a:ext uri="{FF2B5EF4-FFF2-40B4-BE49-F238E27FC236}">
+                <a16:creationId xmlns:a16="http://schemas.microsoft.com/office/drawing/2014/main" id="{E9751CB9-7B25-4EB8-9A6F-82F822549F12}"/>
+              </a:ext>
+              <a:ext uri="{C183D7F6-B498-43B3-948B-1728B52AA6E4}">
+                <adec:decorative xmlns:adec="http://schemas.microsoft.com/office/drawing/2017/decorative" val="1"/>
+              </a:ext>
+            </a:extLst>
+          </p:cNvPr>
+          <p:cNvSpPr>
+            <a:spLocks noGrp="1" noRot="1" noChangeAspect="1" noMove="1" noResize="1" noEditPoints="1" noAdjustHandles="1" noChangeArrowheads="1" noChangeShapeType="1" noTextEdit="1"/>
+          </p:cNvSpPr>
+          <p:nvPr>
+            <p:extLst>
+              <p:ext uri="{386F3935-93C4-4BCD-93E2-E3B085C9AB24}">
+                <p16:designElem xmlns:p16="http://schemas.microsoft.com/office/powerpoint/2015/main" val="1"/>
+              </p:ext>
+            </p:extLst>
+          </p:nvPr>
+        </p:nvSpPr>
+        <p:spPr>
+          <a:xfrm>
+            <a:off x="0" y="0"/>
+            <a:ext cx="12192000" cy="6858000"/>
+          </a:xfrm>
+          <a:prstGeom prst="rect">
+            <a:avLst/>
+          </a:prstGeom>
+          <a:solidFill>
+            <a:srgbClr val="FFFFFF"/>
+          </a:solidFill>
+          <a:ln>
+            <a:noFill/>
+          </a:ln>
+        </p:spPr>
+        <p:style>
+          <a:lnRef idx="2">
+            <a:schemeClr val="accent1">
+              <a:shade val="50000"/>
+            </a:schemeClr>
+          </a:lnRef>
+          <a:fillRef idx="1">
+            <a:schemeClr val="accent1"/>
+          </a:fillRef>
+          <a:effectRef idx="0">
+            <a:schemeClr val="accent1"/>
+          </a:effectRef>
+          <a:fontRef idx="minor">
+            <a:schemeClr val="lt1"/>
+          </a:fontRef>
+        </p:style>
         <p:txBody>
-          <a:bodyPr spcFirstLastPara="1" vert="horz" wrap="square" lIns="121900" tIns="121900" rIns="121900" bIns="121900" rtlCol="0" anchor="t" anchorCtr="0">
+          <a:bodyPr rtlCol="0" anchor="ctr"/>
+          <a:lstStyle/>
+          <a:p>
+            <a:pPr algn="ctr"/>
+            <a:endParaRPr lang="en-US"/>
+          </a:p>
+        </p:txBody>
+      </p:sp>
+      <p:sp>
+        <p:nvSpPr>
+          <p:cNvPr id="19" name="Rectangle 18">
+            <a:extLst>
+              <a:ext uri="{FF2B5EF4-FFF2-40B4-BE49-F238E27FC236}">
+                <a16:creationId xmlns:a16="http://schemas.microsoft.com/office/drawing/2014/main" id="{E1317383-CF3B-4B02-9512-BECBEF6362A4}"/>
+              </a:ext>
+              <a:ext uri="{C183D7F6-B498-43B3-948B-1728B52AA6E4}">
+                <adec:decorative xmlns:adec="http://schemas.microsoft.com/office/drawing/2017/decorative" val="1"/>
+              </a:ext>
+            </a:extLst>
+          </p:cNvPr>
+          <p:cNvSpPr>
+            <a:spLocks noGrp="1" noRot="1" noChangeAspect="1" noMove="1" noResize="1" noEditPoints="1" noAdjustHandles="1" noChangeArrowheads="1" noChangeShapeType="1" noTextEdit="1"/>
+          </p:cNvSpPr>
+          <p:nvPr>
+            <p:extLst>
+              <p:ext uri="{386F3935-93C4-4BCD-93E2-E3B085C9AB24}">
+                <p16:designElem xmlns:p16="http://schemas.microsoft.com/office/powerpoint/2015/main" val="1"/>
+              </p:ext>
+            </p:extLst>
+          </p:nvPr>
+        </p:nvSpPr>
+        <p:spPr>
+          <a:xfrm>
+            <a:off x="446534" y="457200"/>
+            <a:ext cx="3703320" cy="94997"/>
+          </a:xfrm>
+          <a:prstGeom prst="rect">
+            <a:avLst/>
+          </a:prstGeom>
+          <a:solidFill>
+            <a:srgbClr val="465359"/>
+          </a:solidFill>
+          <a:ln>
+            <a:noFill/>
+          </a:ln>
+          <a:effectLst/>
+        </p:spPr>
+        <p:style>
+          <a:lnRef idx="1">
+            <a:schemeClr val="accent1"/>
+          </a:lnRef>
+          <a:fillRef idx="3">
+            <a:schemeClr val="accent1"/>
+          </a:fillRef>
+          <a:effectRef idx="2">
+            <a:schemeClr val="accent1"/>
+          </a:effectRef>
+          <a:fontRef idx="minor">
+            <a:schemeClr val="lt1"/>
+          </a:fontRef>
+        </p:style>
+      </p:sp>
+      <p:sp>
+        <p:nvSpPr>
+          <p:cNvPr id="21" name="Rectangle 20">
+            <a:extLst>
+              <a:ext uri="{FF2B5EF4-FFF2-40B4-BE49-F238E27FC236}">
+                <a16:creationId xmlns:a16="http://schemas.microsoft.com/office/drawing/2014/main" id="{B1D4C7A0-6DF2-4F2D-A45D-F111582974C7}"/>
+              </a:ext>
+              <a:ext uri="{C183D7F6-B498-43B3-948B-1728B52AA6E4}">
+                <adec:decorative xmlns:adec="http://schemas.microsoft.com/office/drawing/2017/decorative" val="1"/>
+              </a:ext>
+            </a:extLst>
+          </p:cNvPr>
+          <p:cNvSpPr>
+            <a:spLocks noGrp="1" noRot="1" noChangeAspect="1" noMove="1" noResize="1" noEditPoints="1" noAdjustHandles="1" noChangeArrowheads="1" noChangeShapeType="1" noTextEdit="1"/>
+          </p:cNvSpPr>
+          <p:nvPr>
+            <p:extLst>
+              <p:ext uri="{386F3935-93C4-4BCD-93E2-E3B085C9AB24}">
+                <p16:designElem xmlns:p16="http://schemas.microsoft.com/office/powerpoint/2015/main" val="1"/>
+              </p:ext>
+            </p:extLst>
+          </p:nvPr>
+        </p:nvSpPr>
+        <p:spPr>
+          <a:xfrm>
+            <a:off x="4241830" y="457200"/>
+            <a:ext cx="3703320" cy="91440"/>
+          </a:xfrm>
+          <a:prstGeom prst="rect">
+            <a:avLst/>
+          </a:prstGeom>
+          <a:solidFill>
+            <a:schemeClr val="accent1"/>
+          </a:solidFill>
+          <a:ln>
+            <a:noFill/>
+          </a:ln>
+          <a:effectLst/>
+        </p:spPr>
+        <p:style>
+          <a:lnRef idx="1">
+            <a:schemeClr val="accent1"/>
+          </a:lnRef>
+          <a:fillRef idx="3">
+            <a:schemeClr val="accent1"/>
+          </a:fillRef>
+          <a:effectRef idx="2">
+            <a:schemeClr val="accent1"/>
+          </a:effectRef>
+          <a:fontRef idx="minor">
+            <a:schemeClr val="lt1"/>
+          </a:fontRef>
+        </p:style>
+      </p:sp>
+      <p:sp>
+        <p:nvSpPr>
+          <p:cNvPr id="23" name="Rectangle 22">
+            <a:extLst>
+              <a:ext uri="{FF2B5EF4-FFF2-40B4-BE49-F238E27FC236}">
+                <a16:creationId xmlns:a16="http://schemas.microsoft.com/office/drawing/2014/main" id="{DBF3943D-BCB6-4B31-809D-A005686483B4}"/>
+              </a:ext>
+              <a:ext uri="{C183D7F6-B498-43B3-948B-1728B52AA6E4}">
+                <adec:decorative xmlns:adec="http://schemas.microsoft.com/office/drawing/2017/decorative" val="1"/>
+              </a:ext>
+            </a:extLst>
+          </p:cNvPr>
+          <p:cNvSpPr>
+            <a:spLocks noGrp="1" noRot="1" noChangeAspect="1" noMove="1" noResize="1" noEditPoints="1" noAdjustHandles="1" noChangeArrowheads="1" noChangeShapeType="1" noTextEdit="1"/>
+          </p:cNvSpPr>
+          <p:nvPr>
+            <p:extLst>
+              <p:ext uri="{386F3935-93C4-4BCD-93E2-E3B085C9AB24}">
+                <p16:designElem xmlns:p16="http://schemas.microsoft.com/office/powerpoint/2015/main" val="1"/>
+              </p:ext>
+            </p:extLst>
+          </p:nvPr>
+        </p:nvSpPr>
+        <p:spPr>
+          <a:xfrm>
+            <a:off x="8042147" y="453643"/>
+            <a:ext cx="3703320" cy="98554"/>
+          </a:xfrm>
+          <a:prstGeom prst="rect">
+            <a:avLst/>
+          </a:prstGeom>
+          <a:solidFill>
+            <a:srgbClr val="969FA7"/>
+          </a:solidFill>
+          <a:ln>
+            <a:noFill/>
+          </a:ln>
+          <a:effectLst/>
+        </p:spPr>
+        <p:style>
+          <a:lnRef idx="1">
+            <a:schemeClr val="accent1"/>
+          </a:lnRef>
+          <a:fillRef idx="3">
+            <a:schemeClr val="accent1"/>
+          </a:fillRef>
+          <a:effectRef idx="2">
+            <a:schemeClr val="accent1"/>
+          </a:effectRef>
+          <a:fontRef idx="minor">
+            <a:schemeClr val="lt1"/>
+          </a:fontRef>
+        </p:style>
+      </p:sp>
+      <p:sp>
+        <p:nvSpPr>
+          <p:cNvPr id="25" name="Rectangle 24">
+            <a:extLst>
+              <a:ext uri="{FF2B5EF4-FFF2-40B4-BE49-F238E27FC236}">
+                <a16:creationId xmlns:a16="http://schemas.microsoft.com/office/drawing/2014/main" id="{39373A6F-2E1F-4613-8E1D-D68057D29F31}"/>
+              </a:ext>
+              <a:ext uri="{C183D7F6-B498-43B3-948B-1728B52AA6E4}">
+                <adec:decorative xmlns:adec="http://schemas.microsoft.com/office/drawing/2017/decorative" val="1"/>
+              </a:ext>
+            </a:extLst>
+          </p:cNvPr>
+          <p:cNvSpPr>
+            <a:spLocks noGrp="1" noRot="1" noChangeAspect="1" noMove="1" noResize="1" noEditPoints="1" noAdjustHandles="1" noChangeArrowheads="1" noChangeShapeType="1" noTextEdit="1"/>
+          </p:cNvSpPr>
+          <p:nvPr>
+            <p:extLst>
+              <p:ext uri="{386F3935-93C4-4BCD-93E2-E3B085C9AB24}">
+                <p16:designElem xmlns:p16="http://schemas.microsoft.com/office/powerpoint/2015/main" val="1"/>
+              </p:ext>
+            </p:extLst>
+          </p:nvPr>
+        </p:nvSpPr>
+        <p:spPr>
+          <a:xfrm>
+            <a:off x="442377" y="601200"/>
+            <a:ext cx="3707477" cy="5624979"/>
+          </a:xfrm>
+          <a:prstGeom prst="rect">
+            <a:avLst/>
+          </a:prstGeom>
+          <a:solidFill>
+            <a:srgbClr val="465359"/>
+          </a:solidFill>
+          <a:ln>
+            <a:noFill/>
+          </a:ln>
+          <a:effectLst/>
+        </p:spPr>
+        <p:style>
+          <a:lnRef idx="1">
+            <a:schemeClr val="accent1"/>
+          </a:lnRef>
+          <a:fillRef idx="3">
+            <a:schemeClr val="accent1"/>
+          </a:fillRef>
+          <a:effectRef idx="2">
+            <a:schemeClr val="accent1"/>
+          </a:effectRef>
+          <a:fontRef idx="minor">
+            <a:schemeClr val="lt1"/>
+          </a:fontRef>
+        </p:style>
+      </p:sp>
+      <p:sp>
+        <p:nvSpPr>
+          <p:cNvPr id="2" name="Title 1">
+            <a:extLst>
+              <a:ext uri="{FF2B5EF4-FFF2-40B4-BE49-F238E27FC236}">
+                <a16:creationId xmlns:a16="http://schemas.microsoft.com/office/drawing/2014/main" id="{B55F5714-2E8E-4ACD-A2CD-04641C08956A}"/>
+              </a:ext>
+            </a:extLst>
+          </p:cNvPr>
+          <p:cNvSpPr>
+            <a:spLocks noGrp="1"/>
+          </p:cNvSpPr>
+          <p:nvPr>
+            <p:ph type="title"/>
+          </p:nvPr>
+        </p:nvSpPr>
+        <p:spPr>
+          <a:xfrm>
+            <a:off x="601255" y="702155"/>
+            <a:ext cx="3409783" cy="1300365"/>
+          </a:xfrm>
+        </p:spPr>
+        <p:txBody>
+          <a:bodyPr vert="horz" lIns="91440" tIns="45720" rIns="91440" bIns="45720" rtlCol="0" anchor="b">
             <a:normAutofit/>
           </a:bodyPr>
           <a:lstStyle/>
           <a:p>
+            <a:pPr>
+              <a:spcBef>
+                <a:spcPct val="0"/>
+              </a:spcBef>
+            </a:pPr>
             <a:r>
-              <a:rPr lang="en" sz="2800">
-                <a:latin typeface="Lato"/>
-                <a:ea typeface="Lato"/>
-                <a:cs typeface="Lato"/>
-                <a:sym typeface="Lato"/>
+              <a:rPr lang="en-US" sz="2800" dirty="0">
+                <a:solidFill>
+                  <a:srgbClr val="FFFFFF"/>
+                </a:solidFill>
               </a:rPr>
-              <a:t>Technologies, languages, tools, and algorithms used throughout the project</a:t>
+              <a:t>REGRESSION </a:t>
             </a:r>
-            <a:endParaRPr sz="2800">
-              <a:latin typeface="Lato"/>
-              <a:ea typeface="Lato"/>
-              <a:cs typeface="Lato"/>
-              <a:sym typeface="Lato"/>
+            <a:r>
+              <a:rPr lang="en-US" sz="2800">
+                <a:solidFill>
+                  <a:srgbClr val="FFFFFF"/>
+                </a:solidFill>
+              </a:rPr>
+              <a:t>mODEL</a:t>
+            </a:r>
+            <a:endParaRPr lang="en-US" sz="2800" dirty="0">
+              <a:solidFill>
+                <a:srgbClr val="FFFFFF"/>
+              </a:solidFill>
             </a:endParaRPr>
           </a:p>
         </p:txBody>
       </p:sp>
       <p:sp>
         <p:nvSpPr>
-          <p:cNvPr id="177" name="Google Shape;177;p20"/>
-          <p:cNvSpPr txBox="1">
+          <p:cNvPr id="3" name="Text Placeholder 2">
+            <a:extLst>
+              <a:ext uri="{FF2B5EF4-FFF2-40B4-BE49-F238E27FC236}">
+                <a16:creationId xmlns:a16="http://schemas.microsoft.com/office/drawing/2014/main" id="{69967516-9E99-4B4D-AD6B-5B2B788CBAC4}"/>
+              </a:ext>
+            </a:extLst>
+          </p:cNvPr>
+          <p:cNvSpPr>
             <a:spLocks noGrp="1"/>
           </p:cNvSpPr>
           <p:nvPr>
@@ -7999,66 +13435,123 @@
         </p:nvSpPr>
         <p:spPr>
           <a:xfrm>
-            <a:off x="1730000" y="2090067"/>
-            <a:ext cx="9385200" cy="3881600"/>
+            <a:off x="601255" y="2177142"/>
+            <a:ext cx="3409782" cy="3823607"/>
+          </a:xfrm>
+        </p:spPr>
+        <p:txBody>
+          <a:bodyPr vert="horz" lIns="91440" tIns="45720" rIns="91440" bIns="45720" rtlCol="0" anchor="ctr">
+            <a:normAutofit/>
+          </a:bodyPr>
+          <a:lstStyle/>
+          <a:p>
+            <a:pPr>
+              <a:spcBef>
+                <a:spcPct val="20000"/>
+              </a:spcBef>
+              <a:spcAft>
+                <a:spcPts val="600"/>
+              </a:spcAft>
+              <a:buSzPct val="92000"/>
+              <a:buFont typeface="Wingdings 2" panose="05020102010507070707" pitchFamily="18" charset="2"/>
+              <a:buChar char=""/>
+            </a:pPr>
+            <a:r>
+              <a:rPr lang="en-US" dirty="0">
+                <a:solidFill>
+                  <a:srgbClr val="FFFFFF"/>
+                </a:solidFill>
+              </a:rPr>
+              <a:t>Run ML Linear regression using </a:t>
+            </a:r>
+            <a:r>
+              <a:rPr lang="en-US" dirty="0" err="1">
+                <a:solidFill>
+                  <a:srgbClr val="FFFFFF"/>
+                </a:solidFill>
+              </a:rPr>
+              <a:t>sklearn</a:t>
+            </a:r>
+            <a:r>
+              <a:rPr lang="en-US" dirty="0">
+                <a:solidFill>
+                  <a:srgbClr val="FFFFFF"/>
+                </a:solidFill>
+              </a:rPr>
+              <a:t>  model</a:t>
+            </a:r>
+          </a:p>
+        </p:txBody>
+      </p:sp>
+      <p:pic>
+        <p:nvPicPr>
+          <p:cNvPr id="6" name="Picture 5" descr="Text&#10;&#10;Description automatically generated">
+            <a:extLst>
+              <a:ext uri="{FF2B5EF4-FFF2-40B4-BE49-F238E27FC236}">
+                <a16:creationId xmlns:a16="http://schemas.microsoft.com/office/drawing/2014/main" id="{7DF77E5E-41BD-46EE-A3A3-AAFB002A5046}"/>
+              </a:ext>
+            </a:extLst>
+          </p:cNvPr>
+          <p:cNvPicPr>
+            <a:picLocks noChangeAspect="1"/>
+          </p:cNvPicPr>
+          <p:nvPr/>
+        </p:nvPicPr>
+        <p:blipFill>
+          <a:blip r:embed="rId2"/>
+          <a:stretch>
+            <a:fillRect/>
+          </a:stretch>
+        </p:blipFill>
+        <p:spPr>
+          <a:xfrm>
+            <a:off x="4592231" y="702155"/>
+            <a:ext cx="6831503" cy="3227884"/>
           </a:xfrm>
           <a:prstGeom prst="rect">
             <a:avLst/>
           </a:prstGeom>
         </p:spPr>
-        <p:txBody>
-          <a:bodyPr spcFirstLastPara="1" vert="horz" wrap="square" lIns="121900" tIns="121900" rIns="121900" bIns="121900" rtlCol="0" anchor="t" anchorCtr="0">
-            <a:normAutofit/>
-          </a:bodyPr>
-          <a:lstStyle/>
-          <a:p>
-            <a:r>
-              <a:rPr lang="en"/>
-              <a:t>Python :  Pandas, PySpark </a:t>
-            </a:r>
-            <a:endParaRPr/>
-          </a:p>
-          <a:p>
-            <a:r>
-              <a:rPr lang="en"/>
-              <a:t>SQLAlchemy </a:t>
-            </a:r>
-            <a:endParaRPr/>
-          </a:p>
-          <a:p>
-            <a:r>
-              <a:rPr lang="en"/>
-              <a:t>Postgres </a:t>
-            </a:r>
-            <a:endParaRPr/>
-          </a:p>
-          <a:p>
-            <a:r>
-              <a:rPr lang="en"/>
-              <a:t>Google CoLab </a:t>
-            </a:r>
-            <a:endParaRPr/>
-          </a:p>
-          <a:p>
-            <a:r>
-              <a:rPr lang="en"/>
-              <a:t>Google Docs. </a:t>
-            </a:r>
-            <a:endParaRPr/>
-          </a:p>
-          <a:p>
-            <a:r>
-              <a:rPr lang="en"/>
-              <a:t>Python ML Models: Linear regression , Keras for neural network ML Model. </a:t>
-            </a:r>
-            <a:endParaRPr/>
-          </a:p>
-        </p:txBody>
-      </p:sp>
+      </p:pic>
+      <p:pic>
+        <p:nvPicPr>
+          <p:cNvPr id="9" name="Picture 8">
+            <a:extLst>
+              <a:ext uri="{FF2B5EF4-FFF2-40B4-BE49-F238E27FC236}">
+                <a16:creationId xmlns:a16="http://schemas.microsoft.com/office/drawing/2014/main" id="{8E762E97-C788-474E-9807-95085FC407C2}"/>
+              </a:ext>
+            </a:extLst>
+          </p:cNvPr>
+          <p:cNvPicPr>
+            <a:picLocks noChangeAspect="1"/>
+          </p:cNvPicPr>
+          <p:nvPr/>
+        </p:nvPicPr>
+        <p:blipFill>
+          <a:blip r:embed="rId3"/>
+          <a:stretch>
+            <a:fillRect/>
+          </a:stretch>
+        </p:blipFill>
+        <p:spPr>
+          <a:xfrm>
+            <a:off x="4592231" y="3981443"/>
+            <a:ext cx="6908032" cy="750420"/>
+          </a:xfrm>
+          <a:prstGeom prst="rect">
+            <a:avLst/>
+          </a:prstGeom>
+        </p:spPr>
+      </p:pic>
     </p:spTree>
+    <p:extLst>
+      <p:ext uri="{BB962C8B-B14F-4D97-AF65-F5344CB8AC3E}">
+        <p14:creationId xmlns:p14="http://schemas.microsoft.com/office/powerpoint/2010/main" val="2079646977"/>
+      </p:ext>
+    </p:extLst>
   </p:cSld>
   <p:clrMapOvr>
-    <a:masterClrMapping/>
+    <a:overrideClrMapping bg1="dk1" tx1="lt1" bg2="dk2" tx2="lt2" accent1="accent1" accent2="accent2" accent3="accent3" accent4="accent4" accent5="accent5" accent6="accent6" hlink="hlink" folHlink="folHlink"/>
   </p:clrMapOvr>
 </p:sld>
 </file>
@@ -8849,21 +14342,21 @@
 </file>
 
 <file path=customXml/item2.xml><?xml version="1.0" encoding="utf-8"?>
+<p:properties xmlns:p="http://schemas.microsoft.com/office/2006/metadata/properties" xmlns:xsi="http://www.w3.org/2001/XMLSchema-instance" xmlns:pc="http://schemas.microsoft.com/office/infopath/2007/PartnerControls">
+  <documentManagement>
+    <Status xmlns="71af3243-3dd4-4a8d-8c0d-dd76da1f02a5">Not started</Status>
+    <MediaServiceKeyPoints xmlns="71af3243-3dd4-4a8d-8c0d-dd76da1f02a5" xsi:nil="true"/>
+  </documentManagement>
+</p:properties>
+</file>
+
+<file path=customXml/item3.xml><?xml version="1.0" encoding="utf-8"?>
 <?mso-contentType ?>
 <FormTemplates xmlns="http://schemas.microsoft.com/sharepoint/v3/contenttype/forms">
   <Display>DocumentLibraryForm</Display>
   <Edit>DocumentLibraryForm</Edit>
   <New>DocumentLibraryForm</New>
 </FormTemplates>
-</file>
-
-<file path=customXml/item3.xml><?xml version="1.0" encoding="utf-8"?>
-<p:properties xmlns:p="http://schemas.microsoft.com/office/2006/metadata/properties" xmlns:xsi="http://www.w3.org/2001/XMLSchema-instance" xmlns:pc="http://schemas.microsoft.com/office/infopath/2007/PartnerControls">
-  <documentManagement>
-    <Status xmlns="71af3243-3dd4-4a8d-8c0d-dd76da1f02a5">Not started</Status>
-    <MediaServiceKeyPoints xmlns="71af3243-3dd4-4a8d-8c0d-dd76da1f02a5" xsi:nil="true"/>
-  </documentManagement>
-</p:properties>
 </file>
 
 <file path=customXml/itemProps1.xml><?xml version="1.0" encoding="utf-8"?>
@@ -8886,14 +14379,6 @@
 </file>
 
 <file path=customXml/itemProps2.xml><?xml version="1.0" encoding="utf-8"?>
-<ds:datastoreItem xmlns:ds="http://schemas.openxmlformats.org/officeDocument/2006/customXml" ds:itemID="{927BD4C1-B6B1-4715-ABF9-E660A51A4EA0}">
-  <ds:schemaRefs>
-    <ds:schemaRef ds:uri="http://schemas.microsoft.com/sharepoint/v3/contenttype/forms"/>
-  </ds:schemaRefs>
-</ds:datastoreItem>
-</file>
-
-<file path=customXml/itemProps3.xml><?xml version="1.0" encoding="utf-8"?>
 <ds:datastoreItem xmlns:ds="http://schemas.openxmlformats.org/officeDocument/2006/customXml" ds:itemID="{8D289AE2-D2AE-49D1-AFAC-3A79F6794255}">
   <ds:schemaRefs>
     <ds:schemaRef ds:uri="http://schemas.microsoft.com/office/2006/metadata/properties"/>
@@ -8901,4 +14386,12 @@
     <ds:schemaRef ds:uri="71af3243-3dd4-4a8d-8c0d-dd76da1f02a5"/>
   </ds:schemaRefs>
 </ds:datastoreItem>
+</file>
+
+<file path=customXml/itemProps3.xml><?xml version="1.0" encoding="utf-8"?>
+<ds:datastoreItem xmlns:ds="http://schemas.openxmlformats.org/officeDocument/2006/customXml" ds:itemID="{927BD4C1-B6B1-4715-ABF9-E660A51A4EA0}">
+  <ds:schemaRefs>
+    <ds:schemaRef ds:uri="http://schemas.microsoft.com/sharepoint/v3/contenttype/forms"/>
+  </ds:schemaRefs>
+</ds:datastoreItem>
 </file>